--- a/design.pptx
+++ b/design.pptx
@@ -5,10 +5,10 @@
     <p:sldMasterId id="2147483935" r:id="rId4"/>
   </p:sldMasterIdLst>
   <p:notesMasterIdLst>
-    <p:notesMasterId r:id="rId22"/>
+    <p:notesMasterId r:id="rId21"/>
   </p:notesMasterIdLst>
   <p:handoutMasterIdLst>
-    <p:handoutMasterId r:id="rId23"/>
+    <p:handoutMasterId r:id="rId22"/>
   </p:handoutMasterIdLst>
   <p:sldIdLst>
     <p:sldId id="318" r:id="rId5"/>
@@ -27,7 +27,6 @@
     <p:sldId id="626" r:id="rId18"/>
     <p:sldId id="548" r:id="rId19"/>
     <p:sldId id="571" r:id="rId20"/>
-    <p:sldId id="264" r:id="rId21"/>
   </p:sldIdLst>
   <p:sldSz cx="12188825" cy="6858000"/>
   <p:notesSz cx="7010400" cy="9296400"/>
@@ -271,7 +270,7 @@
           <a:p>
             <a:fld id="{0B842F42-2CE9-4E35-95C1-410DC08A50B1}" type="datetimeFigureOut">
               <a:rPr lang="en-US" smtClean="0"/>
-              <a:t>3/22/2021</a:t>
+              <a:t>5/21/2021</a:t>
             </a:fld>
             <a:endParaRPr lang="en-US"/>
           </a:p>
@@ -436,7 +435,7 @@
           <a:p>
             <a:fld id="{6F282904-F315-4730-8D91-37D99E141A6F}" type="datetimeFigureOut">
               <a:rPr lang="en-US" smtClean="0"/>
-              <a:t>3/22/2021</a:t>
+              <a:t>5/21/2021</a:t>
             </a:fld>
             <a:endParaRPr lang="en-US"/>
           </a:p>
@@ -2219,7 +2218,7 @@
           <a:p>
             <a:fld id="{68F49DD1-DDB5-AB43-B311-7649AD474C82}" type="datetimeFigureOut">
               <a:rPr lang="en-US" smtClean="0"/>
-              <a:t>3/22/2021</a:t>
+              <a:t>5/21/2021</a:t>
             </a:fld>
             <a:endParaRPr lang="en-US"/>
           </a:p>
@@ -5709,14 +5708,6 @@
   <p:clrMapOvr>
     <a:masterClrMapping/>
   </p:clrMapOvr>
-  <mc:AlternateContent xmlns:mc="http://schemas.openxmlformats.org/markup-compatibility/2006" xmlns:p14="http://schemas.microsoft.com/office/powerpoint/2010/main">
-    <mc:Choice Requires="p14">
-      <p:transition spd="slow" p14:dur="2000" advTm="20927"/>
-    </mc:Choice>
-    <mc:Fallback xmlns="">
-      <p:transition spd="slow" advTm="20927"/>
-    </mc:Fallback>
-  </mc:AlternateContent>
 </p:sld>
 </file>
 
@@ -5924,14 +5915,6 @@
   <p:clrMapOvr>
     <a:masterClrMapping/>
   </p:clrMapOvr>
-  <mc:AlternateContent xmlns:mc="http://schemas.openxmlformats.org/markup-compatibility/2006" xmlns:p14="http://schemas.microsoft.com/office/powerpoint/2010/main">
-    <mc:Choice Requires="p14">
-      <p:transition spd="slow" p14:dur="2000" advTm="73779"/>
-    </mc:Choice>
-    <mc:Fallback xmlns="">
-      <p:transition spd="slow" advTm="73779"/>
-    </mc:Fallback>
-  </mc:AlternateContent>
 </p:sld>
 </file>
 
@@ -8230,14 +8213,6 @@
   <p:clrMapOvr>
     <a:masterClrMapping/>
   </p:clrMapOvr>
-  <mc:AlternateContent xmlns:mc="http://schemas.openxmlformats.org/markup-compatibility/2006" xmlns:p14="http://schemas.microsoft.com/office/powerpoint/2010/main">
-    <mc:Choice Requires="p14">
-      <p:transition spd="slow" p14:dur="2000" advTm="318940"/>
-    </mc:Choice>
-    <mc:Fallback xmlns="">
-      <p:transition spd="slow" advTm="318940"/>
-    </mc:Fallback>
-  </mc:AlternateContent>
 </p:sld>
 </file>
 
@@ -10852,14 +10827,6 @@
   <p:clrMapOvr>
     <a:masterClrMapping/>
   </p:clrMapOvr>
-  <mc:AlternateContent xmlns:mc="http://schemas.openxmlformats.org/markup-compatibility/2006" xmlns:p14="http://schemas.microsoft.com/office/powerpoint/2010/main">
-    <mc:Choice Requires="p14">
-      <p:transition spd="slow" p14:dur="2000" advTm="318940"/>
-    </mc:Choice>
-    <mc:Fallback xmlns="">
-      <p:transition spd="slow" advTm="318940"/>
-    </mc:Fallback>
-  </mc:AlternateContent>
 </p:sld>
 </file>
 
@@ -13798,14 +13765,6 @@
   <p:clrMapOvr>
     <a:masterClrMapping/>
   </p:clrMapOvr>
-  <mc:AlternateContent xmlns:mc="http://schemas.openxmlformats.org/markup-compatibility/2006" xmlns:p14="http://schemas.microsoft.com/office/powerpoint/2010/main">
-    <mc:Choice Requires="p14">
-      <p:transition spd="slow" p14:dur="2000" advTm="141279"/>
-    </mc:Choice>
-    <mc:Fallback xmlns="">
-      <p:transition spd="slow" advTm="141279"/>
-    </mc:Fallback>
-  </mc:AlternateContent>
 </p:sld>
 </file>
 
@@ -15325,1622 +15284,16 @@
   </p:clrMapOvr>
   <mc:AlternateContent xmlns:mc="http://schemas.openxmlformats.org/markup-compatibility/2006" xmlns:p14="http://schemas.microsoft.com/office/powerpoint/2010/main">
     <mc:Choice Requires="p14">
-      <p:transition p14:dur="250" advTm="161866">
+      <p:transition p14:dur="250">
         <p:fade/>
       </p:transition>
     </mc:Choice>
     <mc:Fallback xmlns="">
-      <p:transition advTm="161866">
+      <p:transition>
         <p:fade/>
       </p:transition>
     </mc:Fallback>
   </mc:AlternateContent>
-</p:sld>
-</file>
-
-<file path=ppt/slides/slide17.xml><?xml version="1.0" encoding="utf-8"?>
-<p:sld xmlns:a="http://schemas.openxmlformats.org/drawingml/2006/main" xmlns:r="http://schemas.openxmlformats.org/officeDocument/2006/relationships" xmlns:p="http://schemas.openxmlformats.org/presentationml/2006/main">
-  <p:cSld>
-    <p:spTree>
-      <p:nvGrpSpPr>
-        <p:cNvPr id="1" name=""/>
-        <p:cNvGrpSpPr/>
-        <p:nvPr/>
-      </p:nvGrpSpPr>
-      <p:grpSpPr>
-        <a:xfrm>
-          <a:off x="0" y="0"/>
-          <a:ext cx="0" cy="0"/>
-          <a:chOff x="0" y="0"/>
-          <a:chExt cx="0" cy="0"/>
-        </a:xfrm>
-      </p:grpSpPr>
-      <p:sp>
-        <p:nvSpPr>
-          <p:cNvPr id="2" name="Title 1">
-            <a:extLst>
-              <a:ext uri="{FF2B5EF4-FFF2-40B4-BE49-F238E27FC236}">
-                <a16:creationId xmlns:a16="http://schemas.microsoft.com/office/drawing/2014/main" id="{2D652AD8-340F-4E8B-B0C4-7ABAA20B6F6A}"/>
-              </a:ext>
-            </a:extLst>
-          </p:cNvPr>
-          <p:cNvSpPr>
-            <a:spLocks noGrp="1"/>
-          </p:cNvSpPr>
-          <p:nvPr>
-            <p:ph type="title"/>
-          </p:nvPr>
-        </p:nvSpPr>
-        <p:spPr/>
-        <p:txBody>
-          <a:bodyPr/>
-          <a:lstStyle/>
-          <a:p>
-            <a:r>
-              <a:rPr lang="en-US" dirty="0"/>
-              <a:t>Agenda</a:t>
-            </a:r>
-          </a:p>
-        </p:txBody>
-      </p:sp>
-      <p:graphicFrame>
-        <p:nvGraphicFramePr>
-          <p:cNvPr id="4" name="Content Placeholder 3">
-            <a:extLst>
-              <a:ext uri="{FF2B5EF4-FFF2-40B4-BE49-F238E27FC236}">
-                <a16:creationId xmlns:a16="http://schemas.microsoft.com/office/drawing/2014/main" id="{A0943BB2-2F98-4DD2-873B-1E619A0C771D}"/>
-              </a:ext>
-            </a:extLst>
-          </p:cNvPr>
-          <p:cNvGraphicFramePr>
-            <a:graphicFrameLocks noGrp="1"/>
-          </p:cNvGraphicFramePr>
-          <p:nvPr>
-            <p:ph idx="1"/>
-          </p:nvPr>
-        </p:nvGraphicFramePr>
-        <p:xfrm>
-          <a:off x="1055369" y="916940"/>
-          <a:ext cx="10078086" cy="5024120"/>
-        </p:xfrm>
-        <a:graphic>
-          <a:graphicData uri="http://schemas.openxmlformats.org/drawingml/2006/table">
-            <a:tbl>
-              <a:tblPr firstRow="1" bandRow="1">
-                <a:tableStyleId>{5C22544A-7EE6-4342-B048-85BDC9FD1C3A}</a:tableStyleId>
-              </a:tblPr>
-              <a:tblGrid>
-                <a:gridCol w="1826183">
-                  <a:extLst>
-                    <a:ext uri="{9D8B030D-6E8A-4147-A177-3AD203B41FA5}">
-                      <a16:colId xmlns:a16="http://schemas.microsoft.com/office/drawing/2014/main" val="3446576009"/>
-                    </a:ext>
-                  </a:extLst>
-                </a:gridCol>
-                <a:gridCol w="1003610">
-                  <a:extLst>
-                    <a:ext uri="{9D8B030D-6E8A-4147-A177-3AD203B41FA5}">
-                      <a16:colId xmlns:a16="http://schemas.microsoft.com/office/drawing/2014/main" val="339314737"/>
-                    </a:ext>
-                  </a:extLst>
-                </a:gridCol>
-                <a:gridCol w="4293220">
-                  <a:extLst>
-                    <a:ext uri="{9D8B030D-6E8A-4147-A177-3AD203B41FA5}">
-                      <a16:colId xmlns:a16="http://schemas.microsoft.com/office/drawing/2014/main" val="1263998808"/>
-                    </a:ext>
-                  </a:extLst>
-                </a:gridCol>
-                <a:gridCol w="2955073">
-                  <a:extLst>
-                    <a:ext uri="{9D8B030D-6E8A-4147-A177-3AD203B41FA5}">
-                      <a16:colId xmlns:a16="http://schemas.microsoft.com/office/drawing/2014/main" val="4097899022"/>
-                    </a:ext>
-                  </a:extLst>
-                </a:gridCol>
-              </a:tblGrid>
-              <a:tr h="370840">
-                <a:tc>
-                  <a:txBody>
-                    <a:bodyPr/>
-                    <a:lstStyle/>
-                    <a:p>
-                      <a:pPr algn="l">
-                        <a:lnSpc>
-                          <a:spcPct val="100000"/>
-                        </a:lnSpc>
-                      </a:pPr>
-                      <a:r>
-                        <a:rPr lang="en-US" sz="1800" dirty="0">
-                          <a:latin typeface="+mn-lt"/>
-                        </a:rPr>
-                        <a:t>Time (MDT)</a:t>
-                      </a:r>
-                    </a:p>
-                  </a:txBody>
-                  <a:tcPr/>
-                </a:tc>
-                <a:tc>
-                  <a:txBody>
-                    <a:bodyPr/>
-                    <a:lstStyle/>
-                    <a:p>
-                      <a:pPr>
-                        <a:lnSpc>
-                          <a:spcPct val="100000"/>
-                        </a:lnSpc>
-                      </a:pPr>
-                      <a:r>
-                        <a:rPr lang="en-US" sz="1800" dirty="0">
-                          <a:latin typeface="+mn-lt"/>
-                        </a:rPr>
-                        <a:t>Module</a:t>
-                      </a:r>
-                    </a:p>
-                  </a:txBody>
-                  <a:tcPr/>
-                </a:tc>
-                <a:tc>
-                  <a:txBody>
-                    <a:bodyPr/>
-                    <a:lstStyle/>
-                    <a:p>
-                      <a:pPr>
-                        <a:lnSpc>
-                          <a:spcPct val="100000"/>
-                        </a:lnSpc>
-                      </a:pPr>
-                      <a:r>
-                        <a:rPr lang="en-US" sz="1800" dirty="0">
-                          <a:latin typeface="+mn-lt"/>
-                        </a:rPr>
-                        <a:t>Topic</a:t>
-                      </a:r>
-                    </a:p>
-                  </a:txBody>
-                  <a:tcPr/>
-                </a:tc>
-                <a:tc>
-                  <a:txBody>
-                    <a:bodyPr/>
-                    <a:lstStyle/>
-                    <a:p>
-                      <a:pPr>
-                        <a:lnSpc>
-                          <a:spcPct val="100000"/>
-                        </a:lnSpc>
-                      </a:pPr>
-                      <a:r>
-                        <a:rPr lang="en-US" sz="1800" dirty="0">
-                          <a:latin typeface="+mn-lt"/>
-                        </a:rPr>
-                        <a:t>Speaker</a:t>
-                      </a:r>
-                    </a:p>
-                  </a:txBody>
-                  <a:tcPr/>
-                </a:tc>
-                <a:extLst>
-                  <a:ext uri="{0D108BD9-81ED-4DB2-BD59-A6C34878D82A}">
-                    <a16:rowId xmlns:a16="http://schemas.microsoft.com/office/drawing/2014/main" val="3602420430"/>
-                  </a:ext>
-                </a:extLst>
-              </a:tr>
-              <a:tr h="370840">
-                <a:tc>
-                  <a:txBody>
-                    <a:bodyPr/>
-                    <a:lstStyle/>
-                    <a:p>
-                      <a:pPr rtl="0" fontAlgn="t">
-                        <a:spcBef>
-                          <a:spcPts val="0"/>
-                        </a:spcBef>
-                        <a:spcAft>
-                          <a:spcPts val="0"/>
-                        </a:spcAft>
-                      </a:pPr>
-                      <a:r>
-                        <a:rPr lang="en-US" sz="1800" b="0" i="0" u="none" strike="noStrike" dirty="0">
-                          <a:solidFill>
-                            <a:srgbClr val="000000"/>
-                          </a:solidFill>
-                          <a:effectLst/>
-                          <a:latin typeface="+mn-lt"/>
-                        </a:rPr>
-                        <a:t>1:00pm-1:05pm</a:t>
-                      </a:r>
-                      <a:endParaRPr lang="en-US" sz="1800" dirty="0">
-                        <a:effectLst/>
-                        <a:latin typeface="+mn-lt"/>
-                      </a:endParaRPr>
-                    </a:p>
-                  </a:txBody>
-                  <a:tcPr marL="63500" marR="63500" marT="63500" marB="63500"/>
-                </a:tc>
-                <a:tc>
-                  <a:txBody>
-                    <a:bodyPr/>
-                    <a:lstStyle/>
-                    <a:p>
-                      <a:pPr>
-                        <a:lnSpc>
-                          <a:spcPct val="100000"/>
-                        </a:lnSpc>
-                      </a:pPr>
-                      <a:r>
-                        <a:rPr lang="en-US" sz="1800" dirty="0">
-                          <a:latin typeface="+mn-lt"/>
-                        </a:rPr>
-                        <a:t>00</a:t>
-                      </a:r>
-                    </a:p>
-                  </a:txBody>
-                  <a:tcPr/>
-                </a:tc>
-                <a:tc>
-                  <a:txBody>
-                    <a:bodyPr/>
-                    <a:lstStyle/>
-                    <a:p>
-                      <a:pPr>
-                        <a:lnSpc>
-                          <a:spcPct val="100000"/>
-                        </a:lnSpc>
-                      </a:pPr>
-                      <a:r>
-                        <a:rPr lang="en-US" sz="1800" b="0" i="0" u="none" strike="noStrike" kern="1200" dirty="0">
-                          <a:solidFill>
-                            <a:schemeClr val="dk1"/>
-                          </a:solidFill>
-                          <a:effectLst/>
-                          <a:latin typeface="+mn-lt"/>
-                          <a:ea typeface="+mn-ea"/>
-                          <a:cs typeface="+mn-cs"/>
-                        </a:rPr>
-                        <a:t>Introduction</a:t>
-                      </a:r>
-                      <a:endParaRPr lang="en-US" sz="1800" dirty="0">
-                        <a:latin typeface="+mn-lt"/>
-                      </a:endParaRPr>
-                    </a:p>
-                  </a:txBody>
-                  <a:tcPr/>
-                </a:tc>
-                <a:tc>
-                  <a:txBody>
-                    <a:bodyPr/>
-                    <a:lstStyle/>
-                    <a:p>
-                      <a:pPr>
-                        <a:lnSpc>
-                          <a:spcPct val="100000"/>
-                        </a:lnSpc>
-                      </a:pPr>
-                      <a:r>
-                        <a:rPr lang="en-US" sz="1800" dirty="0">
-                          <a:latin typeface="+mn-lt"/>
-                        </a:rPr>
-                        <a:t>David E. Bernholdt, ORNL</a:t>
-                      </a:r>
-                    </a:p>
-                  </a:txBody>
-                  <a:tcPr/>
-                </a:tc>
-                <a:extLst>
-                  <a:ext uri="{0D108BD9-81ED-4DB2-BD59-A6C34878D82A}">
-                    <a16:rowId xmlns:a16="http://schemas.microsoft.com/office/drawing/2014/main" val="4236476034"/>
-                  </a:ext>
-                </a:extLst>
-              </a:tr>
-              <a:tr h="370840">
-                <a:tc>
-                  <a:txBody>
-                    <a:bodyPr/>
-                    <a:lstStyle/>
-                    <a:p>
-                      <a:pPr rtl="0" fontAlgn="t">
-                        <a:spcBef>
-                          <a:spcPts val="0"/>
-                        </a:spcBef>
-                        <a:spcAft>
-                          <a:spcPts val="0"/>
-                        </a:spcAft>
-                      </a:pPr>
-                      <a:r>
-                        <a:rPr lang="en-US" sz="1800" b="0" i="0" u="none" strike="noStrike" dirty="0">
-                          <a:solidFill>
-                            <a:srgbClr val="000000"/>
-                          </a:solidFill>
-                          <a:effectLst/>
-                          <a:latin typeface="+mn-lt"/>
-                        </a:rPr>
-                        <a:t>1:05pm-1:15pm</a:t>
-                      </a:r>
-                      <a:endParaRPr lang="en-US" sz="1800" dirty="0">
-                        <a:effectLst/>
-                        <a:latin typeface="+mn-lt"/>
-                      </a:endParaRPr>
-                    </a:p>
-                  </a:txBody>
-                  <a:tcPr marL="63500" marR="63500" marT="63500" marB="63500"/>
-                </a:tc>
-                <a:tc>
-                  <a:txBody>
-                    <a:bodyPr/>
-                    <a:lstStyle/>
-                    <a:p>
-                      <a:pPr marL="0" marR="0" lvl="0" indent="0" algn="l" defTabSz="914400" rtl="0" eaLnBrk="1" fontAlgn="auto" latinLnBrk="0" hangingPunct="1">
-                        <a:lnSpc>
-                          <a:spcPct val="100000"/>
-                        </a:lnSpc>
-                        <a:spcBef>
-                          <a:spcPts val="0"/>
-                        </a:spcBef>
-                        <a:spcAft>
-                          <a:spcPts val="0"/>
-                        </a:spcAft>
-                        <a:buClrTx/>
-                        <a:buSzTx/>
-                        <a:buFontTx/>
-                        <a:buNone/>
-                        <a:tabLst/>
-                        <a:defRPr/>
-                      </a:pPr>
-                      <a:r>
-                        <a:rPr lang="en-US" sz="1800" dirty="0">
-                          <a:latin typeface="+mn-lt"/>
-                        </a:rPr>
-                        <a:t>01</a:t>
-                      </a:r>
-                    </a:p>
-                  </a:txBody>
-                  <a:tcPr/>
-                </a:tc>
-                <a:tc>
-                  <a:txBody>
-                    <a:bodyPr/>
-                    <a:lstStyle/>
-                    <a:p>
-                      <a:pPr marL="0" marR="0" lvl="0" indent="0" algn="l" defTabSz="914400" rtl="0" eaLnBrk="1" fontAlgn="auto" latinLnBrk="0" hangingPunct="1">
-                        <a:lnSpc>
-                          <a:spcPct val="100000"/>
-                        </a:lnSpc>
-                        <a:spcBef>
-                          <a:spcPts val="0"/>
-                        </a:spcBef>
-                        <a:spcAft>
-                          <a:spcPts val="0"/>
-                        </a:spcAft>
-                        <a:buClrTx/>
-                        <a:buSzTx/>
-                        <a:buFontTx/>
-                        <a:buNone/>
-                        <a:tabLst/>
-                        <a:defRPr/>
-                      </a:pPr>
-                      <a:r>
-                        <a:rPr lang="en-US" sz="1800" b="0" i="0" u="none" strike="noStrike" kern="1200" dirty="0">
-                          <a:solidFill>
-                            <a:schemeClr val="dk1"/>
-                          </a:solidFill>
-                          <a:effectLst/>
-                          <a:latin typeface="+mn-lt"/>
-                          <a:ea typeface="+mn-ea"/>
-                          <a:cs typeface="+mn-cs"/>
-                        </a:rPr>
-                        <a:t>Motivation and Overview of Best Practices in HPC Software Development</a:t>
-                      </a:r>
-                      <a:endParaRPr lang="en-US" sz="1800" dirty="0">
-                        <a:latin typeface="+mn-lt"/>
-                      </a:endParaRPr>
-                    </a:p>
-                  </a:txBody>
-                  <a:tcPr/>
-                </a:tc>
-                <a:tc>
-                  <a:txBody>
-                    <a:bodyPr/>
-                    <a:lstStyle/>
-                    <a:p>
-                      <a:pPr marL="0" marR="0" lvl="0" indent="0" algn="l" defTabSz="914400" rtl="0" eaLnBrk="1" fontAlgn="auto" latinLnBrk="0" hangingPunct="1">
-                        <a:lnSpc>
-                          <a:spcPct val="100000"/>
-                        </a:lnSpc>
-                        <a:spcBef>
-                          <a:spcPts val="0"/>
-                        </a:spcBef>
-                        <a:spcAft>
-                          <a:spcPts val="0"/>
-                        </a:spcAft>
-                        <a:buClrTx/>
-                        <a:buSzTx/>
-                        <a:buFontTx/>
-                        <a:buNone/>
-                        <a:tabLst/>
-                        <a:defRPr/>
-                      </a:pPr>
-                      <a:r>
-                        <a:rPr lang="en-US" sz="1800" dirty="0">
-                          <a:latin typeface="+mn-lt"/>
-                        </a:rPr>
-                        <a:t>David E. Bernholdt, ORNL</a:t>
-                      </a:r>
-                    </a:p>
-                  </a:txBody>
-                  <a:tcPr/>
-                </a:tc>
-                <a:extLst>
-                  <a:ext uri="{0D108BD9-81ED-4DB2-BD59-A6C34878D82A}">
-                    <a16:rowId xmlns:a16="http://schemas.microsoft.com/office/drawing/2014/main" val="18592124"/>
-                  </a:ext>
-                </a:extLst>
-              </a:tr>
-              <a:tr h="370840">
-                <a:tc>
-                  <a:txBody>
-                    <a:bodyPr/>
-                    <a:lstStyle/>
-                    <a:p>
-                      <a:pPr rtl="0" fontAlgn="t">
-                        <a:spcBef>
-                          <a:spcPts val="0"/>
-                        </a:spcBef>
-                        <a:spcAft>
-                          <a:spcPts val="0"/>
-                        </a:spcAft>
-                      </a:pPr>
-                      <a:r>
-                        <a:rPr lang="en-US" sz="1800" b="0" i="0" u="none" strike="noStrike" dirty="0">
-                          <a:solidFill>
-                            <a:srgbClr val="000000"/>
-                          </a:solidFill>
-                          <a:effectLst/>
-                          <a:latin typeface="+mn-lt"/>
-                        </a:rPr>
-                        <a:t>1:15pm-1:45pm</a:t>
-                      </a:r>
-                      <a:endParaRPr lang="en-US" sz="1800" dirty="0">
-                        <a:effectLst/>
-                        <a:latin typeface="+mn-lt"/>
-                      </a:endParaRPr>
-                    </a:p>
-                  </a:txBody>
-                  <a:tcPr marL="63500" marR="63500" marT="63500" marB="63500"/>
-                </a:tc>
-                <a:tc>
-                  <a:txBody>
-                    <a:bodyPr/>
-                    <a:lstStyle/>
-                    <a:p>
-                      <a:pPr>
-                        <a:lnSpc>
-                          <a:spcPct val="100000"/>
-                        </a:lnSpc>
-                      </a:pPr>
-                      <a:r>
-                        <a:rPr lang="en-US" sz="1800" dirty="0">
-                          <a:latin typeface="+mn-lt"/>
-                        </a:rPr>
-                        <a:t>02</a:t>
-                      </a:r>
-                    </a:p>
-                  </a:txBody>
-                  <a:tcPr/>
-                </a:tc>
-                <a:tc>
-                  <a:txBody>
-                    <a:bodyPr/>
-                    <a:lstStyle/>
-                    <a:p>
-                      <a:pPr>
-                        <a:lnSpc>
-                          <a:spcPct val="100000"/>
-                        </a:lnSpc>
-                      </a:pPr>
-                      <a:r>
-                        <a:rPr lang="en-US" sz="1800" dirty="0">
-                          <a:latin typeface="+mn-lt"/>
-                        </a:rPr>
-                        <a:t>Agile Methodologies</a:t>
-                      </a:r>
-                    </a:p>
-                  </a:txBody>
-                  <a:tcPr/>
-                </a:tc>
-                <a:tc>
-                  <a:txBody>
-                    <a:bodyPr/>
-                    <a:lstStyle/>
-                    <a:p>
-                      <a:pPr>
-                        <a:lnSpc>
-                          <a:spcPct val="100000"/>
-                        </a:lnSpc>
-                      </a:pPr>
-                      <a:r>
-                        <a:rPr lang="en-US" sz="1800" dirty="0">
-                          <a:latin typeface="+mn-lt"/>
-                        </a:rPr>
-                        <a:t>Rinku K. Gupta, ANL</a:t>
-                      </a:r>
-                    </a:p>
-                  </a:txBody>
-                  <a:tcPr/>
-                </a:tc>
-                <a:extLst>
-                  <a:ext uri="{0D108BD9-81ED-4DB2-BD59-A6C34878D82A}">
-                    <a16:rowId xmlns:a16="http://schemas.microsoft.com/office/drawing/2014/main" val="3991164013"/>
-                  </a:ext>
-                </a:extLst>
-              </a:tr>
-              <a:tr h="370840">
-                <a:tc>
-                  <a:txBody>
-                    <a:bodyPr/>
-                    <a:lstStyle/>
-                    <a:p>
-                      <a:pPr rtl="0" fontAlgn="t">
-                        <a:spcBef>
-                          <a:spcPts val="0"/>
-                        </a:spcBef>
-                        <a:spcAft>
-                          <a:spcPts val="0"/>
-                        </a:spcAft>
-                      </a:pPr>
-                      <a:r>
-                        <a:rPr lang="en-US" sz="1800" dirty="0">
-                          <a:effectLst/>
-                          <a:latin typeface="+mn-lt"/>
-                        </a:rPr>
-                        <a:t>1:45pm-2:00pm</a:t>
-                      </a:r>
-                    </a:p>
-                  </a:txBody>
-                  <a:tcPr marL="63500" marR="63500" marT="63500" marB="63500"/>
-                </a:tc>
-                <a:tc>
-                  <a:txBody>
-                    <a:bodyPr/>
-                    <a:lstStyle/>
-                    <a:p>
-                      <a:pPr>
-                        <a:lnSpc>
-                          <a:spcPct val="100000"/>
-                        </a:lnSpc>
-                      </a:pPr>
-                      <a:r>
-                        <a:rPr lang="en-US" sz="1800" i="0" dirty="0">
-                          <a:solidFill>
-                            <a:schemeClr val="tx1"/>
-                          </a:solidFill>
-                          <a:latin typeface="+mn-lt"/>
-                        </a:rPr>
-                        <a:t>03</a:t>
-                      </a:r>
-                    </a:p>
-                  </a:txBody>
-                  <a:tcPr/>
-                </a:tc>
-                <a:tc>
-                  <a:txBody>
-                    <a:bodyPr/>
-                    <a:lstStyle/>
-                    <a:p>
-                      <a:pPr marL="0" marR="0" lvl="0" indent="0" algn="l" defTabSz="914400" rtl="0" eaLnBrk="1" fontAlgn="auto" latinLnBrk="0" hangingPunct="1">
-                        <a:lnSpc>
-                          <a:spcPct val="100000"/>
-                        </a:lnSpc>
-                        <a:spcBef>
-                          <a:spcPts val="0"/>
-                        </a:spcBef>
-                        <a:spcAft>
-                          <a:spcPts val="0"/>
-                        </a:spcAft>
-                        <a:buClrTx/>
-                        <a:buSzTx/>
-                        <a:buFontTx/>
-                        <a:buNone/>
-                        <a:tabLst/>
-                        <a:defRPr/>
-                      </a:pPr>
-                      <a:r>
-                        <a:rPr lang="en-US" sz="1800" b="0" i="0" u="none" strike="noStrike" kern="1200" dirty="0">
-                          <a:solidFill>
-                            <a:schemeClr val="dk1"/>
-                          </a:solidFill>
-                          <a:effectLst/>
-                          <a:latin typeface="+mn-lt"/>
-                          <a:ea typeface="+mn-ea"/>
-                          <a:cs typeface="+mn-cs"/>
-                        </a:rPr>
-                        <a:t>Git Workflows</a:t>
-                      </a:r>
-                      <a:endParaRPr lang="en-US" sz="1800" dirty="0">
-                        <a:latin typeface="+mn-lt"/>
-                      </a:endParaRPr>
-                    </a:p>
-                  </a:txBody>
-                  <a:tcPr/>
-                </a:tc>
-                <a:tc>
-                  <a:txBody>
-                    <a:bodyPr/>
-                    <a:lstStyle/>
-                    <a:p>
-                      <a:pPr>
-                        <a:lnSpc>
-                          <a:spcPct val="100000"/>
-                        </a:lnSpc>
-                      </a:pPr>
-                      <a:r>
-                        <a:rPr lang="en-US" sz="1800" dirty="0">
-                          <a:latin typeface="+mn-lt"/>
-                        </a:rPr>
-                        <a:t>Rinku K. Gupta, ANL</a:t>
-                      </a:r>
-                    </a:p>
-                  </a:txBody>
-                  <a:tcPr/>
-                </a:tc>
-                <a:extLst>
-                  <a:ext uri="{0D108BD9-81ED-4DB2-BD59-A6C34878D82A}">
-                    <a16:rowId xmlns:a16="http://schemas.microsoft.com/office/drawing/2014/main" val="1350023114"/>
-                  </a:ext>
-                </a:extLst>
-              </a:tr>
-              <a:tr h="370840">
-                <a:tc>
-                  <a:txBody>
-                    <a:bodyPr/>
-                    <a:lstStyle/>
-                    <a:p>
-                      <a:pPr rtl="0" fontAlgn="t">
-                        <a:spcBef>
-                          <a:spcPts val="0"/>
-                        </a:spcBef>
-                        <a:spcAft>
-                          <a:spcPts val="0"/>
-                        </a:spcAft>
-                      </a:pPr>
-                      <a:r>
-                        <a:rPr lang="en-US" sz="1800" b="0" i="0" u="none" strike="noStrike" dirty="0">
-                          <a:solidFill>
-                            <a:schemeClr val="tx1"/>
-                          </a:solidFill>
-                          <a:effectLst/>
-                          <a:latin typeface="+mn-lt"/>
-                        </a:rPr>
-                        <a:t>2:00pm-2:20pm</a:t>
-                      </a:r>
-                      <a:endParaRPr lang="en-US" sz="1800" i="0" dirty="0">
-                        <a:solidFill>
-                          <a:schemeClr val="tx1"/>
-                        </a:solidFill>
-                        <a:effectLst/>
-                        <a:latin typeface="+mn-lt"/>
-                      </a:endParaRPr>
-                    </a:p>
-                  </a:txBody>
-                  <a:tcPr marL="63500" marR="63500" marT="63500" marB="63500"/>
-                </a:tc>
-                <a:tc>
-                  <a:txBody>
-                    <a:bodyPr/>
-                    <a:lstStyle/>
-                    <a:p>
-                      <a:pPr>
-                        <a:lnSpc>
-                          <a:spcPct val="100000"/>
-                        </a:lnSpc>
-                      </a:pPr>
-                      <a:r>
-                        <a:rPr lang="en-US" sz="1800" i="0" dirty="0">
-                          <a:solidFill>
-                            <a:schemeClr val="tx1"/>
-                          </a:solidFill>
-                          <a:latin typeface="+mn-lt"/>
-                        </a:rPr>
-                        <a:t>04</a:t>
-                      </a:r>
-                    </a:p>
-                  </a:txBody>
-                  <a:tcPr/>
-                </a:tc>
-                <a:tc>
-                  <a:txBody>
-                    <a:bodyPr/>
-                    <a:lstStyle/>
-                    <a:p>
-                      <a:pPr marL="0" marR="0" lvl="0" indent="0" algn="l" defTabSz="914400" rtl="0" eaLnBrk="1" fontAlgn="auto" latinLnBrk="0" hangingPunct="1">
-                        <a:lnSpc>
-                          <a:spcPct val="100000"/>
-                        </a:lnSpc>
-                        <a:spcBef>
-                          <a:spcPts val="0"/>
-                        </a:spcBef>
-                        <a:spcAft>
-                          <a:spcPts val="0"/>
-                        </a:spcAft>
-                        <a:buClrTx/>
-                        <a:buSzTx/>
-                        <a:buFontTx/>
-                        <a:buNone/>
-                        <a:tabLst/>
-                        <a:defRPr/>
-                      </a:pPr>
-                      <a:r>
-                        <a:rPr lang="en-US" sz="1800" i="0" dirty="0">
-                          <a:solidFill>
-                            <a:schemeClr val="tx1"/>
-                          </a:solidFill>
-                          <a:latin typeface="+mn-lt"/>
-                        </a:rPr>
-                        <a:t>Software Testing 1</a:t>
-                      </a:r>
-                    </a:p>
-                  </a:txBody>
-                  <a:tcPr/>
-                </a:tc>
-                <a:tc>
-                  <a:txBody>
-                    <a:bodyPr/>
-                    <a:lstStyle/>
-                    <a:p>
-                      <a:pPr>
-                        <a:lnSpc>
-                          <a:spcPct val="100000"/>
-                        </a:lnSpc>
-                      </a:pPr>
-                      <a:r>
-                        <a:rPr lang="en-US" sz="1800" i="0" dirty="0">
-                          <a:solidFill>
-                            <a:schemeClr val="tx1"/>
-                          </a:solidFill>
-                          <a:latin typeface="+mn-lt"/>
-                        </a:rPr>
-                        <a:t>David M. Rogers, ORNL</a:t>
-                      </a:r>
-                    </a:p>
-                  </a:txBody>
-                  <a:tcPr/>
-                </a:tc>
-                <a:extLst>
-                  <a:ext uri="{0D108BD9-81ED-4DB2-BD59-A6C34878D82A}">
-                    <a16:rowId xmlns:a16="http://schemas.microsoft.com/office/drawing/2014/main" val="1922613886"/>
-                  </a:ext>
-                </a:extLst>
-              </a:tr>
-              <a:tr h="370840">
-                <a:tc>
-                  <a:txBody>
-                    <a:bodyPr/>
-                    <a:lstStyle/>
-                    <a:p>
-                      <a:pPr rtl="0" fontAlgn="t">
-                        <a:spcBef>
-                          <a:spcPts val="0"/>
-                        </a:spcBef>
-                        <a:spcAft>
-                          <a:spcPts val="0"/>
-                        </a:spcAft>
-                      </a:pPr>
-                      <a:r>
-                        <a:rPr lang="en-US" sz="1800" b="0" i="1" u="none" strike="noStrike" dirty="0">
-                          <a:solidFill>
-                            <a:schemeClr val="tx2"/>
-                          </a:solidFill>
-                          <a:effectLst/>
-                          <a:latin typeface="+mn-lt"/>
-                        </a:rPr>
-                        <a:t>2:20pm-2:40pm</a:t>
-                      </a:r>
-                      <a:endParaRPr lang="en-US" sz="1800" i="1" dirty="0">
-                        <a:solidFill>
-                          <a:schemeClr val="tx2"/>
-                        </a:solidFill>
-                        <a:effectLst/>
-                        <a:latin typeface="+mn-lt"/>
-                      </a:endParaRPr>
-                    </a:p>
-                  </a:txBody>
-                  <a:tcPr marL="63500" marR="63500" marT="63500" marB="63500"/>
-                </a:tc>
-                <a:tc>
-                  <a:txBody>
-                    <a:bodyPr/>
-                    <a:lstStyle/>
-                    <a:p>
-                      <a:pPr>
-                        <a:lnSpc>
-                          <a:spcPct val="100000"/>
-                        </a:lnSpc>
-                      </a:pPr>
-                      <a:endParaRPr lang="en-US" sz="1800" i="1" dirty="0">
-                        <a:solidFill>
-                          <a:schemeClr val="tx2"/>
-                        </a:solidFill>
-                        <a:latin typeface="+mn-lt"/>
-                      </a:endParaRPr>
-                    </a:p>
-                  </a:txBody>
-                  <a:tcPr/>
-                </a:tc>
-                <a:tc>
-                  <a:txBody>
-                    <a:bodyPr/>
-                    <a:lstStyle/>
-                    <a:p>
-                      <a:pPr>
-                        <a:lnSpc>
-                          <a:spcPct val="100000"/>
-                        </a:lnSpc>
-                      </a:pPr>
-                      <a:r>
-                        <a:rPr lang="en-US" sz="1800" i="1" dirty="0">
-                          <a:solidFill>
-                            <a:schemeClr val="tx2"/>
-                          </a:solidFill>
-                          <a:latin typeface="+mn-lt"/>
-                        </a:rPr>
-                        <a:t>Break (optional Q&amp;A)</a:t>
-                      </a:r>
-                    </a:p>
-                  </a:txBody>
-                  <a:tcPr/>
-                </a:tc>
-                <a:tc>
-                  <a:txBody>
-                    <a:bodyPr/>
-                    <a:lstStyle/>
-                    <a:p>
-                      <a:pPr>
-                        <a:lnSpc>
-                          <a:spcPct val="100000"/>
-                        </a:lnSpc>
-                      </a:pPr>
-                      <a:r>
-                        <a:rPr lang="en-US" sz="1800" i="1" dirty="0">
-                          <a:solidFill>
-                            <a:schemeClr val="tx2"/>
-                          </a:solidFill>
-                          <a:latin typeface="+mn-lt"/>
-                        </a:rPr>
-                        <a:t>All</a:t>
-                      </a:r>
-                    </a:p>
-                  </a:txBody>
-                  <a:tcPr/>
-                </a:tc>
-                <a:extLst>
-                  <a:ext uri="{0D108BD9-81ED-4DB2-BD59-A6C34878D82A}">
-                    <a16:rowId xmlns:a16="http://schemas.microsoft.com/office/drawing/2014/main" val="4193880066"/>
-                  </a:ext>
-                </a:extLst>
-              </a:tr>
-              <a:tr h="370840">
-                <a:tc>
-                  <a:txBody>
-                    <a:bodyPr/>
-                    <a:lstStyle/>
-                    <a:p>
-                      <a:pPr rtl="0" fontAlgn="t">
-                        <a:spcBef>
-                          <a:spcPts val="0"/>
-                        </a:spcBef>
-                        <a:spcAft>
-                          <a:spcPts val="0"/>
-                        </a:spcAft>
-                      </a:pPr>
-                      <a:r>
-                        <a:rPr lang="en-US" sz="1800" b="0" i="0" u="none" strike="noStrike" dirty="0">
-                          <a:solidFill>
-                            <a:srgbClr val="000000"/>
-                          </a:solidFill>
-                          <a:effectLst/>
-                          <a:latin typeface="+mn-lt"/>
-                        </a:rPr>
-                        <a:t>2:40pm-3:00pm</a:t>
-                      </a:r>
-                      <a:endParaRPr lang="en-US" sz="1800" dirty="0">
-                        <a:effectLst/>
-                        <a:latin typeface="+mn-lt"/>
-                      </a:endParaRPr>
-                    </a:p>
-                  </a:txBody>
-                  <a:tcPr marL="63500" marR="63500" marT="63500" marB="63500"/>
-                </a:tc>
-                <a:tc>
-                  <a:txBody>
-                    <a:bodyPr/>
-                    <a:lstStyle/>
-                    <a:p>
-                      <a:pPr>
-                        <a:lnSpc>
-                          <a:spcPct val="100000"/>
-                        </a:lnSpc>
-                      </a:pPr>
-                      <a:r>
-                        <a:rPr lang="en-US" sz="1800" i="0" dirty="0">
-                          <a:latin typeface="+mn-lt"/>
-                        </a:rPr>
-                        <a:t>05</a:t>
-                      </a:r>
-                    </a:p>
-                  </a:txBody>
-                  <a:tcPr/>
-                </a:tc>
-                <a:tc>
-                  <a:txBody>
-                    <a:bodyPr/>
-                    <a:lstStyle/>
-                    <a:p>
-                      <a:pPr marL="0" marR="0" lvl="0" indent="0" algn="l" defTabSz="914400" rtl="0" eaLnBrk="1" fontAlgn="auto" latinLnBrk="0" hangingPunct="1">
-                        <a:lnSpc>
-                          <a:spcPct val="100000"/>
-                        </a:lnSpc>
-                        <a:spcBef>
-                          <a:spcPts val="0"/>
-                        </a:spcBef>
-                        <a:spcAft>
-                          <a:spcPts val="0"/>
-                        </a:spcAft>
-                        <a:buClrTx/>
-                        <a:buSzTx/>
-                        <a:buFontTx/>
-                        <a:buNone/>
-                        <a:tabLst/>
-                        <a:defRPr/>
-                      </a:pPr>
-                      <a:r>
-                        <a:rPr lang="en-US" sz="1800" b="0" i="0" u="none" strike="noStrike" kern="1200" dirty="0">
-                          <a:solidFill>
-                            <a:schemeClr val="tx1"/>
-                          </a:solidFill>
-                          <a:effectLst/>
-                          <a:latin typeface="+mn-lt"/>
-                          <a:ea typeface="+mn-ea"/>
-                          <a:cs typeface="+mn-cs"/>
-                        </a:rPr>
-                        <a:t>Software Design</a:t>
-                      </a:r>
-                    </a:p>
-                  </a:txBody>
-                  <a:tcPr/>
-                </a:tc>
-                <a:tc>
-                  <a:txBody>
-                    <a:bodyPr/>
-                    <a:lstStyle/>
-                    <a:p>
-                      <a:pPr>
-                        <a:lnSpc>
-                          <a:spcPct val="100000"/>
-                        </a:lnSpc>
-                      </a:pPr>
-                      <a:r>
-                        <a:rPr lang="en-US" sz="1800" dirty="0">
-                          <a:latin typeface="+mn-lt"/>
-                        </a:rPr>
-                        <a:t>Anshu Dubey, ANL</a:t>
-                      </a:r>
-                    </a:p>
-                  </a:txBody>
-                  <a:tcPr/>
-                </a:tc>
-                <a:extLst>
-                  <a:ext uri="{0D108BD9-81ED-4DB2-BD59-A6C34878D82A}">
-                    <a16:rowId xmlns:a16="http://schemas.microsoft.com/office/drawing/2014/main" val="2444169840"/>
-                  </a:ext>
-                </a:extLst>
-              </a:tr>
-              <a:tr h="370840">
-                <a:tc>
-                  <a:txBody>
-                    <a:bodyPr/>
-                    <a:lstStyle/>
-                    <a:p>
-                      <a:pPr rtl="0" fontAlgn="t">
-                        <a:spcBef>
-                          <a:spcPts val="0"/>
-                        </a:spcBef>
-                        <a:spcAft>
-                          <a:spcPts val="0"/>
-                        </a:spcAft>
-                      </a:pPr>
-                      <a:r>
-                        <a:rPr lang="en-US" sz="1800" dirty="0">
-                          <a:effectLst/>
-                          <a:latin typeface="+mn-lt"/>
-                        </a:rPr>
-                        <a:t>3:00pm-3:15pm</a:t>
-                      </a:r>
-                    </a:p>
-                  </a:txBody>
-                  <a:tcPr marL="63500" marR="63500" marT="63500" marB="63500"/>
-                </a:tc>
-                <a:tc>
-                  <a:txBody>
-                    <a:bodyPr/>
-                    <a:lstStyle/>
-                    <a:p>
-                      <a:pPr>
-                        <a:lnSpc>
-                          <a:spcPct val="100000"/>
-                        </a:lnSpc>
-                      </a:pPr>
-                      <a:r>
-                        <a:rPr lang="en-US" sz="1800" i="0" dirty="0">
-                          <a:latin typeface="+mn-lt"/>
-                        </a:rPr>
-                        <a:t>06</a:t>
-                      </a:r>
-                    </a:p>
-                  </a:txBody>
-                  <a:tcPr/>
-                </a:tc>
-                <a:tc>
-                  <a:txBody>
-                    <a:bodyPr/>
-                    <a:lstStyle/>
-                    <a:p>
-                      <a:pPr>
-                        <a:lnSpc>
-                          <a:spcPct val="100000"/>
-                        </a:lnSpc>
-                      </a:pPr>
-                      <a:r>
-                        <a:rPr lang="en-US" sz="1800" i="0" dirty="0">
-                          <a:latin typeface="+mn-lt"/>
-                        </a:rPr>
-                        <a:t>Software Testing 2</a:t>
-                      </a:r>
-                    </a:p>
-                  </a:txBody>
-                  <a:tcPr/>
-                </a:tc>
-                <a:tc>
-                  <a:txBody>
-                    <a:bodyPr/>
-                    <a:lstStyle/>
-                    <a:p>
-                      <a:pPr marL="0" marR="0" lvl="0" indent="0" algn="l" defTabSz="914400" rtl="0" eaLnBrk="1" fontAlgn="auto" latinLnBrk="0" hangingPunct="1">
-                        <a:lnSpc>
-                          <a:spcPct val="100000"/>
-                        </a:lnSpc>
-                        <a:spcBef>
-                          <a:spcPts val="0"/>
-                        </a:spcBef>
-                        <a:spcAft>
-                          <a:spcPts val="0"/>
-                        </a:spcAft>
-                        <a:buClrTx/>
-                        <a:buSzTx/>
-                        <a:buFontTx/>
-                        <a:buNone/>
-                        <a:tabLst/>
-                        <a:defRPr/>
-                      </a:pPr>
-                      <a:r>
-                        <a:rPr lang="en-US" sz="1800" i="0" dirty="0">
-                          <a:solidFill>
-                            <a:schemeClr val="tx1"/>
-                          </a:solidFill>
-                          <a:latin typeface="+mn-lt"/>
-                        </a:rPr>
-                        <a:t>David M. Rogers</a:t>
-                      </a:r>
-                    </a:p>
-                  </a:txBody>
-                  <a:tcPr/>
-                </a:tc>
-                <a:extLst>
-                  <a:ext uri="{0D108BD9-81ED-4DB2-BD59-A6C34878D82A}">
-                    <a16:rowId xmlns:a16="http://schemas.microsoft.com/office/drawing/2014/main" val="387858574"/>
-                  </a:ext>
-                </a:extLst>
-              </a:tr>
-              <a:tr h="370840">
-                <a:tc>
-                  <a:txBody>
-                    <a:bodyPr/>
-                    <a:lstStyle/>
-                    <a:p>
-                      <a:pPr rtl="0" fontAlgn="t">
-                        <a:spcBef>
-                          <a:spcPts val="0"/>
-                        </a:spcBef>
-                        <a:spcAft>
-                          <a:spcPts val="0"/>
-                        </a:spcAft>
-                      </a:pPr>
-                      <a:r>
-                        <a:rPr lang="en-US" sz="1800" dirty="0">
-                          <a:effectLst/>
-                          <a:latin typeface="+mn-lt"/>
-                        </a:rPr>
-                        <a:t>3:15pm-3:40pm</a:t>
-                      </a:r>
-                    </a:p>
-                  </a:txBody>
-                  <a:tcPr marL="63500" marR="63500" marT="63500" marB="63500"/>
-                </a:tc>
-                <a:tc>
-                  <a:txBody>
-                    <a:bodyPr/>
-                    <a:lstStyle/>
-                    <a:p>
-                      <a:pPr>
-                        <a:lnSpc>
-                          <a:spcPct val="100000"/>
-                        </a:lnSpc>
-                      </a:pPr>
-                      <a:r>
-                        <a:rPr lang="en-US" sz="1800" i="0" dirty="0">
-                          <a:latin typeface="+mn-lt"/>
-                        </a:rPr>
-                        <a:t>07</a:t>
-                      </a:r>
-                    </a:p>
-                  </a:txBody>
-                  <a:tcPr/>
-                </a:tc>
-                <a:tc>
-                  <a:txBody>
-                    <a:bodyPr/>
-                    <a:lstStyle/>
-                    <a:p>
-                      <a:pPr>
-                        <a:lnSpc>
-                          <a:spcPct val="100000"/>
-                        </a:lnSpc>
-                      </a:pPr>
-                      <a:r>
-                        <a:rPr lang="en-US" sz="1800" i="0" dirty="0">
-                          <a:latin typeface="+mn-lt"/>
-                        </a:rPr>
-                        <a:t>Refactoring</a:t>
-                      </a:r>
-                    </a:p>
-                  </a:txBody>
-                  <a:tcPr/>
-                </a:tc>
-                <a:tc>
-                  <a:txBody>
-                    <a:bodyPr/>
-                    <a:lstStyle/>
-                    <a:p>
-                      <a:pPr>
-                        <a:lnSpc>
-                          <a:spcPct val="100000"/>
-                        </a:lnSpc>
-                      </a:pPr>
-                      <a:r>
-                        <a:rPr lang="en-US" sz="1800" dirty="0">
-                          <a:latin typeface="+mn-lt"/>
-                        </a:rPr>
-                        <a:t>Anshu Dubey, ANL</a:t>
-                      </a:r>
-                    </a:p>
-                  </a:txBody>
-                  <a:tcPr/>
-                </a:tc>
-                <a:extLst>
-                  <a:ext uri="{0D108BD9-81ED-4DB2-BD59-A6C34878D82A}">
-                    <a16:rowId xmlns:a16="http://schemas.microsoft.com/office/drawing/2014/main" val="2446830301"/>
-                  </a:ext>
-                </a:extLst>
-              </a:tr>
-              <a:tr h="370840">
-                <a:tc>
-                  <a:txBody>
-                    <a:bodyPr/>
-                    <a:lstStyle/>
-                    <a:p>
-                      <a:pPr rtl="0" fontAlgn="t">
-                        <a:spcBef>
-                          <a:spcPts val="0"/>
-                        </a:spcBef>
-                        <a:spcAft>
-                          <a:spcPts val="0"/>
-                        </a:spcAft>
-                      </a:pPr>
-                      <a:r>
-                        <a:rPr lang="en-US" sz="1800" dirty="0">
-                          <a:effectLst/>
-                          <a:latin typeface="+mn-lt"/>
-                        </a:rPr>
-                        <a:t>3:40pm-3:55pm</a:t>
-                      </a:r>
-                    </a:p>
-                  </a:txBody>
-                  <a:tcPr marL="63500" marR="63500" marT="63500" marB="63500"/>
-                </a:tc>
-                <a:tc>
-                  <a:txBody>
-                    <a:bodyPr/>
-                    <a:lstStyle/>
-                    <a:p>
-                      <a:pPr>
-                        <a:lnSpc>
-                          <a:spcPct val="100000"/>
-                        </a:lnSpc>
-                      </a:pPr>
-                      <a:r>
-                        <a:rPr lang="en-US" sz="1800" i="0" dirty="0">
-                          <a:latin typeface="+mn-lt"/>
-                        </a:rPr>
-                        <a:t>08</a:t>
-                      </a:r>
-                    </a:p>
-                  </a:txBody>
-                  <a:tcPr/>
-                </a:tc>
-                <a:tc>
-                  <a:txBody>
-                    <a:bodyPr/>
-                    <a:lstStyle/>
-                    <a:p>
-                      <a:pPr>
-                        <a:lnSpc>
-                          <a:spcPct val="100000"/>
-                        </a:lnSpc>
-                      </a:pPr>
-                      <a:r>
-                        <a:rPr lang="en-US" sz="1800" i="0" dirty="0">
-                          <a:latin typeface="+mn-lt"/>
-                        </a:rPr>
-                        <a:t>Reproducibility</a:t>
-                      </a:r>
-                    </a:p>
-                  </a:txBody>
-                  <a:tcPr/>
-                </a:tc>
-                <a:tc>
-                  <a:txBody>
-                    <a:bodyPr/>
-                    <a:lstStyle/>
-                    <a:p>
-                      <a:pPr>
-                        <a:lnSpc>
-                          <a:spcPct val="100000"/>
-                        </a:lnSpc>
-                      </a:pPr>
-                      <a:r>
-                        <a:rPr lang="en-US" sz="1800" dirty="0">
-                          <a:latin typeface="+mn-lt"/>
-                        </a:rPr>
-                        <a:t>David E. Bernholdt, ORNL</a:t>
-                      </a:r>
-                    </a:p>
-                  </a:txBody>
-                  <a:tcPr/>
-                </a:tc>
-                <a:extLst>
-                  <a:ext uri="{0D108BD9-81ED-4DB2-BD59-A6C34878D82A}">
-                    <a16:rowId xmlns:a16="http://schemas.microsoft.com/office/drawing/2014/main" val="1746784610"/>
-                  </a:ext>
-                </a:extLst>
-              </a:tr>
-              <a:tr h="370840">
-                <a:tc>
-                  <a:txBody>
-                    <a:bodyPr/>
-                    <a:lstStyle/>
-                    <a:p>
-                      <a:pPr rtl="0" fontAlgn="t">
-                        <a:spcBef>
-                          <a:spcPts val="0"/>
-                        </a:spcBef>
-                        <a:spcAft>
-                          <a:spcPts val="0"/>
-                        </a:spcAft>
-                      </a:pPr>
-                      <a:r>
-                        <a:rPr lang="en-US" sz="1800" dirty="0">
-                          <a:effectLst/>
-                          <a:latin typeface="+mn-lt"/>
-                        </a:rPr>
-                        <a:t>3:55pm-4:00pm</a:t>
-                      </a:r>
-                    </a:p>
-                  </a:txBody>
-                  <a:tcPr marL="63500" marR="63500" marT="63500" marB="63500"/>
-                </a:tc>
-                <a:tc>
-                  <a:txBody>
-                    <a:bodyPr/>
-                    <a:lstStyle/>
-                    <a:p>
-                      <a:pPr>
-                        <a:lnSpc>
-                          <a:spcPct val="100000"/>
-                        </a:lnSpc>
-                      </a:pPr>
-                      <a:r>
-                        <a:rPr lang="en-US" sz="1800" i="0" dirty="0">
-                          <a:latin typeface="+mn-lt"/>
-                        </a:rPr>
-                        <a:t>09</a:t>
-                      </a:r>
-                    </a:p>
-                  </a:txBody>
-                  <a:tcPr/>
-                </a:tc>
-                <a:tc>
-                  <a:txBody>
-                    <a:bodyPr/>
-                    <a:lstStyle/>
-                    <a:p>
-                      <a:pPr>
-                        <a:lnSpc>
-                          <a:spcPct val="100000"/>
-                        </a:lnSpc>
-                      </a:pPr>
-                      <a:r>
-                        <a:rPr lang="en-US" sz="1800" i="0" dirty="0">
-                          <a:latin typeface="+mn-lt"/>
-                        </a:rPr>
-                        <a:t>Summary</a:t>
-                      </a:r>
-                    </a:p>
-                  </a:txBody>
-                  <a:tcPr/>
-                </a:tc>
-                <a:tc>
-                  <a:txBody>
-                    <a:bodyPr/>
-                    <a:lstStyle/>
-                    <a:p>
-                      <a:pPr>
-                        <a:lnSpc>
-                          <a:spcPct val="100000"/>
-                        </a:lnSpc>
-                      </a:pPr>
-                      <a:r>
-                        <a:rPr lang="en-US" sz="1800" dirty="0">
-                          <a:latin typeface="+mn-lt"/>
-                        </a:rPr>
-                        <a:t>David E. Bernholdt, ORNL</a:t>
-                      </a:r>
-                    </a:p>
-                  </a:txBody>
-                  <a:tcPr/>
-                </a:tc>
-                <a:extLst>
-                  <a:ext uri="{0D108BD9-81ED-4DB2-BD59-A6C34878D82A}">
-                    <a16:rowId xmlns:a16="http://schemas.microsoft.com/office/drawing/2014/main" val="127038030"/>
-                  </a:ext>
-                </a:extLst>
-              </a:tr>
-            </a:tbl>
-          </a:graphicData>
-        </a:graphic>
-      </p:graphicFrame>
-      <p:grpSp>
-        <p:nvGrpSpPr>
-          <p:cNvPr id="5" name="Group 4">
-            <a:extLst>
-              <a:ext uri="{FF2B5EF4-FFF2-40B4-BE49-F238E27FC236}">
-                <a16:creationId xmlns:a16="http://schemas.microsoft.com/office/drawing/2014/main" id="{E481C384-B67A-4E1A-9712-8751F487059D}"/>
-              </a:ext>
-            </a:extLst>
-          </p:cNvPr>
-          <p:cNvGrpSpPr/>
-          <p:nvPr/>
-        </p:nvGrpSpPr>
-        <p:grpSpPr>
-          <a:xfrm>
-            <a:off x="649538" y="4115336"/>
-            <a:ext cx="10909739" cy="390939"/>
-            <a:chOff x="79513" y="1653208"/>
-            <a:chExt cx="12029799" cy="390939"/>
-          </a:xfrm>
-        </p:grpSpPr>
-        <p:cxnSp>
-          <p:nvCxnSpPr>
-            <p:cNvPr id="6" name="Straight Connector 5">
-              <a:extLst>
-                <a:ext uri="{FF2B5EF4-FFF2-40B4-BE49-F238E27FC236}">
-                  <a16:creationId xmlns:a16="http://schemas.microsoft.com/office/drawing/2014/main" id="{81FDDF4F-CEBB-4DB2-B54C-DBAC5A6EF985}"/>
-                </a:ext>
-              </a:extLst>
-            </p:cNvPr>
-            <p:cNvCxnSpPr>
-              <a:cxnSpLocks/>
-            </p:cNvCxnSpPr>
-            <p:nvPr/>
-          </p:nvCxnSpPr>
-          <p:spPr>
-            <a:xfrm>
-              <a:off x="530679" y="1848678"/>
-              <a:ext cx="11127467" cy="0"/>
-            </a:xfrm>
-            <a:prstGeom prst="line">
-              <a:avLst/>
-            </a:prstGeom>
-            <a:ln w="76200">
-              <a:solidFill>
-                <a:srgbClr val="FF0000"/>
-              </a:solidFill>
-            </a:ln>
-          </p:spPr>
-          <p:style>
-            <a:lnRef idx="1">
-              <a:schemeClr val="accent1"/>
-            </a:lnRef>
-            <a:fillRef idx="0">
-              <a:schemeClr val="accent1"/>
-            </a:fillRef>
-            <a:effectRef idx="0">
-              <a:schemeClr val="accent1"/>
-            </a:effectRef>
-            <a:fontRef idx="minor">
-              <a:schemeClr val="tx1"/>
-            </a:fontRef>
-          </p:style>
-        </p:cxnSp>
-        <p:sp>
-          <p:nvSpPr>
-            <p:cNvPr id="7" name="Arrow: Right 7">
-              <a:extLst>
-                <a:ext uri="{FF2B5EF4-FFF2-40B4-BE49-F238E27FC236}">
-                  <a16:creationId xmlns:a16="http://schemas.microsoft.com/office/drawing/2014/main" id="{7844F343-E894-4FE0-A6FA-018D93AF813D}"/>
-                </a:ext>
-              </a:extLst>
-            </p:cNvPr>
-            <p:cNvSpPr/>
-            <p:nvPr/>
-          </p:nvSpPr>
-          <p:spPr>
-            <a:xfrm>
-              <a:off x="79513" y="1653208"/>
-              <a:ext cx="451166" cy="390939"/>
-            </a:xfrm>
-            <a:prstGeom prst="rightArrow">
-              <a:avLst/>
-            </a:prstGeom>
-            <a:solidFill>
-              <a:srgbClr val="FF0000"/>
-            </a:solidFill>
-            <a:ln>
-              <a:solidFill>
-                <a:srgbClr val="FF0000"/>
-              </a:solidFill>
-            </a:ln>
-            <a:effectLst/>
-            <a:scene3d>
-              <a:camera prst="orthographicFront">
-                <a:rot lat="0" lon="0" rev="0"/>
-              </a:camera>
-              <a:lightRig rig="threePt" dir="t">
-                <a:rot lat="0" lon="0" rev="1200000"/>
-              </a:lightRig>
-            </a:scene3d>
-            <a:sp3d/>
-          </p:spPr>
-          <p:style>
-            <a:lnRef idx="0">
-              <a:schemeClr val="accent1"/>
-            </a:lnRef>
-            <a:fillRef idx="3">
-              <a:schemeClr val="accent1"/>
-            </a:fillRef>
-            <a:effectRef idx="3">
-              <a:schemeClr val="accent1"/>
-            </a:effectRef>
-            <a:fontRef idx="minor">
-              <a:schemeClr val="lt1"/>
-            </a:fontRef>
-          </p:style>
-          <p:txBody>
-            <a:bodyPr rot="0" spcFirstLastPara="0" vertOverflow="overflow" horzOverflow="overflow" vert="horz" wrap="square" lIns="45720" tIns="45720" rIns="45720" bIns="45720" numCol="1" spcCol="0" rtlCol="0" fromWordArt="0" anchor="ctr" anchorCtr="0" forceAA="0" compatLnSpc="1">
-              <a:prstTxWarp prst="textNoShape">
-                <a:avLst/>
-              </a:prstTxWarp>
-              <a:noAutofit/>
-            </a:bodyPr>
-            <a:lstStyle/>
-            <a:p>
-              <a:pPr algn="ctr">
-                <a:lnSpc>
-                  <a:spcPct val="90000"/>
-                </a:lnSpc>
-              </a:pPr>
-              <a:endParaRPr lang="en-US" dirty="0">
-                <a:solidFill>
-                  <a:schemeClr val="tx1"/>
-                </a:solidFill>
-              </a:endParaRPr>
-            </a:p>
-          </p:txBody>
-        </p:sp>
-        <p:sp>
-          <p:nvSpPr>
-            <p:cNvPr id="8" name="Arrow: Right 8">
-              <a:extLst>
-                <a:ext uri="{FF2B5EF4-FFF2-40B4-BE49-F238E27FC236}">
-                  <a16:creationId xmlns:a16="http://schemas.microsoft.com/office/drawing/2014/main" id="{BBFB6C66-6CBA-4D40-8622-561E8F751365}"/>
-                </a:ext>
-              </a:extLst>
-            </p:cNvPr>
-            <p:cNvSpPr/>
-            <p:nvPr/>
-          </p:nvSpPr>
-          <p:spPr>
-            <a:xfrm rot="10800000">
-              <a:off x="11658146" y="1653208"/>
-              <a:ext cx="451166" cy="390939"/>
-            </a:xfrm>
-            <a:prstGeom prst="rightArrow">
-              <a:avLst/>
-            </a:prstGeom>
-            <a:solidFill>
-              <a:srgbClr val="FF0000"/>
-            </a:solidFill>
-            <a:ln>
-              <a:solidFill>
-                <a:srgbClr val="FF0000"/>
-              </a:solidFill>
-            </a:ln>
-            <a:effectLst/>
-            <a:scene3d>
-              <a:camera prst="orthographicFront">
-                <a:rot lat="0" lon="0" rev="0"/>
-              </a:camera>
-              <a:lightRig rig="threePt" dir="t">
-                <a:rot lat="0" lon="0" rev="1200000"/>
-              </a:lightRig>
-            </a:scene3d>
-            <a:sp3d/>
-          </p:spPr>
-          <p:style>
-            <a:lnRef idx="0">
-              <a:schemeClr val="accent1"/>
-            </a:lnRef>
-            <a:fillRef idx="3">
-              <a:schemeClr val="accent1"/>
-            </a:fillRef>
-            <a:effectRef idx="3">
-              <a:schemeClr val="accent1"/>
-            </a:effectRef>
-            <a:fontRef idx="minor">
-              <a:schemeClr val="lt1"/>
-            </a:fontRef>
-          </p:style>
-          <p:txBody>
-            <a:bodyPr rot="0" spcFirstLastPara="0" vertOverflow="overflow" horzOverflow="overflow" vert="horz" wrap="square" lIns="45720" tIns="45720" rIns="45720" bIns="45720" numCol="1" spcCol="0" rtlCol="0" fromWordArt="0" anchor="ctr" anchorCtr="0" forceAA="0" compatLnSpc="1">
-              <a:prstTxWarp prst="textNoShape">
-                <a:avLst/>
-              </a:prstTxWarp>
-              <a:noAutofit/>
-            </a:bodyPr>
-            <a:lstStyle/>
-            <a:p>
-              <a:pPr algn="ctr">
-                <a:lnSpc>
-                  <a:spcPct val="90000"/>
-                </a:lnSpc>
-              </a:pPr>
-              <a:endParaRPr lang="en-US" dirty="0">
-                <a:solidFill>
-                  <a:schemeClr val="tx1"/>
-                </a:solidFill>
-              </a:endParaRPr>
-            </a:p>
-          </p:txBody>
-        </p:sp>
-      </p:grpSp>
-    </p:spTree>
-    <p:extLst>
-      <p:ext uri="{BB962C8B-B14F-4D97-AF65-F5344CB8AC3E}">
-        <p14:creationId xmlns:p14="http://schemas.microsoft.com/office/powerpoint/2010/main" val="2028086049"/>
-      </p:ext>
-    </p:extLst>
-  </p:cSld>
-  <p:clrMapOvr>
-    <a:masterClrMapping/>
-  </p:clrMapOvr>
 </p:sld>
 </file>
 
@@ -21109,14 +19462,6 @@
   <p:clrMapOvr>
     <a:masterClrMapping/>
   </p:clrMapOvr>
-  <mc:AlternateContent xmlns:mc="http://schemas.openxmlformats.org/markup-compatibility/2006" xmlns:p14="http://schemas.microsoft.com/office/powerpoint/2010/main">
-    <mc:Choice Requires="p14">
-      <p:transition spd="slow" p14:dur="2000" advTm="141279"/>
-    </mc:Choice>
-    <mc:Fallback xmlns="">
-      <p:transition spd="slow" advTm="141279"/>
-    </mc:Fallback>
-  </mc:AlternateContent>
 </p:sld>
 </file>
 
@@ -21213,14 +19558,6 @@
   <p:clrMapOvr>
     <a:masterClrMapping/>
   </p:clrMapOvr>
-  <mc:AlternateContent xmlns:mc="http://schemas.openxmlformats.org/markup-compatibility/2006" xmlns:p14="http://schemas.microsoft.com/office/powerpoint/2010/main">
-    <mc:Choice Requires="p14">
-      <p:transition spd="slow" p14:dur="2000" advTm="61030"/>
-    </mc:Choice>
-    <mc:Fallback xmlns="">
-      <p:transition spd="slow" advTm="61030"/>
-    </mc:Fallback>
-  </mc:AlternateContent>
 </p:sld>
 </file>
 
@@ -22067,14 +20404,6 @@
   <p:clrMapOvr>
     <a:masterClrMapping/>
   </p:clrMapOvr>
-  <mc:AlternateContent xmlns:mc="http://schemas.openxmlformats.org/markup-compatibility/2006" xmlns:p14="http://schemas.microsoft.com/office/powerpoint/2010/main">
-    <mc:Choice Requires="p14">
-      <p:transition spd="slow" p14:dur="2000" advTm="93020"/>
-    </mc:Choice>
-    <mc:Fallback xmlns="">
-      <p:transition spd="slow" advTm="93020"/>
-    </mc:Fallback>
-  </mc:AlternateContent>
 </p:sld>
 </file>
 
@@ -22453,14 +20782,6 @@
   <p:clrMapOvr>
     <a:masterClrMapping/>
   </p:clrMapOvr>
-  <mc:AlternateContent xmlns:mc="http://schemas.openxmlformats.org/markup-compatibility/2006" xmlns:p14="http://schemas.microsoft.com/office/powerpoint/2010/main">
-    <mc:Choice Requires="p14">
-      <p:transition spd="slow" p14:dur="2000" advTm="30929"/>
-    </mc:Choice>
-    <mc:Fallback xmlns="">
-      <p:transition spd="slow" advTm="30929"/>
-    </mc:Fallback>
-  </mc:AlternateContent>
 </p:sld>
 </file>
 

--- a/design.pptx
+++ b/design.pptx
@@ -1426,7 +1426,7 @@
         </p:blipFill>
         <p:spPr>
           <a:xfrm>
-            <a:off x="360640" y="483164"/>
+            <a:off x="360639" y="483164"/>
             <a:ext cx="2050840" cy="935496"/>
           </a:xfrm>
           <a:prstGeom prst="rect">
@@ -1513,45 +1513,10 @@
       </p:pic>
       <p:pic>
         <p:nvPicPr>
-          <p:cNvPr id="11" name="Picture 10">
+          <p:cNvPr id="8" name="Picture 7" descr="A picture containing shape&#10;&#10;Description automatically generated">
             <a:extLst>
               <a:ext uri="{FF2B5EF4-FFF2-40B4-BE49-F238E27FC236}">
-                <a16:creationId xmlns:a16="http://schemas.microsoft.com/office/drawing/2014/main" id="{FEB516F4-C09A-4E83-A0F1-168C638F25AA}"/>
-              </a:ext>
-            </a:extLst>
-          </p:cNvPr>
-          <p:cNvPicPr>
-            <a:picLocks noChangeAspect="1"/>
-          </p:cNvPicPr>
-          <p:nvPr userDrawn="1"/>
-        </p:nvPicPr>
-        <p:blipFill rotWithShape="1">
-          <a:blip r:embed="rId7">
-            <a:extLst>
-              <a:ext uri="{28A0092B-C50C-407E-A947-70E740481C1C}">
-                <a14:useLocalDpi xmlns:a14="http://schemas.microsoft.com/office/drawing/2010/main" val="0"/>
-              </a:ext>
-            </a:extLst>
-          </a:blip>
-          <a:srcRect r="58932" b="1495"/>
-          <a:stretch/>
-        </p:blipFill>
-        <p:spPr>
-          <a:xfrm rot="10800000">
-            <a:off x="-1" y="1572767"/>
-            <a:ext cx="2852965" cy="4078297"/>
-          </a:xfrm>
-          <a:prstGeom prst="rect">
-            <a:avLst/>
-          </a:prstGeom>
-        </p:spPr>
-      </p:pic>
-      <p:pic>
-        <p:nvPicPr>
-          <p:cNvPr id="10" name="Picture 9" descr="IDEAS_logo.png">
-            <a:extLst>
-              <a:ext uri="{FF2B5EF4-FFF2-40B4-BE49-F238E27FC236}">
-                <a16:creationId xmlns:a16="http://schemas.microsoft.com/office/drawing/2014/main" id="{9DE86E9C-D24A-4552-A542-495444B5B047}"/>
+                <a16:creationId xmlns:a16="http://schemas.microsoft.com/office/drawing/2014/main" id="{C432A180-7341-4E28-8C2B-73F9AB53D13F}"/>
               </a:ext>
             </a:extLst>
           </p:cNvPr>
@@ -1561,10 +1526,10 @@
           <p:nvPr userDrawn="1"/>
         </p:nvPicPr>
         <p:blipFill>
-          <a:blip r:embed="rId8" cstate="print">
+          <a:blip r:embed="rId7">
             <a:extLst>
               <a:ext uri="{28A0092B-C50C-407E-A947-70E740481C1C}">
-                <a14:useLocalDpi xmlns:a14="http://schemas.microsoft.com/office/drawing/2010/main"/>
+                <a14:useLocalDpi xmlns:a14="http://schemas.microsoft.com/office/drawing/2010/main" val="0"/>
               </a:ext>
             </a:extLst>
           </a:blip>
@@ -1574,8 +1539,8 @@
         </p:blipFill>
         <p:spPr>
           <a:xfrm>
-            <a:off x="211056" y="1848659"/>
-            <a:ext cx="2350008" cy="815135"/>
+            <a:off x="331810" y="1848659"/>
+            <a:ext cx="2108499" cy="914400"/>
           </a:xfrm>
           <a:prstGeom prst="rect">
             <a:avLst/>
@@ -1595,453 +1560,9 @@
 </p:sldLayout>
 </file>
 
-<file path=ppt/slideLayouts/slideLayout10.xml><?xml version="1.0" encoding="utf-8"?>
-<p:sldLayout xmlns:a="http://schemas.openxmlformats.org/drawingml/2006/main" xmlns:r="http://schemas.openxmlformats.org/officeDocument/2006/relationships" xmlns:p="http://schemas.openxmlformats.org/presentationml/2006/main" showMasterSp="0" userDrawn="1">
-  <p:cSld name="*Section Break">
-    <p:spTree>
-      <p:nvGrpSpPr>
-        <p:cNvPr id="1" name=""/>
-        <p:cNvGrpSpPr/>
-        <p:nvPr/>
-      </p:nvGrpSpPr>
-      <p:grpSpPr>
-        <a:xfrm>
-          <a:off x="0" y="0"/>
-          <a:ext cx="0" cy="0"/>
-          <a:chOff x="0" y="0"/>
-          <a:chExt cx="0" cy="0"/>
-        </a:xfrm>
-      </p:grpSpPr>
-      <p:pic>
-        <p:nvPicPr>
-          <p:cNvPr id="6" name="Picture 2" descr="C:\Users\amiesen\Desktop\anlrgbpptlogo.png"/>
-          <p:cNvPicPr>
-            <a:picLocks noChangeAspect="1" noChangeArrowheads="1"/>
-          </p:cNvPicPr>
-          <p:nvPr userDrawn="1"/>
-        </p:nvPicPr>
-        <p:blipFill>
-          <a:blip r:embed="rId2" cstate="print">
-            <a:extLst>
-              <a:ext uri="{28A0092B-C50C-407E-A947-70E740481C1C}">
-                <a14:useLocalDpi xmlns:a14="http://schemas.microsoft.com/office/drawing/2010/main" val="0"/>
-              </a:ext>
-            </a:extLst>
-          </a:blip>
-          <a:srcRect/>
-          <a:stretch>
-            <a:fillRect/>
-          </a:stretch>
-        </p:blipFill>
-        <p:spPr bwMode="auto">
-          <a:xfrm>
-            <a:off x="9865402" y="6156882"/>
-            <a:ext cx="2061700" cy="557186"/>
-          </a:xfrm>
-          <a:prstGeom prst="rect">
-            <a:avLst/>
-          </a:prstGeom>
-          <a:noFill/>
-          <a:extLst>
-            <a:ext uri="{909E8E84-426E-40dd-AFC4-6F175D3DCCD1}">
-              <a14:hiddenFill xmlns="" xmlns:a14="http://schemas.microsoft.com/office/drawing/2010/main">
-                <a:solidFill>
-                  <a:srgbClr val="FFFFFF"/>
-                </a:solidFill>
-              </a14:hiddenFill>
-            </a:ext>
-          </a:extLst>
-        </p:spPr>
-      </p:pic>
-      <p:pic>
-        <p:nvPicPr>
-          <p:cNvPr id="37" name="Picture 36" descr="aerial view of Argonne with APS in front 5730-00068.jpg"/>
-          <p:cNvPicPr>
-            <a:picLocks noChangeAspect="1"/>
-          </p:cNvPicPr>
-          <p:nvPr userDrawn="1"/>
-        </p:nvPicPr>
-        <p:blipFill rotWithShape="1">
-          <a:blip r:embed="rId3" cstate="email">
-            <a:extLst>
-              <a:ext uri="{28A0092B-C50C-407E-A947-70E740481C1C}">
-                <a14:useLocalDpi xmlns:a14="http://schemas.microsoft.com/office/drawing/2010/main" val="0"/>
-              </a:ext>
-            </a:extLst>
-          </a:blip>
-          <a:srcRect t="10682" b="7135"/>
-          <a:stretch/>
-        </p:blipFill>
-        <p:spPr>
-          <a:xfrm>
-            <a:off x="0" y="1"/>
-            <a:ext cx="12188825" cy="5984917"/>
-          </a:xfrm>
-          <a:prstGeom prst="rect">
-            <a:avLst/>
-          </a:prstGeom>
-        </p:spPr>
-      </p:pic>
-      <p:sp>
-        <p:nvSpPr>
-          <p:cNvPr id="3" name="Text Placeholder 2"/>
-          <p:cNvSpPr>
-            <a:spLocks noGrp="1"/>
-          </p:cNvSpPr>
-          <p:nvPr>
-            <p:ph type="body" sz="quarter" idx="10" hasCustomPrompt="1"/>
-          </p:nvPr>
-        </p:nvSpPr>
-        <p:spPr>
-          <a:xfrm>
-            <a:off x="2" y="-14246"/>
-            <a:ext cx="12188824" cy="5999163"/>
-          </a:xfrm>
-          <a:solidFill>
-            <a:schemeClr val="tx2">
-              <a:alpha val="90000"/>
-            </a:schemeClr>
-          </a:solidFill>
-        </p:spPr>
-        <p:txBody>
-          <a:bodyPr lIns="457200" tIns="0" bIns="457200" anchor="ctr"/>
-          <a:lstStyle>
-            <a:lvl1pPr marL="0" indent="0">
-              <a:buNone/>
-              <a:defRPr sz="2800" b="1" cap="all" baseline="0">
-                <a:solidFill>
-                  <a:schemeClr val="bg1"/>
-                </a:solidFill>
-              </a:defRPr>
-            </a:lvl1pPr>
-          </a:lstStyle>
-          <a:p>
-            <a:pPr lvl="0"/>
-            <a:r>
-              <a:rPr lang="en-US" dirty="0"/>
-              <a:t>Type in SECTION BREAK TITLE</a:t>
-            </a:r>
-          </a:p>
-        </p:txBody>
-      </p:sp>
-    </p:spTree>
-    <p:extLst>
-      <p:ext uri="{BB962C8B-B14F-4D97-AF65-F5344CB8AC3E}">
-        <p14:creationId xmlns:p14="http://schemas.microsoft.com/office/powerpoint/2010/main" val="4175080991"/>
-      </p:ext>
-    </p:extLst>
-  </p:cSld>
-  <p:clrMapOvr>
-    <a:masterClrMapping/>
-  </p:clrMapOvr>
-  <mc:AlternateContent xmlns:mc="http://schemas.openxmlformats.org/markup-compatibility/2006" xmlns:p14="http://schemas.microsoft.com/office/powerpoint/2010/main">
-    <mc:Choice Requires="p14">
-      <p:transition p14:dur="250">
-        <p:fade/>
-      </p:transition>
-    </mc:Choice>
-    <mc:Fallback xmlns="">
-      <p:transition>
-        <p:fade/>
-      </p:transition>
-    </mc:Fallback>
-  </mc:AlternateContent>
-</p:sldLayout>
-</file>
-
-<file path=ppt/slideLayouts/slideLayout11.xml><?xml version="1.0" encoding="utf-8"?>
-<p:sldLayout xmlns:a="http://schemas.openxmlformats.org/drawingml/2006/main" xmlns:r="http://schemas.openxmlformats.org/officeDocument/2006/relationships" xmlns:p="http://schemas.openxmlformats.org/presentationml/2006/main" showMasterSp="0" userDrawn="1">
-  <p:cSld name="*Closing slide">
-    <p:spTree>
-      <p:nvGrpSpPr>
-        <p:cNvPr id="1" name=""/>
-        <p:cNvGrpSpPr/>
-        <p:nvPr/>
-      </p:nvGrpSpPr>
-      <p:grpSpPr>
-        <a:xfrm>
-          <a:off x="0" y="0"/>
-          <a:ext cx="0" cy="0"/>
-          <a:chOff x="0" y="0"/>
-          <a:chExt cx="0" cy="0"/>
-        </a:xfrm>
-      </p:grpSpPr>
-      <p:pic>
-        <p:nvPicPr>
-          <p:cNvPr id="7" name="Picture 2" descr="C:\Users\amiesen\Desktop\anlrgbpptlogo.png"/>
-          <p:cNvPicPr>
-            <a:picLocks noChangeAspect="1" noChangeArrowheads="1"/>
-          </p:cNvPicPr>
-          <p:nvPr userDrawn="1"/>
-        </p:nvPicPr>
-        <p:blipFill>
-          <a:blip r:embed="rId2" cstate="print">
-            <a:extLst>
-              <a:ext uri="{28A0092B-C50C-407E-A947-70E740481C1C}">
-                <a14:useLocalDpi xmlns:a14="http://schemas.microsoft.com/office/drawing/2010/main" val="0"/>
-              </a:ext>
-            </a:extLst>
-          </a:blip>
-          <a:srcRect/>
-          <a:stretch>
-            <a:fillRect/>
-          </a:stretch>
-        </p:blipFill>
-        <p:spPr bwMode="auto">
-          <a:xfrm>
-            <a:off x="9865402" y="6156882"/>
-            <a:ext cx="2061700" cy="557186"/>
-          </a:xfrm>
-          <a:prstGeom prst="rect">
-            <a:avLst/>
-          </a:prstGeom>
-          <a:noFill/>
-          <a:extLst>
-            <a:ext uri="{909E8E84-426E-40dd-AFC4-6F175D3DCCD1}">
-              <a14:hiddenFill xmlns="" xmlns:a14="http://schemas.microsoft.com/office/drawing/2010/main">
-                <a:solidFill>
-                  <a:srgbClr val="FFFFFF"/>
-                </a:solidFill>
-              </a14:hiddenFill>
-            </a:ext>
-          </a:extLst>
-        </p:spPr>
-      </p:pic>
-      <p:sp>
-        <p:nvSpPr>
-          <p:cNvPr id="38" name="TextBox 37"/>
-          <p:cNvSpPr txBox="1"/>
-          <p:nvPr userDrawn="1"/>
-        </p:nvSpPr>
-        <p:spPr>
-          <a:xfrm>
-            <a:off x="626370" y="6247222"/>
-            <a:ext cx="1387624" cy="369332"/>
-          </a:xfrm>
-          <a:prstGeom prst="rect">
-            <a:avLst/>
-          </a:prstGeom>
-          <a:noFill/>
-        </p:spPr>
-        <p:txBody>
-          <a:bodyPr wrap="none" lIns="0" rtlCol="0">
-            <a:spAutoFit/>
-          </a:bodyPr>
-          <a:lstStyle/>
-          <a:p>
-            <a:r>
-              <a:rPr lang="en-US" dirty="0">
-                <a:solidFill>
-                  <a:schemeClr val="tx1">
-                    <a:lumMod val="50000"/>
-                  </a:schemeClr>
-                </a:solidFill>
-              </a:rPr>
-              <a:t>www.anl.gov</a:t>
-            </a:r>
-          </a:p>
-        </p:txBody>
-      </p:sp>
-      <p:pic>
-        <p:nvPicPr>
-          <p:cNvPr id="8" name="Picture 7" descr="aerial view of Argonne with APS in front 5730-00068.jpg"/>
-          <p:cNvPicPr>
-            <a:picLocks noChangeAspect="1"/>
-          </p:cNvPicPr>
-          <p:nvPr userDrawn="1"/>
-        </p:nvPicPr>
-        <p:blipFill rotWithShape="1">
-          <a:blip r:embed="rId3" cstate="email">
-            <a:extLst>
-              <a:ext uri="{28A0092B-C50C-407E-A947-70E740481C1C}">
-                <a14:useLocalDpi xmlns:a14="http://schemas.microsoft.com/office/drawing/2010/main" val="0"/>
-              </a:ext>
-            </a:extLst>
-          </a:blip>
-          <a:srcRect t="10682" b="7135"/>
-          <a:stretch/>
-        </p:blipFill>
-        <p:spPr>
-          <a:xfrm>
-            <a:off x="0" y="1"/>
-            <a:ext cx="12188825" cy="5984917"/>
-          </a:xfrm>
-          <a:prstGeom prst="rect">
-            <a:avLst/>
-          </a:prstGeom>
-        </p:spPr>
-      </p:pic>
-      <p:sp>
-        <p:nvSpPr>
-          <p:cNvPr id="9" name="Text Placeholder 2"/>
-          <p:cNvSpPr>
-            <a:spLocks noGrp="1"/>
-          </p:cNvSpPr>
-          <p:nvPr>
-            <p:ph type="body" sz="quarter" idx="10" hasCustomPrompt="1"/>
-          </p:nvPr>
-        </p:nvSpPr>
-        <p:spPr>
-          <a:xfrm>
-            <a:off x="1" y="-14246"/>
-            <a:ext cx="12188824" cy="5999163"/>
-          </a:xfrm>
-          <a:solidFill>
-            <a:schemeClr val="tx2">
-              <a:alpha val="90000"/>
-            </a:schemeClr>
-          </a:solidFill>
-        </p:spPr>
-        <p:txBody>
-          <a:bodyPr lIns="457200" tIns="0" bIns="457200" anchor="ctr"/>
-          <a:lstStyle>
-            <a:lvl1pPr marL="0" indent="0">
-              <a:buNone/>
-              <a:defRPr sz="2800" b="1" cap="all" baseline="0">
-                <a:solidFill>
-                  <a:schemeClr val="bg1"/>
-                </a:solidFill>
-              </a:defRPr>
-            </a:lvl1pPr>
-          </a:lstStyle>
-          <a:p>
-            <a:pPr lvl="0"/>
-            <a:r>
-              <a:rPr lang="en-US" dirty="0"/>
-              <a:t>Type in closing statement</a:t>
-            </a:r>
-          </a:p>
-        </p:txBody>
-      </p:sp>
-      <p:sp>
-        <p:nvSpPr>
-          <p:cNvPr id="6" name="TextBox 5"/>
-          <p:cNvSpPr txBox="1"/>
-          <p:nvPr userDrawn="1"/>
-        </p:nvSpPr>
-        <p:spPr>
-          <a:xfrm>
-            <a:off x="-1320994" y="-1815882"/>
-            <a:ext cx="5041353" cy="1600438"/>
-          </a:xfrm>
-          <a:prstGeom prst="rect">
-            <a:avLst/>
-          </a:prstGeom>
-          <a:solidFill>
-            <a:schemeClr val="bg1">
-              <a:lumMod val="50000"/>
-            </a:schemeClr>
-          </a:solidFill>
-        </p:spPr>
-        <p:txBody>
-          <a:bodyPr wrap="square" rtlCol="0">
-            <a:spAutoFit/>
-          </a:bodyPr>
-          <a:lstStyle/>
-          <a:p>
-            <a:r>
-              <a:rPr lang="en-US" sz="1400" b="1" dirty="0">
-                <a:solidFill>
-                  <a:schemeClr val="bg1"/>
-                </a:solidFill>
-              </a:rPr>
-              <a:t>Suggested</a:t>
-            </a:r>
-            <a:r>
-              <a:rPr lang="en-US" sz="1400" b="1" baseline="0" dirty="0">
-                <a:solidFill>
-                  <a:schemeClr val="bg1"/>
-                </a:solidFill>
-              </a:rPr>
-              <a:t> closing statement (optional): </a:t>
-            </a:r>
-          </a:p>
-          <a:p>
-            <a:endParaRPr lang="en-US" sz="1400" b="1" baseline="0" dirty="0">
-              <a:solidFill>
-                <a:schemeClr val="bg1"/>
-              </a:solidFill>
-            </a:endParaRPr>
-          </a:p>
-          <a:p>
-            <a:pPr lvl="0"/>
-            <a:r>
-              <a:rPr lang="en-US" sz="1400" b="1" dirty="0">
-                <a:solidFill>
-                  <a:schemeClr val="bg1"/>
-                </a:solidFill>
-              </a:rPr>
-              <a:t>WE START WITH YES.</a:t>
-            </a:r>
-          </a:p>
-          <a:p>
-            <a:pPr lvl="0">
-              <a:spcAft>
-                <a:spcPts val="1200"/>
-              </a:spcAft>
-            </a:pPr>
-            <a:r>
-              <a:rPr lang="en-US" sz="1400" b="1" dirty="0">
-                <a:solidFill>
-                  <a:schemeClr val="bg1"/>
-                </a:solidFill>
-              </a:rPr>
-              <a:t>AND END WITH THANK YOU.</a:t>
-            </a:r>
-          </a:p>
-          <a:p>
-            <a:pPr lvl="0"/>
-            <a:r>
-              <a:rPr lang="en-US" sz="1400" b="1" dirty="0">
-                <a:solidFill>
-                  <a:schemeClr val="bg1"/>
-                </a:solidFill>
-              </a:rPr>
-              <a:t>DO YOU HAVE ANY BIG QUESTIONS?</a:t>
-            </a:r>
-            <a:endParaRPr lang="en-US" sz="1400" dirty="0">
-              <a:solidFill>
-                <a:schemeClr val="bg1"/>
-              </a:solidFill>
-            </a:endParaRPr>
-          </a:p>
-          <a:p>
-            <a:endParaRPr lang="en-US" dirty="0">
-              <a:solidFill>
-                <a:schemeClr val="bg1"/>
-              </a:solidFill>
-            </a:endParaRPr>
-          </a:p>
-        </p:txBody>
-      </p:sp>
-    </p:spTree>
-    <p:extLst>
-      <p:ext uri="{BB962C8B-B14F-4D97-AF65-F5344CB8AC3E}">
-        <p14:creationId xmlns:p14="http://schemas.microsoft.com/office/powerpoint/2010/main" val="3957595170"/>
-      </p:ext>
-    </p:extLst>
-  </p:cSld>
-  <p:clrMapOvr>
-    <a:masterClrMapping/>
-  </p:clrMapOvr>
-  <mc:AlternateContent xmlns:mc="http://schemas.openxmlformats.org/markup-compatibility/2006" xmlns:p14="http://schemas.microsoft.com/office/powerpoint/2010/main">
-    <mc:Choice Requires="p14">
-      <p:transition p14:dur="250">
-        <p:fade/>
-      </p:transition>
-    </mc:Choice>
-    <mc:Fallback xmlns="">
-      <p:transition>
-        <p:fade/>
-      </p:transition>
-    </mc:Fallback>
-  </mc:AlternateContent>
-</p:sldLayout>
-</file>
-
-<file path=ppt/slideLayouts/slideLayout12.xml><?xml version="1.0" encoding="utf-8"?>
-<p:sldLayout xmlns:a="http://schemas.openxmlformats.org/drawingml/2006/main" xmlns:r="http://schemas.openxmlformats.org/officeDocument/2006/relationships" xmlns:p="http://schemas.openxmlformats.org/presentationml/2006/main" type="title">
-  <p:cSld name="1_Title Slide">
+<file path=ppt/slideLayouts/slideLayout2.xml><?xml version="1.0" encoding="utf-8"?>
+<p:sldLayout xmlns:a="http://schemas.openxmlformats.org/drawingml/2006/main" xmlns:r="http://schemas.openxmlformats.org/officeDocument/2006/relationships" xmlns:p="http://schemas.openxmlformats.org/presentationml/2006/main" showMasterSp="0" preserve="1" userDrawn="1">
+  <p:cSld name="8_Title Slide">
     <p:spTree>
       <p:nvGrpSpPr>
         <p:cNvPr id="1" name=""/>
@@ -2058,28 +1579,184 @@
       </p:grpSpPr>
       <p:sp>
         <p:nvSpPr>
+          <p:cNvPr id="4" name="Rectangle 3">
+            <a:extLst>
+              <a:ext uri="{FF2B5EF4-FFF2-40B4-BE49-F238E27FC236}">
+                <a16:creationId xmlns:a16="http://schemas.microsoft.com/office/drawing/2014/main" id="{2E2177C6-060C-4445-8C10-ADA6D3CE5F74}"/>
+              </a:ext>
+            </a:extLst>
+          </p:cNvPr>
+          <p:cNvSpPr/>
+          <p:nvPr userDrawn="1"/>
+        </p:nvSpPr>
+        <p:spPr>
+          <a:xfrm>
+            <a:off x="0" y="6186396"/>
+            <a:ext cx="12188825" cy="671604"/>
+          </a:xfrm>
+          <a:prstGeom prst="rect">
+            <a:avLst/>
+          </a:prstGeom>
+          <a:solidFill>
+            <a:schemeClr val="accent1">
+              <a:lumMod val="75000"/>
+            </a:schemeClr>
+          </a:solidFill>
+          <a:ln>
+            <a:noFill/>
+          </a:ln>
+          <a:effectLst/>
+          <a:scene3d>
+            <a:camera prst="orthographicFront">
+              <a:rot lat="0" lon="0" rev="0"/>
+            </a:camera>
+            <a:lightRig rig="threePt" dir="t">
+              <a:rot lat="0" lon="0" rev="1200000"/>
+            </a:lightRig>
+          </a:scene3d>
+          <a:sp3d/>
+        </p:spPr>
+        <p:style>
+          <a:lnRef idx="0">
+            <a:schemeClr val="accent1"/>
+          </a:lnRef>
+          <a:fillRef idx="3">
+            <a:schemeClr val="accent1"/>
+          </a:fillRef>
+          <a:effectRef idx="3">
+            <a:schemeClr val="accent1"/>
+          </a:effectRef>
+          <a:fontRef idx="minor">
+            <a:schemeClr val="lt1"/>
+          </a:fontRef>
+        </p:style>
+        <p:txBody>
+          <a:bodyPr rot="0" spcFirstLastPara="0" vertOverflow="overflow" horzOverflow="overflow" vert="horz" wrap="square" lIns="548640" tIns="45720" rIns="45720" bIns="45720" numCol="1" spcCol="0" rtlCol="0" fromWordArt="0" anchor="ctr" anchorCtr="0" forceAA="0" compatLnSpc="1">
+            <a:prstTxWarp prst="textNoShape">
+              <a:avLst/>
+            </a:prstTxWarp>
+            <a:noAutofit/>
+          </a:bodyPr>
+          <a:lstStyle/>
+          <a:p>
+            <a:pPr algn="l">
+              <a:lnSpc>
+                <a:spcPct val="90000"/>
+              </a:lnSpc>
+            </a:pPr>
+            <a:r>
+              <a:rPr lang="en-US" sz="1600" dirty="0">
+                <a:ln>
+                  <a:noFill/>
+                </a:ln>
+                <a:solidFill>
+                  <a:schemeClr val="bg1"/>
+                </a:solidFill>
+              </a:rPr>
+              <a:t>exascaleproject.org</a:t>
+            </a:r>
+          </a:p>
+        </p:txBody>
+      </p:sp>
+      <p:sp>
+        <p:nvSpPr>
+          <p:cNvPr id="22" name="Rectangle 21"/>
+          <p:cNvSpPr/>
+          <p:nvPr userDrawn="1"/>
+        </p:nvSpPr>
+        <p:spPr>
+          <a:xfrm>
+            <a:off x="8305800" y="5921829"/>
+            <a:ext cx="3883025" cy="936171"/>
+          </a:xfrm>
+          <a:prstGeom prst="rect">
+            <a:avLst/>
+          </a:prstGeom>
+          <a:noFill/>
+          <a:ln>
+            <a:noFill/>
+          </a:ln>
+          <a:effectLst/>
+          <a:scene3d>
+            <a:camera prst="orthographicFront">
+              <a:rot lat="0" lon="0" rev="0"/>
+            </a:camera>
+            <a:lightRig rig="threePt" dir="t">
+              <a:rot lat="0" lon="0" rev="1200000"/>
+            </a:lightRig>
+          </a:scene3d>
+          <a:sp3d/>
+        </p:spPr>
+        <p:style>
+          <a:lnRef idx="0">
+            <a:schemeClr val="accent1"/>
+          </a:lnRef>
+          <a:fillRef idx="3">
+            <a:schemeClr val="accent1"/>
+          </a:fillRef>
+          <a:effectRef idx="3">
+            <a:schemeClr val="accent1"/>
+          </a:effectRef>
+          <a:fontRef idx="minor">
+            <a:schemeClr val="lt1"/>
+          </a:fontRef>
+        </p:style>
+        <p:txBody>
+          <a:bodyPr rot="0" spcFirstLastPara="0" vertOverflow="overflow" horzOverflow="overflow" vert="horz" wrap="square" lIns="45720" tIns="45720" rIns="45720" bIns="45720" numCol="1" spcCol="0" rtlCol="0" fromWordArt="0" anchor="ctr" anchorCtr="0" forceAA="0" compatLnSpc="1">
+            <a:prstTxWarp prst="textNoShape">
+              <a:avLst/>
+            </a:prstTxWarp>
+            <a:noAutofit/>
+          </a:bodyPr>
+          <a:lstStyle/>
+          <a:p>
+            <a:pPr algn="ctr">
+              <a:lnSpc>
+                <a:spcPct val="90000"/>
+              </a:lnSpc>
+            </a:pPr>
+            <a:endParaRPr lang="en-US" dirty="0">
+              <a:solidFill>
+                <a:schemeClr val="tx1"/>
+              </a:solidFill>
+            </a:endParaRPr>
+          </a:p>
+        </p:txBody>
+      </p:sp>
+      <p:sp>
+        <p:nvSpPr>
           <p:cNvPr id="2" name="Title 1"/>
           <p:cNvSpPr>
             <a:spLocks noGrp="1"/>
           </p:cNvSpPr>
-          <p:nvPr>
+          <p:nvPr userDrawn="1">
             <p:ph type="ctrTitle"/>
           </p:nvPr>
         </p:nvSpPr>
         <p:spPr>
           <a:xfrm>
-            <a:off x="914162" y="2130428"/>
-            <a:ext cx="10360501" cy="1470025"/>
+            <a:off x="3177633" y="503144"/>
+            <a:ext cx="8292316" cy="1030930"/>
           </a:xfrm>
         </p:spPr>
         <p:txBody>
-          <a:bodyPr/>
-          <a:lstStyle/>
+          <a:bodyPr anchor="b"/>
+          <a:lstStyle>
+            <a:lvl1pPr algn="l">
+              <a:defRPr sz="3200" b="1">
+                <a:solidFill>
+                  <a:schemeClr val="tx1"/>
+                </a:solidFill>
+                <a:latin typeface="+mn-lt"/>
+              </a:defRPr>
+            </a:lvl1pPr>
+          </a:lstStyle>
           <a:p>
             <a:r>
               <a:rPr lang="en-US"/>
               <a:t>Click to edit Master title style</a:t>
             </a:r>
+            <a:endParaRPr lang="en-US" dirty="0"/>
           </a:p>
         </p:txBody>
       </p:sp>
@@ -2089,20 +1766,30 @@
           <p:cNvSpPr>
             <a:spLocks noGrp="1"/>
           </p:cNvSpPr>
-          <p:nvPr>
+          <p:nvPr userDrawn="1">
             <p:ph type="subTitle" idx="1"/>
           </p:nvPr>
         </p:nvSpPr>
         <p:spPr>
           <a:xfrm>
-            <a:off x="1828324" y="3886200"/>
-            <a:ext cx="8532178" cy="1752600"/>
+            <a:off x="3177632" y="2085962"/>
+            <a:ext cx="8292317" cy="2855300"/>
           </a:xfrm>
         </p:spPr>
         <p:txBody>
-          <a:bodyPr/>
+          <a:bodyPr lIns="109728"/>
           <a:lstStyle>
-            <a:lvl1pPr marL="0" indent="0" algn="ctr">
+            <a:lvl1pPr marL="0" indent="0" algn="l">
+              <a:buNone/>
+              <a:defRPr sz="2400">
+                <a:solidFill>
+                  <a:schemeClr val="tx1"/>
+                </a:solidFill>
+                <a:latin typeface="Arial" panose="020B0604020202020204" pitchFamily="34" charset="0"/>
+                <a:cs typeface="Arial" panose="020B0604020202020204" pitchFamily="34" charset="0"/>
+              </a:defRPr>
+            </a:lvl1pPr>
+            <a:lvl2pPr marL="457200" indent="0" algn="ctr">
               <a:buNone/>
               <a:defRPr>
                 <a:solidFill>
@@ -2111,8 +1798,8 @@
                   </a:schemeClr>
                 </a:solidFill>
               </a:defRPr>
-            </a:lvl1pPr>
-            <a:lvl2pPr marL="342900" indent="0" algn="ctr">
+            </a:lvl2pPr>
+            <a:lvl3pPr marL="914400" indent="0" algn="ctr">
               <a:buNone/>
               <a:defRPr>
                 <a:solidFill>
@@ -2121,8 +1808,8 @@
                   </a:schemeClr>
                 </a:solidFill>
               </a:defRPr>
-            </a:lvl2pPr>
-            <a:lvl3pPr marL="685800" indent="0" algn="ctr">
+            </a:lvl3pPr>
+            <a:lvl4pPr marL="1371600" indent="0" algn="ctr">
               <a:buNone/>
               <a:defRPr>
                 <a:solidFill>
@@ -2131,8 +1818,8 @@
                   </a:schemeClr>
                 </a:solidFill>
               </a:defRPr>
-            </a:lvl3pPr>
-            <a:lvl4pPr marL="1028700" indent="0" algn="ctr">
+            </a:lvl4pPr>
+            <a:lvl5pPr marL="1828800" indent="0" algn="ctr">
               <a:buNone/>
               <a:defRPr>
                 <a:solidFill>
@@ -2141,8 +1828,8 @@
                   </a:schemeClr>
                 </a:solidFill>
               </a:defRPr>
-            </a:lvl4pPr>
-            <a:lvl5pPr marL="1371600" indent="0" algn="ctr">
+            </a:lvl5pPr>
+            <a:lvl6pPr marL="2286000" indent="0" algn="ctr">
               <a:buNone/>
               <a:defRPr>
                 <a:solidFill>
@@ -2151,8 +1838,8 @@
                   </a:schemeClr>
                 </a:solidFill>
               </a:defRPr>
-            </a:lvl5pPr>
-            <a:lvl6pPr marL="1714500" indent="0" algn="ctr">
+            </a:lvl6pPr>
+            <a:lvl7pPr marL="2743200" indent="0" algn="ctr">
               <a:buNone/>
               <a:defRPr>
                 <a:solidFill>
@@ -2161,8 +1848,8 @@
                   </a:schemeClr>
                 </a:solidFill>
               </a:defRPr>
-            </a:lvl6pPr>
-            <a:lvl7pPr marL="2057400" indent="0" algn="ctr">
+            </a:lvl7pPr>
+            <a:lvl8pPr marL="3200400" indent="0" algn="ctr">
               <a:buNone/>
               <a:defRPr>
                 <a:solidFill>
@@ -2171,8 +1858,8 @@
                   </a:schemeClr>
                 </a:solidFill>
               </a:defRPr>
-            </a:lvl7pPr>
-            <a:lvl8pPr marL="2400300" indent="0" algn="ctr">
+            </a:lvl8pPr>
+            <a:lvl9pPr marL="3657600" indent="0" algn="ctr">
               <a:buNone/>
               <a:defRPr>
                 <a:solidFill>
@@ -2181,16 +1868,6 @@
                   </a:schemeClr>
                 </a:solidFill>
               </a:defRPr>
-            </a:lvl8pPr>
-            <a:lvl9pPr marL="2743200" indent="0" algn="ctr">
-              <a:buNone/>
-              <a:defRPr>
-                <a:solidFill>
-                  <a:schemeClr val="tx1">
-                    <a:tint val="75000"/>
-                  </a:schemeClr>
-                </a:solidFill>
-              </a:defRPr>
             </a:lvl9pPr>
           </a:lstStyle>
           <a:p>
@@ -2198,78 +1875,280 @@
               <a:rPr lang="en-US"/>
               <a:t>Click to edit Master subtitle style</a:t>
             </a:r>
+            <a:endParaRPr lang="en-US" dirty="0"/>
           </a:p>
         </p:txBody>
       </p:sp>
+      <p:pic>
+        <p:nvPicPr>
+          <p:cNvPr id="12" name="Picture 11"/>
+          <p:cNvPicPr>
+            <a:picLocks noChangeAspect="1"/>
+          </p:cNvPicPr>
+          <p:nvPr userDrawn="1"/>
+        </p:nvPicPr>
+        <p:blipFill>
+          <a:blip r:embed="rId2" cstate="print">
+            <a:extLst>
+              <a:ext uri="{28A0092B-C50C-407E-A947-70E740481C1C}">
+                <a14:useLocalDpi xmlns:a14="http://schemas.microsoft.com/office/drawing/2010/main" val="0"/>
+              </a:ext>
+            </a:extLst>
+          </a:blip>
+          <a:stretch>
+            <a:fillRect/>
+          </a:stretch>
+        </p:blipFill>
+        <p:spPr>
+          <a:xfrm>
+            <a:off x="362749" y="483164"/>
+            <a:ext cx="2050840" cy="935496"/>
+          </a:xfrm>
+          <a:prstGeom prst="rect">
+            <a:avLst/>
+          </a:prstGeom>
+        </p:spPr>
+      </p:pic>
+      <p:pic>
+        <p:nvPicPr>
+          <p:cNvPr id="16" name="Picture 15"/>
+          <p:cNvPicPr>
+            <a:picLocks noChangeAspect="1"/>
+          </p:cNvPicPr>
+          <p:nvPr userDrawn="1"/>
+        </p:nvPicPr>
+        <p:blipFill>
+          <a:blip r:embed="rId3" cstate="print">
+            <a:extLst>
+              <a:ext uri="{BEBA8EAE-BF5A-486C-A8C5-ECC9F3942E4B}">
+                <a14:imgProps xmlns:a14="http://schemas.microsoft.com/office/drawing/2010/main">
+                  <a14:imgLayer r:embed="rId4">
+                    <a14:imgEffect>
+                      <a14:brightnessContrast bright="100000"/>
+                    </a14:imgEffect>
+                  </a14:imgLayer>
+                </a14:imgProps>
+              </a:ext>
+              <a:ext uri="{28A0092B-C50C-407E-A947-70E740481C1C}">
+                <a14:useLocalDpi xmlns:a14="http://schemas.microsoft.com/office/drawing/2010/main" val="0"/>
+              </a:ext>
+            </a:extLst>
+          </a:blip>
+          <a:stretch>
+            <a:fillRect/>
+          </a:stretch>
+        </p:blipFill>
+        <p:spPr>
+          <a:xfrm>
+            <a:off x="7289921" y="6322747"/>
+            <a:ext cx="2409477" cy="401008"/>
+          </a:xfrm>
+          <a:prstGeom prst="rect">
+            <a:avLst/>
+          </a:prstGeom>
+        </p:spPr>
+      </p:pic>
+      <p:pic>
+        <p:nvPicPr>
+          <p:cNvPr id="17" name="Picture 16"/>
+          <p:cNvPicPr>
+            <a:picLocks noChangeAspect="1"/>
+          </p:cNvPicPr>
+          <p:nvPr userDrawn="1"/>
+        </p:nvPicPr>
+        <p:blipFill rotWithShape="1">
+          <a:blip r:embed="rId5" cstate="print">
+            <a:extLst>
+              <a:ext uri="{BEBA8EAE-BF5A-486C-A8C5-ECC9F3942E4B}">
+                <a14:imgProps xmlns:a14="http://schemas.microsoft.com/office/drawing/2010/main">
+                  <a14:imgLayer r:embed="rId6">
+                    <a14:imgEffect>
+                      <a14:brightnessContrast bright="100000"/>
+                    </a14:imgEffect>
+                  </a14:imgLayer>
+                </a14:imgProps>
+              </a:ext>
+              <a:ext uri="{28A0092B-C50C-407E-A947-70E740481C1C}">
+                <a14:useLocalDpi xmlns:a14="http://schemas.microsoft.com/office/drawing/2010/main" val="0"/>
+              </a:ext>
+            </a:extLst>
+          </a:blip>
+          <a:srcRect b="70693"/>
+          <a:stretch/>
+        </p:blipFill>
+        <p:spPr>
+          <a:xfrm>
+            <a:off x="10204521" y="6307740"/>
+            <a:ext cx="1367541" cy="428915"/>
+          </a:xfrm>
+          <a:prstGeom prst="rect">
+            <a:avLst/>
+          </a:prstGeom>
+        </p:spPr>
+      </p:pic>
+      <p:pic>
+        <p:nvPicPr>
+          <p:cNvPr id="8" name="Picture 7" descr="A picture containing shape&#10;&#10;Description automatically generated">
+            <a:extLst>
+              <a:ext uri="{FF2B5EF4-FFF2-40B4-BE49-F238E27FC236}">
+                <a16:creationId xmlns:a16="http://schemas.microsoft.com/office/drawing/2014/main" id="{C432A180-7341-4E28-8C2B-73F9AB53D13F}"/>
+              </a:ext>
+            </a:extLst>
+          </p:cNvPr>
+          <p:cNvPicPr>
+            <a:picLocks noChangeAspect="1"/>
+          </p:cNvPicPr>
+          <p:nvPr userDrawn="1"/>
+        </p:nvPicPr>
+        <p:blipFill>
+          <a:blip r:embed="rId7">
+            <a:extLst>
+              <a:ext uri="{28A0092B-C50C-407E-A947-70E740481C1C}">
+                <a14:useLocalDpi xmlns:a14="http://schemas.microsoft.com/office/drawing/2010/main" val="0"/>
+              </a:ext>
+            </a:extLst>
+          </a:blip>
+          <a:stretch>
+            <a:fillRect/>
+          </a:stretch>
+        </p:blipFill>
+        <p:spPr>
+          <a:xfrm>
+            <a:off x="333920" y="1848659"/>
+            <a:ext cx="2108499" cy="914400"/>
+          </a:xfrm>
+          <a:prstGeom prst="rect">
+            <a:avLst/>
+          </a:prstGeom>
+        </p:spPr>
+      </p:pic>
+      <p:pic>
+        <p:nvPicPr>
+          <p:cNvPr id="13" name="Picture 2" descr="https://licensebuttons.net/l/by/4.0/88x31.png">
+            <a:extLst>
+              <a:ext uri="{FF2B5EF4-FFF2-40B4-BE49-F238E27FC236}">
+                <a16:creationId xmlns:a16="http://schemas.microsoft.com/office/drawing/2014/main" id="{FAFD7D99-41CA-4FD0-9396-9C5659F22045}"/>
+              </a:ext>
+            </a:extLst>
+          </p:cNvPr>
+          <p:cNvPicPr>
+            <a:picLocks noChangeAspect="1" noChangeArrowheads="1"/>
+          </p:cNvPicPr>
+          <p:nvPr userDrawn="1"/>
+        </p:nvPicPr>
+        <p:blipFill>
+          <a:blip r:embed="rId8">
+            <a:extLst>
+              <a:ext uri="{28A0092B-C50C-407E-A947-70E740481C1C}">
+                <a14:useLocalDpi xmlns:a14="http://schemas.microsoft.com/office/drawing/2010/main" val="0"/>
+              </a:ext>
+            </a:extLst>
+          </a:blip>
+          <a:srcRect/>
+          <a:stretch>
+            <a:fillRect/>
+          </a:stretch>
+        </p:blipFill>
+        <p:spPr bwMode="auto">
+          <a:xfrm>
+            <a:off x="969069" y="5841262"/>
+            <a:ext cx="838200" cy="295275"/>
+          </a:xfrm>
+          <a:prstGeom prst="rect">
+            <a:avLst/>
+          </a:prstGeom>
+          <a:noFill/>
+          <a:extLst>
+            <a:ext uri="{909E8E84-426E-40DD-AFC4-6F175D3DCCD1}">
+              <a14:hiddenFill xmlns:a14="http://schemas.microsoft.com/office/drawing/2010/main">
+                <a:solidFill>
+                  <a:srgbClr val="FFFFFF"/>
+                </a:solidFill>
+              </a14:hiddenFill>
+            </a:ext>
+          </a:extLst>
+        </p:spPr>
+      </p:pic>
       <p:sp>
         <p:nvSpPr>
-          <p:cNvPr id="4" name="Date Placeholder 3"/>
-          <p:cNvSpPr>
-            <a:spLocks noGrp="1"/>
-          </p:cNvSpPr>
-          <p:nvPr>
-            <p:ph type="dt" sz="half" idx="10"/>
-          </p:nvPr>
+          <p:cNvPr id="14" name="TextBox 13">
+            <a:extLst>
+              <a:ext uri="{FF2B5EF4-FFF2-40B4-BE49-F238E27FC236}">
+                <a16:creationId xmlns:a16="http://schemas.microsoft.com/office/drawing/2014/main" id="{9D022D1C-99FF-490C-8690-D8081D33C0AF}"/>
+              </a:ext>
+            </a:extLst>
+          </p:cNvPr>
+          <p:cNvSpPr txBox="1"/>
+          <p:nvPr userDrawn="1"/>
         </p:nvSpPr>
-        <p:spPr/>
+        <p:spPr>
+          <a:xfrm>
+            <a:off x="1810964" y="5776533"/>
+            <a:ext cx="1171114" cy="424732"/>
+          </a:xfrm>
+          <a:prstGeom prst="rect">
+            <a:avLst/>
+          </a:prstGeom>
+          <a:noFill/>
+        </p:spPr>
         <p:txBody>
-          <a:bodyPr/>
+          <a:bodyPr wrap="square" rtlCol="0">
+            <a:spAutoFit/>
+          </a:bodyPr>
           <a:lstStyle/>
           <a:p>
-            <a:fld id="{68F49DD1-DDB5-AB43-B311-7649AD474C82}" type="datetimeFigureOut">
-              <a:rPr lang="en-US" smtClean="0"/>
-              <a:t>5/21/2021</a:t>
-            </a:fld>
-            <a:endParaRPr lang="en-US"/>
+            <a:pPr algn="ctr">
+              <a:lnSpc>
+                <a:spcPct val="90000"/>
+              </a:lnSpc>
+            </a:pPr>
+            <a:r>
+              <a:rPr lang="en-US" sz="1200" dirty="0"/>
+              <a:t>See slide 2 for license details</a:t>
+            </a:r>
           </a:p>
         </p:txBody>
       </p:sp>
-      <p:sp>
-        <p:nvSpPr>
-          <p:cNvPr id="5" name="Footer Placeholder 4"/>
-          <p:cNvSpPr>
-            <a:spLocks noGrp="1"/>
-          </p:cNvSpPr>
-          <p:nvPr>
-            <p:ph type="ftr" sz="quarter" idx="11"/>
-          </p:nvPr>
-        </p:nvSpPr>
-        <p:spPr/>
-        <p:txBody>
-          <a:bodyPr/>
-          <a:lstStyle/>
-          <a:p>
-            <a:endParaRPr lang="en-US"/>
-          </a:p>
-        </p:txBody>
-      </p:sp>
-      <p:sp>
-        <p:nvSpPr>
-          <p:cNvPr id="6" name="Slide Number Placeholder 5"/>
-          <p:cNvSpPr>
-            <a:spLocks noGrp="1"/>
-          </p:cNvSpPr>
-          <p:nvPr>
-            <p:ph type="sldNum" sz="quarter" idx="12"/>
-          </p:nvPr>
-        </p:nvSpPr>
-        <p:spPr/>
-        <p:txBody>
-          <a:bodyPr/>
-          <a:lstStyle/>
-          <a:p>
-            <a:fld id="{AEB3D163-D76A-5F4F-A4CE-5FA8F639A976}" type="slidenum">
-              <a:rPr lang="en-US" smtClean="0"/>
-              <a:t>‹#›</a:t>
-            </a:fld>
-            <a:endParaRPr lang="en-US"/>
-          </a:p>
-        </p:txBody>
-      </p:sp>
+      <p:pic>
+        <p:nvPicPr>
+          <p:cNvPr id="15" name="Picture 14">
+            <a:extLst>
+              <a:ext uri="{FF2B5EF4-FFF2-40B4-BE49-F238E27FC236}">
+                <a16:creationId xmlns:a16="http://schemas.microsoft.com/office/drawing/2014/main" id="{C554CDC7-44CF-4751-9869-0265C8E01840}"/>
+              </a:ext>
+            </a:extLst>
+          </p:cNvPr>
+          <p:cNvPicPr>
+            <a:picLocks noChangeAspect="1"/>
+          </p:cNvPicPr>
+          <p:nvPr userDrawn="1"/>
+        </p:nvPicPr>
+        <p:blipFill>
+          <a:blip r:embed="rId9" cstate="print">
+            <a:extLst>
+              <a:ext uri="{28A0092B-C50C-407E-A947-70E740481C1C}">
+                <a14:useLocalDpi xmlns:a14="http://schemas.microsoft.com/office/drawing/2010/main" val="0"/>
+              </a:ext>
+            </a:extLst>
+          </a:blip>
+          <a:stretch>
+            <a:fillRect/>
+          </a:stretch>
+        </p:blipFill>
+        <p:spPr>
+          <a:xfrm>
+            <a:off x="333211" y="3189686"/>
+            <a:ext cx="2109916" cy="905256"/>
+          </a:xfrm>
+          <a:prstGeom prst="rect">
+            <a:avLst/>
+          </a:prstGeom>
+        </p:spPr>
+      </p:pic>
     </p:spTree>
     <p:extLst>
       <p:ext uri="{BB962C8B-B14F-4D97-AF65-F5344CB8AC3E}">
-        <p14:creationId xmlns:p14="http://schemas.microsoft.com/office/powerpoint/2010/main" val="3159426199"/>
+        <p14:creationId xmlns:p14="http://schemas.microsoft.com/office/powerpoint/2010/main" val="451228200"/>
       </p:ext>
     </p:extLst>
   </p:cSld>
@@ -2279,7 +2158,7 @@
 </p:sldLayout>
 </file>
 
-<file path=ppt/slideLayouts/slideLayout2.xml><?xml version="1.0" encoding="utf-8"?>
+<file path=ppt/slideLayouts/slideLayout3.xml><?xml version="1.0" encoding="utf-8"?>
 <p:sldLayout xmlns:a="http://schemas.openxmlformats.org/drawingml/2006/main" xmlns:r="http://schemas.openxmlformats.org/officeDocument/2006/relationships" xmlns:p="http://schemas.openxmlformats.org/presentationml/2006/main" type="obj" preserve="1">
   <p:cSld name="Title and Content">
     <p:bg>
@@ -2434,7 +2313,7 @@
 </p:sldLayout>
 </file>
 
-<file path=ppt/slideLayouts/slideLayout3.xml><?xml version="1.0" encoding="utf-8"?>
+<file path=ppt/slideLayouts/slideLayout4.xml><?xml version="1.0" encoding="utf-8"?>
 <p:sldLayout xmlns:a="http://schemas.openxmlformats.org/drawingml/2006/main" xmlns:r="http://schemas.openxmlformats.org/officeDocument/2006/relationships" xmlns:p="http://schemas.openxmlformats.org/presentationml/2006/main" type="twoTxTwoObj" preserve="1">
   <p:cSld name="Comparison">
     <p:spTree>
@@ -2905,7 +2784,7 @@
 </p:sldLayout>
 </file>
 
-<file path=ppt/slideLayouts/slideLayout4.xml><?xml version="1.0" encoding="utf-8"?>
+<file path=ppt/slideLayouts/slideLayout5.xml><?xml version="1.0" encoding="utf-8"?>
 <p:sldLayout xmlns:a="http://schemas.openxmlformats.org/drawingml/2006/main" xmlns:r="http://schemas.openxmlformats.org/officeDocument/2006/relationships" xmlns:p="http://schemas.openxmlformats.org/presentationml/2006/main" preserve="1" userDrawn="1">
   <p:cSld name="quad chart">
     <p:spTree>
@@ -3668,7 +3547,7 @@
 </p:sldLayout>
 </file>
 
-<file path=ppt/slideLayouts/slideLayout5.xml><?xml version="1.0" encoding="utf-8"?>
+<file path=ppt/slideLayouts/slideLayout6.xml><?xml version="1.0" encoding="utf-8"?>
 <p:sldLayout xmlns:a="http://schemas.openxmlformats.org/drawingml/2006/main" xmlns:r="http://schemas.openxmlformats.org/officeDocument/2006/relationships" xmlns:p="http://schemas.openxmlformats.org/presentationml/2006/main" preserve="1" userDrawn="1">
   <p:cSld name="Section divider">
     <p:spTree>
@@ -3726,7 +3605,7 @@
 </p:sldLayout>
 </file>
 
-<file path=ppt/slideLayouts/slideLayout6.xml><?xml version="1.0" encoding="utf-8"?>
+<file path=ppt/slideLayouts/slideLayout7.xml><?xml version="1.0" encoding="utf-8"?>
 <p:sldLayout xmlns:a="http://schemas.openxmlformats.org/drawingml/2006/main" xmlns:r="http://schemas.openxmlformats.org/officeDocument/2006/relationships" xmlns:p="http://schemas.openxmlformats.org/presentationml/2006/main" type="titleOnly" preserve="1">
   <p:cSld name="Title Only">
     <p:spTree>
@@ -3784,472 +3663,9 @@
 </p:sldLayout>
 </file>
 
-<file path=ppt/slideLayouts/slideLayout7.xml><?xml version="1.0" encoding="utf-8"?>
-<p:sldLayout xmlns:a="http://schemas.openxmlformats.org/drawingml/2006/main" xmlns:r="http://schemas.openxmlformats.org/officeDocument/2006/relationships" xmlns:p="http://schemas.openxmlformats.org/presentationml/2006/main" showMasterSp="0" userDrawn="1">
-  <p:cSld name="Section break">
-    <p:spTree>
-      <p:nvGrpSpPr>
-        <p:cNvPr id="1" name=""/>
-        <p:cNvGrpSpPr/>
-        <p:nvPr/>
-      </p:nvGrpSpPr>
-      <p:grpSpPr>
-        <a:xfrm>
-          <a:off x="0" y="0"/>
-          <a:ext cx="0" cy="0"/>
-          <a:chOff x="0" y="0"/>
-          <a:chExt cx="0" cy="0"/>
-        </a:xfrm>
-      </p:grpSpPr>
-      <p:sp>
-        <p:nvSpPr>
-          <p:cNvPr id="22" name="Rectangle 21"/>
-          <p:cNvSpPr/>
-          <p:nvPr userDrawn="1"/>
-        </p:nvSpPr>
-        <p:spPr>
-          <a:xfrm>
-            <a:off x="8305800" y="5921829"/>
-            <a:ext cx="3883025" cy="936171"/>
-          </a:xfrm>
-          <a:prstGeom prst="rect">
-            <a:avLst/>
-          </a:prstGeom>
-          <a:noFill/>
-          <a:ln>
-            <a:noFill/>
-          </a:ln>
-          <a:effectLst/>
-          <a:scene3d>
-            <a:camera prst="orthographicFront">
-              <a:rot lat="0" lon="0" rev="0"/>
-            </a:camera>
-            <a:lightRig rig="threePt" dir="t">
-              <a:rot lat="0" lon="0" rev="1200000"/>
-            </a:lightRig>
-          </a:scene3d>
-          <a:sp3d/>
-        </p:spPr>
-        <p:style>
-          <a:lnRef idx="0">
-            <a:schemeClr val="accent1"/>
-          </a:lnRef>
-          <a:fillRef idx="3">
-            <a:schemeClr val="accent1"/>
-          </a:fillRef>
-          <a:effectRef idx="3">
-            <a:schemeClr val="accent1"/>
-          </a:effectRef>
-          <a:fontRef idx="minor">
-            <a:schemeClr val="lt1"/>
-          </a:fontRef>
-        </p:style>
-        <p:txBody>
-          <a:bodyPr rot="0" spcFirstLastPara="0" vertOverflow="overflow" horzOverflow="overflow" vert="horz" wrap="square" lIns="45720" tIns="45720" rIns="45720" bIns="45720" numCol="1" spcCol="0" rtlCol="0" fromWordArt="0" anchor="ctr" anchorCtr="0" forceAA="0" compatLnSpc="1">
-            <a:prstTxWarp prst="textNoShape">
-              <a:avLst/>
-            </a:prstTxWarp>
-            <a:noAutofit/>
-          </a:bodyPr>
-          <a:lstStyle/>
-          <a:p>
-            <a:pPr algn="ctr">
-              <a:lnSpc>
-                <a:spcPct val="90000"/>
-              </a:lnSpc>
-            </a:pPr>
-            <a:endParaRPr lang="en-US" dirty="0">
-              <a:solidFill>
-                <a:schemeClr val="tx1"/>
-              </a:solidFill>
-            </a:endParaRPr>
-          </a:p>
-        </p:txBody>
-      </p:sp>
-      <p:sp>
-        <p:nvSpPr>
-          <p:cNvPr id="2" name="Title 1"/>
-          <p:cNvSpPr>
-            <a:spLocks noGrp="1"/>
-          </p:cNvSpPr>
-          <p:nvPr userDrawn="1">
-            <p:ph type="ctrTitle"/>
-          </p:nvPr>
-        </p:nvSpPr>
-        <p:spPr>
-          <a:xfrm>
-            <a:off x="365760" y="411480"/>
-            <a:ext cx="6962455" cy="510909"/>
-          </a:xfrm>
-        </p:spPr>
-        <p:txBody>
-          <a:bodyPr/>
-          <a:lstStyle>
-            <a:lvl1pPr algn="l">
-              <a:defRPr sz="3200" b="1">
-                <a:solidFill>
-                  <a:schemeClr val="tx1"/>
-                </a:solidFill>
-                <a:latin typeface="+mn-lt"/>
-              </a:defRPr>
-            </a:lvl1pPr>
-          </a:lstStyle>
-          <a:p>
-            <a:r>
-              <a:rPr lang="en-US" dirty="0"/>
-              <a:t>Click to edit Master title style</a:t>
-            </a:r>
-          </a:p>
-        </p:txBody>
-      </p:sp>
-      <p:pic>
-        <p:nvPicPr>
-          <p:cNvPr id="12" name="Picture 11"/>
-          <p:cNvPicPr>
-            <a:picLocks noChangeAspect="1"/>
-          </p:cNvPicPr>
-          <p:nvPr userDrawn="1"/>
-        </p:nvPicPr>
-        <p:blipFill>
-          <a:blip r:embed="rId2" cstate="print">
-            <a:extLst>
-              <a:ext uri="{28A0092B-C50C-407E-A947-70E740481C1C}">
-                <a14:useLocalDpi xmlns:a14="http://schemas.microsoft.com/office/drawing/2010/main" val="0"/>
-              </a:ext>
-            </a:extLst>
-          </a:blip>
-          <a:stretch>
-            <a:fillRect/>
-          </a:stretch>
-        </p:blipFill>
-        <p:spPr>
-          <a:xfrm>
-            <a:off x="8256801" y="4458940"/>
-            <a:ext cx="3047137" cy="1389960"/>
-          </a:xfrm>
-          <a:prstGeom prst="rect">
-            <a:avLst/>
-          </a:prstGeom>
-        </p:spPr>
-      </p:pic>
-      <p:grpSp>
-        <p:nvGrpSpPr>
-          <p:cNvPr id="13" name="Group 12"/>
-          <p:cNvGrpSpPr/>
-          <p:nvPr userDrawn="1"/>
-        </p:nvGrpSpPr>
-        <p:grpSpPr>
-          <a:xfrm>
-            <a:off x="-4595" y="6002316"/>
-            <a:ext cx="12198096" cy="27432"/>
-            <a:chOff x="-9675" y="6830568"/>
-            <a:chExt cx="9176303" cy="27432"/>
-          </a:xfrm>
-        </p:grpSpPr>
-        <p:sp>
-          <p:nvSpPr>
-            <p:cNvPr id="14" name="Rectangle 13"/>
-            <p:cNvSpPr/>
-            <p:nvPr userDrawn="1"/>
-          </p:nvSpPr>
-          <p:spPr>
-            <a:xfrm>
-              <a:off x="5529226" y="6830568"/>
-              <a:ext cx="3637402" cy="27432"/>
-            </a:xfrm>
-            <a:prstGeom prst="rect">
-              <a:avLst/>
-            </a:prstGeom>
-            <a:solidFill>
-              <a:schemeClr val="accent4"/>
-            </a:solidFill>
-            <a:ln>
-              <a:noFill/>
-            </a:ln>
-            <a:effectLst/>
-            <a:scene3d>
-              <a:camera prst="orthographicFront">
-                <a:rot lat="0" lon="0" rev="0"/>
-              </a:camera>
-              <a:lightRig rig="threePt" dir="t">
-                <a:rot lat="0" lon="0" rev="1200000"/>
-              </a:lightRig>
-            </a:scene3d>
-            <a:sp3d/>
-          </p:spPr>
-          <p:style>
-            <a:lnRef idx="0">
-              <a:schemeClr val="accent1"/>
-            </a:lnRef>
-            <a:fillRef idx="3">
-              <a:schemeClr val="accent1"/>
-            </a:fillRef>
-            <a:effectRef idx="3">
-              <a:schemeClr val="accent1"/>
-            </a:effectRef>
-            <a:fontRef idx="minor">
-              <a:schemeClr val="lt1"/>
-            </a:fontRef>
-          </p:style>
-          <p:txBody>
-            <a:bodyPr rot="0" spcFirstLastPara="0" vertOverflow="overflow" horzOverflow="overflow" vert="horz" wrap="square" lIns="45720" tIns="45720" rIns="45720" bIns="45720" numCol="1" spcCol="0" rtlCol="0" fromWordArt="0" anchor="ctr" anchorCtr="0" forceAA="0" compatLnSpc="1">
-              <a:prstTxWarp prst="textNoShape">
-                <a:avLst/>
-              </a:prstTxWarp>
-              <a:noAutofit/>
-            </a:bodyPr>
-            <a:lstStyle/>
-            <a:p>
-              <a:pPr algn="ctr">
-                <a:lnSpc>
-                  <a:spcPct val="90000"/>
-                </a:lnSpc>
-              </a:pPr>
-              <a:endParaRPr lang="en-US" dirty="0">
-                <a:solidFill>
-                  <a:schemeClr val="tx1"/>
-                </a:solidFill>
-              </a:endParaRPr>
-            </a:p>
-          </p:txBody>
-        </p:sp>
-        <p:sp>
-          <p:nvSpPr>
-            <p:cNvPr id="15" name="Rectangle 14"/>
-            <p:cNvSpPr/>
-            <p:nvPr userDrawn="1"/>
-          </p:nvSpPr>
-          <p:spPr>
-            <a:xfrm>
-              <a:off x="-9675" y="6830568"/>
-              <a:ext cx="5542707" cy="27432"/>
-            </a:xfrm>
-            <a:prstGeom prst="rect">
-              <a:avLst/>
-            </a:prstGeom>
-            <a:solidFill>
-              <a:schemeClr val="accent3">
-                <a:lumMod val="75000"/>
-              </a:schemeClr>
-            </a:solidFill>
-            <a:ln>
-              <a:noFill/>
-            </a:ln>
-            <a:effectLst/>
-            <a:scene3d>
-              <a:camera prst="orthographicFront">
-                <a:rot lat="0" lon="0" rev="0"/>
-              </a:camera>
-              <a:lightRig rig="threePt" dir="t">
-                <a:rot lat="0" lon="0" rev="1200000"/>
-              </a:lightRig>
-            </a:scene3d>
-            <a:sp3d/>
-          </p:spPr>
-          <p:style>
-            <a:lnRef idx="0">
-              <a:schemeClr val="accent1"/>
-            </a:lnRef>
-            <a:fillRef idx="3">
-              <a:schemeClr val="accent1"/>
-            </a:fillRef>
-            <a:effectRef idx="3">
-              <a:schemeClr val="accent1"/>
-            </a:effectRef>
-            <a:fontRef idx="minor">
-              <a:schemeClr val="lt1"/>
-            </a:fontRef>
-          </p:style>
-          <p:txBody>
-            <a:bodyPr rot="0" spcFirstLastPara="0" vertOverflow="overflow" horzOverflow="overflow" vert="horz" wrap="square" lIns="45720" tIns="45720" rIns="45720" bIns="45720" numCol="1" spcCol="0" rtlCol="0" fromWordArt="0" anchor="ctr" anchorCtr="0" forceAA="0" compatLnSpc="1">
-              <a:prstTxWarp prst="textNoShape">
-                <a:avLst/>
-              </a:prstTxWarp>
-              <a:noAutofit/>
-            </a:bodyPr>
-            <a:lstStyle/>
-            <a:p>
-              <a:pPr lvl="0" algn="ctr">
-                <a:lnSpc>
-                  <a:spcPct val="90000"/>
-                </a:lnSpc>
-              </a:pPr>
-              <a:endParaRPr lang="en-US" dirty="0">
-                <a:solidFill>
-                  <a:schemeClr val="tx1"/>
-                </a:solidFill>
-              </a:endParaRPr>
-            </a:p>
-          </p:txBody>
-        </p:sp>
-      </p:grpSp>
-      <p:grpSp>
-        <p:nvGrpSpPr>
-          <p:cNvPr id="11" name="Group 10"/>
-          <p:cNvGrpSpPr/>
-          <p:nvPr userDrawn="1"/>
-        </p:nvGrpSpPr>
-        <p:grpSpPr>
-          <a:xfrm>
-            <a:off x="-4595" y="4272576"/>
-            <a:ext cx="12198096" cy="27432"/>
-            <a:chOff x="-9675" y="6830568"/>
-            <a:chExt cx="9176303" cy="27432"/>
-          </a:xfrm>
-        </p:grpSpPr>
-        <p:sp>
-          <p:nvSpPr>
-            <p:cNvPr id="18" name="Rectangle 17"/>
-            <p:cNvSpPr/>
-            <p:nvPr userDrawn="1"/>
-          </p:nvSpPr>
-          <p:spPr>
-            <a:xfrm>
-              <a:off x="5529226" y="6830568"/>
-              <a:ext cx="3637402" cy="27432"/>
-            </a:xfrm>
-            <a:prstGeom prst="rect">
-              <a:avLst/>
-            </a:prstGeom>
-            <a:solidFill>
-              <a:schemeClr val="accent4"/>
-            </a:solidFill>
-            <a:ln>
-              <a:noFill/>
-            </a:ln>
-            <a:effectLst/>
-            <a:scene3d>
-              <a:camera prst="orthographicFront">
-                <a:rot lat="0" lon="0" rev="0"/>
-              </a:camera>
-              <a:lightRig rig="threePt" dir="t">
-                <a:rot lat="0" lon="0" rev="1200000"/>
-              </a:lightRig>
-            </a:scene3d>
-            <a:sp3d/>
-          </p:spPr>
-          <p:style>
-            <a:lnRef idx="0">
-              <a:schemeClr val="accent1"/>
-            </a:lnRef>
-            <a:fillRef idx="3">
-              <a:schemeClr val="accent1"/>
-            </a:fillRef>
-            <a:effectRef idx="3">
-              <a:schemeClr val="accent1"/>
-            </a:effectRef>
-            <a:fontRef idx="minor">
-              <a:schemeClr val="lt1"/>
-            </a:fontRef>
-          </p:style>
-          <p:txBody>
-            <a:bodyPr rot="0" spcFirstLastPara="0" vertOverflow="overflow" horzOverflow="overflow" vert="horz" wrap="square" lIns="45720" tIns="45720" rIns="45720" bIns="45720" numCol="1" spcCol="0" rtlCol="0" fromWordArt="0" anchor="ctr" anchorCtr="0" forceAA="0" compatLnSpc="1">
-              <a:prstTxWarp prst="textNoShape">
-                <a:avLst/>
-              </a:prstTxWarp>
-              <a:noAutofit/>
-            </a:bodyPr>
-            <a:lstStyle/>
-            <a:p>
-              <a:pPr algn="ctr">
-                <a:lnSpc>
-                  <a:spcPct val="90000"/>
-                </a:lnSpc>
-              </a:pPr>
-              <a:endParaRPr lang="en-US" dirty="0">
-                <a:solidFill>
-                  <a:schemeClr val="tx1"/>
-                </a:solidFill>
-              </a:endParaRPr>
-            </a:p>
-          </p:txBody>
-        </p:sp>
-        <p:sp>
-          <p:nvSpPr>
-            <p:cNvPr id="19" name="Rectangle 18"/>
-            <p:cNvSpPr/>
-            <p:nvPr userDrawn="1"/>
-          </p:nvSpPr>
-          <p:spPr>
-            <a:xfrm>
-              <a:off x="-9675" y="6830568"/>
-              <a:ext cx="5542707" cy="27432"/>
-            </a:xfrm>
-            <a:prstGeom prst="rect">
-              <a:avLst/>
-            </a:prstGeom>
-            <a:solidFill>
-              <a:schemeClr val="accent3">
-                <a:lumMod val="75000"/>
-              </a:schemeClr>
-            </a:solidFill>
-            <a:ln>
-              <a:noFill/>
-            </a:ln>
-            <a:effectLst/>
-            <a:scene3d>
-              <a:camera prst="orthographicFront">
-                <a:rot lat="0" lon="0" rev="0"/>
-              </a:camera>
-              <a:lightRig rig="threePt" dir="t">
-                <a:rot lat="0" lon="0" rev="1200000"/>
-              </a:lightRig>
-            </a:scene3d>
-            <a:sp3d/>
-          </p:spPr>
-          <p:style>
-            <a:lnRef idx="0">
-              <a:schemeClr val="accent1"/>
-            </a:lnRef>
-            <a:fillRef idx="3">
-              <a:schemeClr val="accent1"/>
-            </a:fillRef>
-            <a:effectRef idx="3">
-              <a:schemeClr val="accent1"/>
-            </a:effectRef>
-            <a:fontRef idx="minor">
-              <a:schemeClr val="lt1"/>
-            </a:fontRef>
-          </p:style>
-          <p:txBody>
-            <a:bodyPr rot="0" spcFirstLastPara="0" vertOverflow="overflow" horzOverflow="overflow" vert="horz" wrap="square" lIns="45720" tIns="45720" rIns="45720" bIns="45720" numCol="1" spcCol="0" rtlCol="0" fromWordArt="0" anchor="ctr" anchorCtr="0" forceAA="0" compatLnSpc="1">
-              <a:prstTxWarp prst="textNoShape">
-                <a:avLst/>
-              </a:prstTxWarp>
-              <a:noAutofit/>
-            </a:bodyPr>
-            <a:lstStyle/>
-            <a:p>
-              <a:pPr lvl="0" algn="ctr">
-                <a:lnSpc>
-                  <a:spcPct val="90000"/>
-                </a:lnSpc>
-              </a:pPr>
-              <a:endParaRPr lang="en-US" dirty="0">
-                <a:solidFill>
-                  <a:schemeClr val="tx1"/>
-                </a:solidFill>
-              </a:endParaRPr>
-            </a:p>
-          </p:txBody>
-        </p:sp>
-      </p:grpSp>
-    </p:spTree>
-    <p:extLst>
-      <p:ext uri="{BB962C8B-B14F-4D97-AF65-F5344CB8AC3E}">
-        <p14:creationId xmlns:p14="http://schemas.microsoft.com/office/powerpoint/2010/main" val="116598578"/>
-      </p:ext>
-    </p:extLst>
-  </p:cSld>
-  <p:clrMapOvr>
-    <a:masterClrMapping/>
-  </p:clrMapOvr>
-</p:sldLayout>
-</file>
-
 <file path=ppt/slideLayouts/slideLayout8.xml><?xml version="1.0" encoding="utf-8"?>
-<p:sldLayout xmlns:a="http://schemas.openxmlformats.org/drawingml/2006/main" xmlns:r="http://schemas.openxmlformats.org/officeDocument/2006/relationships" xmlns:p="http://schemas.openxmlformats.org/presentationml/2006/main" type="objAndTx">
-  <p:cSld name="Title, Content and Text">
+<p:sldLayout xmlns:a="http://schemas.openxmlformats.org/drawingml/2006/main" xmlns:r="http://schemas.openxmlformats.org/officeDocument/2006/relationships" xmlns:p="http://schemas.openxmlformats.org/presentationml/2006/main" type="title">
+  <p:cSld name="1_Title Slide">
     <p:spTree>
       <p:nvGrpSpPr>
         <p:cNvPr id="1" name=""/>
@@ -4271,13 +3687,13 @@
             <a:spLocks noGrp="1"/>
           </p:cNvSpPr>
           <p:nvPr>
-            <p:ph type="title"/>
+            <p:ph type="ctrTitle"/>
           </p:nvPr>
         </p:nvSpPr>
         <p:spPr>
           <a:xfrm>
-            <a:off x="1523603" y="228600"/>
-            <a:ext cx="9243192" cy="381000"/>
+            <a:off x="914162" y="2130428"/>
+            <a:ext cx="10360501" cy="1470025"/>
           </a:xfrm>
         </p:spPr>
         <p:txBody>
@@ -4293,120 +3709,191 @@
       </p:sp>
       <p:sp>
         <p:nvSpPr>
-          <p:cNvPr id="3" name="Content Placeholder 2"/>
+          <p:cNvPr id="3" name="Subtitle 2"/>
           <p:cNvSpPr>
             <a:spLocks noGrp="1"/>
           </p:cNvSpPr>
           <p:nvPr>
-            <p:ph sz="half" idx="1"/>
+            <p:ph type="subTitle" idx="1"/>
           </p:nvPr>
         </p:nvSpPr>
         <p:spPr>
           <a:xfrm>
-            <a:off x="914162" y="1295400"/>
-            <a:ext cx="5180251" cy="4800600"/>
+            <a:off x="1828324" y="3886200"/>
+            <a:ext cx="8532178" cy="1752600"/>
           </a:xfrm>
         </p:spPr>
         <p:txBody>
           <a:bodyPr/>
-          <a:lstStyle/>
-          <a:p>
-            <a:pPr lvl="0"/>
+          <a:lstStyle>
+            <a:lvl1pPr marL="0" indent="0" algn="ctr">
+              <a:buNone/>
+              <a:defRPr>
+                <a:solidFill>
+                  <a:schemeClr val="tx1">
+                    <a:tint val="75000"/>
+                  </a:schemeClr>
+                </a:solidFill>
+              </a:defRPr>
+            </a:lvl1pPr>
+            <a:lvl2pPr marL="342900" indent="0" algn="ctr">
+              <a:buNone/>
+              <a:defRPr>
+                <a:solidFill>
+                  <a:schemeClr val="tx1">
+                    <a:tint val="75000"/>
+                  </a:schemeClr>
+                </a:solidFill>
+              </a:defRPr>
+            </a:lvl2pPr>
+            <a:lvl3pPr marL="685800" indent="0" algn="ctr">
+              <a:buNone/>
+              <a:defRPr>
+                <a:solidFill>
+                  <a:schemeClr val="tx1">
+                    <a:tint val="75000"/>
+                  </a:schemeClr>
+                </a:solidFill>
+              </a:defRPr>
+            </a:lvl3pPr>
+            <a:lvl4pPr marL="1028700" indent="0" algn="ctr">
+              <a:buNone/>
+              <a:defRPr>
+                <a:solidFill>
+                  <a:schemeClr val="tx1">
+                    <a:tint val="75000"/>
+                  </a:schemeClr>
+                </a:solidFill>
+              </a:defRPr>
+            </a:lvl4pPr>
+            <a:lvl5pPr marL="1371600" indent="0" algn="ctr">
+              <a:buNone/>
+              <a:defRPr>
+                <a:solidFill>
+                  <a:schemeClr val="tx1">
+                    <a:tint val="75000"/>
+                  </a:schemeClr>
+                </a:solidFill>
+              </a:defRPr>
+            </a:lvl5pPr>
+            <a:lvl6pPr marL="1714500" indent="0" algn="ctr">
+              <a:buNone/>
+              <a:defRPr>
+                <a:solidFill>
+                  <a:schemeClr val="tx1">
+                    <a:tint val="75000"/>
+                  </a:schemeClr>
+                </a:solidFill>
+              </a:defRPr>
+            </a:lvl6pPr>
+            <a:lvl7pPr marL="2057400" indent="0" algn="ctr">
+              <a:buNone/>
+              <a:defRPr>
+                <a:solidFill>
+                  <a:schemeClr val="tx1">
+                    <a:tint val="75000"/>
+                  </a:schemeClr>
+                </a:solidFill>
+              </a:defRPr>
+            </a:lvl7pPr>
+            <a:lvl8pPr marL="2400300" indent="0" algn="ctr">
+              <a:buNone/>
+              <a:defRPr>
+                <a:solidFill>
+                  <a:schemeClr val="tx1">
+                    <a:tint val="75000"/>
+                  </a:schemeClr>
+                </a:solidFill>
+              </a:defRPr>
+            </a:lvl8pPr>
+            <a:lvl9pPr marL="2743200" indent="0" algn="ctr">
+              <a:buNone/>
+              <a:defRPr>
+                <a:solidFill>
+                  <a:schemeClr val="tx1">
+                    <a:tint val="75000"/>
+                  </a:schemeClr>
+                </a:solidFill>
+              </a:defRPr>
+            </a:lvl9pPr>
+          </a:lstStyle>
+          <a:p>
             <a:r>
               <a:rPr lang="en-US"/>
-              <a:t>Click to edit Master text styles</a:t>
-            </a:r>
-          </a:p>
-          <a:p>
-            <a:pPr lvl="1"/>
-            <a:r>
-              <a:rPr lang="en-US"/>
-              <a:t>Second level</a:t>
-            </a:r>
-          </a:p>
-          <a:p>
-            <a:pPr lvl="2"/>
-            <a:r>
-              <a:rPr lang="en-US"/>
-              <a:t>Third level</a:t>
-            </a:r>
-          </a:p>
-          <a:p>
-            <a:pPr lvl="3"/>
-            <a:r>
-              <a:rPr lang="en-US"/>
-              <a:t>Fourth level</a:t>
-            </a:r>
-          </a:p>
-          <a:p>
-            <a:pPr lvl="4"/>
-            <a:r>
-              <a:rPr lang="en-US"/>
-              <a:t>Fifth level</a:t>
+              <a:t>Click to edit Master subtitle style</a:t>
             </a:r>
           </a:p>
         </p:txBody>
       </p:sp>
       <p:sp>
         <p:nvSpPr>
-          <p:cNvPr id="4" name="Text Placeholder 3"/>
+          <p:cNvPr id="4" name="Date Placeholder 3"/>
           <p:cNvSpPr>
             <a:spLocks noGrp="1"/>
           </p:cNvSpPr>
           <p:nvPr>
-            <p:ph type="body" sz="half" idx="2"/>
+            <p:ph type="dt" sz="half" idx="10"/>
           </p:nvPr>
         </p:nvSpPr>
-        <p:spPr>
-          <a:xfrm>
-            <a:off x="6297559" y="1295400"/>
-            <a:ext cx="5180251" cy="4800600"/>
-          </a:xfrm>
-        </p:spPr>
+        <p:spPr/>
         <p:txBody>
           <a:bodyPr/>
           <a:lstStyle/>
           <a:p>
-            <a:pPr lvl="0"/>
-            <a:r>
-              <a:rPr lang="en-US"/>
-              <a:t>Click to edit Master text styles</a:t>
-            </a:r>
-          </a:p>
-          <a:p>
-            <a:pPr lvl="1"/>
-            <a:r>
-              <a:rPr lang="en-US"/>
-              <a:t>Second level</a:t>
-            </a:r>
-          </a:p>
-          <a:p>
-            <a:pPr lvl="2"/>
-            <a:r>
-              <a:rPr lang="en-US"/>
-              <a:t>Third level</a:t>
-            </a:r>
-          </a:p>
-          <a:p>
-            <a:pPr lvl="3"/>
-            <a:r>
-              <a:rPr lang="en-US"/>
-              <a:t>Fourth level</a:t>
-            </a:r>
-          </a:p>
-          <a:p>
-            <a:pPr lvl="4"/>
-            <a:r>
-              <a:rPr lang="en-US"/>
-              <a:t>Fifth level</a:t>
-            </a:r>
+            <a:fld id="{68F49DD1-DDB5-AB43-B311-7649AD474C82}" type="datetimeFigureOut">
+              <a:rPr lang="en-US" smtClean="0"/>
+              <a:t>5/21/2021</a:t>
+            </a:fld>
+            <a:endParaRPr lang="en-US"/>
+          </a:p>
+        </p:txBody>
+      </p:sp>
+      <p:sp>
+        <p:nvSpPr>
+          <p:cNvPr id="5" name="Footer Placeholder 4"/>
+          <p:cNvSpPr>
+            <a:spLocks noGrp="1"/>
+          </p:cNvSpPr>
+          <p:nvPr>
+            <p:ph type="ftr" sz="quarter" idx="11"/>
+          </p:nvPr>
+        </p:nvSpPr>
+        <p:spPr/>
+        <p:txBody>
+          <a:bodyPr/>
+          <a:lstStyle/>
+          <a:p>
+            <a:endParaRPr lang="en-US"/>
+          </a:p>
+        </p:txBody>
+      </p:sp>
+      <p:sp>
+        <p:nvSpPr>
+          <p:cNvPr id="6" name="Slide Number Placeholder 5"/>
+          <p:cNvSpPr>
+            <a:spLocks noGrp="1"/>
+          </p:cNvSpPr>
+          <p:nvPr>
+            <p:ph type="sldNum" sz="quarter" idx="12"/>
+          </p:nvPr>
+        </p:nvSpPr>
+        <p:spPr/>
+        <p:txBody>
+          <a:bodyPr/>
+          <a:lstStyle/>
+          <a:p>
+            <a:fld id="{AEB3D163-D76A-5F4F-A4CE-5FA8F639A976}" type="slidenum">
+              <a:rPr lang="en-US" smtClean="0"/>
+              <a:t>‹#›</a:t>
+            </a:fld>
+            <a:endParaRPr lang="en-US"/>
           </a:p>
         </p:txBody>
       </p:sp>
     </p:spTree>
     <p:extLst>
       <p:ext uri="{BB962C8B-B14F-4D97-AF65-F5344CB8AC3E}">
-        <p14:creationId xmlns:p14="http://schemas.microsoft.com/office/powerpoint/2010/main" val="1530798138"/>
+        <p14:creationId xmlns:p14="http://schemas.microsoft.com/office/powerpoint/2010/main" val="1793145936"/>
       </p:ext>
     </p:extLst>
   </p:cSld>
@@ -4417,7 +3904,7 @@
 </file>
 
 <file path=ppt/slideLayouts/slideLayout9.xml><?xml version="1.0" encoding="utf-8"?>
-<p:sldLayout xmlns:a="http://schemas.openxmlformats.org/drawingml/2006/main" xmlns:r="http://schemas.openxmlformats.org/officeDocument/2006/relationships" xmlns:p="http://schemas.openxmlformats.org/presentationml/2006/main" showMasterSp="0" preserve="1" userDrawn="1">
+<p:sldLayout xmlns:a="http://schemas.openxmlformats.org/drawingml/2006/main" xmlns:r="http://schemas.openxmlformats.org/officeDocument/2006/relationships" xmlns:p="http://schemas.openxmlformats.org/presentationml/2006/main" showMasterSp="0" userDrawn="1">
   <p:cSld name="1_*Section Break">
     <p:spTree>
       <p:nvGrpSpPr>
@@ -4652,7 +4139,7 @@
     </p:spTree>
     <p:extLst>
       <p:ext uri="{BB962C8B-B14F-4D97-AF65-F5344CB8AC3E}">
-        <p14:creationId xmlns:p14="http://schemas.microsoft.com/office/powerpoint/2010/main" val="2486950759"/>
+        <p14:creationId xmlns:p14="http://schemas.microsoft.com/office/powerpoint/2010/main" val="423656447"/>
       </p:ext>
     </p:extLst>
   </p:cSld>
@@ -4699,48 +4186,6 @@
           <a:chExt cx="0" cy="0"/>
         </a:xfrm>
       </p:grpSpPr>
-      <p:pic>
-        <p:nvPicPr>
-          <p:cNvPr id="14" name="Picture 13">
-            <a:extLst>
-              <a:ext uri="{FF2B5EF4-FFF2-40B4-BE49-F238E27FC236}">
-                <a16:creationId xmlns:a16="http://schemas.microsoft.com/office/drawing/2014/main" id="{ED1C1369-A08C-454A-B0B5-0955BB31B118}"/>
-              </a:ext>
-            </a:extLst>
-          </p:cNvPr>
-          <p:cNvPicPr>
-            <a:picLocks noChangeAspect="1"/>
-          </p:cNvPicPr>
-          <p:nvPr userDrawn="1"/>
-        </p:nvPicPr>
-        <p:blipFill rotWithShape="1">
-          <a:blip r:embed="rId14">
-            <a:extLst>
-              <a:ext uri="{28A0092B-C50C-407E-A947-70E740481C1C}">
-                <a14:useLocalDpi xmlns:a14="http://schemas.microsoft.com/office/drawing/2010/main" val="0"/>
-              </a:ext>
-            </a:extLst>
-          </a:blip>
-          <a:srcRect r="58932" b="1495"/>
-          <a:stretch/>
-        </p:blipFill>
-        <p:spPr>
-          <a:xfrm>
-            <a:off x="9335860" y="0"/>
-            <a:ext cx="2852965" cy="4078297"/>
-          </a:xfrm>
-          <a:prstGeom prst="rect">
-            <a:avLst/>
-          </a:prstGeom>
-          <a:effectLst>
-            <a:outerShdw blurRad="50800" dist="50800" dir="5400000" algn="ctr" rotWithShape="0">
-              <a:srgbClr val="000000">
-                <a:alpha val="0"/>
-              </a:srgbClr>
-            </a:outerShdw>
-          </a:effectLst>
-        </p:spPr>
-      </p:pic>
       <p:sp>
         <p:nvSpPr>
           <p:cNvPr id="1026" name="Title Placeholder 1"/>
@@ -4866,7 +4311,7 @@
           <p:nvPr userDrawn="1"/>
         </p:nvPicPr>
         <p:blipFill>
-          <a:blip r:embed="rId15" cstate="print">
+          <a:blip r:embed="rId11" cstate="print">
             <a:extLst>
               <a:ext uri="{28A0092B-C50C-407E-A947-70E740481C1C}">
                 <a14:useLocalDpi xmlns:a14="http://schemas.microsoft.com/office/drawing/2010/main" val="0"/>
@@ -4879,7 +4324,7 @@
         </p:blipFill>
         <p:spPr>
           <a:xfrm>
-            <a:off x="9741160" y="6183517"/>
+            <a:off x="9741160" y="6185919"/>
             <a:ext cx="1971212" cy="533060"/>
           </a:xfrm>
           <a:prstGeom prst="rect">
@@ -4992,10 +4437,10 @@
       </p:sp>
       <p:pic>
         <p:nvPicPr>
-          <p:cNvPr id="10" name="Picture 9" descr="IDEAS_logo.png">
+          <p:cNvPr id="3" name="Picture 2" descr="A picture containing shape&#10;&#10;Description automatically generated">
             <a:extLst>
               <a:ext uri="{FF2B5EF4-FFF2-40B4-BE49-F238E27FC236}">
-                <a16:creationId xmlns:a16="http://schemas.microsoft.com/office/drawing/2014/main" id="{B8E2FEED-84DC-4438-B439-E3DA7A28736A}"/>
+                <a16:creationId xmlns:a16="http://schemas.microsoft.com/office/drawing/2014/main" id="{2A4943B8-0F89-4A94-B130-A128F45E57C4}"/>
               </a:ext>
             </a:extLst>
           </p:cNvPr>
@@ -5005,10 +4450,10 @@
           <p:nvPr userDrawn="1"/>
         </p:nvPicPr>
         <p:blipFill>
-          <a:blip r:embed="rId16" cstate="print">
+          <a:blip r:embed="rId12">
             <a:extLst>
               <a:ext uri="{28A0092B-C50C-407E-A947-70E740481C1C}">
-                <a14:useLocalDpi xmlns:a14="http://schemas.microsoft.com/office/drawing/2010/main"/>
+                <a14:useLocalDpi xmlns:a14="http://schemas.microsoft.com/office/drawing/2010/main" val="0"/>
               </a:ext>
             </a:extLst>
           </a:blip>
@@ -5018,8 +4463,8 @@
         </p:blipFill>
         <p:spPr>
           <a:xfrm>
-            <a:off x="7663530" y="6156960"/>
-            <a:ext cx="1845330" cy="640080"/>
+            <a:off x="7806050" y="6114121"/>
+            <a:ext cx="1560289" cy="676656"/>
           </a:xfrm>
           <a:prstGeom prst="rect">
             <a:avLst/>
@@ -5036,17 +4481,14 @@
   <p:clrMap bg1="lt1" tx1="dk1" bg2="lt2" tx2="dk2" accent1="accent1" accent2="accent2" accent3="accent3" accent4="accent4" accent5="accent5" accent6="accent6" hlink="hlink" folHlink="folHlink"/>
   <p:sldLayoutIdLst>
     <p:sldLayoutId id="2147483949" r:id="rId1"/>
-    <p:sldLayoutId id="2147483937" r:id="rId2"/>
-    <p:sldLayoutId id="2147483939" r:id="rId3"/>
-    <p:sldLayoutId id="2147483950" r:id="rId4"/>
-    <p:sldLayoutId id="2147483940" r:id="rId5"/>
-    <p:sldLayoutId id="2147483941" r:id="rId6"/>
-    <p:sldLayoutId id="2147483951" r:id="rId7"/>
+    <p:sldLayoutId id="2147483951" r:id="rId2"/>
+    <p:sldLayoutId id="2147483937" r:id="rId3"/>
+    <p:sldLayoutId id="2147483939" r:id="rId4"/>
+    <p:sldLayoutId id="2147483950" r:id="rId5"/>
+    <p:sldLayoutId id="2147483940" r:id="rId6"/>
+    <p:sldLayoutId id="2147483941" r:id="rId7"/>
     <p:sldLayoutId id="2147483952" r:id="rId8"/>
-    <p:sldLayoutId id="2147483958" r:id="rId9"/>
-    <p:sldLayoutId id="2147483956" r:id="rId10"/>
-    <p:sldLayoutId id="2147483957" r:id="rId11"/>
-    <p:sldLayoutId id="2147483959" r:id="rId12"/>
+    <p:sldLayoutId id="2147483953" r:id="rId9"/>
   </p:sldLayoutIdLst>
   <p:hf hdr="0" ftr="0" dt="0"/>
   <p:txStyles>
@@ -5575,129 +5017,6 @@
           </a:p>
         </p:txBody>
       </p:sp>
-      <p:pic>
-        <p:nvPicPr>
-          <p:cNvPr id="6" name="Picture 2" descr="https://licensebuttons.net/l/by/4.0/88x31.png">
-            <a:extLst>
-              <a:ext uri="{FF2B5EF4-FFF2-40B4-BE49-F238E27FC236}">
-                <a16:creationId xmlns:a16="http://schemas.microsoft.com/office/drawing/2014/main" id="{24EAF368-FA38-4254-8E55-6E4D872226E6}"/>
-              </a:ext>
-            </a:extLst>
-          </p:cNvPr>
-          <p:cNvPicPr>
-            <a:picLocks noChangeAspect="1" noChangeArrowheads="1"/>
-          </p:cNvPicPr>
-          <p:nvPr/>
-        </p:nvPicPr>
-        <p:blipFill>
-          <a:blip r:embed="rId2">
-            <a:extLst>
-              <a:ext uri="{28A0092B-C50C-407E-A947-70E740481C1C}">
-                <a14:useLocalDpi xmlns:a14="http://schemas.microsoft.com/office/drawing/2010/main" val="0"/>
-              </a:ext>
-            </a:extLst>
-          </a:blip>
-          <a:srcRect/>
-          <a:stretch>
-            <a:fillRect/>
-          </a:stretch>
-        </p:blipFill>
-        <p:spPr bwMode="auto">
-          <a:xfrm>
-            <a:off x="365760" y="5539716"/>
-            <a:ext cx="1661258" cy="585216"/>
-          </a:xfrm>
-          <a:prstGeom prst="rect">
-            <a:avLst/>
-          </a:prstGeom>
-          <a:noFill/>
-          <a:extLst>
-            <a:ext uri="{909E8E84-426E-40DD-AFC4-6F175D3DCCD1}">
-              <a14:hiddenFill xmlns:a14="http://schemas.microsoft.com/office/drawing/2010/main">
-                <a:solidFill>
-                  <a:srgbClr val="FFFFFF"/>
-                </a:solidFill>
-              </a14:hiddenFill>
-            </a:ext>
-          </a:extLst>
-        </p:spPr>
-      </p:pic>
-      <p:sp>
-        <p:nvSpPr>
-          <p:cNvPr id="7" name="TextBox 6">
-            <a:extLst>
-              <a:ext uri="{FF2B5EF4-FFF2-40B4-BE49-F238E27FC236}">
-                <a16:creationId xmlns:a16="http://schemas.microsoft.com/office/drawing/2014/main" id="{306FBB1C-6D6D-47D4-86AC-DD5BECCBEE38}"/>
-              </a:ext>
-            </a:extLst>
-          </p:cNvPr>
-          <p:cNvSpPr txBox="1"/>
-          <p:nvPr/>
-        </p:nvSpPr>
-        <p:spPr>
-          <a:xfrm>
-            <a:off x="2036432" y="5619958"/>
-            <a:ext cx="1171114" cy="424732"/>
-          </a:xfrm>
-          <a:prstGeom prst="rect">
-            <a:avLst/>
-          </a:prstGeom>
-          <a:noFill/>
-        </p:spPr>
-        <p:txBody>
-          <a:bodyPr wrap="square" rtlCol="0">
-            <a:spAutoFit/>
-          </a:bodyPr>
-          <a:lstStyle/>
-          <a:p>
-            <a:pPr algn="ctr">
-              <a:lnSpc>
-                <a:spcPct val="90000"/>
-              </a:lnSpc>
-            </a:pPr>
-            <a:r>
-              <a:rPr lang="en-US" sz="1200" dirty="0"/>
-              <a:t>See slide 2 for license details</a:t>
-            </a:r>
-          </a:p>
-        </p:txBody>
-      </p:sp>
-      <p:pic>
-        <p:nvPicPr>
-          <p:cNvPr id="3" name="Picture 2">
-            <a:extLst>
-              <a:ext uri="{FF2B5EF4-FFF2-40B4-BE49-F238E27FC236}">
-                <a16:creationId xmlns:a16="http://schemas.microsoft.com/office/drawing/2014/main" id="{07E0F5D5-EB80-46D1-B8E1-4DCB8E956DD4}"/>
-              </a:ext>
-            </a:extLst>
-          </p:cNvPr>
-          <p:cNvPicPr>
-            <a:picLocks noChangeAspect="1"/>
-          </p:cNvPicPr>
-          <p:nvPr/>
-        </p:nvPicPr>
-        <p:blipFill>
-          <a:blip r:embed="rId3" cstate="print">
-            <a:extLst>
-              <a:ext uri="{28A0092B-C50C-407E-A947-70E740481C1C}">
-                <a14:useLocalDpi xmlns:a14="http://schemas.microsoft.com/office/drawing/2010/main" val="0"/>
-              </a:ext>
-            </a:extLst>
-          </a:blip>
-          <a:stretch>
-            <a:fillRect/>
-          </a:stretch>
-        </p:blipFill>
-        <p:spPr>
-          <a:xfrm>
-            <a:off x="271981" y="2924866"/>
-            <a:ext cx="2350008" cy="1008267"/>
-          </a:xfrm>
-          <a:prstGeom prst="rect">
-            <a:avLst/>
-          </a:prstGeom>
-        </p:spPr>
-      </p:pic>
     </p:spTree>
     <p:extLst>
       <p:ext uri="{BB962C8B-B14F-4D97-AF65-F5344CB8AC3E}">
@@ -21787,11 +21106,11 @@
 <file path=customXml/itemProps3.xml><?xml version="1.0" encoding="utf-8"?>
 <ds:datastoreItem xmlns:ds="http://schemas.openxmlformats.org/officeDocument/2006/customXml" ds:itemID="{A50EC660-24D0-43A0-AE5E-E274115E726B}">
   <ds:schemaRefs>
+    <ds:schemaRef ds:uri="http://purl.org/dc/elements/1.1/"/>
+    <ds:schemaRef ds:uri="http://schemas.microsoft.com/office/2006/metadata/properties"/>
     <ds:schemaRef ds:uri="http://purl.org/dc/terms/"/>
     <ds:schemaRef ds:uri="http://schemas.openxmlformats.org/package/2006/metadata/core-properties"/>
     <ds:schemaRef ds:uri="http://schemas.microsoft.com/office/2006/documentManagement/types"/>
-    <ds:schemaRef ds:uri="http://purl.org/dc/elements/1.1/"/>
-    <ds:schemaRef ds:uri="http://schemas.microsoft.com/office/2006/metadata/properties"/>
     <ds:schemaRef ds:uri="http://www.w3.org/XML/1998/namespace"/>
     <ds:schemaRef ds:uri="http://purl.org/dc/dcmitype/"/>
     <ds:schemaRef ds:uri="http://schemas.microsoft.com/office/infopath/2007/PartnerControls"/>

--- a/design.pptx
+++ b/design.pptx
@@ -12,7 +12,7 @@
   </p:handoutMasterIdLst>
   <p:sldIdLst>
     <p:sldId id="318" r:id="rId5"/>
-    <p:sldId id="644" r:id="rId6"/>
+    <p:sldId id="320" r:id="rId6"/>
     <p:sldId id="615" r:id="rId7"/>
     <p:sldId id="669" r:id="rId8"/>
     <p:sldId id="670" r:id="rId9"/>
@@ -282,7 +282,7 @@
           <a:p>
             <a:fld id="{0B842F42-2CE9-4E35-95C1-410DC08A50B1}" type="datetimeFigureOut">
               <a:rPr lang="en-US" smtClean="0"/>
-              <a:t>6/11/21</a:t>
+              <a:t>6/15/2021</a:t>
             </a:fld>
             <a:endParaRPr lang="en-US"/>
           </a:p>
@@ -447,7 +447,7 @@
           <a:p>
             <a:fld id="{6F282904-F315-4730-8D91-37D99E141A6F}" type="datetimeFigureOut">
               <a:rPr lang="en-US" smtClean="0"/>
-              <a:t>6/11/21</a:t>
+              <a:t>6/15/2021</a:t>
             </a:fld>
             <a:endParaRPr lang="en-US"/>
           </a:p>
@@ -3938,7 +3938,7 @@
           <a:p>
             <a:fld id="{68F49DD1-DDB5-AB43-B311-7649AD474C82}" type="datetimeFigureOut">
               <a:rPr lang="en-US" smtClean="0"/>
-              <a:t>6/11/21</a:t>
+              <a:t>6/15/2021</a:t>
             </a:fld>
             <a:endParaRPr lang="en-US"/>
           </a:p>
@@ -5106,9 +5106,25 @@
             <a:endParaRPr lang="en-US" dirty="0"/>
           </a:p>
           <a:p>
-            <a:r>
-              <a:rPr lang="en-US" dirty="0"/>
+            <a:pPr>
+              <a:spcBef>
+                <a:spcPts val="2800"/>
+              </a:spcBef>
+            </a:pPr>
+            <a:r>
+              <a:rPr lang="en-US" sz="2000" dirty="0"/>
               <a:t>Better Scientific Software Tutorial, ISC, June 2021</a:t>
+            </a:r>
+          </a:p>
+          <a:p>
+            <a:pPr>
+              <a:spcBef>
+                <a:spcPts val="2800"/>
+              </a:spcBef>
+            </a:pPr>
+            <a:r>
+              <a:rPr lang="en-US" sz="2000" dirty="0"/>
+              <a:t>Contributors: Anshu Dubey (ANL), Mark C. Miller (LLNL)</a:t>
             </a:r>
           </a:p>
         </p:txBody>
@@ -14804,13 +14820,13 @@
             </a:pPr>
             <a:r>
               <a:rPr lang="en-US" sz="1600" b="1" dirty="0"/>
-              <a:t>The requested citation the overall tutorial is: David E. Bernholdt, Anshu Dubey, Rinku K. Gupta, and David M. Rogers, Better Scientific Software tutorial, in Improving Scientific Software conference, online, 2021. DOI: </a:t>
+              <a:t>The requested citation the overall tutorial is: David E. Bernholdt, Anshu Dubey, Patricia A. Grubel, Rinku K. Gupta, and David M. Rogers, Better Scientific Software tutorial, in ISC High Performance, online, 2021. DOI: </a:t>
             </a:r>
             <a:r>
               <a:rPr lang="en-US" sz="1600" b="1" dirty="0">
                 <a:hlinkClick r:id="rId4"/>
               </a:rPr>
-              <a:t>10.6084/m9.figshare.14256257</a:t>
+              <a:t>10.6084/m9.figshare.14642520</a:t>
             </a:r>
             <a:endParaRPr lang="en-US" sz="1600" b="1" dirty="0"/>
           </a:p>
@@ -14844,38 +14860,6 @@
               <a:rPr lang="en-US" sz="2000" b="1" dirty="0"/>
               <a:t>Acknowledgements</a:t>
             </a:r>
-          </a:p>
-          <a:p>
-            <a:pPr>
-              <a:spcBef>
-                <a:spcPts val="400"/>
-              </a:spcBef>
-            </a:pPr>
-            <a:r>
-              <a:rPr lang="en-US" sz="1400" dirty="0"/>
-              <a:t>Additional contributors include: Mike </a:t>
-            </a:r>
-            <a:r>
-              <a:rPr lang="en-US" sz="1400" dirty="0" err="1"/>
-              <a:t>Heroux</a:t>
-            </a:r>
-            <a:r>
-              <a:rPr lang="en-US" sz="1400" dirty="0"/>
-              <a:t>, Alicia </a:t>
-            </a:r>
-            <a:r>
-              <a:rPr lang="en-US" sz="1400" dirty="0" err="1"/>
-              <a:t>Klinvex</a:t>
-            </a:r>
-            <a:r>
-              <a:rPr lang="en-US" sz="1400" dirty="0"/>
-              <a:t>, Mark Miller, Jared O’Neal, Katherine Riley, David Rogers, Deborah Stevens, James </a:t>
-            </a:r>
-            <a:r>
-              <a:rPr lang="en-US" sz="1400" dirty="0" err="1"/>
-              <a:t>Willenbring</a:t>
-            </a:r>
-            <a:endParaRPr lang="en-US" sz="1400" dirty="0"/>
           </a:p>
           <a:p>
             <a:pPr>
@@ -14995,8 +14979,8 @@
         </p:blipFill>
         <p:spPr bwMode="auto">
           <a:xfrm>
-            <a:off x="10249254" y="570111"/>
-            <a:ext cx="1661258" cy="585216"/>
+            <a:off x="10230336" y="879673"/>
+            <a:ext cx="838200" cy="295275"/>
           </a:xfrm>
           <a:prstGeom prst="rect">
             <a:avLst/>
@@ -15016,7 +15000,7 @@
     </p:spTree>
     <p:extLst>
       <p:ext uri="{BB962C8B-B14F-4D97-AF65-F5344CB8AC3E}">
-        <p14:creationId xmlns:p14="http://schemas.microsoft.com/office/powerpoint/2010/main" val="978726433"/>
+        <p14:creationId xmlns:p14="http://schemas.microsoft.com/office/powerpoint/2010/main" val="1973193331"/>
       </p:ext>
     </p:extLst>
   </p:cSld>
@@ -27983,9 +27967,12 @@
 </file>
 
 <file path=customXml/item1.xml><?xml version="1.0" encoding="utf-8"?>
-<p:properties xmlns:p="http://schemas.microsoft.com/office/2006/metadata/properties" xmlns:xsi="http://www.w3.org/2001/XMLSchema-instance" xmlns:pc="http://schemas.microsoft.com/office/infopath/2007/PartnerControls">
-  <documentManagement/>
-</p:properties>
+<?mso-contentType ?>
+<FormTemplates xmlns="http://schemas.microsoft.com/sharepoint/v3/contenttype/forms">
+  <Display>DocumentLibraryForm</Display>
+  <Edit>DocumentLibraryForm</Edit>
+  <New>DocumentLibraryForm</New>
+</FormTemplates>
 </file>
 
 <file path=customXml/item2.xml><?xml version="1.0" encoding="utf-8"?>
@@ -28038,25 +28025,15 @@
 </file>
 
 <file path=customXml/item3.xml><?xml version="1.0" encoding="utf-8"?>
-<?mso-contentType ?>
-<FormTemplates xmlns="http://schemas.microsoft.com/sharepoint/v3/contenttype/forms">
-  <Display>DocumentLibraryForm</Display>
-  <Edit>DocumentLibraryForm</Edit>
-  <New>DocumentLibraryForm</New>
-</FormTemplates>
+<p:properties xmlns:p="http://schemas.microsoft.com/office/2006/metadata/properties" xmlns:xsi="http://www.w3.org/2001/XMLSchema-instance" xmlns:pc="http://schemas.microsoft.com/office/infopath/2007/PartnerControls">
+  <documentManagement/>
+</p:properties>
 </file>
 
 <file path=customXml/itemProps1.xml><?xml version="1.0" encoding="utf-8"?>
-<ds:datastoreItem xmlns:ds="http://schemas.openxmlformats.org/officeDocument/2006/customXml" ds:itemID="{A50EC660-24D0-43A0-AE5E-E274115E726B}">
+<ds:datastoreItem xmlns:ds="http://schemas.openxmlformats.org/officeDocument/2006/customXml" ds:itemID="{19E20559-B232-4371-8690-E3D8007EDB82}">
   <ds:schemaRefs>
-    <ds:schemaRef ds:uri="http://purl.org/dc/elements/1.1/"/>
-    <ds:schemaRef ds:uri="http://schemas.microsoft.com/office/2006/metadata/properties"/>
-    <ds:schemaRef ds:uri="http://purl.org/dc/terms/"/>
-    <ds:schemaRef ds:uri="http://schemas.openxmlformats.org/package/2006/metadata/core-properties"/>
-    <ds:schemaRef ds:uri="http://schemas.microsoft.com/office/2006/documentManagement/types"/>
-    <ds:schemaRef ds:uri="http://www.w3.org/XML/1998/namespace"/>
-    <ds:schemaRef ds:uri="http://purl.org/dc/dcmitype/"/>
-    <ds:schemaRef ds:uri="http://schemas.microsoft.com/office/infopath/2007/PartnerControls"/>
+    <ds:schemaRef ds:uri="http://schemas.microsoft.com/sharepoint/v3/contenttype/forms"/>
   </ds:schemaRefs>
 </ds:datastoreItem>
 </file>
@@ -28077,9 +28054,16 @@
 </file>
 
 <file path=customXml/itemProps3.xml><?xml version="1.0" encoding="utf-8"?>
-<ds:datastoreItem xmlns:ds="http://schemas.openxmlformats.org/officeDocument/2006/customXml" ds:itemID="{19E20559-B232-4371-8690-E3D8007EDB82}">
+<ds:datastoreItem xmlns:ds="http://schemas.openxmlformats.org/officeDocument/2006/customXml" ds:itemID="{A50EC660-24D0-43A0-AE5E-E274115E726B}">
   <ds:schemaRefs>
-    <ds:schemaRef ds:uri="http://schemas.microsoft.com/sharepoint/v3/contenttype/forms"/>
+    <ds:schemaRef ds:uri="http://purl.org/dc/elements/1.1/"/>
+    <ds:schemaRef ds:uri="http://schemas.microsoft.com/office/2006/metadata/properties"/>
+    <ds:schemaRef ds:uri="http://purl.org/dc/terms/"/>
+    <ds:schemaRef ds:uri="http://schemas.openxmlformats.org/package/2006/metadata/core-properties"/>
+    <ds:schemaRef ds:uri="http://schemas.microsoft.com/office/2006/documentManagement/types"/>
+    <ds:schemaRef ds:uri="http://www.w3.org/XML/1998/namespace"/>
+    <ds:schemaRef ds:uri="http://purl.org/dc/dcmitype/"/>
+    <ds:schemaRef ds:uri="http://schemas.microsoft.com/office/infopath/2007/PartnerControls"/>
   </ds:schemaRefs>
 </ds:datastoreItem>
 </file>
--- a/design.pptx
+++ b/design.pptx
@@ -282,7 +282,7 @@
           <a:p>
             <a:fld id="{0B842F42-2CE9-4E35-95C1-410DC08A50B1}" type="datetimeFigureOut">
               <a:rPr lang="en-US" smtClean="0"/>
-              <a:t>6/15/2021</a:t>
+              <a:t>8/10/2021</a:t>
             </a:fld>
             <a:endParaRPr lang="en-US"/>
           </a:p>
@@ -447,7 +447,7 @@
           <a:p>
             <a:fld id="{6F282904-F315-4730-8D91-37D99E141A6F}" type="datetimeFigureOut">
               <a:rPr lang="en-US" smtClean="0"/>
-              <a:t>6/15/2021</a:t>
+              <a:t>8/10/2021</a:t>
             </a:fld>
             <a:endParaRPr lang="en-US"/>
           </a:p>
@@ -3938,7 +3938,7 @@
           <a:p>
             <a:fld id="{68F49DD1-DDB5-AB43-B311-7649AD474C82}" type="datetimeFigureOut">
               <a:rPr lang="en-US" smtClean="0"/>
-              <a:t>6/15/2021</a:t>
+              <a:t>8/10/2021</a:t>
             </a:fld>
             <a:endParaRPr lang="en-US"/>
           </a:p>
@@ -5113,7 +5113,7 @@
             </a:pPr>
             <a:r>
               <a:rPr lang="en-US" sz="2000" dirty="0"/>
-              <a:t>Better Scientific Software Tutorial, ISC, June 2021</a:t>
+              <a:t>Software Productivity and Sustainability track, ATPESC 2021</a:t>
             </a:r>
           </a:p>
           <a:p>
@@ -14820,13 +14820,13 @@
             </a:pPr>
             <a:r>
               <a:rPr lang="en-US" sz="1600" b="1" dirty="0"/>
-              <a:t>The requested citation the overall tutorial is: David E. Bernholdt, Anshu Dubey, Patricia A. Grubel, Rinku K. Gupta, and David M. Rogers, Better Scientific Software tutorial, in ISC High Performance, online, 2021. DOI: </a:t>
+              <a:t>The requested citation the overall tutorial is: David E. Bernholdt, Anshu Dubey, Rinku K. Gupta, and David M. Rogers, Software Productivity and Sustainability track, in Argonne Training Program on Extreme-Scale Computing (ATPESC), online, 2021. DOI: </a:t>
             </a:r>
             <a:r>
               <a:rPr lang="en-US" sz="1600" b="1" dirty="0">
                 <a:hlinkClick r:id="rId4"/>
               </a:rPr>
-              <a:t>10.6084/m9.figshare.14642520</a:t>
+              <a:t>10.6084/m9.figshare.15130590</a:t>
             </a:r>
             <a:endParaRPr lang="en-US" sz="1600" b="1" dirty="0"/>
           </a:p>
@@ -15000,7 +15000,7 @@
     </p:spTree>
     <p:extLst>
       <p:ext uri="{BB962C8B-B14F-4D97-AF65-F5344CB8AC3E}">
-        <p14:creationId xmlns:p14="http://schemas.microsoft.com/office/powerpoint/2010/main" val="1973193331"/>
+        <p14:creationId xmlns:p14="http://schemas.microsoft.com/office/powerpoint/2010/main" val="978726433"/>
       </p:ext>
     </p:extLst>
   </p:cSld>
@@ -27967,15 +27967,6 @@
 </file>
 
 <file path=customXml/item1.xml><?xml version="1.0" encoding="utf-8"?>
-<?mso-contentType ?>
-<FormTemplates xmlns="http://schemas.microsoft.com/sharepoint/v3/contenttype/forms">
-  <Display>DocumentLibraryForm</Display>
-  <Edit>DocumentLibraryForm</Edit>
-  <New>DocumentLibraryForm</New>
-</FormTemplates>
-</file>
-
-<file path=customXml/item2.xml><?xml version="1.0" encoding="utf-8"?>
 <ct:contentTypeSchema xmlns:ct="http://schemas.microsoft.com/office/2006/metadata/contentType" xmlns:ma="http://schemas.microsoft.com/office/2006/metadata/properties/metaAttributes" ct:_="" ma:_="" ma:contentTypeName="Document" ma:contentTypeID="0x010100565464437F680748A68B85EB6594EA7D" ma:contentTypeVersion="0" ma:contentTypeDescription="Create a new document." ma:contentTypeScope="" ma:versionID="fe3f4dd58d5914c51cfc6deaa8ad845c">
   <xsd:schema xmlns:xsd="http://www.w3.org/2001/XMLSchema" xmlns:p="http://schemas.microsoft.com/office/2006/metadata/properties" targetNamespace="http://schemas.microsoft.com/office/2006/metadata/properties" ma:root="true" ma:fieldsID="4aeb20c0e3442673af7ee10786458764">
     <xsd:element name="properties">
@@ -28024,6 +28015,15 @@
 </ct:contentTypeSchema>
 </file>
 
+<file path=customXml/item2.xml><?xml version="1.0" encoding="utf-8"?>
+<?mso-contentType ?>
+<FormTemplates xmlns="http://schemas.microsoft.com/sharepoint/v3/contenttype/forms">
+  <Display>DocumentLibraryForm</Display>
+  <Edit>DocumentLibraryForm</Edit>
+  <New>DocumentLibraryForm</New>
+</FormTemplates>
+</file>
+
 <file path=customXml/item3.xml><?xml version="1.0" encoding="utf-8"?>
 <p:properties xmlns:p="http://schemas.microsoft.com/office/2006/metadata/properties" xmlns:xsi="http://www.w3.org/2001/XMLSchema-instance" xmlns:pc="http://schemas.microsoft.com/office/infopath/2007/PartnerControls">
   <documentManagement/>
@@ -28031,14 +28031,6 @@
 </file>
 
 <file path=customXml/itemProps1.xml><?xml version="1.0" encoding="utf-8"?>
-<ds:datastoreItem xmlns:ds="http://schemas.openxmlformats.org/officeDocument/2006/customXml" ds:itemID="{19E20559-B232-4371-8690-E3D8007EDB82}">
-  <ds:schemaRefs>
-    <ds:schemaRef ds:uri="http://schemas.microsoft.com/sharepoint/v3/contenttype/forms"/>
-  </ds:schemaRefs>
-</ds:datastoreItem>
-</file>
-
-<file path=customXml/itemProps2.xml><?xml version="1.0" encoding="utf-8"?>
 <ds:datastoreItem xmlns:ds="http://schemas.openxmlformats.org/officeDocument/2006/customXml" ds:itemID="{E8DB7DEB-074E-4EE8-9B6E-FD277323109C}">
   <ds:schemaRefs>
     <ds:schemaRef ds:uri="http://schemas.microsoft.com/office/2006/metadata/contentType"/>
@@ -28049,6 +28041,14 @@
     <ds:schemaRef ds:uri="http://purl.org/dc/elements/1.1/"/>
     <ds:schemaRef ds:uri="http://purl.org/dc/terms/"/>
     <ds:schemaRef ds:uri="http://schemas.microsoft.com/office/internal/2005/internalDocumentation"/>
+  </ds:schemaRefs>
+</ds:datastoreItem>
+</file>
+
+<file path=customXml/itemProps2.xml><?xml version="1.0" encoding="utf-8"?>
+<ds:datastoreItem xmlns:ds="http://schemas.openxmlformats.org/officeDocument/2006/customXml" ds:itemID="{19E20559-B232-4371-8690-E3D8007EDB82}">
+  <ds:schemaRefs>
+    <ds:schemaRef ds:uri="http://schemas.microsoft.com/sharepoint/v3/contenttype/forms"/>
   </ds:schemaRefs>
 </ds:datastoreItem>
 </file>

--- a/design.pptx
+++ b/design.pptx
@@ -38,7 +38,7 @@
     <p:sldId id="667" r:id="rId29"/>
     <p:sldId id="671" r:id="rId30"/>
     <p:sldId id="672" r:id="rId31"/>
-    <p:sldId id="631" r:id="rId32"/>
+    <p:sldId id="673" r:id="rId32"/>
   </p:sldIdLst>
   <p:sldSz cx="12188825" cy="6858000"/>
   <p:notesSz cx="7010400" cy="9296400"/>
@@ -3999,264 +3999,6 @@
 </p:sldLayout>
 </file>
 
-<file path=ppt/slideLayouts/slideLayout9.xml><?xml version="1.0" encoding="utf-8"?>
-<p:sldLayout xmlns:a="http://schemas.openxmlformats.org/drawingml/2006/main" xmlns:r="http://schemas.openxmlformats.org/officeDocument/2006/relationships" xmlns:p="http://schemas.openxmlformats.org/presentationml/2006/main" showMasterSp="0" userDrawn="1">
-  <p:cSld name="1_*Section Break">
-    <p:spTree>
-      <p:nvGrpSpPr>
-        <p:cNvPr id="1" name=""/>
-        <p:cNvGrpSpPr/>
-        <p:nvPr/>
-      </p:nvGrpSpPr>
-      <p:grpSpPr>
-        <a:xfrm>
-          <a:off x="0" y="0"/>
-          <a:ext cx="0" cy="0"/>
-          <a:chOff x="0" y="0"/>
-          <a:chExt cx="0" cy="0"/>
-        </a:xfrm>
-      </p:grpSpPr>
-      <p:pic>
-        <p:nvPicPr>
-          <p:cNvPr id="37" name="Picture 36" descr="aerial view of Argonne with APS in front 5730-00068.jpg"/>
-          <p:cNvPicPr>
-            <a:picLocks noChangeAspect="1"/>
-          </p:cNvPicPr>
-          <p:nvPr userDrawn="1"/>
-        </p:nvPicPr>
-        <p:blipFill rotWithShape="1">
-          <a:blip r:embed="rId2" cstate="email">
-            <a:extLst>
-              <a:ext uri="{28A0092B-C50C-407E-A947-70E740481C1C}">
-                <a14:useLocalDpi xmlns:a14="http://schemas.microsoft.com/office/drawing/2010/main" val="0"/>
-              </a:ext>
-            </a:extLst>
-          </a:blip>
-          <a:srcRect t="10682" b="7135"/>
-          <a:stretch/>
-        </p:blipFill>
-        <p:spPr>
-          <a:xfrm>
-            <a:off x="0" y="1"/>
-            <a:ext cx="12188825" cy="5984917"/>
-          </a:xfrm>
-          <a:prstGeom prst="rect">
-            <a:avLst/>
-          </a:prstGeom>
-        </p:spPr>
-      </p:pic>
-      <p:sp>
-        <p:nvSpPr>
-          <p:cNvPr id="3" name="Text Placeholder 2"/>
-          <p:cNvSpPr>
-            <a:spLocks noGrp="1"/>
-          </p:cNvSpPr>
-          <p:nvPr>
-            <p:ph type="body" sz="quarter" idx="10" hasCustomPrompt="1"/>
-          </p:nvPr>
-        </p:nvSpPr>
-        <p:spPr>
-          <a:xfrm>
-            <a:off x="2" y="-14246"/>
-            <a:ext cx="12188824" cy="5999163"/>
-          </a:xfrm>
-          <a:solidFill>
-            <a:schemeClr val="tx2">
-              <a:alpha val="90000"/>
-            </a:schemeClr>
-          </a:solidFill>
-        </p:spPr>
-        <p:txBody>
-          <a:bodyPr lIns="457200" tIns="0" bIns="457200" anchor="ctr"/>
-          <a:lstStyle>
-            <a:lvl1pPr marL="0" indent="0">
-              <a:buNone/>
-              <a:defRPr sz="2800" b="1" cap="all" baseline="0">
-                <a:solidFill>
-                  <a:schemeClr val="bg1"/>
-                </a:solidFill>
-              </a:defRPr>
-            </a:lvl1pPr>
-          </a:lstStyle>
-          <a:p>
-            <a:pPr lvl="0"/>
-            <a:r>
-              <a:rPr lang="en-US" dirty="0"/>
-              <a:t>Type in SECTION BREAK TITLE</a:t>
-            </a:r>
-          </a:p>
-        </p:txBody>
-      </p:sp>
-      <p:pic>
-        <p:nvPicPr>
-          <p:cNvPr id="5" name="Picture 4">
-            <a:extLst>
-              <a:ext uri="{FF2B5EF4-FFF2-40B4-BE49-F238E27FC236}">
-                <a16:creationId xmlns:a16="http://schemas.microsoft.com/office/drawing/2014/main" id="{C69AFFCA-476B-3D43-BA2A-8057D08F7956}"/>
-              </a:ext>
-            </a:extLst>
-          </p:cNvPr>
-          <p:cNvPicPr>
-            <a:picLocks noChangeAspect="1"/>
-          </p:cNvPicPr>
-          <p:nvPr userDrawn="1"/>
-        </p:nvPicPr>
-        <p:blipFill>
-          <a:blip r:embed="rId3" cstate="print">
-            <a:extLst>
-              <a:ext uri="{28A0092B-C50C-407E-A947-70E740481C1C}">
-                <a14:useLocalDpi xmlns:a14="http://schemas.microsoft.com/office/drawing/2010/main" val="0"/>
-              </a:ext>
-            </a:extLst>
-          </a:blip>
-          <a:stretch>
-            <a:fillRect/>
-          </a:stretch>
-        </p:blipFill>
-        <p:spPr>
-          <a:xfrm>
-            <a:off x="9741160" y="6183517"/>
-            <a:ext cx="1971212" cy="533060"/>
-          </a:xfrm>
-          <a:prstGeom prst="rect">
-            <a:avLst/>
-          </a:prstGeom>
-        </p:spPr>
-      </p:pic>
-      <p:sp>
-        <p:nvSpPr>
-          <p:cNvPr id="8" name="Rectangle 6">
-            <a:extLst>
-              <a:ext uri="{FF2B5EF4-FFF2-40B4-BE49-F238E27FC236}">
-                <a16:creationId xmlns:a16="http://schemas.microsoft.com/office/drawing/2014/main" id="{242ABDB4-62F0-7B4B-8A6A-8FD308A96B7A}"/>
-              </a:ext>
-            </a:extLst>
-          </p:cNvPr>
-          <p:cNvSpPr>
-            <a:spLocks noChangeArrowheads="1"/>
-          </p:cNvSpPr>
-          <p:nvPr userDrawn="1"/>
-        </p:nvSpPr>
-        <p:spPr bwMode="auto">
-          <a:xfrm flipH="1">
-            <a:off x="163374" y="6513051"/>
-            <a:ext cx="515635" cy="146511"/>
-          </a:xfrm>
-          <a:prstGeom prst="rect">
-            <a:avLst/>
-          </a:prstGeom>
-          <a:noFill/>
-          <a:ln w="9525">
-            <a:noFill/>
-            <a:miter lim="800000"/>
-            <a:headEnd/>
-            <a:tailEnd/>
-          </a:ln>
-          <a:effectLst/>
-        </p:spPr>
-        <p:txBody>
-          <a:bodyPr lIns="0" tIns="0" rIns="0" bIns="0"/>
-          <a:lstStyle/>
-          <a:p>
-            <a:pPr algn="l" defTabSz="173038">
-              <a:lnSpc>
-                <a:spcPct val="90000"/>
-              </a:lnSpc>
-              <a:tabLst>
-                <a:tab pos="230188" algn="l"/>
-              </a:tabLst>
-              <a:defRPr/>
-            </a:pPr>
-            <a:fld id="{040BB257-551A-4736-B50F-DCF1BA034C06}" type="slidenum">
-              <a:rPr lang="en-US" sz="1000" smtClean="0">
-                <a:solidFill>
-                  <a:schemeClr val="tx1"/>
-                </a:solidFill>
-                <a:latin typeface="Arial" pitchFamily="34" charset="0"/>
-                <a:cs typeface="Arial" pitchFamily="34" charset="0"/>
-              </a:rPr>
-              <a:pPr algn="l" defTabSz="173038">
-                <a:lnSpc>
-                  <a:spcPct val="90000"/>
-                </a:lnSpc>
-                <a:tabLst>
-                  <a:tab pos="230188" algn="l"/>
-                </a:tabLst>
-                <a:defRPr/>
-              </a:pPr>
-              <a:t>‹#›</a:t>
-            </a:fld>
-            <a:endParaRPr lang="en-US" sz="1000" dirty="0">
-              <a:solidFill>
-                <a:schemeClr val="tx1"/>
-              </a:solidFill>
-              <a:latin typeface="Arial" pitchFamily="34" charset="0"/>
-              <a:cs typeface="Arial" pitchFamily="34" charset="0"/>
-            </a:endParaRPr>
-          </a:p>
-        </p:txBody>
-      </p:sp>
-      <p:pic>
-        <p:nvPicPr>
-          <p:cNvPr id="10" name="Picture 9" descr="IDEAS_logo.png">
-            <a:extLst>
-              <a:ext uri="{FF2B5EF4-FFF2-40B4-BE49-F238E27FC236}">
-                <a16:creationId xmlns:a16="http://schemas.microsoft.com/office/drawing/2014/main" id="{C42140C9-81A5-2246-A51B-3AFFB45AAB95}"/>
-              </a:ext>
-            </a:extLst>
-          </p:cNvPr>
-          <p:cNvPicPr>
-            <a:picLocks noChangeAspect="1"/>
-          </p:cNvPicPr>
-          <p:nvPr userDrawn="1"/>
-        </p:nvPicPr>
-        <p:blipFill>
-          <a:blip r:embed="rId4" cstate="print">
-            <a:extLst>
-              <a:ext uri="{28A0092B-C50C-407E-A947-70E740481C1C}">
-                <a14:useLocalDpi xmlns:a14="http://schemas.microsoft.com/office/drawing/2010/main"/>
-              </a:ext>
-            </a:extLst>
-          </a:blip>
-          <a:stretch>
-            <a:fillRect/>
-          </a:stretch>
-        </p:blipFill>
-        <p:spPr>
-          <a:xfrm>
-            <a:off x="7663530" y="6156960"/>
-            <a:ext cx="1845330" cy="640080"/>
-          </a:xfrm>
-          <a:prstGeom prst="rect">
-            <a:avLst/>
-          </a:prstGeom>
-        </p:spPr>
-      </p:pic>
-    </p:spTree>
-    <p:extLst>
-      <p:ext uri="{BB962C8B-B14F-4D97-AF65-F5344CB8AC3E}">
-        <p14:creationId xmlns:p14="http://schemas.microsoft.com/office/powerpoint/2010/main" val="423656447"/>
-      </p:ext>
-    </p:extLst>
-  </p:cSld>
-  <p:clrMapOvr>
-    <a:masterClrMapping/>
-  </p:clrMapOvr>
-  <mc:AlternateContent xmlns:mc="http://schemas.openxmlformats.org/markup-compatibility/2006" xmlns:p14="http://schemas.microsoft.com/office/powerpoint/2010/main">
-    <mc:Choice Requires="p14">
-      <p:transition p14:dur="250">
-        <p:fade/>
-      </p:transition>
-    </mc:Choice>
-    <mc:Fallback xmlns="">
-      <p:transition>
-        <p:fade/>
-      </p:transition>
-    </mc:Fallback>
-  </mc:AlternateContent>
-</p:sldLayout>
-</file>
-
 <file path=ppt/slideMasters/slideMaster1.xml><?xml version="1.0" encoding="utf-8"?>
 <p:sldMaster xmlns:a="http://schemas.openxmlformats.org/drawingml/2006/main" xmlns:r="http://schemas.openxmlformats.org/officeDocument/2006/relationships" xmlns:p="http://schemas.openxmlformats.org/presentationml/2006/main" preserve="1">
   <p:cSld>
@@ -4407,7 +4149,7 @@
           <p:nvPr userDrawn="1"/>
         </p:nvPicPr>
         <p:blipFill>
-          <a:blip r:embed="rId11" cstate="print">
+          <a:blip r:embed="rId10" cstate="print">
             <a:extLst>
               <a:ext uri="{28A0092B-C50C-407E-A947-70E740481C1C}">
                 <a14:useLocalDpi xmlns:a14="http://schemas.microsoft.com/office/drawing/2010/main" val="0"/>
@@ -4546,7 +4288,7 @@
           <p:nvPr userDrawn="1"/>
         </p:nvPicPr>
         <p:blipFill>
-          <a:blip r:embed="rId12">
+          <a:blip r:embed="rId11">
             <a:extLst>
               <a:ext uri="{28A0092B-C50C-407E-A947-70E740481C1C}">
                 <a14:useLocalDpi xmlns:a14="http://schemas.microsoft.com/office/drawing/2010/main" val="0"/>
@@ -4584,7 +4326,6 @@
     <p:sldLayoutId id="2147483940" r:id="rId6"/>
     <p:sldLayoutId id="2147483941" r:id="rId7"/>
     <p:sldLayoutId id="2147483952" r:id="rId8"/>
-    <p:sldLayoutId id="2147483953" r:id="rId9"/>
   </p:sldLayoutIdLst>
   <p:hf hdr="0" ftr="0" dt="0"/>
   <p:txStyles>
@@ -20070,10 +19811,10 @@
       </p:grpSpPr>
       <p:sp>
         <p:nvSpPr>
-          <p:cNvPr id="2" name="Text Placeholder 1">
+          <p:cNvPr id="3" name="Title 2">
             <a:extLst>
               <a:ext uri="{FF2B5EF4-FFF2-40B4-BE49-F238E27FC236}">
-                <a16:creationId xmlns:a16="http://schemas.microsoft.com/office/drawing/2014/main" id="{9266263F-BECE-6246-B855-97AA36521C1F}"/>
+                <a16:creationId xmlns:a16="http://schemas.microsoft.com/office/drawing/2014/main" id="{520FE5BE-D6D7-42CF-8A5E-D501516A65A8}"/>
               </a:ext>
             </a:extLst>
           </p:cNvPr>
@@ -20081,141 +19822,89 @@
             <a:spLocks noGrp="1"/>
           </p:cNvSpPr>
           <p:nvPr>
-            <p:ph type="body" sz="quarter" idx="10"/>
+            <p:ph type="title"/>
           </p:nvPr>
         </p:nvSpPr>
         <p:spPr>
           <a:xfrm>
-            <a:off x="0" y="0"/>
-            <a:ext cx="11788726" cy="5984917"/>
+            <a:off x="365760" y="411480"/>
+            <a:ext cx="11372473" cy="914400"/>
           </a:xfrm>
         </p:spPr>
         <p:txBody>
-          <a:bodyPr>
-            <a:normAutofit lnSpcReduction="10000"/>
-          </a:bodyPr>
+          <a:bodyPr/>
           <a:lstStyle/>
-          <a:p>
-            <a:endParaRPr lang="en-US" dirty="0"/>
-          </a:p>
-          <a:p>
-            <a:endParaRPr lang="en-US" dirty="0"/>
-          </a:p>
           <a:p>
             <a:r>
               <a:rPr lang="en-US" dirty="0"/>
               <a:t>Final takeaways</a:t>
             </a:r>
           </a:p>
-          <a:p>
-            <a:pPr lvl="1">
-              <a:buClr>
-                <a:schemeClr val="bg1"/>
-              </a:buClr>
-              <a:buFont typeface="Wingdings" pitchFamily="2" charset="2"/>
-              <a:buChar char="§"/>
-            </a:pPr>
+        </p:txBody>
+      </p:sp>
+      <p:sp>
+        <p:nvSpPr>
+          <p:cNvPr id="4" name="Content Placeholder 3">
+            <a:extLst>
+              <a:ext uri="{FF2B5EF4-FFF2-40B4-BE49-F238E27FC236}">
+                <a16:creationId xmlns:a16="http://schemas.microsoft.com/office/drawing/2014/main" id="{9EAF9B28-68BD-45D5-89A7-A961B5872359}"/>
+              </a:ext>
+            </a:extLst>
+          </p:cNvPr>
+          <p:cNvSpPr>
+            <a:spLocks noGrp="1"/>
+          </p:cNvSpPr>
+          <p:nvPr>
+            <p:ph idx="1"/>
+          </p:nvPr>
+        </p:nvSpPr>
+        <p:spPr>
+          <a:xfrm>
+            <a:off x="365125" y="1106112"/>
+            <a:ext cx="11369675" cy="4048125"/>
+          </a:xfrm>
+        </p:spPr>
+        <p:txBody>
+          <a:bodyPr/>
+          <a:lstStyle/>
+          <a:p>
+            <a:r>
+              <a:rPr lang="en-US" dirty="0"/>
+              <a:t>The key to both performance portability and longevity is careful software design</a:t>
+            </a:r>
+          </a:p>
+          <a:p>
+            <a:r>
+              <a:rPr lang="en-US" dirty="0"/>
+              <a:t>Extensibility should be built into the design</a:t>
+            </a:r>
+          </a:p>
+          <a:p>
+            <a:r>
+              <a:rPr lang="en-US" dirty="0"/>
+              <a:t>Design should be independent of any specific programming model</a:t>
+            </a:r>
+          </a:p>
+          <a:p>
+            <a:r>
+              <a:rPr lang="en-US" dirty="0"/>
+              <a:t>Composability and flexibility help with performance portability</a:t>
+            </a:r>
+          </a:p>
+          <a:p>
+            <a:pPr lvl="1"/>
+            <a:endParaRPr lang="en-US" dirty="0"/>
+          </a:p>
+          <a:p>
+            <a:r>
+              <a:rPr lang="en-US" dirty="0"/>
+              <a:t>Resources:</a:t>
+            </a:r>
+          </a:p>
+          <a:p>
+            <a:pPr lvl="1"/>
             <a:r>
               <a:rPr lang="en-US" dirty="0">
-                <a:solidFill>
-                  <a:schemeClr val="accent2">
-                    <a:lumMod val="20000"/>
-                    <a:lumOff val="80000"/>
-                  </a:schemeClr>
-                </a:solidFill>
-              </a:rPr>
-              <a:t>The key to both performance portability and longevity is careful software design</a:t>
-            </a:r>
-          </a:p>
-          <a:p>
-            <a:pPr lvl="1">
-              <a:buClr>
-                <a:schemeClr val="bg1"/>
-              </a:buClr>
-              <a:buFont typeface="Wingdings" pitchFamily="2" charset="2"/>
-              <a:buChar char="§"/>
-            </a:pPr>
-            <a:r>
-              <a:rPr lang="en-US" dirty="0">
-                <a:solidFill>
-                  <a:schemeClr val="accent2">
-                    <a:lumMod val="20000"/>
-                    <a:lumOff val="80000"/>
-                  </a:schemeClr>
-                </a:solidFill>
-              </a:rPr>
-              <a:t>Extensibility should be built into the design</a:t>
-            </a:r>
-          </a:p>
-          <a:p>
-            <a:pPr lvl="1">
-              <a:buClr>
-                <a:schemeClr val="bg1"/>
-              </a:buClr>
-              <a:buFont typeface="Wingdings" pitchFamily="2" charset="2"/>
-              <a:buChar char="§"/>
-            </a:pPr>
-            <a:r>
-              <a:rPr lang="en-US" dirty="0">
-                <a:solidFill>
-                  <a:schemeClr val="accent2">
-                    <a:lumMod val="20000"/>
-                    <a:lumOff val="80000"/>
-                  </a:schemeClr>
-                </a:solidFill>
-              </a:rPr>
-              <a:t>Design should be independent of any specific programming model</a:t>
-            </a:r>
-          </a:p>
-          <a:p>
-            <a:pPr lvl="1">
-              <a:buClr>
-                <a:schemeClr val="bg1"/>
-              </a:buClr>
-              <a:buFont typeface="Wingdings" pitchFamily="2" charset="2"/>
-              <a:buChar char="§"/>
-            </a:pPr>
-            <a:r>
-              <a:rPr lang="en-US" dirty="0">
-                <a:solidFill>
-                  <a:schemeClr val="accent2">
-                    <a:lumMod val="20000"/>
-                    <a:lumOff val="80000"/>
-                  </a:schemeClr>
-                </a:solidFill>
-              </a:rPr>
-              <a:t>Composability and flexibility help with performance portability</a:t>
-            </a:r>
-          </a:p>
-          <a:p>
-            <a:pPr lvl="1"/>
-            <a:endParaRPr lang="en-US" dirty="0">
-              <a:solidFill>
-                <a:schemeClr val="accent2">
-                  <a:lumMod val="20000"/>
-                  <a:lumOff val="80000"/>
-                </a:schemeClr>
-              </a:solidFill>
-            </a:endParaRPr>
-          </a:p>
-          <a:p>
-            <a:r>
-              <a:rPr lang="en-US" sz="2400" dirty="0"/>
-              <a:t>Resources:</a:t>
-            </a:r>
-          </a:p>
-          <a:p>
-            <a:pPr marL="346075" lvl="1" indent="0">
-              <a:buNone/>
-            </a:pPr>
-            <a:r>
-              <a:rPr lang="en-US" sz="1800" b="0" u="sng" dirty="0">
-                <a:solidFill>
-                  <a:schemeClr val="accent2">
-                    <a:lumMod val="20000"/>
-                    <a:lumOff val="80000"/>
-                  </a:schemeClr>
-                </a:solidFill>
                 <a:hlinkClick r:id="rId2" tooltip="https://www.exascaleproject.org/">
                   <a:extLst>
                     <a:ext uri="{A12FA001-AC4F-418D-AE19-62706E023703}">
@@ -20226,27 +19915,12 @@
               </a:rPr>
               <a:t>https://www.exascaleproject.org/</a:t>
             </a:r>
-            <a:endParaRPr lang="en-US" sz="1800" b="0" u="sng" dirty="0">
-              <a:solidFill>
-                <a:schemeClr val="accent2">
-                  <a:lumMod val="20000"/>
-                  <a:lumOff val="80000"/>
-                </a:schemeClr>
-              </a:solidFill>
-            </a:endParaRPr>
-          </a:p>
-          <a:p>
-            <a:pPr marL="346075" lvl="1" indent="0">
-              <a:buNone/>
-            </a:pPr>
-            <a:r>
-              <a:rPr lang="en-US" sz="1800" dirty="0">
-                <a:solidFill>
-                  <a:schemeClr val="accent2">
-                    <a:lumMod val="20000"/>
-                    <a:lumOff val="80000"/>
-                  </a:schemeClr>
-                </a:solidFill>
+            <a:endParaRPr lang="en-US" dirty="0"/>
+          </a:p>
+          <a:p>
+            <a:pPr lvl="1"/>
+            <a:r>
+              <a:rPr lang="en-US" dirty="0">
                 <a:hlinkClick r:id="rId3">
                   <a:extLst>
                     <a:ext uri="{A12FA001-AC4F-418D-AE19-62706E023703}">
@@ -20257,27 +19931,12 @@
               </a:rPr>
               <a:t>https://doi.org/10.6084/m9.figshare.13283714.v1</a:t>
             </a:r>
-            <a:endParaRPr lang="en-US" sz="1800" dirty="0">
-              <a:solidFill>
-                <a:schemeClr val="accent2">
-                  <a:lumMod val="20000"/>
-                  <a:lumOff val="80000"/>
-                </a:schemeClr>
-              </a:solidFill>
-            </a:endParaRPr>
-          </a:p>
-          <a:p>
-            <a:pPr marL="346075" lvl="1" indent="0">
-              <a:buNone/>
-            </a:pPr>
-            <a:r>
-              <a:rPr lang="en-US" sz="1800" dirty="0">
-                <a:solidFill>
-                  <a:schemeClr val="accent2">
-                    <a:lumMod val="20000"/>
-                    <a:lumOff val="80000"/>
-                  </a:schemeClr>
-                </a:solidFill>
+            <a:endParaRPr lang="en-US" dirty="0"/>
+          </a:p>
+          <a:p>
+            <a:pPr lvl="1"/>
+            <a:r>
+              <a:rPr lang="en-US" dirty="0">
                 <a:hlinkClick r:id="rId4">
                   <a:extLst>
                     <a:ext uri="{A12FA001-AC4F-418D-AE19-62706E023703}">
@@ -20288,27 +19947,12 @@
               </a:rPr>
               <a:t>https://figshare.com/articles/presentation/SC20_Tutorial_Better_Scientific_Software/12994376?file=25219346</a:t>
             </a:r>
-            <a:endParaRPr lang="en-US" sz="1800" dirty="0">
-              <a:solidFill>
-                <a:schemeClr val="accent2">
-                  <a:lumMod val="20000"/>
-                  <a:lumOff val="80000"/>
-                </a:schemeClr>
-              </a:solidFill>
-            </a:endParaRPr>
-          </a:p>
-          <a:p>
-            <a:pPr marL="346075" lvl="1" indent="0">
-              <a:buNone/>
-            </a:pPr>
-            <a:r>
-              <a:rPr lang="en-US" u="sng" dirty="0">
-                <a:solidFill>
-                  <a:schemeClr val="accent2">
-                    <a:lumMod val="20000"/>
-                    <a:lumOff val="80000"/>
-                  </a:schemeClr>
-                </a:solidFill>
+            <a:endParaRPr lang="en-US" dirty="0"/>
+          </a:p>
+          <a:p>
+            <a:pPr lvl="1"/>
+            <a:r>
+              <a:rPr lang="en-US" dirty="0">
                 <a:hlinkClick r:id="rId5" tooltip="https://bssw.io/blog_posts/performance-portability-and-the-exascale-computing-project">
                   <a:extLst>
                     <a:ext uri="{A12FA001-AC4F-418D-AE19-62706E023703}">
@@ -20319,27 +19963,12 @@
               </a:rPr>
               <a:t>https://bssw.io/blog_posts/performance-portability-and-the-exascale-computing-project</a:t>
             </a:r>
-            <a:endParaRPr lang="en-US" u="sng" dirty="0">
-              <a:solidFill>
-                <a:schemeClr val="accent2">
-                  <a:lumMod val="20000"/>
-                  <a:lumOff val="80000"/>
-                </a:schemeClr>
-              </a:solidFill>
-            </a:endParaRPr>
-          </a:p>
-          <a:p>
-            <a:pPr marL="346075" lvl="1" indent="0">
-              <a:buNone/>
-            </a:pPr>
-            <a:r>
-              <a:rPr lang="en-US" u="sng" dirty="0">
-                <a:solidFill>
-                  <a:schemeClr val="accent2">
-                    <a:lumMod val="20000"/>
-                    <a:lumOff val="80000"/>
-                  </a:schemeClr>
-                </a:solidFill>
+            <a:endParaRPr lang="en-US" dirty="0"/>
+          </a:p>
+          <a:p>
+            <a:pPr lvl="1"/>
+            <a:r>
+              <a:rPr lang="en-US" dirty="0">
                 <a:hlinkClick r:id="rId6" tooltip="https://www.exascaleproject.org/event/kokkos-class-series">
                   <a:extLst>
                     <a:ext uri="{A12FA001-AC4F-418D-AE19-62706E023703}">
@@ -20350,14 +19979,7 @@
               </a:rPr>
               <a:t>https://www.exascaleproject.org/event/kokkos-class-series</a:t>
             </a:r>
-            <a:endParaRPr lang="en-US" sz="2400" dirty="0">
-              <a:solidFill>
-                <a:schemeClr val="accent2">
-                  <a:lumMod val="20000"/>
-                  <a:lumOff val="80000"/>
-                </a:schemeClr>
-              </a:solidFill>
-            </a:endParaRPr>
+            <a:endParaRPr lang="en-US" dirty="0"/>
           </a:p>
           <a:p>
             <a:endParaRPr lang="en-US" dirty="0"/>
@@ -20367,25 +19989,13 @@
     </p:spTree>
     <p:extLst>
       <p:ext uri="{BB962C8B-B14F-4D97-AF65-F5344CB8AC3E}">
-        <p14:creationId xmlns:p14="http://schemas.microsoft.com/office/powerpoint/2010/main" val="4225126438"/>
+        <p14:creationId xmlns:p14="http://schemas.microsoft.com/office/powerpoint/2010/main" val="4062243086"/>
       </p:ext>
     </p:extLst>
   </p:cSld>
   <p:clrMapOvr>
     <a:masterClrMapping/>
   </p:clrMapOvr>
-  <mc:AlternateContent xmlns:mc="http://schemas.openxmlformats.org/markup-compatibility/2006" xmlns:p14="http://schemas.microsoft.com/office/powerpoint/2010/main">
-    <mc:Choice Requires="p14">
-      <p:transition p14:dur="250">
-        <p:fade/>
-      </p:transition>
-    </mc:Choice>
-    <mc:Fallback xmlns="">
-      <p:transition>
-        <p:fade/>
-      </p:transition>
-    </mc:Fallback>
-  </mc:AlternateContent>
 </p:sld>
 </file>
 
@@ -27967,6 +27577,21 @@
 </file>
 
 <file path=customXml/item1.xml><?xml version="1.0" encoding="utf-8"?>
+<p:properties xmlns:p="http://schemas.microsoft.com/office/2006/metadata/properties" xmlns:xsi="http://www.w3.org/2001/XMLSchema-instance" xmlns:pc="http://schemas.microsoft.com/office/infopath/2007/PartnerControls">
+  <documentManagement/>
+</p:properties>
+</file>
+
+<file path=customXml/item2.xml><?xml version="1.0" encoding="utf-8"?>
+<?mso-contentType ?>
+<FormTemplates xmlns="http://schemas.microsoft.com/sharepoint/v3/contenttype/forms">
+  <Display>DocumentLibraryForm</Display>
+  <Edit>DocumentLibraryForm</Edit>
+  <New>DocumentLibraryForm</New>
+</FormTemplates>
+</file>
+
+<file path=customXml/item3.xml><?xml version="1.0" encoding="utf-8"?>
 <ct:contentTypeSchema xmlns:ct="http://schemas.microsoft.com/office/2006/metadata/contentType" xmlns:ma="http://schemas.microsoft.com/office/2006/metadata/properties/metaAttributes" ct:_="" ma:_="" ma:contentTypeName="Document" ma:contentTypeID="0x010100565464437F680748A68B85EB6594EA7D" ma:contentTypeVersion="0" ma:contentTypeDescription="Create a new document." ma:contentTypeScope="" ma:versionID="fe3f4dd58d5914c51cfc6deaa8ad845c">
   <xsd:schema xmlns:xsd="http://www.w3.org/2001/XMLSchema" xmlns:p="http://schemas.microsoft.com/office/2006/metadata/properties" targetNamespace="http://schemas.microsoft.com/office/2006/metadata/properties" ma:root="true" ma:fieldsID="4aeb20c0e3442673af7ee10786458764">
     <xsd:element name="properties">
@@ -28015,32 +27640,17 @@
 </ct:contentTypeSchema>
 </file>
 
-<file path=customXml/item2.xml><?xml version="1.0" encoding="utf-8"?>
-<?mso-contentType ?>
-<FormTemplates xmlns="http://schemas.microsoft.com/sharepoint/v3/contenttype/forms">
-  <Display>DocumentLibraryForm</Display>
-  <Edit>DocumentLibraryForm</Edit>
-  <New>DocumentLibraryForm</New>
-</FormTemplates>
-</file>
-
-<file path=customXml/item3.xml><?xml version="1.0" encoding="utf-8"?>
-<p:properties xmlns:p="http://schemas.microsoft.com/office/2006/metadata/properties" xmlns:xsi="http://www.w3.org/2001/XMLSchema-instance" xmlns:pc="http://schemas.microsoft.com/office/infopath/2007/PartnerControls">
-  <documentManagement/>
-</p:properties>
-</file>
-
 <file path=customXml/itemProps1.xml><?xml version="1.0" encoding="utf-8"?>
-<ds:datastoreItem xmlns:ds="http://schemas.openxmlformats.org/officeDocument/2006/customXml" ds:itemID="{E8DB7DEB-074E-4EE8-9B6E-FD277323109C}">
+<ds:datastoreItem xmlns:ds="http://schemas.openxmlformats.org/officeDocument/2006/customXml" ds:itemID="{A50EC660-24D0-43A0-AE5E-E274115E726B}">
   <ds:schemaRefs>
-    <ds:schemaRef ds:uri="http://schemas.microsoft.com/office/2006/metadata/contentType"/>
-    <ds:schemaRef ds:uri="http://schemas.microsoft.com/office/2006/metadata/properties/metaAttributes"/>
-    <ds:schemaRef ds:uri="http://www.w3.org/2001/XMLSchema"/>
+    <ds:schemaRef ds:uri="http://purl.org/dc/elements/1.1/"/>
     <ds:schemaRef ds:uri="http://schemas.microsoft.com/office/2006/metadata/properties"/>
+    <ds:schemaRef ds:uri="http://purl.org/dc/terms/"/>
     <ds:schemaRef ds:uri="http://schemas.openxmlformats.org/package/2006/metadata/core-properties"/>
-    <ds:schemaRef ds:uri="http://purl.org/dc/elements/1.1/"/>
-    <ds:schemaRef ds:uri="http://purl.org/dc/terms/"/>
-    <ds:schemaRef ds:uri="http://schemas.microsoft.com/office/internal/2005/internalDocumentation"/>
+    <ds:schemaRef ds:uri="http://schemas.microsoft.com/office/2006/documentManagement/types"/>
+    <ds:schemaRef ds:uri="http://www.w3.org/XML/1998/namespace"/>
+    <ds:schemaRef ds:uri="http://purl.org/dc/dcmitype/"/>
+    <ds:schemaRef ds:uri="http://schemas.microsoft.com/office/infopath/2007/PartnerControls"/>
   </ds:schemaRefs>
 </ds:datastoreItem>
 </file>
@@ -28054,16 +27664,16 @@
 </file>
 
 <file path=customXml/itemProps3.xml><?xml version="1.0" encoding="utf-8"?>
-<ds:datastoreItem xmlns:ds="http://schemas.openxmlformats.org/officeDocument/2006/customXml" ds:itemID="{A50EC660-24D0-43A0-AE5E-E274115E726B}">
+<ds:datastoreItem xmlns:ds="http://schemas.openxmlformats.org/officeDocument/2006/customXml" ds:itemID="{E8DB7DEB-074E-4EE8-9B6E-FD277323109C}">
   <ds:schemaRefs>
+    <ds:schemaRef ds:uri="http://schemas.microsoft.com/office/2006/metadata/contentType"/>
+    <ds:schemaRef ds:uri="http://schemas.microsoft.com/office/2006/metadata/properties/metaAttributes"/>
+    <ds:schemaRef ds:uri="http://www.w3.org/2001/XMLSchema"/>
+    <ds:schemaRef ds:uri="http://schemas.microsoft.com/office/2006/metadata/properties"/>
+    <ds:schemaRef ds:uri="http://schemas.openxmlformats.org/package/2006/metadata/core-properties"/>
     <ds:schemaRef ds:uri="http://purl.org/dc/elements/1.1/"/>
-    <ds:schemaRef ds:uri="http://schemas.microsoft.com/office/2006/metadata/properties"/>
     <ds:schemaRef ds:uri="http://purl.org/dc/terms/"/>
-    <ds:schemaRef ds:uri="http://schemas.openxmlformats.org/package/2006/metadata/core-properties"/>
-    <ds:schemaRef ds:uri="http://schemas.microsoft.com/office/2006/documentManagement/types"/>
-    <ds:schemaRef ds:uri="http://www.w3.org/XML/1998/namespace"/>
-    <ds:schemaRef ds:uri="http://purl.org/dc/dcmitype/"/>
-    <ds:schemaRef ds:uri="http://schemas.microsoft.com/office/infopath/2007/PartnerControls"/>
+    <ds:schemaRef ds:uri="http://schemas.microsoft.com/office/internal/2005/internalDocumentation"/>
   </ds:schemaRefs>
 </ds:datastoreItem>
 </file>
--- a/design.pptx
+++ b/design.pptx
@@ -12,7 +12,7 @@
   </p:handoutMasterIdLst>
   <p:sldIdLst>
     <p:sldId id="318" r:id="rId5"/>
-    <p:sldId id="320" r:id="rId6"/>
+    <p:sldId id="674" r:id="rId6"/>
     <p:sldId id="615" r:id="rId7"/>
     <p:sldId id="669" r:id="rId8"/>
     <p:sldId id="670" r:id="rId9"/>
@@ -282,7 +282,7 @@
           <a:p>
             <a:fld id="{0B842F42-2CE9-4E35-95C1-410DC08A50B1}" type="datetimeFigureOut">
               <a:rPr lang="en-US" smtClean="0"/>
-              <a:t>8/10/2021</a:t>
+              <a:t>9/1/2021</a:t>
             </a:fld>
             <a:endParaRPr lang="en-US"/>
           </a:p>
@@ -447,7 +447,7 @@
           <a:p>
             <a:fld id="{6F282904-F315-4730-8D91-37D99E141A6F}" type="datetimeFigureOut">
               <a:rPr lang="en-US" smtClean="0"/>
-              <a:t>8/10/2021</a:t>
+              <a:t>9/1/2021</a:t>
             </a:fld>
             <a:endParaRPr lang="en-US"/>
           </a:p>
@@ -3938,7 +3938,7 @@
           <a:p>
             <a:fld id="{68F49DD1-DDB5-AB43-B311-7649AD474C82}" type="datetimeFigureOut">
               <a:rPr lang="en-US" smtClean="0"/>
-              <a:t>8/10/2021</a:t>
+              <a:t>9/1/2021</a:t>
             </a:fld>
             <a:endParaRPr lang="en-US"/>
           </a:p>
@@ -4835,14 +4835,22 @@
           <a:p>
             <a:r>
               <a:rPr lang="en-US" u="sng" dirty="0"/>
-              <a:t>Anshu Dubey</a:t>
+              <a:t>David E. Bernholdt</a:t>
+            </a:r>
+            <a:r>
+              <a:rPr lang="en-US" dirty="0"/>
+              <a:t> </a:t>
+            </a:r>
+            <a:r>
+              <a:rPr lang="en-US" sz="2000" dirty="0"/>
+              <a:t>(he/him)</a:t>
             </a:r>
             <a:br>
-              <a:rPr lang="en-US" dirty="0"/>
+              <a:rPr lang="en-US" sz="2000" dirty="0"/>
             </a:br>
             <a:r>
               <a:rPr lang="en-US" sz="2000" dirty="0"/>
-              <a:t>Argonne National Laboratory</a:t>
+              <a:t>Oak Ridge National Laboratory</a:t>
             </a:r>
             <a:endParaRPr lang="en-US" dirty="0"/>
           </a:p>
@@ -4854,7 +4862,15 @@
             </a:pPr>
             <a:r>
               <a:rPr lang="en-US" sz="2000" dirty="0"/>
-              <a:t>Software Productivity and Sustainability track, ATPESC 2021</a:t>
+              <a:t>Better Scientific </a:t>
+            </a:r>
+            <a:r>
+              <a:rPr lang="en-US" sz="2000"/>
+              <a:t>Software tutorial </a:t>
+            </a:r>
+            <a:r>
+              <a:rPr lang="en-US" sz="2000" dirty="0"/>
+              <a:t>@ SC21</a:t>
             </a:r>
           </a:p>
           <a:p>
@@ -4865,7 +4881,7 @@
             </a:pPr>
             <a:r>
               <a:rPr lang="en-US" sz="2000" dirty="0"/>
-              <a:t>Contributors: Anshu Dubey (ANL), Mark C. Miller (LLNL)</a:t>
+              <a:t>Contributors: David E. Bernholdt (ORNL), Anshu Dubey (ANL), Mark C. Miller (LLNL)</a:t>
             </a:r>
           </a:p>
         </p:txBody>
@@ -14561,13 +14577,13 @@
             </a:pPr>
             <a:r>
               <a:rPr lang="en-US" sz="1600" b="1" dirty="0"/>
-              <a:t>The requested citation the overall tutorial is: David E. Bernholdt, Anshu Dubey, Rinku K. Gupta, and David M. Rogers, Software Productivity and Sustainability track, in Argonne Training Program on Extreme-Scale Computing (ATPESC), online, 2021. DOI: </a:t>
+              <a:t>The requested citation the overall tutorial is: David E. Bernholdt, Anshu Dubey, Patricia A. Grubel, Rinku K. Gupta, and Gregory R. Watson, Better Scientific Software tutorial, in the International Conference for High-Performance Computing, Networking, Storage, and Analysis (SC21), St. Louis, MO, USA and online, 2021. DOI: </a:t>
             </a:r>
             <a:r>
               <a:rPr lang="en-US" sz="1600" b="1" dirty="0">
                 <a:hlinkClick r:id="rId4"/>
               </a:rPr>
-              <a:t>10.6084/m9.figshare.15130590</a:t>
+              <a:t>10.6084/m9.figshare.16556628</a:t>
             </a:r>
             <a:endParaRPr lang="en-US" sz="1600" b="1" dirty="0"/>
           </a:p>
@@ -14741,7 +14757,7 @@
     </p:spTree>
     <p:extLst>
       <p:ext uri="{BB962C8B-B14F-4D97-AF65-F5344CB8AC3E}">
-        <p14:creationId xmlns:p14="http://schemas.microsoft.com/office/powerpoint/2010/main" val="978726433"/>
+        <p14:creationId xmlns:p14="http://schemas.microsoft.com/office/powerpoint/2010/main" val="4227040908"/>
       </p:ext>
     </p:extLst>
   </p:cSld>
@@ -27577,21 +27593,6 @@
 </file>
 
 <file path=customXml/item1.xml><?xml version="1.0" encoding="utf-8"?>
-<p:properties xmlns:p="http://schemas.microsoft.com/office/2006/metadata/properties" xmlns:xsi="http://www.w3.org/2001/XMLSchema-instance" xmlns:pc="http://schemas.microsoft.com/office/infopath/2007/PartnerControls">
-  <documentManagement/>
-</p:properties>
-</file>
-
-<file path=customXml/item2.xml><?xml version="1.0" encoding="utf-8"?>
-<?mso-contentType ?>
-<FormTemplates xmlns="http://schemas.microsoft.com/sharepoint/v3/contenttype/forms">
-  <Display>DocumentLibraryForm</Display>
-  <Edit>DocumentLibraryForm</Edit>
-  <New>DocumentLibraryForm</New>
-</FormTemplates>
-</file>
-
-<file path=customXml/item3.xml><?xml version="1.0" encoding="utf-8"?>
 <ct:contentTypeSchema xmlns:ct="http://schemas.microsoft.com/office/2006/metadata/contentType" xmlns:ma="http://schemas.microsoft.com/office/2006/metadata/properties/metaAttributes" ct:_="" ma:_="" ma:contentTypeName="Document" ma:contentTypeID="0x010100565464437F680748A68B85EB6594EA7D" ma:contentTypeVersion="0" ma:contentTypeDescription="Create a new document." ma:contentTypeScope="" ma:versionID="fe3f4dd58d5914c51cfc6deaa8ad845c">
   <xsd:schema xmlns:xsd="http://www.w3.org/2001/XMLSchema" xmlns:p="http://schemas.microsoft.com/office/2006/metadata/properties" targetNamespace="http://schemas.microsoft.com/office/2006/metadata/properties" ma:root="true" ma:fieldsID="4aeb20c0e3442673af7ee10786458764">
     <xsd:element name="properties">
@@ -27640,17 +27641,32 @@
 </ct:contentTypeSchema>
 </file>
 
+<file path=customXml/item2.xml><?xml version="1.0" encoding="utf-8"?>
+<?mso-contentType ?>
+<FormTemplates xmlns="http://schemas.microsoft.com/sharepoint/v3/contenttype/forms">
+  <Display>DocumentLibraryForm</Display>
+  <Edit>DocumentLibraryForm</Edit>
+  <New>DocumentLibraryForm</New>
+</FormTemplates>
+</file>
+
+<file path=customXml/item3.xml><?xml version="1.0" encoding="utf-8"?>
+<p:properties xmlns:p="http://schemas.microsoft.com/office/2006/metadata/properties" xmlns:xsi="http://www.w3.org/2001/XMLSchema-instance" xmlns:pc="http://schemas.microsoft.com/office/infopath/2007/PartnerControls">
+  <documentManagement/>
+</p:properties>
+</file>
+
 <file path=customXml/itemProps1.xml><?xml version="1.0" encoding="utf-8"?>
-<ds:datastoreItem xmlns:ds="http://schemas.openxmlformats.org/officeDocument/2006/customXml" ds:itemID="{A50EC660-24D0-43A0-AE5E-E274115E726B}">
+<ds:datastoreItem xmlns:ds="http://schemas.openxmlformats.org/officeDocument/2006/customXml" ds:itemID="{E8DB7DEB-074E-4EE8-9B6E-FD277323109C}">
   <ds:schemaRefs>
+    <ds:schemaRef ds:uri="http://schemas.microsoft.com/office/2006/metadata/contentType"/>
+    <ds:schemaRef ds:uri="http://schemas.microsoft.com/office/2006/metadata/properties/metaAttributes"/>
+    <ds:schemaRef ds:uri="http://www.w3.org/2001/XMLSchema"/>
+    <ds:schemaRef ds:uri="http://schemas.microsoft.com/office/2006/metadata/properties"/>
+    <ds:schemaRef ds:uri="http://schemas.openxmlformats.org/package/2006/metadata/core-properties"/>
     <ds:schemaRef ds:uri="http://purl.org/dc/elements/1.1/"/>
-    <ds:schemaRef ds:uri="http://schemas.microsoft.com/office/2006/metadata/properties"/>
     <ds:schemaRef ds:uri="http://purl.org/dc/terms/"/>
-    <ds:schemaRef ds:uri="http://schemas.openxmlformats.org/package/2006/metadata/core-properties"/>
-    <ds:schemaRef ds:uri="http://schemas.microsoft.com/office/2006/documentManagement/types"/>
-    <ds:schemaRef ds:uri="http://www.w3.org/XML/1998/namespace"/>
-    <ds:schemaRef ds:uri="http://purl.org/dc/dcmitype/"/>
-    <ds:schemaRef ds:uri="http://schemas.microsoft.com/office/infopath/2007/PartnerControls"/>
+    <ds:schemaRef ds:uri="http://schemas.microsoft.com/office/internal/2005/internalDocumentation"/>
   </ds:schemaRefs>
 </ds:datastoreItem>
 </file>
@@ -27664,16 +27680,16 @@
 </file>
 
 <file path=customXml/itemProps3.xml><?xml version="1.0" encoding="utf-8"?>
-<ds:datastoreItem xmlns:ds="http://schemas.openxmlformats.org/officeDocument/2006/customXml" ds:itemID="{E8DB7DEB-074E-4EE8-9B6E-FD277323109C}">
+<ds:datastoreItem xmlns:ds="http://schemas.openxmlformats.org/officeDocument/2006/customXml" ds:itemID="{A50EC660-24D0-43A0-AE5E-E274115E726B}">
   <ds:schemaRefs>
-    <ds:schemaRef ds:uri="http://schemas.microsoft.com/office/2006/metadata/contentType"/>
-    <ds:schemaRef ds:uri="http://schemas.microsoft.com/office/2006/metadata/properties/metaAttributes"/>
-    <ds:schemaRef ds:uri="http://www.w3.org/2001/XMLSchema"/>
+    <ds:schemaRef ds:uri="http://purl.org/dc/elements/1.1/"/>
     <ds:schemaRef ds:uri="http://schemas.microsoft.com/office/2006/metadata/properties"/>
+    <ds:schemaRef ds:uri="http://purl.org/dc/terms/"/>
     <ds:schemaRef ds:uri="http://schemas.openxmlformats.org/package/2006/metadata/core-properties"/>
-    <ds:schemaRef ds:uri="http://purl.org/dc/elements/1.1/"/>
-    <ds:schemaRef ds:uri="http://purl.org/dc/terms/"/>
-    <ds:schemaRef ds:uri="http://schemas.microsoft.com/office/internal/2005/internalDocumentation"/>
+    <ds:schemaRef ds:uri="http://schemas.microsoft.com/office/2006/documentManagement/types"/>
+    <ds:schemaRef ds:uri="http://www.w3.org/XML/1998/namespace"/>
+    <ds:schemaRef ds:uri="http://purl.org/dc/dcmitype/"/>
+    <ds:schemaRef ds:uri="http://schemas.microsoft.com/office/infopath/2007/PartnerControls"/>
   </ds:schemaRefs>
 </ds:datastoreItem>
 </file>
--- a/design.pptx
+++ b/design.pptx
@@ -12,7 +12,7 @@
   </p:handoutMasterIdLst>
   <p:sldIdLst>
     <p:sldId id="318" r:id="rId5"/>
-    <p:sldId id="674" r:id="rId6"/>
+    <p:sldId id="320" r:id="rId6"/>
     <p:sldId id="615" r:id="rId7"/>
     <p:sldId id="669" r:id="rId8"/>
     <p:sldId id="670" r:id="rId9"/>
@@ -282,7 +282,7 @@
           <a:p>
             <a:fld id="{0B842F42-2CE9-4E35-95C1-410DC08A50B1}" type="datetimeFigureOut">
               <a:rPr lang="en-US" smtClean="0"/>
-              <a:t>9/1/2021</a:t>
+              <a:t>3/25/2022</a:t>
             </a:fld>
             <a:endParaRPr lang="en-US"/>
           </a:p>
@@ -447,7 +447,7 @@
           <a:p>
             <a:fld id="{6F282904-F315-4730-8D91-37D99E141A6F}" type="datetimeFigureOut">
               <a:rPr lang="en-US" smtClean="0"/>
-              <a:t>9/1/2021</a:t>
+              <a:t>3/25/2022</a:t>
             </a:fld>
             <a:endParaRPr lang="en-US"/>
           </a:p>
@@ -3938,7 +3938,7 @@
           <a:p>
             <a:fld id="{68F49DD1-DDB5-AB43-B311-7649AD474C82}" type="datetimeFigureOut">
               <a:rPr lang="en-US" smtClean="0"/>
-              <a:t>9/1/2021</a:t>
+              <a:t>3/25/2022</a:t>
             </a:fld>
             <a:endParaRPr lang="en-US"/>
           </a:p>
@@ -4862,15 +4862,7 @@
             </a:pPr>
             <a:r>
               <a:rPr lang="en-US" sz="2000" dirty="0"/>
-              <a:t>Better Scientific </a:t>
-            </a:r>
-            <a:r>
-              <a:rPr lang="en-US" sz="2000"/>
-              <a:t>Software tutorial </a:t>
-            </a:r>
-            <a:r>
-              <a:rPr lang="en-US" sz="2000" dirty="0"/>
-              <a:t>@ SC21</a:t>
+              <a:t>Better Scientific Software tutorial @ Improving Scientific Software 2022</a:t>
             </a:r>
           </a:p>
           <a:p>
@@ -14577,15 +14569,21 @@
             </a:pPr>
             <a:r>
               <a:rPr lang="en-US" sz="1600" b="1" dirty="0"/>
-              <a:t>The requested citation the overall tutorial is: David E. Bernholdt, Anshu Dubey, Patricia A. Grubel, Rinku K. Gupta, and Gregory R. Watson, Better Scientific Software tutorial, in the International Conference for High-Performance Computing, Networking, Storage, and Analysis (SC21), St. Louis, MO, USA and online, 2021. DOI: </a:t>
+              <a:t>The requested citation the overall tutorial is: David E. Bernholdt, Patricia A. Grubel, Rinku K. Gupta, and David M. Rogers, Better Scientific Software tutorial, in Improving Scientific Software conference, online, 2022. DOI: </a:t>
             </a:r>
             <a:r>
               <a:rPr lang="en-US" sz="1600" b="1" dirty="0">
                 <a:hlinkClick r:id="rId4"/>
               </a:rPr>
-              <a:t>10.6084/m9.figshare.16556628</a:t>
-            </a:r>
-            <a:endParaRPr lang="en-US" sz="1600" b="1" dirty="0"/>
+              <a:t>10.6084/m9.figshare</a:t>
+            </a:r>
+            <a:r>
+              <a:rPr lang="en-US" sz="1600" b="1">
+                <a:hlinkClick r:id="rId4"/>
+              </a:rPr>
+              <a:t>.19416767</a:t>
+            </a:r>
+            <a:endParaRPr lang="en-US" sz="1600" b="1"/>
           </a:p>
           <a:p>
             <a:pPr>
@@ -14757,7 +14755,7 @@
     </p:spTree>
     <p:extLst>
       <p:ext uri="{BB962C8B-B14F-4D97-AF65-F5344CB8AC3E}">
-        <p14:creationId xmlns:p14="http://schemas.microsoft.com/office/powerpoint/2010/main" val="4227040908"/>
+        <p14:creationId xmlns:p14="http://schemas.microsoft.com/office/powerpoint/2010/main" val="978726433"/>
       </p:ext>
     </p:extLst>
   </p:cSld>
@@ -27593,6 +27591,21 @@
 </file>
 
 <file path=customXml/item1.xml><?xml version="1.0" encoding="utf-8"?>
+<p:properties xmlns:p="http://schemas.microsoft.com/office/2006/metadata/properties" xmlns:xsi="http://www.w3.org/2001/XMLSchema-instance" xmlns:pc="http://schemas.microsoft.com/office/infopath/2007/PartnerControls">
+  <documentManagement/>
+</p:properties>
+</file>
+
+<file path=customXml/item2.xml><?xml version="1.0" encoding="utf-8"?>
+<?mso-contentType ?>
+<FormTemplates xmlns="http://schemas.microsoft.com/sharepoint/v3/contenttype/forms">
+  <Display>DocumentLibraryForm</Display>
+  <Edit>DocumentLibraryForm</Edit>
+  <New>DocumentLibraryForm</New>
+</FormTemplates>
+</file>
+
+<file path=customXml/item3.xml><?xml version="1.0" encoding="utf-8"?>
 <ct:contentTypeSchema xmlns:ct="http://schemas.microsoft.com/office/2006/metadata/contentType" xmlns:ma="http://schemas.microsoft.com/office/2006/metadata/properties/metaAttributes" ct:_="" ma:_="" ma:contentTypeName="Document" ma:contentTypeID="0x010100565464437F680748A68B85EB6594EA7D" ma:contentTypeVersion="0" ma:contentTypeDescription="Create a new document." ma:contentTypeScope="" ma:versionID="fe3f4dd58d5914c51cfc6deaa8ad845c">
   <xsd:schema xmlns:xsd="http://www.w3.org/2001/XMLSchema" xmlns:p="http://schemas.microsoft.com/office/2006/metadata/properties" targetNamespace="http://schemas.microsoft.com/office/2006/metadata/properties" ma:root="true" ma:fieldsID="4aeb20c0e3442673af7ee10786458764">
     <xsd:element name="properties">
@@ -27641,32 +27654,17 @@
 </ct:contentTypeSchema>
 </file>
 
-<file path=customXml/item2.xml><?xml version="1.0" encoding="utf-8"?>
-<?mso-contentType ?>
-<FormTemplates xmlns="http://schemas.microsoft.com/sharepoint/v3/contenttype/forms">
-  <Display>DocumentLibraryForm</Display>
-  <Edit>DocumentLibraryForm</Edit>
-  <New>DocumentLibraryForm</New>
-</FormTemplates>
-</file>
-
-<file path=customXml/item3.xml><?xml version="1.0" encoding="utf-8"?>
-<p:properties xmlns:p="http://schemas.microsoft.com/office/2006/metadata/properties" xmlns:xsi="http://www.w3.org/2001/XMLSchema-instance" xmlns:pc="http://schemas.microsoft.com/office/infopath/2007/PartnerControls">
-  <documentManagement/>
-</p:properties>
-</file>
-
 <file path=customXml/itemProps1.xml><?xml version="1.0" encoding="utf-8"?>
-<ds:datastoreItem xmlns:ds="http://schemas.openxmlformats.org/officeDocument/2006/customXml" ds:itemID="{E8DB7DEB-074E-4EE8-9B6E-FD277323109C}">
+<ds:datastoreItem xmlns:ds="http://schemas.openxmlformats.org/officeDocument/2006/customXml" ds:itemID="{A50EC660-24D0-43A0-AE5E-E274115E726B}">
   <ds:schemaRefs>
-    <ds:schemaRef ds:uri="http://schemas.microsoft.com/office/2006/metadata/contentType"/>
-    <ds:schemaRef ds:uri="http://schemas.microsoft.com/office/2006/metadata/properties/metaAttributes"/>
-    <ds:schemaRef ds:uri="http://www.w3.org/2001/XMLSchema"/>
+    <ds:schemaRef ds:uri="http://purl.org/dc/elements/1.1/"/>
     <ds:schemaRef ds:uri="http://schemas.microsoft.com/office/2006/metadata/properties"/>
+    <ds:schemaRef ds:uri="http://purl.org/dc/terms/"/>
     <ds:schemaRef ds:uri="http://schemas.openxmlformats.org/package/2006/metadata/core-properties"/>
-    <ds:schemaRef ds:uri="http://purl.org/dc/elements/1.1/"/>
-    <ds:schemaRef ds:uri="http://purl.org/dc/terms/"/>
-    <ds:schemaRef ds:uri="http://schemas.microsoft.com/office/internal/2005/internalDocumentation"/>
+    <ds:schemaRef ds:uri="http://schemas.microsoft.com/office/2006/documentManagement/types"/>
+    <ds:schemaRef ds:uri="http://www.w3.org/XML/1998/namespace"/>
+    <ds:schemaRef ds:uri="http://purl.org/dc/dcmitype/"/>
+    <ds:schemaRef ds:uri="http://schemas.microsoft.com/office/infopath/2007/PartnerControls"/>
   </ds:schemaRefs>
 </ds:datastoreItem>
 </file>
@@ -27680,16 +27678,16 @@
 </file>
 
 <file path=customXml/itemProps3.xml><?xml version="1.0" encoding="utf-8"?>
-<ds:datastoreItem xmlns:ds="http://schemas.openxmlformats.org/officeDocument/2006/customXml" ds:itemID="{A50EC660-24D0-43A0-AE5E-E274115E726B}">
+<ds:datastoreItem xmlns:ds="http://schemas.openxmlformats.org/officeDocument/2006/customXml" ds:itemID="{E8DB7DEB-074E-4EE8-9B6E-FD277323109C}">
   <ds:schemaRefs>
+    <ds:schemaRef ds:uri="http://schemas.microsoft.com/office/2006/metadata/contentType"/>
+    <ds:schemaRef ds:uri="http://schemas.microsoft.com/office/2006/metadata/properties/metaAttributes"/>
+    <ds:schemaRef ds:uri="http://www.w3.org/2001/XMLSchema"/>
+    <ds:schemaRef ds:uri="http://schemas.microsoft.com/office/2006/metadata/properties"/>
+    <ds:schemaRef ds:uri="http://schemas.openxmlformats.org/package/2006/metadata/core-properties"/>
     <ds:schemaRef ds:uri="http://purl.org/dc/elements/1.1/"/>
-    <ds:schemaRef ds:uri="http://schemas.microsoft.com/office/2006/metadata/properties"/>
     <ds:schemaRef ds:uri="http://purl.org/dc/terms/"/>
-    <ds:schemaRef ds:uri="http://schemas.openxmlformats.org/package/2006/metadata/core-properties"/>
-    <ds:schemaRef ds:uri="http://schemas.microsoft.com/office/2006/documentManagement/types"/>
-    <ds:schemaRef ds:uri="http://www.w3.org/XML/1998/namespace"/>
-    <ds:schemaRef ds:uri="http://purl.org/dc/dcmitype/"/>
-    <ds:schemaRef ds:uri="http://schemas.microsoft.com/office/infopath/2007/PartnerControls"/>
+    <ds:schemaRef ds:uri="http://schemas.microsoft.com/office/internal/2005/internalDocumentation"/>
   </ds:schemaRefs>
 </ds:datastoreItem>
 </file>
--- a/design.pptx
+++ b/design.pptx
@@ -282,7 +282,7 @@
           <a:p>
             <a:fld id="{0B842F42-2CE9-4E35-95C1-410DC08A50B1}" type="datetimeFigureOut">
               <a:rPr lang="en-US" smtClean="0"/>
-              <a:t>3/25/2022</a:t>
+              <a:t>5/17/22</a:t>
             </a:fld>
             <a:endParaRPr lang="en-US"/>
           </a:p>
@@ -447,7 +447,7 @@
           <a:p>
             <a:fld id="{6F282904-F315-4730-8D91-37D99E141A6F}" type="datetimeFigureOut">
               <a:rPr lang="en-US" smtClean="0"/>
-              <a:t>3/25/2022</a:t>
+              <a:t>5/17/22</a:t>
             </a:fld>
             <a:endParaRPr lang="en-US"/>
           </a:p>
@@ -3938,7 +3938,7 @@
           <a:p>
             <a:fld id="{68F49DD1-DDB5-AB43-B311-7649AD474C82}" type="datetimeFigureOut">
               <a:rPr lang="en-US" smtClean="0"/>
-              <a:t>3/25/2022</a:t>
+              <a:t>5/17/22</a:t>
             </a:fld>
             <a:endParaRPr lang="en-US"/>
           </a:p>
@@ -4834,23 +4834,23 @@
           <a:lstStyle/>
           <a:p>
             <a:r>
+              <a:rPr lang="en-US" u="sng" dirty="0" err="1"/>
+              <a:t>Anshu</a:t>
+            </a:r>
+            <a:r>
               <a:rPr lang="en-US" u="sng" dirty="0"/>
-              <a:t>David E. Bernholdt</a:t>
-            </a:r>
-            <a:r>
-              <a:rPr lang="en-US" dirty="0"/>
-              <a:t> </a:t>
+              <a:t> Dubey </a:t>
             </a:r>
             <a:r>
               <a:rPr lang="en-US" sz="2000" dirty="0"/>
-              <a:t>(he/him)</a:t>
+              <a:t>(she/her)</a:t>
             </a:r>
             <a:br>
               <a:rPr lang="en-US" sz="2000" dirty="0"/>
             </a:br>
             <a:r>
               <a:rPr lang="en-US" sz="2000" dirty="0"/>
-              <a:t>Oak Ridge National Laboratory</a:t>
+              <a:t>Argonne National Laboratory</a:t>
             </a:r>
             <a:endParaRPr lang="en-US" dirty="0"/>
           </a:p>
@@ -4862,8 +4862,13 @@
             </a:pPr>
             <a:r>
               <a:rPr lang="en-US" sz="2000" dirty="0"/>
-              <a:t>Better Scientific Software tutorial @ Improving Scientific Software 2022</a:t>
-            </a:r>
+              <a:t>Better Scientific Software tutorial </a:t>
+            </a:r>
+            <a:r>
+              <a:rPr lang="en-US" sz="2000"/>
+              <a:t>@ ISC 2022</a:t>
+            </a:r>
+            <a:endParaRPr lang="en-US" sz="2000" dirty="0"/>
           </a:p>
           <a:p>
             <a:pPr>
@@ -4873,7 +4878,23 @@
             </a:pPr>
             <a:r>
               <a:rPr lang="en-US" sz="2000" dirty="0"/>
-              <a:t>Contributors: David E. Bernholdt (ORNL), Anshu Dubey (ANL), Mark C. Miller (LLNL)</a:t>
+              <a:t>Contributors: </a:t>
+            </a:r>
+            <a:r>
+              <a:rPr lang="en-US" sz="2000" dirty="0" err="1"/>
+              <a:t>Anshu</a:t>
+            </a:r>
+            <a:r>
+              <a:rPr lang="en-US" sz="2000" dirty="0"/>
+              <a:t> Dubey (ANL), Mark C. Miller (LLNL), David </a:t>
+            </a:r>
+            <a:r>
+              <a:rPr lang="en-US" sz="2000" dirty="0" err="1"/>
+              <a:t>Bernholdt</a:t>
+            </a:r>
+            <a:r>
+              <a:rPr lang="en-US" sz="2000" dirty="0"/>
+              <a:t> (ORNL)</a:t>
             </a:r>
           </a:p>
         </p:txBody>
@@ -14569,21 +14590,16 @@
             </a:pPr>
             <a:r>
               <a:rPr lang="en-US" sz="1600" b="1" dirty="0"/>
-              <a:t>The requested citation the overall tutorial is: David E. Bernholdt, Patricia A. Grubel, Rinku K. Gupta, and David M. Rogers, Better Scientific Software tutorial, in Improving Scientific Software conference, online, 2022. DOI: </a:t>
-            </a:r>
-            <a:r>
-              <a:rPr lang="en-US" sz="1600" b="1" dirty="0">
-                <a:hlinkClick r:id="rId4"/>
-              </a:rPr>
-              <a:t>10.6084/m9.figshare</a:t>
-            </a:r>
-            <a:r>
-              <a:rPr lang="en-US" sz="1600" b="1">
-                <a:hlinkClick r:id="rId4"/>
-              </a:rPr>
-              <a:t>.19416767</a:t>
-            </a:r>
-            <a:endParaRPr lang="en-US" sz="1600" b="1"/>
+              <a:t>The requested citation the overall tutorial is: </a:t>
+            </a:r>
+            <a:r>
+              <a:rPr lang="en-US" sz="1600" b="1" dirty="0" err="1"/>
+              <a:t>Anshu</a:t>
+            </a:r>
+            <a:r>
+              <a:rPr lang="en-US" sz="1600" b="1" dirty="0"/>
+              <a:t> Dubey and Gregory R. Watson, Better Scientific Software Tutorial, in ISC High Performance, 2022, Hamburg Germany. DOI: 10.6084/m9.figshare.19781752</a:t>
+            </a:r>
           </a:p>
           <a:p>
             <a:pPr>
@@ -14601,7 +14617,7 @@
             </a:r>
             <a:r>
               <a:rPr lang="en-US" sz="1600" dirty="0"/>
-              <a:t>, in Better Scientific Software tutorial…</a:t>
+              <a:t>, in Better Scientific Software tutorial, ISC, 2022 …</a:t>
             </a:r>
           </a:p>
           <a:p>
@@ -14720,7 +14736,7 @@
           <p:nvPr/>
         </p:nvPicPr>
         <p:blipFill>
-          <a:blip r:embed="rId5">
+          <a:blip r:embed="rId4">
             <a:extLst>
               <a:ext uri="{28A0092B-C50C-407E-A947-70E740481C1C}">
                 <a14:useLocalDpi xmlns:a14="http://schemas.microsoft.com/office/drawing/2010/main" val="0"/>
@@ -14755,7 +14771,7 @@
     </p:spTree>
     <p:extLst>
       <p:ext uri="{BB962C8B-B14F-4D97-AF65-F5344CB8AC3E}">
-        <p14:creationId xmlns:p14="http://schemas.microsoft.com/office/powerpoint/2010/main" val="978726433"/>
+        <p14:creationId xmlns:p14="http://schemas.microsoft.com/office/powerpoint/2010/main" val="454328897"/>
       </p:ext>
     </p:extLst>
   </p:cSld>
@@ -27591,21 +27607,6 @@
 </file>
 
 <file path=customXml/item1.xml><?xml version="1.0" encoding="utf-8"?>
-<p:properties xmlns:p="http://schemas.microsoft.com/office/2006/metadata/properties" xmlns:xsi="http://www.w3.org/2001/XMLSchema-instance" xmlns:pc="http://schemas.microsoft.com/office/infopath/2007/PartnerControls">
-  <documentManagement/>
-</p:properties>
-</file>
-
-<file path=customXml/item2.xml><?xml version="1.0" encoding="utf-8"?>
-<?mso-contentType ?>
-<FormTemplates xmlns="http://schemas.microsoft.com/sharepoint/v3/contenttype/forms">
-  <Display>DocumentLibraryForm</Display>
-  <Edit>DocumentLibraryForm</Edit>
-  <New>DocumentLibraryForm</New>
-</FormTemplates>
-</file>
-
-<file path=customXml/item3.xml><?xml version="1.0" encoding="utf-8"?>
 <ct:contentTypeSchema xmlns:ct="http://schemas.microsoft.com/office/2006/metadata/contentType" xmlns:ma="http://schemas.microsoft.com/office/2006/metadata/properties/metaAttributes" ct:_="" ma:_="" ma:contentTypeName="Document" ma:contentTypeID="0x010100565464437F680748A68B85EB6594EA7D" ma:contentTypeVersion="0" ma:contentTypeDescription="Create a new document." ma:contentTypeScope="" ma:versionID="fe3f4dd58d5914c51cfc6deaa8ad845c">
   <xsd:schema xmlns:xsd="http://www.w3.org/2001/XMLSchema" xmlns:p="http://schemas.microsoft.com/office/2006/metadata/properties" targetNamespace="http://schemas.microsoft.com/office/2006/metadata/properties" ma:root="true" ma:fieldsID="4aeb20c0e3442673af7ee10786458764">
     <xsd:element name="properties">
@@ -27654,7 +27655,37 @@
 </ct:contentTypeSchema>
 </file>
 
+<file path=customXml/item2.xml><?xml version="1.0" encoding="utf-8"?>
+<p:properties xmlns:p="http://schemas.microsoft.com/office/2006/metadata/properties" xmlns:xsi="http://www.w3.org/2001/XMLSchema-instance" xmlns:pc="http://schemas.microsoft.com/office/infopath/2007/PartnerControls">
+  <documentManagement/>
+</p:properties>
+</file>
+
+<file path=customXml/item3.xml><?xml version="1.0" encoding="utf-8"?>
+<?mso-contentType ?>
+<FormTemplates xmlns="http://schemas.microsoft.com/sharepoint/v3/contenttype/forms">
+  <Display>DocumentLibraryForm</Display>
+  <Edit>DocumentLibraryForm</Edit>
+  <New>DocumentLibraryForm</New>
+</FormTemplates>
+</file>
+
 <file path=customXml/itemProps1.xml><?xml version="1.0" encoding="utf-8"?>
+<ds:datastoreItem xmlns:ds="http://schemas.openxmlformats.org/officeDocument/2006/customXml" ds:itemID="{E8DB7DEB-074E-4EE8-9B6E-FD277323109C}">
+  <ds:schemaRefs>
+    <ds:schemaRef ds:uri="http://schemas.microsoft.com/office/2006/metadata/contentType"/>
+    <ds:schemaRef ds:uri="http://schemas.microsoft.com/office/2006/metadata/properties/metaAttributes"/>
+    <ds:schemaRef ds:uri="http://www.w3.org/2001/XMLSchema"/>
+    <ds:schemaRef ds:uri="http://schemas.microsoft.com/office/2006/metadata/properties"/>
+    <ds:schemaRef ds:uri="http://schemas.openxmlformats.org/package/2006/metadata/core-properties"/>
+    <ds:schemaRef ds:uri="http://purl.org/dc/elements/1.1/"/>
+    <ds:schemaRef ds:uri="http://purl.org/dc/terms/"/>
+    <ds:schemaRef ds:uri="http://schemas.microsoft.com/office/internal/2005/internalDocumentation"/>
+  </ds:schemaRefs>
+</ds:datastoreItem>
+</file>
+
+<file path=customXml/itemProps2.xml><?xml version="1.0" encoding="utf-8"?>
 <ds:datastoreItem xmlns:ds="http://schemas.openxmlformats.org/officeDocument/2006/customXml" ds:itemID="{A50EC660-24D0-43A0-AE5E-E274115E726B}">
   <ds:schemaRefs>
     <ds:schemaRef ds:uri="http://purl.org/dc/elements/1.1/"/>
@@ -27669,25 +27700,10 @@
 </ds:datastoreItem>
 </file>
 
-<file path=customXml/itemProps2.xml><?xml version="1.0" encoding="utf-8"?>
+<file path=customXml/itemProps3.xml><?xml version="1.0" encoding="utf-8"?>
 <ds:datastoreItem xmlns:ds="http://schemas.openxmlformats.org/officeDocument/2006/customXml" ds:itemID="{19E20559-B232-4371-8690-E3D8007EDB82}">
   <ds:schemaRefs>
     <ds:schemaRef ds:uri="http://schemas.microsoft.com/sharepoint/v3/contenttype/forms"/>
   </ds:schemaRefs>
 </ds:datastoreItem>
-</file>
-
-<file path=customXml/itemProps3.xml><?xml version="1.0" encoding="utf-8"?>
-<ds:datastoreItem xmlns:ds="http://schemas.openxmlformats.org/officeDocument/2006/customXml" ds:itemID="{E8DB7DEB-074E-4EE8-9B6E-FD277323109C}">
-  <ds:schemaRefs>
-    <ds:schemaRef ds:uri="http://schemas.microsoft.com/office/2006/metadata/contentType"/>
-    <ds:schemaRef ds:uri="http://schemas.microsoft.com/office/2006/metadata/properties/metaAttributes"/>
-    <ds:schemaRef ds:uri="http://www.w3.org/2001/XMLSchema"/>
-    <ds:schemaRef ds:uri="http://schemas.microsoft.com/office/2006/metadata/properties"/>
-    <ds:schemaRef ds:uri="http://schemas.openxmlformats.org/package/2006/metadata/core-properties"/>
-    <ds:schemaRef ds:uri="http://purl.org/dc/elements/1.1/"/>
-    <ds:schemaRef ds:uri="http://purl.org/dc/terms/"/>
-    <ds:schemaRef ds:uri="http://schemas.microsoft.com/office/internal/2005/internalDocumentation"/>
-  </ds:schemaRefs>
-</ds:datastoreItem>
 </file>
--- a/design.pptx
+++ b/design.pptx
@@ -282,7 +282,7 @@
           <a:p>
             <a:fld id="{0B842F42-2CE9-4E35-95C1-410DC08A50B1}" type="datetimeFigureOut">
               <a:rPr lang="en-US" smtClean="0"/>
-              <a:t>5/17/22</a:t>
+              <a:t>5/18/22</a:t>
             </a:fld>
             <a:endParaRPr lang="en-US"/>
           </a:p>
@@ -447,7 +447,7 @@
           <a:p>
             <a:fld id="{6F282904-F315-4730-8D91-37D99E141A6F}" type="datetimeFigureOut">
               <a:rPr lang="en-US" smtClean="0"/>
-              <a:t>5/17/22</a:t>
+              <a:t>5/18/22</a:t>
             </a:fld>
             <a:endParaRPr lang="en-US"/>
           </a:p>
@@ -3938,7 +3938,7 @@
           <a:p>
             <a:fld id="{68F49DD1-DDB5-AB43-B311-7649AD474C82}" type="datetimeFigureOut">
               <a:rPr lang="en-US" smtClean="0"/>
-              <a:t>5/17/22</a:t>
+              <a:t>5/18/22</a:t>
             </a:fld>
             <a:endParaRPr lang="en-US"/>
           </a:p>
@@ -19891,7 +19891,7 @@
         <p:spPr>
           <a:xfrm>
             <a:off x="365125" y="1106112"/>
-            <a:ext cx="11369675" cy="4048125"/>
+            <a:ext cx="11369675" cy="5050848"/>
           </a:xfrm>
         </p:spPr>
         <p:txBody>
@@ -19920,10 +19920,6 @@
               <a:rPr lang="en-US" dirty="0"/>
               <a:t>Composability and flexibility help with performance portability</a:t>
             </a:r>
-          </a:p>
-          <a:p>
-            <a:pPr lvl="1"/>
-            <a:endParaRPr lang="en-US" dirty="0"/>
           </a:p>
           <a:p>
             <a:r>
@@ -19967,23 +19963,7 @@
             <a:pPr lvl="1"/>
             <a:r>
               <a:rPr lang="en-US" dirty="0">
-                <a:hlinkClick r:id="rId4">
-                  <a:extLst>
-                    <a:ext uri="{A12FA001-AC4F-418D-AE19-62706E023703}">
-                      <ahyp:hlinkClr xmlns:ahyp="http://schemas.microsoft.com/office/drawing/2018/hyperlinkcolor" val="tx"/>
-                    </a:ext>
-                  </a:extLst>
-                </a:hlinkClick>
-              </a:rPr>
-              <a:t>https://figshare.com/articles/presentation/SC20_Tutorial_Better_Scientific_Software/12994376?file=25219346</a:t>
-            </a:r>
-            <a:endParaRPr lang="en-US" dirty="0"/>
-          </a:p>
-          <a:p>
-            <a:pPr lvl="1"/>
-            <a:r>
-              <a:rPr lang="en-US" dirty="0">
-                <a:hlinkClick r:id="rId5" tooltip="https://bssw.io/blog_posts/performance-portability-and-the-exascale-computing-project">
+                <a:hlinkClick r:id="rId4" tooltip="https://bssw.io/blog_posts/performance-portability-and-the-exascale-computing-project">
                   <a:extLst>
                     <a:ext uri="{A12FA001-AC4F-418D-AE19-62706E023703}">
                       <ahyp:hlinkClr xmlns:ahyp="http://schemas.microsoft.com/office/drawing/2018/hyperlinkcolor" val="tx"/>
@@ -19999,7 +19979,7 @@
             <a:pPr lvl="1"/>
             <a:r>
               <a:rPr lang="en-US" dirty="0">
-                <a:hlinkClick r:id="rId6" tooltip="https://www.exascaleproject.org/event/kokkos-class-series">
+                <a:hlinkClick r:id="rId5" tooltip="https://www.exascaleproject.org/event/kokkos-class-series">
                   <a:extLst>
                     <a:ext uri="{A12FA001-AC4F-418D-AE19-62706E023703}">
                       <ahyp:hlinkClr xmlns:ahyp="http://schemas.microsoft.com/office/drawing/2018/hyperlinkcolor" val="tx"/>
@@ -20009,6 +19989,36 @@
               </a:rPr>
               <a:t>https://www.exascaleproject.org/event/kokkos-class-series</a:t>
             </a:r>
+            <a:endParaRPr lang="en-US" sz="2400" dirty="0"/>
+          </a:p>
+          <a:p>
+            <a:pPr lvl="1"/>
+            <a:r>
+              <a:rPr lang="en-US" sz="2000" dirty="0">
+                <a:hlinkClick r:id="rId6"/>
+              </a:rPr>
+              <a:t>A Design Proposal for a Next Generation Scientific Software Framework</a:t>
+            </a:r>
+            <a:endParaRPr lang="en-US" sz="2000" dirty="0"/>
+          </a:p>
+          <a:p>
+            <a:pPr lvl="1"/>
+            <a:r>
+              <a:rPr lang="en-US" sz="2000">
+                <a:hlinkClick r:id="rId7"/>
+              </a:rPr>
+              <a:t>Software </a:t>
+            </a:r>
+            <a:r>
+              <a:rPr lang="en-US" sz="2000" dirty="0">
+                <a:hlinkClick r:id="rId7"/>
+              </a:rPr>
+              <a:t>Design for Longevity with Performance Portability</a:t>
+            </a:r>
+            <a:endParaRPr lang="en-US" sz="2000" dirty="0"/>
+          </a:p>
+          <a:p>
+            <a:pPr lvl="1"/>
             <a:endParaRPr lang="en-US" dirty="0"/>
           </a:p>
           <a:p>
@@ -25332,42 +25342,6 @@
           </a:p>
         </p:txBody>
       </p:sp>
-      <p:pic>
-        <p:nvPicPr>
-          <p:cNvPr id="6" name="Picture 5">
-            <a:extLst>
-              <a:ext uri="{FF2B5EF4-FFF2-40B4-BE49-F238E27FC236}">
-                <a16:creationId xmlns:a16="http://schemas.microsoft.com/office/drawing/2014/main" id="{D49D518F-3807-474C-9016-81DDB60F5F02}"/>
-              </a:ext>
-            </a:extLst>
-          </p:cNvPr>
-          <p:cNvPicPr>
-            <a:picLocks noChangeAspect="1"/>
-          </p:cNvPicPr>
-          <p:nvPr/>
-        </p:nvPicPr>
-        <p:blipFill>
-          <a:blip r:embed="rId2">
-            <a:extLst>
-              <a:ext uri="{28A0092B-C50C-407E-A947-70E740481C1C}">
-                <a14:useLocalDpi xmlns:a14="http://schemas.microsoft.com/office/drawing/2010/main" val="0"/>
-              </a:ext>
-            </a:extLst>
-          </a:blip>
-          <a:stretch>
-            <a:fillRect/>
-          </a:stretch>
-        </p:blipFill>
-        <p:spPr>
-          <a:xfrm>
-            <a:off x="1010421" y="1130663"/>
-            <a:ext cx="8051800" cy="3708400"/>
-          </a:xfrm>
-          <a:prstGeom prst="rect">
-            <a:avLst/>
-          </a:prstGeom>
-        </p:spPr>
-      </p:pic>
       <p:sp>
         <p:nvSpPr>
           <p:cNvPr id="7" name="TextBox 6">
@@ -25382,7 +25356,7 @@
         </p:nvSpPr>
         <p:spPr>
           <a:xfrm>
-            <a:off x="1658983" y="5064214"/>
+            <a:off x="464828" y="5495288"/>
             <a:ext cx="7837715" cy="683264"/>
           </a:xfrm>
           <a:prstGeom prst="rect">
@@ -25408,6 +25382,934 @@
           </a:p>
         </p:txBody>
       </p:sp>
+      <p:sp>
+        <p:nvSpPr>
+          <p:cNvPr id="8" name="Rectangle 7">
+            <a:extLst>
+              <a:ext uri="{FF2B5EF4-FFF2-40B4-BE49-F238E27FC236}">
+                <a16:creationId xmlns:a16="http://schemas.microsoft.com/office/drawing/2014/main" id="{32B8044A-1FE6-9B62-2941-2C51F16E6AC7}"/>
+              </a:ext>
+            </a:extLst>
+          </p:cNvPr>
+          <p:cNvSpPr/>
+          <p:nvPr/>
+        </p:nvSpPr>
+        <p:spPr>
+          <a:xfrm>
+            <a:off x="1340520" y="1240784"/>
+            <a:ext cx="1873771" cy="1528996"/>
+          </a:xfrm>
+          <a:prstGeom prst="rect">
+            <a:avLst/>
+          </a:prstGeom>
+          <a:solidFill>
+            <a:schemeClr val="accent1">
+              <a:lumMod val="40000"/>
+              <a:lumOff val="60000"/>
+            </a:schemeClr>
+          </a:solidFill>
+          <a:effectLst/>
+        </p:spPr>
+        <p:style>
+          <a:lnRef idx="1">
+            <a:schemeClr val="accent1"/>
+          </a:lnRef>
+          <a:fillRef idx="3">
+            <a:schemeClr val="accent1"/>
+          </a:fillRef>
+          <a:effectRef idx="2">
+            <a:schemeClr val="accent1"/>
+          </a:effectRef>
+          <a:fontRef idx="minor">
+            <a:schemeClr val="lt1"/>
+          </a:fontRef>
+        </p:style>
+        <p:txBody>
+          <a:bodyPr rtlCol="0" anchor="ctr"/>
+          <a:lstStyle/>
+          <a:p>
+            <a:pPr algn="ctr"/>
+            <a:r>
+              <a:rPr lang="en-US" b="1" dirty="0">
+                <a:solidFill>
+                  <a:schemeClr val="tx1"/>
+                </a:solidFill>
+              </a:rPr>
+              <a:t>Subject of research</a:t>
+            </a:r>
+          </a:p>
+          <a:p>
+            <a:pPr algn="ctr"/>
+            <a:r>
+              <a:rPr lang="en-US" dirty="0">
+                <a:solidFill>
+                  <a:schemeClr val="tx1"/>
+                </a:solidFill>
+              </a:rPr>
+              <a:t>Model</a:t>
+            </a:r>
+          </a:p>
+          <a:p>
+            <a:pPr algn="ctr"/>
+            <a:r>
+              <a:rPr lang="en-US" dirty="0" err="1">
+                <a:solidFill>
+                  <a:schemeClr val="tx1"/>
+                </a:solidFill>
+              </a:rPr>
+              <a:t>Numerics</a:t>
+            </a:r>
+            <a:endParaRPr lang="en-US" dirty="0">
+              <a:solidFill>
+                <a:schemeClr val="tx1"/>
+              </a:solidFill>
+            </a:endParaRPr>
+          </a:p>
+        </p:txBody>
+      </p:sp>
+      <p:sp>
+        <p:nvSpPr>
+          <p:cNvPr id="9" name="Rectangle 8">
+            <a:extLst>
+              <a:ext uri="{FF2B5EF4-FFF2-40B4-BE49-F238E27FC236}">
+                <a16:creationId xmlns:a16="http://schemas.microsoft.com/office/drawing/2014/main" id="{B9AB959C-2BF1-B6AE-E906-A8350C999F68}"/>
+              </a:ext>
+            </a:extLst>
+          </p:cNvPr>
+          <p:cNvSpPr/>
+          <p:nvPr/>
+        </p:nvSpPr>
+        <p:spPr>
+          <a:xfrm>
+            <a:off x="1340520" y="3936972"/>
+            <a:ext cx="1873771" cy="1528996"/>
+          </a:xfrm>
+          <a:prstGeom prst="rect">
+            <a:avLst/>
+          </a:prstGeom>
+          <a:solidFill>
+            <a:srgbClr val="0070C0"/>
+          </a:solidFill>
+          <a:effectLst/>
+        </p:spPr>
+        <p:style>
+          <a:lnRef idx="1">
+            <a:schemeClr val="accent1"/>
+          </a:lnRef>
+          <a:fillRef idx="3">
+            <a:schemeClr val="accent1"/>
+          </a:fillRef>
+          <a:effectRef idx="2">
+            <a:schemeClr val="accent1"/>
+          </a:effectRef>
+          <a:fontRef idx="minor">
+            <a:schemeClr val="lt1"/>
+          </a:fontRef>
+        </p:style>
+        <p:txBody>
+          <a:bodyPr rtlCol="0" anchor="ctr"/>
+          <a:lstStyle/>
+          <a:p>
+            <a:pPr algn="ctr"/>
+            <a:r>
+              <a:rPr lang="en-US" b="1" dirty="0"/>
+              <a:t>More Stable</a:t>
+            </a:r>
+          </a:p>
+          <a:p>
+            <a:pPr algn="ctr"/>
+            <a:r>
+              <a:rPr lang="en-US" dirty="0"/>
+              <a:t>Discretization</a:t>
+            </a:r>
+          </a:p>
+          <a:p>
+            <a:pPr algn="ctr"/>
+            <a:r>
+              <a:rPr lang="en-US" dirty="0"/>
+              <a:t>I/O</a:t>
+            </a:r>
+          </a:p>
+          <a:p>
+            <a:pPr algn="ctr"/>
+            <a:r>
+              <a:rPr lang="en-US" dirty="0"/>
+              <a:t>Runtime Parameters </a:t>
+            </a:r>
+          </a:p>
+        </p:txBody>
+      </p:sp>
+      <p:sp>
+        <p:nvSpPr>
+          <p:cNvPr id="10" name="Rectangle 9">
+            <a:extLst>
+              <a:ext uri="{FF2B5EF4-FFF2-40B4-BE49-F238E27FC236}">
+                <a16:creationId xmlns:a16="http://schemas.microsoft.com/office/drawing/2014/main" id="{F196384D-979D-3BCA-5191-041C96257477}"/>
+              </a:ext>
+            </a:extLst>
+          </p:cNvPr>
+          <p:cNvSpPr/>
+          <p:nvPr/>
+        </p:nvSpPr>
+        <p:spPr>
+          <a:xfrm>
+            <a:off x="1340519" y="2934672"/>
+            <a:ext cx="4109803" cy="839449"/>
+          </a:xfrm>
+          <a:prstGeom prst="rect">
+            <a:avLst/>
+          </a:prstGeom>
+          <a:solidFill>
+            <a:schemeClr val="tx2">
+              <a:lumMod val="50000"/>
+            </a:schemeClr>
+          </a:solidFill>
+          <a:ln>
+            <a:solidFill>
+              <a:schemeClr val="tx1"/>
+            </a:solidFill>
+          </a:ln>
+          <a:effectLst/>
+        </p:spPr>
+        <p:style>
+          <a:lnRef idx="1">
+            <a:schemeClr val="accent1"/>
+          </a:lnRef>
+          <a:fillRef idx="3">
+            <a:schemeClr val="accent1"/>
+          </a:fillRef>
+          <a:effectRef idx="2">
+            <a:schemeClr val="accent1"/>
+          </a:effectRef>
+          <a:fontRef idx="minor">
+            <a:schemeClr val="lt1"/>
+          </a:fontRef>
+        </p:style>
+        <p:txBody>
+          <a:bodyPr rtlCol="0" anchor="ctr"/>
+          <a:lstStyle/>
+          <a:p>
+            <a:pPr algn="ctr"/>
+            <a:r>
+              <a:rPr lang="en-US" dirty="0"/>
+              <a:t>Treat differently and &amp; encapsulate to plug and play</a:t>
+            </a:r>
+          </a:p>
+        </p:txBody>
+      </p:sp>
+      <p:sp>
+        <p:nvSpPr>
+          <p:cNvPr id="11" name="Rectangle 10">
+            <a:extLst>
+              <a:ext uri="{FF2B5EF4-FFF2-40B4-BE49-F238E27FC236}">
+                <a16:creationId xmlns:a16="http://schemas.microsoft.com/office/drawing/2014/main" id="{D9721012-F9EE-46FA-CFD8-62B20AD131D2}"/>
+              </a:ext>
+            </a:extLst>
+          </p:cNvPr>
+          <p:cNvSpPr/>
+          <p:nvPr/>
+        </p:nvSpPr>
+        <p:spPr>
+          <a:xfrm>
+            <a:off x="3576552" y="1240784"/>
+            <a:ext cx="1873771" cy="1528996"/>
+          </a:xfrm>
+          <a:prstGeom prst="rect">
+            <a:avLst/>
+          </a:prstGeom>
+          <a:solidFill>
+            <a:schemeClr val="accent1">
+              <a:lumMod val="40000"/>
+              <a:lumOff val="60000"/>
+            </a:schemeClr>
+          </a:solidFill>
+          <a:effectLst/>
+        </p:spPr>
+        <p:style>
+          <a:lnRef idx="1">
+            <a:schemeClr val="accent1"/>
+          </a:lnRef>
+          <a:fillRef idx="3">
+            <a:schemeClr val="accent1"/>
+          </a:fillRef>
+          <a:effectRef idx="2">
+            <a:schemeClr val="accent1"/>
+          </a:effectRef>
+          <a:fontRef idx="minor">
+            <a:schemeClr val="lt1"/>
+          </a:fontRef>
+        </p:style>
+        <p:txBody>
+          <a:bodyPr rtlCol="0" anchor="ctr"/>
+          <a:lstStyle/>
+          <a:p>
+            <a:pPr algn="ctr"/>
+            <a:r>
+              <a:rPr lang="en-US" b="1" dirty="0">
+                <a:solidFill>
+                  <a:schemeClr val="tx1"/>
+                </a:solidFill>
+              </a:rPr>
+              <a:t>Client Code</a:t>
+            </a:r>
+          </a:p>
+          <a:p>
+            <a:pPr algn="ctr"/>
+            <a:r>
+              <a:rPr lang="en-US" dirty="0">
+                <a:solidFill>
+                  <a:schemeClr val="tx1"/>
+                </a:solidFill>
+              </a:rPr>
+              <a:t>Mathematically complex</a:t>
+            </a:r>
+          </a:p>
+        </p:txBody>
+      </p:sp>
+      <p:sp>
+        <p:nvSpPr>
+          <p:cNvPr id="12" name="Rectangle 11">
+            <a:extLst>
+              <a:ext uri="{FF2B5EF4-FFF2-40B4-BE49-F238E27FC236}">
+                <a16:creationId xmlns:a16="http://schemas.microsoft.com/office/drawing/2014/main" id="{CD370788-36A9-37D2-1ACA-2BEDAC571CBE}"/>
+              </a:ext>
+            </a:extLst>
+          </p:cNvPr>
+          <p:cNvSpPr/>
+          <p:nvPr/>
+        </p:nvSpPr>
+        <p:spPr>
+          <a:xfrm>
+            <a:off x="3576552" y="3936972"/>
+            <a:ext cx="1873771" cy="1528996"/>
+          </a:xfrm>
+          <a:prstGeom prst="rect">
+            <a:avLst/>
+          </a:prstGeom>
+          <a:solidFill>
+            <a:srgbClr val="0070C0"/>
+          </a:solidFill>
+          <a:effectLst/>
+        </p:spPr>
+        <p:style>
+          <a:lnRef idx="1">
+            <a:schemeClr val="accent1"/>
+          </a:lnRef>
+          <a:fillRef idx="3">
+            <a:schemeClr val="accent1"/>
+          </a:fillRef>
+          <a:effectRef idx="2">
+            <a:schemeClr val="accent1"/>
+          </a:effectRef>
+          <a:fontRef idx="minor">
+            <a:schemeClr val="lt1"/>
+          </a:fontRef>
+        </p:style>
+        <p:txBody>
+          <a:bodyPr rtlCol="0" anchor="ctr"/>
+          <a:lstStyle/>
+          <a:p>
+            <a:pPr algn="ctr"/>
+            <a:r>
+              <a:rPr lang="en-US" b="1" dirty="0"/>
+              <a:t>Infrastructure</a:t>
+            </a:r>
+          </a:p>
+          <a:p>
+            <a:pPr algn="ctr"/>
+            <a:r>
+              <a:rPr lang="en-US" dirty="0"/>
+              <a:t>Data structures and movement</a:t>
+            </a:r>
+          </a:p>
+          <a:p>
+            <a:pPr algn="ctr"/>
+            <a:endParaRPr lang="en-US" dirty="0"/>
+          </a:p>
+        </p:txBody>
+      </p:sp>
+      <p:grpSp>
+        <p:nvGrpSpPr>
+          <p:cNvPr id="5" name="Group 4">
+            <a:extLst>
+              <a:ext uri="{FF2B5EF4-FFF2-40B4-BE49-F238E27FC236}">
+                <a16:creationId xmlns:a16="http://schemas.microsoft.com/office/drawing/2014/main" id="{40D29187-DDA6-5214-95E2-75D2C863E5B4}"/>
+              </a:ext>
+            </a:extLst>
+          </p:cNvPr>
+          <p:cNvGrpSpPr/>
+          <p:nvPr/>
+        </p:nvGrpSpPr>
+        <p:grpSpPr>
+          <a:xfrm>
+            <a:off x="7254961" y="1148071"/>
+            <a:ext cx="2548328" cy="4102751"/>
+            <a:chOff x="6512126" y="1240785"/>
+            <a:chExt cx="2548328" cy="4102751"/>
+          </a:xfrm>
+        </p:grpSpPr>
+        <p:sp>
+          <p:nvSpPr>
+            <p:cNvPr id="14" name="Rectangle 13">
+              <a:extLst>
+                <a:ext uri="{FF2B5EF4-FFF2-40B4-BE49-F238E27FC236}">
+                  <a16:creationId xmlns:a16="http://schemas.microsoft.com/office/drawing/2014/main" id="{F8C77AE5-A753-C09C-E5B1-40E821E70B17}"/>
+                </a:ext>
+              </a:extLst>
+            </p:cNvPr>
+            <p:cNvSpPr/>
+            <p:nvPr/>
+          </p:nvSpPr>
+          <p:spPr>
+            <a:xfrm>
+              <a:off x="6512126" y="1240785"/>
+              <a:ext cx="2548328" cy="1027727"/>
+            </a:xfrm>
+            <a:prstGeom prst="rect">
+              <a:avLst/>
+            </a:prstGeom>
+            <a:solidFill>
+              <a:schemeClr val="accent2">
+                <a:lumMod val="40000"/>
+                <a:lumOff val="60000"/>
+              </a:schemeClr>
+            </a:solidFill>
+            <a:effectLst/>
+          </p:spPr>
+          <p:style>
+            <a:lnRef idx="1">
+              <a:schemeClr val="accent1"/>
+            </a:lnRef>
+            <a:fillRef idx="3">
+              <a:schemeClr val="accent1"/>
+            </a:fillRef>
+            <a:effectRef idx="2">
+              <a:schemeClr val="accent1"/>
+            </a:effectRef>
+            <a:fontRef idx="minor">
+              <a:schemeClr val="lt1"/>
+            </a:fontRef>
+          </p:style>
+          <p:txBody>
+            <a:bodyPr rtlCol="0" anchor="ctr"/>
+            <a:lstStyle/>
+            <a:p>
+              <a:pPr algn="ctr"/>
+              <a:r>
+                <a:rPr lang="en-US" sz="1600" dirty="0">
+                  <a:solidFill>
+                    <a:schemeClr val="tx1"/>
+                  </a:solidFill>
+                </a:rPr>
+                <a:t>logically separable functional units of computation</a:t>
+              </a:r>
+            </a:p>
+          </p:txBody>
+        </p:sp>
+        <p:sp>
+          <p:nvSpPr>
+            <p:cNvPr id="15" name="Rectangle 14">
+              <a:extLst>
+                <a:ext uri="{FF2B5EF4-FFF2-40B4-BE49-F238E27FC236}">
+                  <a16:creationId xmlns:a16="http://schemas.microsoft.com/office/drawing/2014/main" id="{DB2DE73F-3D1B-5E97-F3B7-83702F3A55DF}"/>
+                </a:ext>
+              </a:extLst>
+            </p:cNvPr>
+            <p:cNvSpPr/>
+            <p:nvPr/>
+          </p:nvSpPr>
+          <p:spPr>
+            <a:xfrm>
+              <a:off x="6512126" y="2316480"/>
+              <a:ext cx="2548328" cy="1044526"/>
+            </a:xfrm>
+            <a:prstGeom prst="rect">
+              <a:avLst/>
+            </a:prstGeom>
+            <a:solidFill>
+              <a:schemeClr val="accent2">
+                <a:lumMod val="40000"/>
+                <a:lumOff val="60000"/>
+              </a:schemeClr>
+            </a:solidFill>
+            <a:effectLst/>
+          </p:spPr>
+          <p:style>
+            <a:lnRef idx="1">
+              <a:schemeClr val="accent1"/>
+            </a:lnRef>
+            <a:fillRef idx="3">
+              <a:schemeClr val="accent1"/>
+            </a:fillRef>
+            <a:effectRef idx="2">
+              <a:schemeClr val="accent1"/>
+            </a:effectRef>
+            <a:fontRef idx="minor">
+              <a:schemeClr val="lt1"/>
+            </a:fontRef>
+          </p:style>
+          <p:txBody>
+            <a:bodyPr rtlCol="0" anchor="ctr"/>
+            <a:lstStyle/>
+            <a:p>
+              <a:pPr algn="ctr"/>
+              <a:r>
+                <a:rPr lang="en-US" sz="1600" dirty="0">
+                  <a:solidFill>
+                    <a:schemeClr val="tx1"/>
+                  </a:solidFill>
+                </a:rPr>
+                <a:t>Encode into framework</a:t>
+              </a:r>
+            </a:p>
+          </p:txBody>
+        </p:sp>
+        <p:sp>
+          <p:nvSpPr>
+            <p:cNvPr id="16" name="Rectangle 15">
+              <a:extLst>
+                <a:ext uri="{FF2B5EF4-FFF2-40B4-BE49-F238E27FC236}">
+                  <a16:creationId xmlns:a16="http://schemas.microsoft.com/office/drawing/2014/main" id="{5D3B25C1-AB75-DEEF-E909-F2D870647CEB}"/>
+                </a:ext>
+              </a:extLst>
+            </p:cNvPr>
+            <p:cNvSpPr/>
+            <p:nvPr/>
+          </p:nvSpPr>
+          <p:spPr>
+            <a:xfrm>
+              <a:off x="6512126" y="3413760"/>
+              <a:ext cx="2548328" cy="923936"/>
+            </a:xfrm>
+            <a:prstGeom prst="rect">
+              <a:avLst/>
+            </a:prstGeom>
+            <a:solidFill>
+              <a:schemeClr val="accent2">
+                <a:lumMod val="40000"/>
+                <a:lumOff val="60000"/>
+              </a:schemeClr>
+            </a:solidFill>
+            <a:effectLst/>
+          </p:spPr>
+          <p:style>
+            <a:lnRef idx="1">
+              <a:schemeClr val="accent1"/>
+            </a:lnRef>
+            <a:fillRef idx="3">
+              <a:schemeClr val="accent1"/>
+            </a:fillRef>
+            <a:effectRef idx="2">
+              <a:schemeClr val="accent1"/>
+            </a:effectRef>
+            <a:fontRef idx="minor">
+              <a:schemeClr val="lt1"/>
+            </a:fontRef>
+          </p:style>
+          <p:txBody>
+            <a:bodyPr rtlCol="0" anchor="ctr"/>
+            <a:lstStyle/>
+            <a:p>
+              <a:pPr algn="ctr"/>
+              <a:r>
+                <a:rPr lang="en-US" sz="1600" dirty="0">
+                  <a:solidFill>
+                    <a:schemeClr val="tx1"/>
+                  </a:solidFill>
+                </a:rPr>
+                <a:t>Differentiate between private and public</a:t>
+              </a:r>
+            </a:p>
+          </p:txBody>
+        </p:sp>
+        <p:sp>
+          <p:nvSpPr>
+            <p:cNvPr id="17" name="Rectangle 16">
+              <a:extLst>
+                <a:ext uri="{FF2B5EF4-FFF2-40B4-BE49-F238E27FC236}">
+                  <a16:creationId xmlns:a16="http://schemas.microsoft.com/office/drawing/2014/main" id="{F8FBBD3F-F00A-8B23-946E-3DE292A4653F}"/>
+                </a:ext>
+              </a:extLst>
+            </p:cNvPr>
+            <p:cNvSpPr/>
+            <p:nvPr/>
+          </p:nvSpPr>
+          <p:spPr>
+            <a:xfrm>
+              <a:off x="6512126" y="4419600"/>
+              <a:ext cx="2548328" cy="923936"/>
+            </a:xfrm>
+            <a:prstGeom prst="rect">
+              <a:avLst/>
+            </a:prstGeom>
+            <a:solidFill>
+              <a:schemeClr val="accent2">
+                <a:lumMod val="40000"/>
+                <a:lumOff val="60000"/>
+              </a:schemeClr>
+            </a:solidFill>
+            <a:effectLst/>
+          </p:spPr>
+          <p:style>
+            <a:lnRef idx="1">
+              <a:schemeClr val="accent1"/>
+            </a:lnRef>
+            <a:fillRef idx="3">
+              <a:schemeClr val="accent1"/>
+            </a:fillRef>
+            <a:effectRef idx="2">
+              <a:schemeClr val="accent1"/>
+            </a:effectRef>
+            <a:fontRef idx="minor">
+              <a:schemeClr val="lt1"/>
+            </a:fontRef>
+          </p:style>
+          <p:txBody>
+            <a:bodyPr rtlCol="0" anchor="ctr"/>
+            <a:lstStyle/>
+            <a:p>
+              <a:pPr algn="ctr"/>
+              <a:r>
+                <a:rPr lang="en-US" sz="1600" dirty="0">
+                  <a:solidFill>
+                    <a:schemeClr val="tx1"/>
+                  </a:solidFill>
+                </a:rPr>
+                <a:t>Define interfaces</a:t>
+              </a:r>
+            </a:p>
+          </p:txBody>
+        </p:sp>
+      </p:grpSp>
+      <p:sp>
+        <p:nvSpPr>
+          <p:cNvPr id="18" name="Rounded Rectangle 17">
+            <a:extLst>
+              <a:ext uri="{FF2B5EF4-FFF2-40B4-BE49-F238E27FC236}">
+                <a16:creationId xmlns:a16="http://schemas.microsoft.com/office/drawing/2014/main" id="{4E0FDA95-7EEB-932D-CCD7-FBCFA11D06AE}"/>
+              </a:ext>
+            </a:extLst>
+          </p:cNvPr>
+          <p:cNvSpPr/>
+          <p:nvPr/>
+        </p:nvSpPr>
+        <p:spPr>
+          <a:xfrm rot="5400000">
+            <a:off x="4697616" y="3169730"/>
+            <a:ext cx="3162924" cy="369332"/>
+          </a:xfrm>
+          <a:prstGeom prst="roundRect">
+            <a:avLst/>
+          </a:prstGeom>
+          <a:solidFill>
+            <a:schemeClr val="tx1"/>
+          </a:solidFill>
+          <a:ln>
+            <a:solidFill>
+              <a:schemeClr val="tx1"/>
+            </a:solidFill>
+          </a:ln>
+          <a:effectLst/>
+        </p:spPr>
+        <p:style>
+          <a:lnRef idx="1">
+            <a:schemeClr val="accent1"/>
+          </a:lnRef>
+          <a:fillRef idx="3">
+            <a:schemeClr val="accent1"/>
+          </a:fillRef>
+          <a:effectRef idx="2">
+            <a:schemeClr val="accent1"/>
+          </a:effectRef>
+          <a:fontRef idx="minor">
+            <a:schemeClr val="lt1"/>
+          </a:fontRef>
+        </p:style>
+        <p:txBody>
+          <a:bodyPr rtlCol="0" anchor="ctr"/>
+          <a:lstStyle/>
+          <a:p>
+            <a:pPr algn="ctr"/>
+            <a:r>
+              <a:rPr lang="en-US" dirty="0"/>
+              <a:t>Applies to  both kind</a:t>
+            </a:r>
+          </a:p>
+        </p:txBody>
+      </p:sp>
+      <p:cxnSp>
+        <p:nvCxnSpPr>
+          <p:cNvPr id="19" name="Straight Arrow Connector 18">
+            <a:extLst>
+              <a:ext uri="{FF2B5EF4-FFF2-40B4-BE49-F238E27FC236}">
+                <a16:creationId xmlns:a16="http://schemas.microsoft.com/office/drawing/2014/main" id="{2928633C-76AC-C6A9-F4BC-ACACD2CB0D96}"/>
+              </a:ext>
+            </a:extLst>
+          </p:cNvPr>
+          <p:cNvCxnSpPr>
+            <a:cxnSpLocks/>
+            <a:stCxn id="11" idx="3"/>
+            <a:endCxn id="18" idx="2"/>
+          </p:cNvCxnSpPr>
+          <p:nvPr/>
+        </p:nvCxnSpPr>
+        <p:spPr>
+          <a:xfrm>
+            <a:off x="5450323" y="2005282"/>
+            <a:ext cx="644089" cy="1349114"/>
+          </a:xfrm>
+          <a:prstGeom prst="straightConnector1">
+            <a:avLst/>
+          </a:prstGeom>
+          <a:ln w="38100">
+            <a:solidFill>
+              <a:schemeClr val="tx1"/>
+            </a:solidFill>
+            <a:tailEnd type="triangle"/>
+          </a:ln>
+        </p:spPr>
+        <p:style>
+          <a:lnRef idx="2">
+            <a:schemeClr val="accent1"/>
+          </a:lnRef>
+          <a:fillRef idx="0">
+            <a:schemeClr val="accent1"/>
+          </a:fillRef>
+          <a:effectRef idx="1">
+            <a:schemeClr val="accent1"/>
+          </a:effectRef>
+          <a:fontRef idx="minor">
+            <a:schemeClr val="tx1"/>
+          </a:fontRef>
+        </p:style>
+      </p:cxnSp>
+      <p:cxnSp>
+        <p:nvCxnSpPr>
+          <p:cNvPr id="20" name="Straight Arrow Connector 19">
+            <a:extLst>
+              <a:ext uri="{FF2B5EF4-FFF2-40B4-BE49-F238E27FC236}">
+                <a16:creationId xmlns:a16="http://schemas.microsoft.com/office/drawing/2014/main" id="{303AFBE0-E558-21EE-A4CC-616010DC2CED}"/>
+              </a:ext>
+            </a:extLst>
+          </p:cNvPr>
+          <p:cNvCxnSpPr>
+            <a:cxnSpLocks/>
+            <a:stCxn id="12" idx="3"/>
+            <a:endCxn id="18" idx="2"/>
+          </p:cNvCxnSpPr>
+          <p:nvPr/>
+        </p:nvCxnSpPr>
+        <p:spPr>
+          <a:xfrm flipV="1">
+            <a:off x="5450323" y="3354396"/>
+            <a:ext cx="644089" cy="1347074"/>
+          </a:xfrm>
+          <a:prstGeom prst="straightConnector1">
+            <a:avLst/>
+          </a:prstGeom>
+          <a:ln w="38100">
+            <a:solidFill>
+              <a:schemeClr val="tx1"/>
+            </a:solidFill>
+            <a:tailEnd type="triangle"/>
+          </a:ln>
+        </p:spPr>
+        <p:style>
+          <a:lnRef idx="2">
+            <a:schemeClr val="accent1"/>
+          </a:lnRef>
+          <a:fillRef idx="0">
+            <a:schemeClr val="accent1"/>
+          </a:fillRef>
+          <a:effectRef idx="1">
+            <a:schemeClr val="accent1"/>
+          </a:effectRef>
+          <a:fontRef idx="minor">
+            <a:schemeClr val="tx1"/>
+          </a:fontRef>
+        </p:style>
+      </p:cxnSp>
+      <p:cxnSp>
+        <p:nvCxnSpPr>
+          <p:cNvPr id="21" name="Straight Arrow Connector 20">
+            <a:extLst>
+              <a:ext uri="{FF2B5EF4-FFF2-40B4-BE49-F238E27FC236}">
+                <a16:creationId xmlns:a16="http://schemas.microsoft.com/office/drawing/2014/main" id="{19135B40-0A9F-2228-1FB1-5F9CBBB9CD3E}"/>
+              </a:ext>
+            </a:extLst>
+          </p:cNvPr>
+          <p:cNvCxnSpPr>
+            <a:cxnSpLocks/>
+            <a:stCxn id="18" idx="0"/>
+            <a:endCxn id="14" idx="1"/>
+          </p:cNvCxnSpPr>
+          <p:nvPr/>
+        </p:nvCxnSpPr>
+        <p:spPr>
+          <a:xfrm flipV="1">
+            <a:off x="6463744" y="1661935"/>
+            <a:ext cx="791217" cy="1692461"/>
+          </a:xfrm>
+          <a:prstGeom prst="straightConnector1">
+            <a:avLst/>
+          </a:prstGeom>
+          <a:ln w="38100">
+            <a:solidFill>
+              <a:schemeClr val="tx1"/>
+            </a:solidFill>
+            <a:tailEnd type="triangle"/>
+          </a:ln>
+        </p:spPr>
+        <p:style>
+          <a:lnRef idx="2">
+            <a:schemeClr val="accent1"/>
+          </a:lnRef>
+          <a:fillRef idx="0">
+            <a:schemeClr val="accent1"/>
+          </a:fillRef>
+          <a:effectRef idx="1">
+            <a:schemeClr val="accent1"/>
+          </a:effectRef>
+          <a:fontRef idx="minor">
+            <a:schemeClr val="tx1"/>
+          </a:fontRef>
+        </p:style>
+      </p:cxnSp>
+      <p:cxnSp>
+        <p:nvCxnSpPr>
+          <p:cNvPr id="22" name="Straight Arrow Connector 21">
+            <a:extLst>
+              <a:ext uri="{FF2B5EF4-FFF2-40B4-BE49-F238E27FC236}">
+                <a16:creationId xmlns:a16="http://schemas.microsoft.com/office/drawing/2014/main" id="{1DB744A6-AF8E-2F21-F322-65DF7640AC87}"/>
+              </a:ext>
+            </a:extLst>
+          </p:cNvPr>
+          <p:cNvCxnSpPr>
+            <a:stCxn id="18" idx="0"/>
+            <a:endCxn id="15" idx="1"/>
+          </p:cNvCxnSpPr>
+          <p:nvPr/>
+        </p:nvCxnSpPr>
+        <p:spPr>
+          <a:xfrm flipV="1">
+            <a:off x="6463744" y="2746029"/>
+            <a:ext cx="791217" cy="608367"/>
+          </a:xfrm>
+          <a:prstGeom prst="straightConnector1">
+            <a:avLst/>
+          </a:prstGeom>
+          <a:ln w="38100">
+            <a:solidFill>
+              <a:schemeClr val="tx1"/>
+            </a:solidFill>
+            <a:tailEnd type="triangle"/>
+          </a:ln>
+        </p:spPr>
+        <p:style>
+          <a:lnRef idx="2">
+            <a:schemeClr val="accent1"/>
+          </a:lnRef>
+          <a:fillRef idx="0">
+            <a:schemeClr val="accent1"/>
+          </a:fillRef>
+          <a:effectRef idx="1">
+            <a:schemeClr val="accent1"/>
+          </a:effectRef>
+          <a:fontRef idx="minor">
+            <a:schemeClr val="tx1"/>
+          </a:fontRef>
+        </p:style>
+      </p:cxnSp>
+      <p:cxnSp>
+        <p:nvCxnSpPr>
+          <p:cNvPr id="23" name="Straight Arrow Connector 22">
+            <a:extLst>
+              <a:ext uri="{FF2B5EF4-FFF2-40B4-BE49-F238E27FC236}">
+                <a16:creationId xmlns:a16="http://schemas.microsoft.com/office/drawing/2014/main" id="{5C0E3D9B-0657-7704-8BC2-8452109760A1}"/>
+              </a:ext>
+            </a:extLst>
+          </p:cNvPr>
+          <p:cNvCxnSpPr>
+            <a:stCxn id="18" idx="0"/>
+            <a:endCxn id="16" idx="1"/>
+          </p:cNvCxnSpPr>
+          <p:nvPr/>
+        </p:nvCxnSpPr>
+        <p:spPr>
+          <a:xfrm>
+            <a:off x="6463744" y="3354396"/>
+            <a:ext cx="791217" cy="428618"/>
+          </a:xfrm>
+          <a:prstGeom prst="straightConnector1">
+            <a:avLst/>
+          </a:prstGeom>
+          <a:ln w="38100">
+            <a:solidFill>
+              <a:schemeClr val="tx1"/>
+            </a:solidFill>
+            <a:tailEnd type="triangle"/>
+          </a:ln>
+        </p:spPr>
+        <p:style>
+          <a:lnRef idx="2">
+            <a:schemeClr val="accent1"/>
+          </a:lnRef>
+          <a:fillRef idx="0">
+            <a:schemeClr val="accent1"/>
+          </a:fillRef>
+          <a:effectRef idx="1">
+            <a:schemeClr val="accent1"/>
+          </a:effectRef>
+          <a:fontRef idx="minor">
+            <a:schemeClr val="tx1"/>
+          </a:fontRef>
+        </p:style>
+      </p:cxnSp>
+      <p:cxnSp>
+        <p:nvCxnSpPr>
+          <p:cNvPr id="24" name="Straight Arrow Connector 23">
+            <a:extLst>
+              <a:ext uri="{FF2B5EF4-FFF2-40B4-BE49-F238E27FC236}">
+                <a16:creationId xmlns:a16="http://schemas.microsoft.com/office/drawing/2014/main" id="{6599031E-0EAA-A088-44C4-8FF627980A91}"/>
+              </a:ext>
+            </a:extLst>
+          </p:cNvPr>
+          <p:cNvCxnSpPr>
+            <a:stCxn id="18" idx="0"/>
+            <a:endCxn id="17" idx="1"/>
+          </p:cNvCxnSpPr>
+          <p:nvPr/>
+        </p:nvCxnSpPr>
+        <p:spPr>
+          <a:xfrm>
+            <a:off x="6463744" y="3354396"/>
+            <a:ext cx="791217" cy="1434458"/>
+          </a:xfrm>
+          <a:prstGeom prst="straightConnector1">
+            <a:avLst/>
+          </a:prstGeom>
+          <a:ln w="38100">
+            <a:solidFill>
+              <a:schemeClr val="tx1"/>
+            </a:solidFill>
+            <a:tailEnd type="triangle"/>
+          </a:ln>
+        </p:spPr>
+        <p:style>
+          <a:lnRef idx="2">
+            <a:schemeClr val="accent1"/>
+          </a:lnRef>
+          <a:fillRef idx="0">
+            <a:schemeClr val="accent1"/>
+          </a:fillRef>
+          <a:effectRef idx="1">
+            <a:schemeClr val="accent1"/>
+          </a:effectRef>
+          <a:fontRef idx="minor">
+            <a:schemeClr val="tx1"/>
+          </a:fontRef>
+        </p:style>
+      </p:cxnSp>
     </p:spTree>
     <p:extLst>
       <p:ext uri="{BB962C8B-B14F-4D97-AF65-F5344CB8AC3E}">
@@ -27607,6 +28509,12 @@
 </file>
 
 <file path=customXml/item1.xml><?xml version="1.0" encoding="utf-8"?>
+<p:properties xmlns:p="http://schemas.microsoft.com/office/2006/metadata/properties" xmlns:xsi="http://www.w3.org/2001/XMLSchema-instance" xmlns:pc="http://schemas.microsoft.com/office/infopath/2007/PartnerControls">
+  <documentManagement/>
+</p:properties>
+</file>
+
+<file path=customXml/item2.xml><?xml version="1.0" encoding="utf-8"?>
 <ct:contentTypeSchema xmlns:ct="http://schemas.microsoft.com/office/2006/metadata/contentType" xmlns:ma="http://schemas.microsoft.com/office/2006/metadata/properties/metaAttributes" ct:_="" ma:_="" ma:contentTypeName="Document" ma:contentTypeID="0x010100565464437F680748A68B85EB6594EA7D" ma:contentTypeVersion="0" ma:contentTypeDescription="Create a new document." ma:contentTypeScope="" ma:versionID="fe3f4dd58d5914c51cfc6deaa8ad845c">
   <xsd:schema xmlns:xsd="http://www.w3.org/2001/XMLSchema" xmlns:p="http://schemas.microsoft.com/office/2006/metadata/properties" targetNamespace="http://schemas.microsoft.com/office/2006/metadata/properties" ma:root="true" ma:fieldsID="4aeb20c0e3442673af7ee10786458764">
     <xsd:element name="properties">
@@ -27655,12 +28563,6 @@
 </ct:contentTypeSchema>
 </file>
 
-<file path=customXml/item2.xml><?xml version="1.0" encoding="utf-8"?>
-<p:properties xmlns:p="http://schemas.microsoft.com/office/2006/metadata/properties" xmlns:xsi="http://www.w3.org/2001/XMLSchema-instance" xmlns:pc="http://schemas.microsoft.com/office/infopath/2007/PartnerControls">
-  <documentManagement/>
-</p:properties>
-</file>
-
 <file path=customXml/item3.xml><?xml version="1.0" encoding="utf-8"?>
 <?mso-contentType ?>
 <FormTemplates xmlns="http://schemas.microsoft.com/sharepoint/v3/contenttype/forms">
@@ -27671,6 +28573,21 @@
 </file>
 
 <file path=customXml/itemProps1.xml><?xml version="1.0" encoding="utf-8"?>
+<ds:datastoreItem xmlns:ds="http://schemas.openxmlformats.org/officeDocument/2006/customXml" ds:itemID="{A50EC660-24D0-43A0-AE5E-E274115E726B}">
+  <ds:schemaRefs>
+    <ds:schemaRef ds:uri="http://purl.org/dc/elements/1.1/"/>
+    <ds:schemaRef ds:uri="http://schemas.microsoft.com/office/2006/metadata/properties"/>
+    <ds:schemaRef ds:uri="http://purl.org/dc/terms/"/>
+    <ds:schemaRef ds:uri="http://schemas.openxmlformats.org/package/2006/metadata/core-properties"/>
+    <ds:schemaRef ds:uri="http://schemas.microsoft.com/office/2006/documentManagement/types"/>
+    <ds:schemaRef ds:uri="http://www.w3.org/XML/1998/namespace"/>
+    <ds:schemaRef ds:uri="http://purl.org/dc/dcmitype/"/>
+    <ds:schemaRef ds:uri="http://schemas.microsoft.com/office/infopath/2007/PartnerControls"/>
+  </ds:schemaRefs>
+</ds:datastoreItem>
+</file>
+
+<file path=customXml/itemProps2.xml><?xml version="1.0" encoding="utf-8"?>
 <ds:datastoreItem xmlns:ds="http://schemas.openxmlformats.org/officeDocument/2006/customXml" ds:itemID="{E8DB7DEB-074E-4EE8-9B6E-FD277323109C}">
   <ds:schemaRefs>
     <ds:schemaRef ds:uri="http://schemas.microsoft.com/office/2006/metadata/contentType"/>
@@ -27685,21 +28602,6 @@
 </ds:datastoreItem>
 </file>
 
-<file path=customXml/itemProps2.xml><?xml version="1.0" encoding="utf-8"?>
-<ds:datastoreItem xmlns:ds="http://schemas.openxmlformats.org/officeDocument/2006/customXml" ds:itemID="{A50EC660-24D0-43A0-AE5E-E274115E726B}">
-  <ds:schemaRefs>
-    <ds:schemaRef ds:uri="http://purl.org/dc/elements/1.1/"/>
-    <ds:schemaRef ds:uri="http://schemas.microsoft.com/office/2006/metadata/properties"/>
-    <ds:schemaRef ds:uri="http://purl.org/dc/terms/"/>
-    <ds:schemaRef ds:uri="http://schemas.openxmlformats.org/package/2006/metadata/core-properties"/>
-    <ds:schemaRef ds:uri="http://schemas.microsoft.com/office/2006/documentManagement/types"/>
-    <ds:schemaRef ds:uri="http://www.w3.org/XML/1998/namespace"/>
-    <ds:schemaRef ds:uri="http://purl.org/dc/dcmitype/"/>
-    <ds:schemaRef ds:uri="http://schemas.microsoft.com/office/infopath/2007/PartnerControls"/>
-  </ds:schemaRefs>
-</ds:datastoreItem>
-</file>
-
 <file path=customXml/itemProps3.xml><?xml version="1.0" encoding="utf-8"?>
 <ds:datastoreItem xmlns:ds="http://schemas.openxmlformats.org/officeDocument/2006/customXml" ds:itemID="{19E20559-B232-4371-8690-E3D8007EDB82}">
   <ds:schemaRefs>

--- a/design.pptx
+++ b/design.pptx
@@ -12,7 +12,7 @@
   </p:handoutMasterIdLst>
   <p:sldIdLst>
     <p:sldId id="318" r:id="rId5"/>
-    <p:sldId id="320" r:id="rId6"/>
+    <p:sldId id="674" r:id="rId6"/>
     <p:sldId id="615" r:id="rId7"/>
     <p:sldId id="669" r:id="rId8"/>
     <p:sldId id="670" r:id="rId9"/>
@@ -282,7 +282,7 @@
           <a:p>
             <a:fld id="{0B842F42-2CE9-4E35-95C1-410DC08A50B1}" type="datetimeFigureOut">
               <a:rPr lang="en-US" smtClean="0"/>
-              <a:t>5/18/22</a:t>
+              <a:t>10/28/2022</a:t>
             </a:fld>
             <a:endParaRPr lang="en-US"/>
           </a:p>
@@ -447,7 +447,7 @@
           <a:p>
             <a:fld id="{6F282904-F315-4730-8D91-37D99E141A6F}" type="datetimeFigureOut">
               <a:rPr lang="en-US" smtClean="0"/>
-              <a:t>5/18/22</a:t>
+              <a:t>10/28/2022</a:t>
             </a:fld>
             <a:endParaRPr lang="en-US"/>
           </a:p>
@@ -3938,7 +3938,7 @@
           <a:p>
             <a:fld id="{68F49DD1-DDB5-AB43-B311-7649AD474C82}" type="datetimeFigureOut">
               <a:rPr lang="en-US" smtClean="0"/>
-              <a:t>5/18/22</a:t>
+              <a:t>10/28/2022</a:t>
             </a:fld>
             <a:endParaRPr lang="en-US"/>
           </a:p>
@@ -4862,13 +4862,8 @@
             </a:pPr>
             <a:r>
               <a:rPr lang="en-US" sz="2000" dirty="0"/>
-              <a:t>Better Scientific Software tutorial </a:t>
-            </a:r>
-            <a:r>
-              <a:rPr lang="en-US" sz="2000"/>
-              <a:t>@ ISC 2022</a:t>
-            </a:r>
-            <a:endParaRPr lang="en-US" sz="2000" dirty="0"/>
+              <a:t>Better Scientific Software tutorial @ SC22</a:t>
+            </a:r>
           </a:p>
           <a:p>
             <a:pPr>
@@ -14590,15 +14585,17 @@
             </a:pPr>
             <a:r>
               <a:rPr lang="en-US" sz="1600" b="1" dirty="0"/>
-              <a:t>The requested citation the overall tutorial is: </a:t>
-            </a:r>
-            <a:r>
-              <a:rPr lang="en-US" sz="1600" b="1" dirty="0" err="1"/>
-              <a:t>Anshu</a:t>
+              <a:t>The requested citation the overall tutorial is: David E. Bernholdt, Anshu Dubey, and Patricia A. Grubel, Better Scientific Software tutorial, in The International Conference for High-Performance Computing, Networking, Storage, and Analysis (SC22), Dallas, Texas, 2022. DOI: </a:t>
+            </a:r>
+            <a:r>
+              <a:rPr lang="en-US" sz="1600" b="1" dirty="0">
+                <a:hlinkClick r:id="rId4"/>
+              </a:rPr>
+              <a:t>10.6084/m9.figshare.21384057</a:t>
             </a:r>
             <a:r>
               <a:rPr lang="en-US" sz="1600" b="1" dirty="0"/>
-              <a:t> Dubey and Gregory R. Watson, Better Scientific Software Tutorial, in ISC High Performance, 2022, Hamburg Germany. DOI: 10.6084/m9.figshare.19781752</a:t>
+              <a:t>.</a:t>
             </a:r>
           </a:p>
           <a:p>
@@ -14617,7 +14614,7 @@
             </a:r>
             <a:r>
               <a:rPr lang="en-US" sz="1600" dirty="0"/>
-              <a:t>, in Better Scientific Software tutorial, ISC, 2022 …</a:t>
+              <a:t>, in Better Scientific Software tutorial, …</a:t>
             </a:r>
           </a:p>
           <a:p>
@@ -14640,15 +14637,7 @@
             </a:pPr>
             <a:r>
               <a:rPr lang="en-US" sz="1400" dirty="0"/>
-              <a:t>This work was supported by the U.S. Department of Energy Office of Science, Office of Advanced Scientific Computing Research (ASCR), and by the </a:t>
-            </a:r>
-            <a:r>
-              <a:rPr lang="en-US" sz="1400" dirty="0" err="1"/>
-              <a:t>Exascale</a:t>
-            </a:r>
-            <a:r>
-              <a:rPr lang="en-US" sz="1400" dirty="0"/>
-              <a:t> Computing Project (17-SC-20-SC), a collaborative effort of the U.S. Department of Energy Office of Science and the National Nuclear Security Administration</a:t>
+              <a:t>This work was supported by the U.S. Department of Energy Office of Science, Office of Advanced Scientific Computing Research (ASCR), and by the Exascale Computing Project (17-SC-20-SC), a collaborative effort of the U.S. Department of Energy Office of Science and the National Nuclear Security Administration</a:t>
             </a:r>
             <a:r>
               <a:rPr lang="en-US" sz="1400" i="1" dirty="0"/>
@@ -14664,15 +14653,7 @@
             </a:pPr>
             <a:r>
               <a:rPr lang="en-US" sz="1400" dirty="0"/>
-              <a:t>This work was performed in part at the Argonne National Laboratory, which is managed by </a:t>
-            </a:r>
-            <a:r>
-              <a:rPr lang="en-US" sz="1400" dirty="0" err="1"/>
-              <a:t>UChicago</a:t>
-            </a:r>
-            <a:r>
-              <a:rPr lang="en-US" sz="1400" dirty="0"/>
-              <a:t> Argonne, LLC for the U.S. Department of Energy under Contract No. DE-AC02-06CH11357.</a:t>
+              <a:t>This work was performed in part at the Argonne National Laboratory, which is managed by UChicago Argonne, LLC for the U.S. Department of Energy under Contract No. DE-AC02-06CH11357.</a:t>
             </a:r>
           </a:p>
           <a:p>
@@ -14683,7 +14664,7 @@
             </a:pPr>
             <a:r>
               <a:rPr lang="en-US" sz="1400" dirty="0"/>
-              <a:t>This work was performed in part at the Oak Ridge National Laboratory, which is managed by UT-Battelle, LLC for the U.S. Department of Energy under Contract No. DE-AC05-00OR22725.</a:t>
+              <a:t>This work was performed in part at the Lawrence Livermore National Laboratory, which is managed by Lawrence Livermore National Security, LLC for the U.S. Department of Energy under Contract No. DE-AC52-07NA27344.</a:t>
             </a:r>
           </a:p>
           <a:p>
@@ -14694,7 +14675,7 @@
             </a:pPr>
             <a:r>
               <a:rPr lang="en-US" sz="1400" dirty="0"/>
-              <a:t>This work was performed in part at the Lawrence Livermore National Laboratory, which is managed by Lawrence Livermore National Security, LLC for the U.S. Department of Energy under Contract No. DE-AC52-07NA27344.</a:t>
+              <a:t>This work was performed in part at the Los Alamos National Laboratory, which is managed by Triad National Security, LLC for the U.S. Department of Energy under Contract No.89233218CNA000001</a:t>
             </a:r>
           </a:p>
           <a:p>
@@ -14705,7 +14686,7 @@
             </a:pPr>
             <a:r>
               <a:rPr lang="en-US" sz="1400" dirty="0"/>
-              <a:t>This work was performed in part at the Los Alamos National Laboratory, which is managed by Triad National Security, LLC for the U.S. Department of Energy under Contract No.89233218CNA000001</a:t>
+              <a:t>This work was performed in part at the Oak Ridge National Laboratory, which is managed by UT-Battelle, LLC for the U.S. Department of Energy under Contract No. DE-AC05-00OR22725.</a:t>
             </a:r>
           </a:p>
           <a:p>
@@ -14716,8 +14697,13 @@
             </a:pPr>
             <a:r>
               <a:rPr lang="en-US" sz="1400" dirty="0"/>
-              <a:t>This work was performed in part at Sandia National Laboratories. Sandia National Laboratories is a multi-mission laboratory managed and operated by National Technology and Engineering Solutions of Sandia, LLC., a wholly owned subsidiary of Honeywell International, Inc., for the U.S. Department of Energy’s National Nuclear Security Administration under contract DE-NA0003525.</a:t>
-            </a:r>
+              <a:t>This work was performed in part at Sandia National Laboratories. Sandia National Laboratories is a multi-mission laboratory managed and operated by National Technology and Engineering Solutions of Sandia, LLC., a wholly owned subsidiary of Honeywell International, Inc., for the U.S. Department of Energy’s National Nuclear Security Administration under contract </a:t>
+            </a:r>
+            <a:r>
+              <a:rPr lang="en-US" sz="1400"/>
+              <a:t>DE-NA0003525.</a:t>
+            </a:r>
+            <a:endParaRPr lang="en-US" sz="1400" dirty="0"/>
           </a:p>
         </p:txBody>
       </p:sp>
@@ -14736,7 +14722,7 @@
           <p:nvPr/>
         </p:nvPicPr>
         <p:blipFill>
-          <a:blip r:embed="rId4">
+          <a:blip r:embed="rId5">
             <a:extLst>
               <a:ext uri="{28A0092B-C50C-407E-A947-70E740481C1C}">
                 <a14:useLocalDpi xmlns:a14="http://schemas.microsoft.com/office/drawing/2010/main" val="0"/>
@@ -14771,7 +14757,7 @@
     </p:spTree>
     <p:extLst>
       <p:ext uri="{BB962C8B-B14F-4D97-AF65-F5344CB8AC3E}">
-        <p14:creationId xmlns:p14="http://schemas.microsoft.com/office/powerpoint/2010/main" val="454328897"/>
+        <p14:creationId xmlns:p14="http://schemas.microsoft.com/office/powerpoint/2010/main" val="978726433"/>
       </p:ext>
     </p:extLst>
   </p:cSld>
@@ -28509,12 +28495,6 @@
 </file>
 
 <file path=customXml/item1.xml><?xml version="1.0" encoding="utf-8"?>
-<p:properties xmlns:p="http://schemas.microsoft.com/office/2006/metadata/properties" xmlns:xsi="http://www.w3.org/2001/XMLSchema-instance" xmlns:pc="http://schemas.microsoft.com/office/infopath/2007/PartnerControls">
-  <documentManagement/>
-</p:properties>
-</file>
-
-<file path=customXml/item2.xml><?xml version="1.0" encoding="utf-8"?>
 <ct:contentTypeSchema xmlns:ct="http://schemas.microsoft.com/office/2006/metadata/contentType" xmlns:ma="http://schemas.microsoft.com/office/2006/metadata/properties/metaAttributes" ct:_="" ma:_="" ma:contentTypeName="Document" ma:contentTypeID="0x010100565464437F680748A68B85EB6594EA7D" ma:contentTypeVersion="0" ma:contentTypeDescription="Create a new document." ma:contentTypeScope="" ma:versionID="fe3f4dd58d5914c51cfc6deaa8ad845c">
   <xsd:schema xmlns:xsd="http://www.w3.org/2001/XMLSchema" xmlns:p="http://schemas.microsoft.com/office/2006/metadata/properties" targetNamespace="http://schemas.microsoft.com/office/2006/metadata/properties" ma:root="true" ma:fieldsID="4aeb20c0e3442673af7ee10786458764">
     <xsd:element name="properties">
@@ -28563,6 +28543,12 @@
 </ct:contentTypeSchema>
 </file>
 
+<file path=customXml/item2.xml><?xml version="1.0" encoding="utf-8"?>
+<p:properties xmlns:p="http://schemas.microsoft.com/office/2006/metadata/properties" xmlns:xsi="http://www.w3.org/2001/XMLSchema-instance" xmlns:pc="http://schemas.microsoft.com/office/infopath/2007/PartnerControls">
+  <documentManagement/>
+</p:properties>
+</file>
+
 <file path=customXml/item3.xml><?xml version="1.0" encoding="utf-8"?>
 <?mso-contentType ?>
 <FormTemplates xmlns="http://schemas.microsoft.com/sharepoint/v3/contenttype/forms">
@@ -28573,6 +28559,21 @@
 </file>
 
 <file path=customXml/itemProps1.xml><?xml version="1.0" encoding="utf-8"?>
+<ds:datastoreItem xmlns:ds="http://schemas.openxmlformats.org/officeDocument/2006/customXml" ds:itemID="{E8DB7DEB-074E-4EE8-9B6E-FD277323109C}">
+  <ds:schemaRefs>
+    <ds:schemaRef ds:uri="http://schemas.microsoft.com/office/2006/metadata/contentType"/>
+    <ds:schemaRef ds:uri="http://schemas.microsoft.com/office/2006/metadata/properties/metaAttributes"/>
+    <ds:schemaRef ds:uri="http://www.w3.org/2001/XMLSchema"/>
+    <ds:schemaRef ds:uri="http://schemas.microsoft.com/office/2006/metadata/properties"/>
+    <ds:schemaRef ds:uri="http://schemas.openxmlformats.org/package/2006/metadata/core-properties"/>
+    <ds:schemaRef ds:uri="http://purl.org/dc/elements/1.1/"/>
+    <ds:schemaRef ds:uri="http://purl.org/dc/terms/"/>
+    <ds:schemaRef ds:uri="http://schemas.microsoft.com/office/internal/2005/internalDocumentation"/>
+  </ds:schemaRefs>
+</ds:datastoreItem>
+</file>
+
+<file path=customXml/itemProps2.xml><?xml version="1.0" encoding="utf-8"?>
 <ds:datastoreItem xmlns:ds="http://schemas.openxmlformats.org/officeDocument/2006/customXml" ds:itemID="{A50EC660-24D0-43A0-AE5E-E274115E726B}">
   <ds:schemaRefs>
     <ds:schemaRef ds:uri="http://purl.org/dc/elements/1.1/"/>
@@ -28587,21 +28588,6 @@
 </ds:datastoreItem>
 </file>
 
-<file path=customXml/itemProps2.xml><?xml version="1.0" encoding="utf-8"?>
-<ds:datastoreItem xmlns:ds="http://schemas.openxmlformats.org/officeDocument/2006/customXml" ds:itemID="{E8DB7DEB-074E-4EE8-9B6E-FD277323109C}">
-  <ds:schemaRefs>
-    <ds:schemaRef ds:uri="http://schemas.microsoft.com/office/2006/metadata/contentType"/>
-    <ds:schemaRef ds:uri="http://schemas.microsoft.com/office/2006/metadata/properties/metaAttributes"/>
-    <ds:schemaRef ds:uri="http://www.w3.org/2001/XMLSchema"/>
-    <ds:schemaRef ds:uri="http://schemas.microsoft.com/office/2006/metadata/properties"/>
-    <ds:schemaRef ds:uri="http://schemas.openxmlformats.org/package/2006/metadata/core-properties"/>
-    <ds:schemaRef ds:uri="http://purl.org/dc/elements/1.1/"/>
-    <ds:schemaRef ds:uri="http://purl.org/dc/terms/"/>
-    <ds:schemaRef ds:uri="http://schemas.microsoft.com/office/internal/2005/internalDocumentation"/>
-  </ds:schemaRefs>
-</ds:datastoreItem>
-</file>
-
 <file path=customXml/itemProps3.xml><?xml version="1.0" encoding="utf-8"?>
 <ds:datastoreItem xmlns:ds="http://schemas.openxmlformats.org/officeDocument/2006/customXml" ds:itemID="{19E20559-B232-4371-8690-E3D8007EDB82}">
   <ds:schemaRefs>

--- a/design.pptx
+++ b/design.pptx
@@ -12,7 +12,7 @@
   </p:handoutMasterIdLst>
   <p:sldIdLst>
     <p:sldId id="318" r:id="rId5"/>
-    <p:sldId id="674" r:id="rId6"/>
+    <p:sldId id="320" r:id="rId6"/>
     <p:sldId id="615" r:id="rId7"/>
     <p:sldId id="669" r:id="rId8"/>
     <p:sldId id="670" r:id="rId9"/>
@@ -282,7 +282,7 @@
           <a:p>
             <a:fld id="{0B842F42-2CE9-4E35-95C1-410DC08A50B1}" type="datetimeFigureOut">
               <a:rPr lang="en-US" smtClean="0"/>
-              <a:t>10/28/2022</a:t>
+              <a:t>4/15/2023</a:t>
             </a:fld>
             <a:endParaRPr lang="en-US"/>
           </a:p>
@@ -447,7 +447,7 @@
           <a:p>
             <a:fld id="{6F282904-F315-4730-8D91-37D99E141A6F}" type="datetimeFigureOut">
               <a:rPr lang="en-US" smtClean="0"/>
-              <a:t>10/28/2022</a:t>
+              <a:t>4/15/2023</a:t>
             </a:fld>
             <a:endParaRPr lang="en-US"/>
           </a:p>
@@ -3938,7 +3938,7 @@
           <a:p>
             <a:fld id="{68F49DD1-DDB5-AB43-B311-7649AD474C82}" type="datetimeFigureOut">
               <a:rPr lang="en-US" smtClean="0"/>
-              <a:t>10/28/2022</a:t>
+              <a:t>4/15/2023</a:t>
             </a:fld>
             <a:endParaRPr lang="en-US"/>
           </a:p>
@@ -4834,25 +4834,25 @@
           <a:lstStyle/>
           <a:p>
             <a:r>
-              <a:rPr lang="en-US" u="sng" dirty="0" err="1"/>
-              <a:t>Anshu</a:t>
-            </a:r>
-            <a:r>
               <a:rPr lang="en-US" u="sng" dirty="0"/>
-              <a:t> Dubey </a:t>
+              <a:t>David E. Bernholdt</a:t>
+            </a:r>
+            <a:r>
+              <a:rPr lang="en-US" dirty="0"/>
+              <a:t> </a:t>
             </a:r>
             <a:r>
               <a:rPr lang="en-US" sz="2000" dirty="0"/>
-              <a:t>(she/her)</a:t>
+              <a:t>(he/him)</a:t>
             </a:r>
             <a:br>
+              <a:rPr lang="en-US" sz="2000" u="sng" dirty="0"/>
+            </a:br>
+            <a:r>
               <a:rPr lang="en-US" sz="2000" dirty="0"/>
-            </a:br>
-            <a:r>
-              <a:rPr lang="en-US" sz="2000" dirty="0"/>
-              <a:t>Argonne National Laboratory</a:t>
-            </a:r>
-            <a:endParaRPr lang="en-US" dirty="0"/>
+              <a:t>Oak Ridge National Laboratory</a:t>
+            </a:r>
+            <a:endParaRPr lang="en-US" sz="2400" dirty="0"/>
           </a:p>
           <a:p>
             <a:pPr>
@@ -4862,7 +4862,14 @@
             </a:pPr>
             <a:r>
               <a:rPr lang="en-US" sz="2000" dirty="0"/>
-              <a:t>Better Scientific Software tutorial @ SC22</a:t>
+              <a:t>Better Scientific Software tutorial </a:t>
+            </a:r>
+            <a:br>
+              <a:rPr lang="en-US" sz="2000" dirty="0"/>
+            </a:br>
+            <a:r>
+              <a:rPr lang="en-US" sz="2000" dirty="0"/>
+              <a:t>@ Improving Scientific Software conference (2023)</a:t>
             </a:r>
           </a:p>
           <a:p>
@@ -4873,23 +4880,7 @@
             </a:pPr>
             <a:r>
               <a:rPr lang="en-US" sz="2000" dirty="0"/>
-              <a:t>Contributors: </a:t>
-            </a:r>
-            <a:r>
-              <a:rPr lang="en-US" sz="2000" dirty="0" err="1"/>
-              <a:t>Anshu</a:t>
-            </a:r>
-            <a:r>
-              <a:rPr lang="en-US" sz="2000" dirty="0"/>
-              <a:t> Dubey (ANL), Mark C. Miller (LLNL), David </a:t>
-            </a:r>
-            <a:r>
-              <a:rPr lang="en-US" sz="2000" dirty="0" err="1"/>
-              <a:t>Bernholdt</a:t>
-            </a:r>
-            <a:r>
-              <a:rPr lang="en-US" sz="2000" dirty="0"/>
-              <a:t> (ORNL)</a:t>
+              <a:t>Contributors: Anshu Dubey (ANL), Mark C. Miller (LLNL), David E. Bernholdt (ORNL)</a:t>
             </a:r>
           </a:p>
         </p:txBody>
@@ -14585,16 +14576,37 @@
             </a:pPr>
             <a:r>
               <a:rPr lang="en-US" sz="1600" b="1" dirty="0"/>
-              <a:t>The requested citation the overall tutorial is: David E. Bernholdt, Anshu Dubey, and Patricia A. Grubel, Better Scientific Software tutorial, in The International Conference for High-Performance Computing, Networking, Storage, and Analysis (SC22), Dallas, Texas, 2022. DOI: </a:t>
-            </a:r>
-            <a:r>
-              <a:rPr lang="en-US" sz="1600" b="1" dirty="0">
+              <a:t>The requested citation the overall tutorial is: </a:t>
+            </a:r>
+            <a:r>
+              <a:rPr lang="en-US" sz="1600" b="0" i="0" dirty="0">
+                <a:solidFill>
+                  <a:srgbClr val="111111"/>
+                </a:solidFill>
+                <a:effectLst/>
+                <a:latin typeface="+mn-lt"/>
+              </a:rPr>
+              <a:t>David E. Bernholdt, Patricia A. Grubel, and David M. Rogers, Better Scientific Software tutorial, in Improving Scientific Software, Boulder, Colorado and online, 2023. DOI: </a:t>
+            </a:r>
+            <a:r>
+              <a:rPr lang="en-US" sz="1600" b="0" i="0" dirty="0">
+                <a:solidFill>
+                  <a:srgbClr val="111111"/>
+                </a:solidFill>
+                <a:effectLst/>
+                <a:latin typeface="+mn-lt"/>
                 <a:hlinkClick r:id="rId4"/>
               </a:rPr>
-              <a:t>10.6084/m9.figshare.21384057</a:t>
-            </a:r>
-            <a:r>
-              <a:rPr lang="en-US" sz="1600" b="1" dirty="0"/>
+              <a:t>10.6084/m9.figshare.22179748</a:t>
+            </a:r>
+            <a:r>
+              <a:rPr lang="en-US" sz="1600" b="0" i="0" dirty="0">
+                <a:solidFill>
+                  <a:srgbClr val="111111"/>
+                </a:solidFill>
+                <a:effectLst/>
+                <a:latin typeface="+mn-lt"/>
+              </a:rPr>
               <a:t>.</a:t>
             </a:r>
           </a:p>
@@ -14614,7 +14626,21 @@
             </a:r>
             <a:r>
               <a:rPr lang="en-US" sz="1600" dirty="0"/>
-              <a:t>, in Better Scientific Software tutorial, …</a:t>
+              <a:t>, in </a:t>
+            </a:r>
+            <a:r>
+              <a:rPr lang="en-US" sz="1600" b="0" i="1" dirty="0">
+                <a:solidFill>
+                  <a:srgbClr val="111111"/>
+                </a:solidFill>
+                <a:effectLst/>
+                <a:latin typeface="+mn-lt"/>
+              </a:rPr>
+              <a:t>Tutorial Title</a:t>
+            </a:r>
+            <a:r>
+              <a:rPr lang="en-US" sz="1600" dirty="0"/>
+              <a:t>, …</a:t>
             </a:r>
           </a:p>
           <a:p>
@@ -14697,13 +14723,8 @@
             </a:pPr>
             <a:r>
               <a:rPr lang="en-US" sz="1400" dirty="0"/>
-              <a:t>This work was performed in part at Sandia National Laboratories. Sandia National Laboratories is a multi-mission laboratory managed and operated by National Technology and Engineering Solutions of Sandia, LLC., a wholly owned subsidiary of Honeywell International, Inc., for the U.S. Department of Energy’s National Nuclear Security Administration under contract </a:t>
-            </a:r>
-            <a:r>
-              <a:rPr lang="en-US" sz="1400"/>
-              <a:t>DE-NA0003525.</a:t>
-            </a:r>
-            <a:endParaRPr lang="en-US" sz="1400" dirty="0"/>
+              <a:t>This work was performed in part at Sandia National Laboratories. Sandia National Laboratories is a multi-mission laboratory managed and operated by National Technology and Engineering Solutions of Sandia, LLC., a wholly owned subsidiary of Honeywell International, Inc., for the U.S. Department of Energy’s National Nuclear Security Administration under contract DE-NA0003525.</a:t>
+            </a:r>
           </a:p>
         </p:txBody>
       </p:sp>
@@ -14757,7 +14778,7 @@
     </p:spTree>
     <p:extLst>
       <p:ext uri="{BB962C8B-B14F-4D97-AF65-F5344CB8AC3E}">
-        <p14:creationId xmlns:p14="http://schemas.microsoft.com/office/powerpoint/2010/main" val="978726433"/>
+        <p14:creationId xmlns:p14="http://schemas.microsoft.com/office/powerpoint/2010/main" val="3692252515"/>
       </p:ext>
     </p:extLst>
   </p:cSld>
@@ -26018,7 +26039,7 @@
             <a:pPr algn="ctr"/>
             <a:r>
               <a:rPr lang="en-US" dirty="0"/>
-              <a:t>Applies to  both kind</a:t>
+              <a:t>Applies to  both kinds</a:t>
             </a:r>
           </a:p>
         </p:txBody>
@@ -28495,6 +28516,15 @@
 </file>
 
 <file path=customXml/item1.xml><?xml version="1.0" encoding="utf-8"?>
+<?mso-contentType ?>
+<FormTemplates xmlns="http://schemas.microsoft.com/sharepoint/v3/contenttype/forms">
+  <Display>DocumentLibraryForm</Display>
+  <Edit>DocumentLibraryForm</Edit>
+  <New>DocumentLibraryForm</New>
+</FormTemplates>
+</file>
+
+<file path=customXml/item2.xml><?xml version="1.0" encoding="utf-8"?>
 <ct:contentTypeSchema xmlns:ct="http://schemas.microsoft.com/office/2006/metadata/contentType" xmlns:ma="http://schemas.microsoft.com/office/2006/metadata/properties/metaAttributes" ct:_="" ma:_="" ma:contentTypeName="Document" ma:contentTypeID="0x010100565464437F680748A68B85EB6594EA7D" ma:contentTypeVersion="0" ma:contentTypeDescription="Create a new document." ma:contentTypeScope="" ma:versionID="fe3f4dd58d5914c51cfc6deaa8ad845c">
   <xsd:schema xmlns:xsd="http://www.w3.org/2001/XMLSchema" xmlns:p="http://schemas.microsoft.com/office/2006/metadata/properties" targetNamespace="http://schemas.microsoft.com/office/2006/metadata/properties" ma:root="true" ma:fieldsID="4aeb20c0e3442673af7ee10786458764">
     <xsd:element name="properties">
@@ -28543,22 +28573,21 @@
 </ct:contentTypeSchema>
 </file>
 
-<file path=customXml/item2.xml><?xml version="1.0" encoding="utf-8"?>
+<file path=customXml/item3.xml><?xml version="1.0" encoding="utf-8"?>
 <p:properties xmlns:p="http://schemas.microsoft.com/office/2006/metadata/properties" xmlns:xsi="http://www.w3.org/2001/XMLSchema-instance" xmlns:pc="http://schemas.microsoft.com/office/infopath/2007/PartnerControls">
   <documentManagement/>
 </p:properties>
 </file>
 
-<file path=customXml/item3.xml><?xml version="1.0" encoding="utf-8"?>
-<?mso-contentType ?>
-<FormTemplates xmlns="http://schemas.microsoft.com/sharepoint/v3/contenttype/forms">
-  <Display>DocumentLibraryForm</Display>
-  <Edit>DocumentLibraryForm</Edit>
-  <New>DocumentLibraryForm</New>
-</FormTemplates>
+<file path=customXml/itemProps1.xml><?xml version="1.0" encoding="utf-8"?>
+<ds:datastoreItem xmlns:ds="http://schemas.openxmlformats.org/officeDocument/2006/customXml" ds:itemID="{19E20559-B232-4371-8690-E3D8007EDB82}">
+  <ds:schemaRefs>
+    <ds:schemaRef ds:uri="http://schemas.microsoft.com/sharepoint/v3/contenttype/forms"/>
+  </ds:schemaRefs>
+</ds:datastoreItem>
 </file>
 
-<file path=customXml/itemProps1.xml><?xml version="1.0" encoding="utf-8"?>
+<file path=customXml/itemProps2.xml><?xml version="1.0" encoding="utf-8"?>
 <ds:datastoreItem xmlns:ds="http://schemas.openxmlformats.org/officeDocument/2006/customXml" ds:itemID="{E8DB7DEB-074E-4EE8-9B6E-FD277323109C}">
   <ds:schemaRefs>
     <ds:schemaRef ds:uri="http://schemas.microsoft.com/office/2006/metadata/contentType"/>
@@ -28573,7 +28602,7 @@
 </ds:datastoreItem>
 </file>
 
-<file path=customXml/itemProps2.xml><?xml version="1.0" encoding="utf-8"?>
+<file path=customXml/itemProps3.xml><?xml version="1.0" encoding="utf-8"?>
 <ds:datastoreItem xmlns:ds="http://schemas.openxmlformats.org/officeDocument/2006/customXml" ds:itemID="{A50EC660-24D0-43A0-AE5E-E274115E726B}">
   <ds:schemaRefs>
     <ds:schemaRef ds:uri="http://purl.org/dc/elements/1.1/"/>
@@ -28586,12 +28615,4 @@
     <ds:schemaRef ds:uri="http://schemas.microsoft.com/office/infopath/2007/PartnerControls"/>
   </ds:schemaRefs>
 </ds:datastoreItem>
-</file>
-
-<file path=customXml/itemProps3.xml><?xml version="1.0" encoding="utf-8"?>
-<ds:datastoreItem xmlns:ds="http://schemas.openxmlformats.org/officeDocument/2006/customXml" ds:itemID="{19E20559-B232-4371-8690-E3D8007EDB82}">
-  <ds:schemaRefs>
-    <ds:schemaRef ds:uri="http://schemas.microsoft.com/sharepoint/v3/contenttype/forms"/>
-  </ds:schemaRefs>
-</ds:datastoreItem>
 </file>
--- a/design.pptx
+++ b/design.pptx
@@ -5,47 +5,48 @@
     <p:sldMasterId id="2147483935" r:id="rId4"/>
   </p:sldMasterIdLst>
   <p:notesMasterIdLst>
-    <p:notesMasterId r:id="rId40"/>
+    <p:notesMasterId r:id="rId41"/>
   </p:notesMasterIdLst>
   <p:handoutMasterIdLst>
-    <p:handoutMasterId r:id="rId41"/>
+    <p:handoutMasterId r:id="rId42"/>
   </p:handoutMasterIdLst>
   <p:sldIdLst>
     <p:sldId id="318" r:id="rId5"/>
-    <p:sldId id="5590" r:id="rId6"/>
-    <p:sldId id="618" r:id="rId7"/>
-    <p:sldId id="5571" r:id="rId8"/>
-    <p:sldId id="5577" r:id="rId9"/>
-    <p:sldId id="5591" r:id="rId10"/>
-    <p:sldId id="5594" r:id="rId11"/>
-    <p:sldId id="5593" r:id="rId12"/>
-    <p:sldId id="5579" r:id="rId13"/>
-    <p:sldId id="5581" r:id="rId14"/>
-    <p:sldId id="5576" r:id="rId15"/>
-    <p:sldId id="5572" r:id="rId16"/>
-    <p:sldId id="5570" r:id="rId17"/>
-    <p:sldId id="5584" r:id="rId18"/>
-    <p:sldId id="5585" r:id="rId19"/>
-    <p:sldId id="5587" r:id="rId20"/>
-    <p:sldId id="5586" r:id="rId21"/>
-    <p:sldId id="5596" r:id="rId22"/>
-    <p:sldId id="5597" r:id="rId23"/>
-    <p:sldId id="5598" r:id="rId24"/>
-    <p:sldId id="5599" r:id="rId25"/>
-    <p:sldId id="677" r:id="rId26"/>
-    <p:sldId id="5557" r:id="rId27"/>
-    <p:sldId id="5558" r:id="rId28"/>
-    <p:sldId id="5559" r:id="rId29"/>
-    <p:sldId id="5560" r:id="rId30"/>
-    <p:sldId id="5561" r:id="rId31"/>
-    <p:sldId id="5562" r:id="rId32"/>
-    <p:sldId id="5563" r:id="rId33"/>
-    <p:sldId id="5564" r:id="rId34"/>
-    <p:sldId id="5565" r:id="rId35"/>
-    <p:sldId id="5566" r:id="rId36"/>
-    <p:sldId id="5567" r:id="rId37"/>
-    <p:sldId id="5555" r:id="rId38"/>
-    <p:sldId id="674" r:id="rId39"/>
+    <p:sldId id="320" r:id="rId6"/>
+    <p:sldId id="5590" r:id="rId7"/>
+    <p:sldId id="618" r:id="rId8"/>
+    <p:sldId id="5571" r:id="rId9"/>
+    <p:sldId id="5577" r:id="rId10"/>
+    <p:sldId id="5591" r:id="rId11"/>
+    <p:sldId id="5594" r:id="rId12"/>
+    <p:sldId id="5593" r:id="rId13"/>
+    <p:sldId id="5579" r:id="rId14"/>
+    <p:sldId id="5581" r:id="rId15"/>
+    <p:sldId id="5576" r:id="rId16"/>
+    <p:sldId id="5572" r:id="rId17"/>
+    <p:sldId id="5570" r:id="rId18"/>
+    <p:sldId id="5584" r:id="rId19"/>
+    <p:sldId id="5585" r:id="rId20"/>
+    <p:sldId id="5587" r:id="rId21"/>
+    <p:sldId id="5586" r:id="rId22"/>
+    <p:sldId id="5596" r:id="rId23"/>
+    <p:sldId id="5597" r:id="rId24"/>
+    <p:sldId id="5598" r:id="rId25"/>
+    <p:sldId id="5599" r:id="rId26"/>
+    <p:sldId id="677" r:id="rId27"/>
+    <p:sldId id="5557" r:id="rId28"/>
+    <p:sldId id="5558" r:id="rId29"/>
+    <p:sldId id="5559" r:id="rId30"/>
+    <p:sldId id="5560" r:id="rId31"/>
+    <p:sldId id="5561" r:id="rId32"/>
+    <p:sldId id="5562" r:id="rId33"/>
+    <p:sldId id="5563" r:id="rId34"/>
+    <p:sldId id="5564" r:id="rId35"/>
+    <p:sldId id="5565" r:id="rId36"/>
+    <p:sldId id="5566" r:id="rId37"/>
+    <p:sldId id="5567" r:id="rId38"/>
+    <p:sldId id="5555" r:id="rId39"/>
+    <p:sldId id="674" r:id="rId40"/>
   </p:sldIdLst>
   <p:sldSz cx="12188825" cy="6858000"/>
   <p:notesSz cx="7010400" cy="9296400"/>
@@ -289,7 +290,7 @@
           <a:p>
             <a:fld id="{0B842F42-2CE9-4E35-95C1-410DC08A50B1}" type="datetimeFigureOut">
               <a:rPr lang="en-US" smtClean="0"/>
-              <a:t>8/2/23</a:t>
+              <a:t>8/3/2023</a:t>
             </a:fld>
             <a:endParaRPr lang="en-US"/>
           </a:p>
@@ -454,7 +455,7 @@
           <a:p>
             <a:fld id="{6F282904-F315-4730-8D91-37D99E141A6F}" type="datetimeFigureOut">
               <a:rPr lang="en-US" smtClean="0"/>
-              <a:t>8/2/23</a:t>
+              <a:t>8/3/2023</a:t>
             </a:fld>
             <a:endParaRPr lang="en-US"/>
           </a:p>
@@ -818,7 +819,7 @@
           <a:p>
             <a:fld id="{54E672D7-8E2D-4611-973D-F4591A707C34}" type="slidenum">
               <a:rPr lang="en-US" smtClean="0"/>
-              <a:t>23</a:t>
+              <a:t>24</a:t>
             </a:fld>
             <a:endParaRPr lang="en-US"/>
           </a:p>
@@ -933,7 +934,7 @@
           <a:p>
             <a:fld id="{54E672D7-8E2D-4611-973D-F4591A707C34}" type="slidenum">
               <a:rPr lang="en-US" smtClean="0"/>
-              <a:t>28</a:t>
+              <a:t>29</a:t>
             </a:fld>
             <a:endParaRPr lang="en-US"/>
           </a:p>
@@ -1017,7 +1018,7 @@
           <a:p>
             <a:fld id="{00D1486B-722D-9B49-913C-F91D7B47AE8B}" type="slidenum">
               <a:rPr lang="en-US" smtClean="0"/>
-              <a:t>34</a:t>
+              <a:t>35</a:t>
             </a:fld>
             <a:endParaRPr lang="en-US"/>
           </a:p>
@@ -3793,7 +3794,7 @@
           <a:p>
             <a:fld id="{68F49DD1-DDB5-AB43-B311-7649AD474C82}" type="datetimeFigureOut">
               <a:rPr lang="en-US" smtClean="0"/>
-              <a:t>8/2/23</a:t>
+              <a:t>8/3/2023</a:t>
             </a:fld>
             <a:endParaRPr lang="en-US"/>
           </a:p>
@@ -4693,6 +4694,10 @@
               <a:t>Anshu Dubey</a:t>
             </a:r>
             <a:r>
+              <a:rPr lang="en-US" dirty="0"/>
+              <a:t> </a:t>
+            </a:r>
+            <a:r>
               <a:rPr lang="en-US" sz="2000" dirty="0"/>
               <a:t>(she/her)</a:t>
             </a:r>
@@ -4712,15 +4717,14 @@
               </a:spcBef>
             </a:pPr>
             <a:r>
-              <a:rPr lang="en-US" sz="2000" dirty="0"/>
-              <a:t>Better Scientific Software tutorial </a:t>
-            </a:r>
-            <a:br>
-              <a:rPr lang="en-US" sz="2000" dirty="0"/>
-            </a:br>
-            <a:r>
-              <a:rPr lang="en-US" sz="2000" dirty="0"/>
-              <a:t>@ ATPESC (2023)</a:t>
+              <a:rPr lang="en-US" sz="2000" b="0" i="0" dirty="0">
+                <a:solidFill>
+                  <a:srgbClr val="111111"/>
+                </a:solidFill>
+                <a:effectLst/>
+                <a:latin typeface="+mn-lt"/>
+              </a:rPr>
+              <a:t>Software Productivity and Sustainability track @ Argonne Training Program on Extreme-Scale Computing summer school</a:t>
             </a:r>
           </a:p>
           <a:p>
@@ -4750,6 +4754,471 @@
 </file>
 
 <file path=ppt/slides/slide10.xml><?xml version="1.0" encoding="utf-8"?>
+<p:sld xmlns:a="http://schemas.openxmlformats.org/drawingml/2006/main" xmlns:r="http://schemas.openxmlformats.org/officeDocument/2006/relationships" xmlns:p="http://schemas.openxmlformats.org/presentationml/2006/main">
+  <p:cSld>
+    <p:spTree>
+      <p:nvGrpSpPr>
+        <p:cNvPr id="1" name=""/>
+        <p:cNvGrpSpPr/>
+        <p:nvPr/>
+      </p:nvGrpSpPr>
+      <p:grpSpPr>
+        <a:xfrm>
+          <a:off x="0" y="0"/>
+          <a:ext cx="0" cy="0"/>
+          <a:chOff x="0" y="0"/>
+          <a:chExt cx="0" cy="0"/>
+        </a:xfrm>
+      </p:grpSpPr>
+      <p:sp>
+        <p:nvSpPr>
+          <p:cNvPr id="2" name="Title 1">
+            <a:extLst>
+              <a:ext uri="{FF2B5EF4-FFF2-40B4-BE49-F238E27FC236}">
+                <a16:creationId xmlns:a16="http://schemas.microsoft.com/office/drawing/2014/main" id="{9BCED41C-1F2F-0CD9-BD98-5C268144F0F1}"/>
+              </a:ext>
+            </a:extLst>
+          </p:cNvPr>
+          <p:cNvSpPr>
+            <a:spLocks noGrp="1"/>
+          </p:cNvSpPr>
+          <p:nvPr>
+            <p:ph type="title"/>
+          </p:nvPr>
+        </p:nvSpPr>
+        <p:spPr/>
+        <p:txBody>
+          <a:bodyPr/>
+          <a:lstStyle/>
+          <a:p>
+            <a:r>
+              <a:rPr lang="en-US" dirty="0"/>
+              <a:t>Decomposition</a:t>
+            </a:r>
+          </a:p>
+        </p:txBody>
+      </p:sp>
+      <p:sp>
+        <p:nvSpPr>
+          <p:cNvPr id="3" name="Content Placeholder 2">
+            <a:extLst>
+              <a:ext uri="{FF2B5EF4-FFF2-40B4-BE49-F238E27FC236}">
+                <a16:creationId xmlns:a16="http://schemas.microsoft.com/office/drawing/2014/main" id="{E86A1A1D-89C4-8A73-4364-CBEAE0130AEC}"/>
+              </a:ext>
+            </a:extLst>
+          </p:cNvPr>
+          <p:cNvSpPr>
+            <a:spLocks noGrp="1"/>
+          </p:cNvSpPr>
+          <p:nvPr>
+            <p:ph idx="1"/>
+          </p:nvPr>
+        </p:nvSpPr>
+        <p:spPr>
+          <a:xfrm>
+            <a:off x="365760" y="1325880"/>
+            <a:ext cx="4352996" cy="4798907"/>
+          </a:xfrm>
+        </p:spPr>
+        <p:txBody>
+          <a:bodyPr/>
+          <a:lstStyle/>
+          <a:p>
+            <a:pPr marL="0" indent="0" algn="ctr">
+              <a:buNone/>
+            </a:pPr>
+            <a:r>
+              <a:rPr lang="en-US" dirty="0"/>
+              <a:t>This is a small design space</a:t>
+            </a:r>
+          </a:p>
+          <a:p>
+            <a:r>
+              <a:rPr lang="en-US" dirty="0"/>
+              <a:t>Several requirements can directly map to components – in this instance functions</a:t>
+            </a:r>
+          </a:p>
+          <a:p>
+            <a:pPr lvl="1"/>
+            <a:r>
+              <a:rPr lang="en-US" dirty="0"/>
+              <a:t>Driver</a:t>
+            </a:r>
+          </a:p>
+          <a:p>
+            <a:pPr lvl="1"/>
+            <a:r>
+              <a:rPr lang="en-US" dirty="0"/>
+              <a:t>Initialization – data containers</a:t>
+            </a:r>
+          </a:p>
+          <a:p>
+            <a:pPr lvl="1"/>
+            <a:r>
+              <a:rPr lang="en-US" dirty="0"/>
+              <a:t>Mesh initialization – applying initial conditions</a:t>
+            </a:r>
+          </a:p>
+          <a:p>
+            <a:pPr lvl="1"/>
+            <a:r>
+              <a:rPr lang="en-US" dirty="0"/>
+              <a:t>Integrator</a:t>
+            </a:r>
+          </a:p>
+          <a:p>
+            <a:pPr lvl="1"/>
+            <a:r>
+              <a:rPr lang="en-US" dirty="0"/>
+              <a:t>I/O</a:t>
+            </a:r>
+          </a:p>
+          <a:p>
+            <a:pPr lvl="1"/>
+            <a:r>
+              <a:rPr lang="en-US" dirty="0"/>
+              <a:t>Boundary conditions</a:t>
+            </a:r>
+          </a:p>
+          <a:p>
+            <a:pPr lvl="1"/>
+            <a:r>
+              <a:rPr lang="en-US" dirty="0"/>
+              <a:t>Comparison utility</a:t>
+            </a:r>
+          </a:p>
+          <a:p>
+            <a:endParaRPr lang="en-US" dirty="0"/>
+          </a:p>
+          <a:p>
+            <a:pPr lvl="2"/>
+            <a:endParaRPr lang="en-US" dirty="0"/>
+          </a:p>
+        </p:txBody>
+      </p:sp>
+      <p:sp>
+        <p:nvSpPr>
+          <p:cNvPr id="4" name="Content Placeholder 2">
+            <a:extLst>
+              <a:ext uri="{FF2B5EF4-FFF2-40B4-BE49-F238E27FC236}">
+                <a16:creationId xmlns:a16="http://schemas.microsoft.com/office/drawing/2014/main" id="{0591D631-CE85-82AC-5579-D9B9D0EDD0CE}"/>
+              </a:ext>
+            </a:extLst>
+          </p:cNvPr>
+          <p:cNvSpPr txBox="1">
+            <a:spLocks/>
+          </p:cNvSpPr>
+          <p:nvPr/>
+        </p:nvSpPr>
+        <p:spPr bwMode="auto">
+          <a:xfrm>
+            <a:off x="5044464" y="1325880"/>
+            <a:ext cx="6368061" cy="4709160"/>
+          </a:xfrm>
+          <a:prstGeom prst="rect">
+            <a:avLst/>
+          </a:prstGeom>
+          <a:noFill/>
+          <a:ln w="9525">
+            <a:noFill/>
+            <a:miter lim="800000"/>
+            <a:headEnd/>
+            <a:tailEnd/>
+          </a:ln>
+        </p:spPr>
+        <p:txBody>
+          <a:bodyPr vert="horz" wrap="square" lIns="91440" tIns="45720" rIns="91440" bIns="45720" numCol="1" anchor="t" anchorCtr="0" compatLnSpc="1">
+            <a:prstTxWarp prst="textNoShape">
+              <a:avLst/>
+            </a:prstTxWarp>
+            <a:noAutofit/>
+          </a:bodyPr>
+          <a:lstStyle>
+            <a:lvl1pPr marL="230188" indent="-230188" algn="l" rtl="0" eaLnBrk="1" fontAlgn="base" hangingPunct="1">
+              <a:lnSpc>
+                <a:spcPct val="90000"/>
+              </a:lnSpc>
+              <a:spcBef>
+                <a:spcPts val="1400"/>
+              </a:spcBef>
+              <a:spcAft>
+                <a:spcPct val="0"/>
+              </a:spcAft>
+              <a:buClr>
+                <a:srgbClr val="C00000"/>
+              </a:buClr>
+              <a:buFont typeface="Wingdings" pitchFamily="2" charset="2"/>
+              <a:buChar char="q"/>
+              <a:defRPr sz="2400" kern="1200">
+                <a:solidFill>
+                  <a:schemeClr val="tx1"/>
+                </a:solidFill>
+                <a:latin typeface="Arial" panose="020B0604020202020204" pitchFamily="34" charset="0"/>
+                <a:ea typeface="+mn-ea"/>
+                <a:cs typeface="Arial" panose="020B0604020202020204" pitchFamily="34" charset="0"/>
+              </a:defRPr>
+            </a:lvl1pPr>
+            <a:lvl2pPr marL="625475" indent="-279400" algn="l" rtl="0" eaLnBrk="1" fontAlgn="base" hangingPunct="1">
+              <a:lnSpc>
+                <a:spcPct val="90000"/>
+              </a:lnSpc>
+              <a:spcBef>
+                <a:spcPts val="800"/>
+              </a:spcBef>
+              <a:spcAft>
+                <a:spcPct val="0"/>
+              </a:spcAft>
+              <a:buClr>
+                <a:srgbClr val="C00000"/>
+              </a:buClr>
+              <a:buFont typeface="Wingdings" pitchFamily="2" charset="2"/>
+              <a:buChar char="q"/>
+              <a:defRPr sz="2000" kern="1200">
+                <a:solidFill>
+                  <a:schemeClr val="tx1"/>
+                </a:solidFill>
+                <a:latin typeface="Arial" panose="020B0604020202020204" pitchFamily="34" charset="0"/>
+                <a:ea typeface="+mn-ea"/>
+                <a:cs typeface="Arial" panose="020B0604020202020204" pitchFamily="34" charset="0"/>
+              </a:defRPr>
+            </a:lvl2pPr>
+            <a:lvl3pPr marL="914400" indent="-230188" algn="l" rtl="0" eaLnBrk="1" fontAlgn="base" hangingPunct="1">
+              <a:lnSpc>
+                <a:spcPct val="90000"/>
+              </a:lnSpc>
+              <a:spcBef>
+                <a:spcPts val="800"/>
+              </a:spcBef>
+              <a:spcAft>
+                <a:spcPct val="0"/>
+              </a:spcAft>
+              <a:buClr>
+                <a:srgbClr val="C00000"/>
+              </a:buClr>
+              <a:buFont typeface="Wingdings" pitchFamily="2" charset="2"/>
+              <a:buChar char="q"/>
+              <a:defRPr sz="1800" kern="1200">
+                <a:solidFill>
+                  <a:schemeClr val="tx1"/>
+                </a:solidFill>
+                <a:latin typeface="Arial" panose="020B0604020202020204" pitchFamily="34" charset="0"/>
+                <a:ea typeface="+mn-ea"/>
+                <a:cs typeface="Arial" panose="020B0604020202020204" pitchFamily="34" charset="0"/>
+              </a:defRPr>
+            </a:lvl3pPr>
+            <a:lvl4pPr marL="1144588" indent="-173038" algn="l" rtl="0" eaLnBrk="1" fontAlgn="base" hangingPunct="1">
+              <a:lnSpc>
+                <a:spcPct val="90000"/>
+              </a:lnSpc>
+              <a:spcBef>
+                <a:spcPts val="800"/>
+              </a:spcBef>
+              <a:spcAft>
+                <a:spcPct val="0"/>
+              </a:spcAft>
+              <a:buClr>
+                <a:srgbClr val="C00000"/>
+              </a:buClr>
+              <a:buFont typeface="Wingdings" pitchFamily="2" charset="2"/>
+              <a:buChar char="q"/>
+              <a:defRPr sz="1600" kern="1200">
+                <a:solidFill>
+                  <a:schemeClr val="tx1"/>
+                </a:solidFill>
+                <a:latin typeface="Arial" panose="020B0604020202020204" pitchFamily="34" charset="0"/>
+                <a:ea typeface="+mn-ea"/>
+                <a:cs typeface="Arial" panose="020B0604020202020204" pitchFamily="34" charset="0"/>
+              </a:defRPr>
+            </a:lvl4pPr>
+            <a:lvl5pPr marL="1482725" indent="-222250" algn="l" rtl="0" eaLnBrk="1" fontAlgn="base" hangingPunct="1">
+              <a:lnSpc>
+                <a:spcPct val="90000"/>
+              </a:lnSpc>
+              <a:spcBef>
+                <a:spcPts val="600"/>
+              </a:spcBef>
+              <a:spcAft>
+                <a:spcPct val="0"/>
+              </a:spcAft>
+              <a:buClr>
+                <a:srgbClr val="C00000"/>
+              </a:buClr>
+              <a:buFont typeface="Wingdings" pitchFamily="2" charset="2"/>
+              <a:buChar char="q"/>
+              <a:defRPr sz="1600" kern="1200">
+                <a:solidFill>
+                  <a:schemeClr val="tx1"/>
+                </a:solidFill>
+                <a:latin typeface="Arial" panose="020B0604020202020204" pitchFamily="34" charset="0"/>
+                <a:ea typeface="+mn-ea"/>
+                <a:cs typeface="Arial" panose="020B0604020202020204" pitchFamily="34" charset="0"/>
+              </a:defRPr>
+            </a:lvl5pPr>
+            <a:lvl6pPr marL="2514600" indent="-228600" algn="l" defTabSz="914400" rtl="0" eaLnBrk="1" latinLnBrk="0" hangingPunct="1">
+              <a:spcBef>
+                <a:spcPct val="20000"/>
+              </a:spcBef>
+              <a:buFont typeface="Arial" pitchFamily="34" charset="0"/>
+              <a:buChar char="•"/>
+              <a:defRPr sz="2000" kern="1200">
+                <a:solidFill>
+                  <a:schemeClr val="tx1"/>
+                </a:solidFill>
+                <a:latin typeface="+mn-lt"/>
+                <a:ea typeface="+mn-ea"/>
+                <a:cs typeface="+mn-cs"/>
+              </a:defRPr>
+            </a:lvl6pPr>
+            <a:lvl7pPr marL="2971800" indent="-228600" algn="l" defTabSz="914400" rtl="0" eaLnBrk="1" latinLnBrk="0" hangingPunct="1">
+              <a:spcBef>
+                <a:spcPct val="20000"/>
+              </a:spcBef>
+              <a:buFont typeface="Arial" pitchFamily="34" charset="0"/>
+              <a:buChar char="•"/>
+              <a:defRPr sz="2000" kern="1200">
+                <a:solidFill>
+                  <a:schemeClr val="tx1"/>
+                </a:solidFill>
+                <a:latin typeface="+mn-lt"/>
+                <a:ea typeface="+mn-ea"/>
+                <a:cs typeface="+mn-cs"/>
+              </a:defRPr>
+            </a:lvl7pPr>
+            <a:lvl8pPr marL="3429000" indent="-228600" algn="l" defTabSz="914400" rtl="0" eaLnBrk="1" latinLnBrk="0" hangingPunct="1">
+              <a:spcBef>
+                <a:spcPct val="20000"/>
+              </a:spcBef>
+              <a:buFont typeface="Arial" pitchFamily="34" charset="0"/>
+              <a:buChar char="•"/>
+              <a:defRPr sz="2000" kern="1200">
+                <a:solidFill>
+                  <a:schemeClr val="tx1"/>
+                </a:solidFill>
+                <a:latin typeface="+mn-lt"/>
+                <a:ea typeface="+mn-ea"/>
+                <a:cs typeface="+mn-cs"/>
+              </a:defRPr>
+            </a:lvl8pPr>
+            <a:lvl9pPr marL="3886200" indent="-228600" algn="l" defTabSz="914400" rtl="0" eaLnBrk="1" latinLnBrk="0" hangingPunct="1">
+              <a:spcBef>
+                <a:spcPct val="20000"/>
+              </a:spcBef>
+              <a:buFont typeface="Arial" pitchFamily="34" charset="0"/>
+              <a:buChar char="•"/>
+              <a:defRPr sz="2000" kern="1200">
+                <a:solidFill>
+                  <a:schemeClr val="tx1"/>
+                </a:solidFill>
+                <a:latin typeface="+mn-lt"/>
+                <a:ea typeface="+mn-ea"/>
+                <a:cs typeface="+mn-cs"/>
+              </a:defRPr>
+            </a:lvl9pPr>
+          </a:lstStyle>
+          <a:p>
+            <a:pPr marL="0" indent="0" algn="ctr">
+              <a:buNone/>
+            </a:pPr>
+            <a:r>
+              <a:rPr lang="en-US" dirty="0"/>
+              <a:t>Binning components</a:t>
+            </a:r>
+          </a:p>
+          <a:p>
+            <a:r>
+              <a:rPr lang="en-US" dirty="0"/>
+              <a:t>Components that will work for any application of heat equation</a:t>
+            </a:r>
+          </a:p>
+          <a:p>
+            <a:pPr lvl="1"/>
+            <a:r>
+              <a:rPr lang="en-US" dirty="0"/>
+              <a:t>Driver</a:t>
+            </a:r>
+          </a:p>
+          <a:p>
+            <a:pPr lvl="1"/>
+            <a:r>
+              <a:rPr lang="en-US" dirty="0"/>
+              <a:t>Initialization – data containers</a:t>
+            </a:r>
+          </a:p>
+          <a:p>
+            <a:pPr lvl="1"/>
+            <a:r>
+              <a:rPr lang="en-US" dirty="0"/>
+              <a:t>I/O </a:t>
+            </a:r>
+          </a:p>
+          <a:p>
+            <a:pPr lvl="1"/>
+            <a:r>
+              <a:rPr lang="en-US" dirty="0"/>
+              <a:t>Comparison utility</a:t>
+            </a:r>
+          </a:p>
+          <a:p>
+            <a:r>
+              <a:rPr lang="en-US" dirty="0"/>
+              <a:t>Components that are </a:t>
+            </a:r>
+          </a:p>
+          <a:p>
+            <a:pPr lvl="1"/>
+            <a:r>
+              <a:rPr lang="en-US" dirty="0"/>
+              <a:t>Mesh initialization – applying initial conditions</a:t>
+            </a:r>
+          </a:p>
+          <a:p>
+            <a:pPr lvl="1"/>
+            <a:r>
+              <a:rPr lang="en-US" dirty="0"/>
+              <a:t>Integrator</a:t>
+            </a:r>
+          </a:p>
+          <a:p>
+            <a:pPr lvl="1"/>
+            <a:r>
+              <a:rPr lang="en-US" dirty="0"/>
+              <a:t>Boundary conditions</a:t>
+            </a:r>
+          </a:p>
+          <a:p>
+            <a:pPr lvl="1"/>
+            <a:endParaRPr lang="en-US" dirty="0"/>
+          </a:p>
+          <a:p>
+            <a:pPr lvl="1"/>
+            <a:endParaRPr lang="en-US" dirty="0"/>
+          </a:p>
+          <a:p>
+            <a:endParaRPr lang="en-US" dirty="0"/>
+          </a:p>
+          <a:p>
+            <a:endParaRPr lang="en-US" dirty="0"/>
+          </a:p>
+          <a:p>
+            <a:pPr lvl="2"/>
+            <a:endParaRPr lang="en-US" dirty="0"/>
+          </a:p>
+        </p:txBody>
+      </p:sp>
+    </p:spTree>
+    <p:extLst>
+      <p:ext uri="{BB962C8B-B14F-4D97-AF65-F5344CB8AC3E}">
+        <p14:creationId xmlns:p14="http://schemas.microsoft.com/office/powerpoint/2010/main" val="3463077651"/>
+      </p:ext>
+    </p:extLst>
+  </p:cSld>
+  <p:clrMapOvr>
+    <a:masterClrMapping/>
+  </p:clrMapOvr>
+</p:sld>
+</file>
+
+<file path=ppt/slides/slide11.xml><?xml version="1.0" encoding="utf-8"?>
 <p:sld xmlns:a="http://schemas.openxmlformats.org/drawingml/2006/main" xmlns:r="http://schemas.openxmlformats.org/officeDocument/2006/relationships" xmlns:p="http://schemas.openxmlformats.org/presentationml/2006/main">
   <p:cSld>
     <p:spTree>
@@ -5621,7 +6090,7 @@
 </p:sld>
 </file>
 
-<file path=ppt/slides/slide11.xml><?xml version="1.0" encoding="utf-8"?>
+<file path=ppt/slides/slide12.xml><?xml version="1.0" encoding="utf-8"?>
 <p:sld xmlns:a="http://schemas.openxmlformats.org/drawingml/2006/main" xmlns:r="http://schemas.openxmlformats.org/officeDocument/2006/relationships" xmlns:p="http://schemas.openxmlformats.org/presentationml/2006/main">
   <p:cSld>
     <p:spTree>
@@ -6275,7 +6744,7 @@
 </p:sld>
 </file>
 
-<file path=ppt/slides/slide12.xml><?xml version="1.0" encoding="utf-8"?>
+<file path=ppt/slides/slide13.xml><?xml version="1.0" encoding="utf-8"?>
 <p:sld xmlns:a="http://schemas.openxmlformats.org/drawingml/2006/main" xmlns:r="http://schemas.openxmlformats.org/officeDocument/2006/relationships" xmlns:p="http://schemas.openxmlformats.org/presentationml/2006/main">
   <p:cSld>
     <p:spTree>
@@ -7176,7 +7645,7 @@
 </p:sld>
 </file>
 
-<file path=ppt/slides/slide13.xml><?xml version="1.0" encoding="utf-8"?>
+<file path=ppt/slides/slide14.xml><?xml version="1.0" encoding="utf-8"?>
 <p:sld xmlns:a="http://schemas.openxmlformats.org/drawingml/2006/main" xmlns:r="http://schemas.openxmlformats.org/officeDocument/2006/relationships" xmlns:p="http://schemas.openxmlformats.org/presentationml/2006/main">
   <p:cSld>
     <p:spTree>
@@ -8023,7 +8492,7 @@
 </p:sld>
 </file>
 
-<file path=ppt/slides/slide14.xml><?xml version="1.0" encoding="utf-8"?>
+<file path=ppt/slides/slide15.xml><?xml version="1.0" encoding="utf-8"?>
 <p:sld xmlns:a="http://schemas.openxmlformats.org/drawingml/2006/main" xmlns:r="http://schemas.openxmlformats.org/officeDocument/2006/relationships" xmlns:p="http://schemas.openxmlformats.org/presentationml/2006/main">
   <p:cSld>
     <p:spTree>
@@ -8118,7 +8587,7 @@
           <a:noFill/>
           <a:extLst>
             <a:ext uri="{909E8E84-426E-40dd-AFC4-6F175D3DCCD1}">
-              <a14:hiddenFill xmlns:a14="http://schemas.microsoft.com/office/drawing/2010/main" xmlns="">
+              <a14:hiddenFill xmlns="" xmlns:a14="http://schemas.microsoft.com/office/drawing/2010/main">
                 <a:solidFill>
                   <a:srgbClr val="FFFFFF"/>
                 </a:solidFill>
@@ -8333,7 +8802,7 @@
 </p:sld>
 </file>
 
-<file path=ppt/slides/slide15.xml><?xml version="1.0" encoding="utf-8"?>
+<file path=ppt/slides/slide16.xml><?xml version="1.0" encoding="utf-8"?>
 <p:sld xmlns:a="http://schemas.openxmlformats.org/drawingml/2006/main" xmlns:r="http://schemas.openxmlformats.org/officeDocument/2006/relationships" xmlns:p="http://schemas.openxmlformats.org/presentationml/2006/main">
   <p:cSld>
     <p:spTree>
@@ -8502,7 +8971,7 @@
 </p:sld>
 </file>
 
-<file path=ppt/slides/slide16.xml><?xml version="1.0" encoding="utf-8"?>
+<file path=ppt/slides/slide17.xml><?xml version="1.0" encoding="utf-8"?>
 <p:sld xmlns:a="http://schemas.openxmlformats.org/drawingml/2006/main" xmlns:r="http://schemas.openxmlformats.org/officeDocument/2006/relationships" xmlns:p="http://schemas.openxmlformats.org/presentationml/2006/main">
   <p:cSld>
     <p:spTree>
@@ -8970,7 +9439,7 @@
 </p:sld>
 </file>
 
-<file path=ppt/slides/slide17.xml><?xml version="1.0" encoding="utf-8"?>
+<file path=ppt/slides/slide18.xml><?xml version="1.0" encoding="utf-8"?>
 <p:sld xmlns:a="http://schemas.openxmlformats.org/drawingml/2006/main" xmlns:r="http://schemas.openxmlformats.org/officeDocument/2006/relationships" xmlns:p="http://schemas.openxmlformats.org/presentationml/2006/main">
   <p:cSld>
     <p:spTree>
@@ -9513,7 +9982,7 @@
 </p:sld>
 </file>
 
-<file path=ppt/slides/slide18.xml><?xml version="1.0" encoding="utf-8"?>
+<file path=ppt/slides/slide19.xml><?xml version="1.0" encoding="utf-8"?>
 <p:sld xmlns:a="http://schemas.openxmlformats.org/drawingml/2006/main" xmlns:r="http://schemas.openxmlformats.org/officeDocument/2006/relationships" xmlns:p="http://schemas.openxmlformats.org/presentationml/2006/main">
   <p:cSld>
     <p:spTree>
@@ -10330,7 +10799,338 @@
 </p:sld>
 </file>
 
-<file path=ppt/slides/slide19.xml><?xml version="1.0" encoding="utf-8"?>
+<file path=ppt/slides/slide2.xml><?xml version="1.0" encoding="utf-8"?>
+<p:sld xmlns:a="http://schemas.openxmlformats.org/drawingml/2006/main" xmlns:r="http://schemas.openxmlformats.org/officeDocument/2006/relationships" xmlns:p="http://schemas.openxmlformats.org/presentationml/2006/main">
+  <p:cSld>
+    <p:spTree>
+      <p:nvGrpSpPr>
+        <p:cNvPr id="1" name=""/>
+        <p:cNvGrpSpPr/>
+        <p:nvPr/>
+      </p:nvGrpSpPr>
+      <p:grpSpPr>
+        <a:xfrm>
+          <a:off x="0" y="0"/>
+          <a:ext cx="0" cy="0"/>
+          <a:chOff x="0" y="0"/>
+          <a:chExt cx="0" cy="0"/>
+        </a:xfrm>
+      </p:grpSpPr>
+      <p:sp>
+        <p:nvSpPr>
+          <p:cNvPr id="2" name="Title 1">
+            <a:extLst>
+              <a:ext uri="{FF2B5EF4-FFF2-40B4-BE49-F238E27FC236}">
+                <a16:creationId xmlns:a16="http://schemas.microsoft.com/office/drawing/2014/main" id="{6442C24D-D970-4D40-8F14-D70C10A96304}"/>
+              </a:ext>
+            </a:extLst>
+          </p:cNvPr>
+          <p:cNvSpPr>
+            <a:spLocks noGrp="1"/>
+          </p:cNvSpPr>
+          <p:nvPr>
+            <p:ph type="title"/>
+          </p:nvPr>
+        </p:nvSpPr>
+        <p:spPr>
+          <a:xfrm>
+            <a:off x="363096" y="112911"/>
+            <a:ext cx="11372473" cy="914400"/>
+          </a:xfrm>
+        </p:spPr>
+        <p:txBody>
+          <a:bodyPr/>
+          <a:lstStyle/>
+          <a:p>
+            <a:r>
+              <a:rPr lang="en-US" dirty="0"/>
+              <a:t>License, Citation and Acknowledgements</a:t>
+            </a:r>
+          </a:p>
+        </p:txBody>
+      </p:sp>
+      <p:sp>
+        <p:nvSpPr>
+          <p:cNvPr id="3" name="Content Placeholder 2">
+            <a:extLst>
+              <a:ext uri="{FF2B5EF4-FFF2-40B4-BE49-F238E27FC236}">
+                <a16:creationId xmlns:a16="http://schemas.microsoft.com/office/drawing/2014/main" id="{0385A3AB-B258-4D59-B407-F7D57545A163}"/>
+              </a:ext>
+            </a:extLst>
+          </p:cNvPr>
+          <p:cNvSpPr>
+            <a:spLocks noGrp="1"/>
+          </p:cNvSpPr>
+          <p:nvPr>
+            <p:ph idx="1"/>
+          </p:nvPr>
+        </p:nvSpPr>
+        <p:spPr>
+          <a:xfrm>
+            <a:off x="409507" y="570111"/>
+            <a:ext cx="11369809" cy="4047778"/>
+          </a:xfrm>
+        </p:spPr>
+        <p:txBody>
+          <a:bodyPr/>
+          <a:lstStyle/>
+          <a:p>
+            <a:pPr marL="0" indent="0">
+              <a:buNone/>
+            </a:pPr>
+            <a:r>
+              <a:rPr lang="en-US" sz="2000" b="1" dirty="0"/>
+              <a:t>License and Citation</a:t>
+            </a:r>
+          </a:p>
+          <a:p>
+            <a:pPr>
+              <a:spcBef>
+                <a:spcPts val="400"/>
+              </a:spcBef>
+            </a:pPr>
+            <a:r>
+              <a:rPr lang="en-US" sz="1600" dirty="0"/>
+              <a:t>This work is licensed under a </a:t>
+            </a:r>
+            <a:r>
+              <a:rPr lang="en-US" sz="1600" dirty="0">
+                <a:hlinkClick r:id="rId2"/>
+              </a:rPr>
+              <a:t>Creative</a:t>
+            </a:r>
+            <a:r>
+              <a:rPr lang="en-US" sz="1600" dirty="0">
+                <a:hlinkClick r:id="rId3"/>
+              </a:rPr>
+              <a:t> Commons Attribution 4.0 International License</a:t>
+            </a:r>
+            <a:r>
+              <a:rPr lang="en-US" sz="1600" dirty="0"/>
+              <a:t> (CC BY 4.0).</a:t>
+            </a:r>
+          </a:p>
+          <a:p>
+            <a:pPr>
+              <a:spcBef>
+                <a:spcPts val="400"/>
+              </a:spcBef>
+            </a:pPr>
+            <a:r>
+              <a:rPr lang="en-US" sz="1600" b="1" dirty="0"/>
+              <a:t>The requested citation the overall tutorial is: </a:t>
+            </a:r>
+            <a:r>
+              <a:rPr lang="en-US" sz="1600" b="0" i="0" dirty="0">
+                <a:solidFill>
+                  <a:srgbClr val="111111"/>
+                </a:solidFill>
+                <a:effectLst/>
+                <a:latin typeface="+mn-lt"/>
+              </a:rPr>
+              <a:t>Anshu Dubey, David E. Bernholdt, Greg Becker, and Jared O’Neal, Software Productivity and Sustainability track, in Argonne Training Program on Extreme-Scale Computing, St. Charles, Illinois, 2023. DOI: </a:t>
+            </a:r>
+            <a:r>
+              <a:rPr lang="en-US" sz="1600" b="0" i="0" u="none" strike="noStrike" dirty="0">
+                <a:solidFill>
+                  <a:srgbClr val="2A7AE2"/>
+                </a:solidFill>
+                <a:effectLst/>
+                <a:latin typeface="+mn-lt"/>
+                <a:hlinkClick r:id="rId4"/>
+              </a:rPr>
+              <a:t>10.6084/m9.figshare.23823822</a:t>
+            </a:r>
+            <a:r>
+              <a:rPr lang="en-US" sz="1600" b="0" i="0" dirty="0">
+                <a:solidFill>
+                  <a:srgbClr val="111111"/>
+                </a:solidFill>
+                <a:effectLst/>
+                <a:latin typeface="+mn-lt"/>
+              </a:rPr>
+              <a:t>.</a:t>
+            </a:r>
+          </a:p>
+          <a:p>
+            <a:pPr>
+              <a:spcBef>
+                <a:spcPts val="400"/>
+              </a:spcBef>
+            </a:pPr>
+            <a:r>
+              <a:rPr lang="en-US" sz="1600" dirty="0"/>
+              <a:t>Individual modules may be cited as </a:t>
+            </a:r>
+            <a:r>
+              <a:rPr lang="en-US" sz="1600" i="1" dirty="0"/>
+              <a:t>Speaker, Module Title</a:t>
+            </a:r>
+            <a:r>
+              <a:rPr lang="en-US" sz="1600" dirty="0"/>
+              <a:t>, in </a:t>
+            </a:r>
+            <a:r>
+              <a:rPr lang="en-US" sz="1600" b="0" i="1" dirty="0">
+                <a:solidFill>
+                  <a:srgbClr val="111111"/>
+                </a:solidFill>
+                <a:effectLst/>
+                <a:latin typeface="+mn-lt"/>
+              </a:rPr>
+              <a:t>Tutorial Title</a:t>
+            </a:r>
+            <a:r>
+              <a:rPr lang="en-US" sz="1600" dirty="0"/>
+              <a:t>, …</a:t>
+            </a:r>
+          </a:p>
+          <a:p>
+            <a:pPr marL="0" indent="0">
+              <a:spcBef>
+                <a:spcPts val="800"/>
+              </a:spcBef>
+              <a:buNone/>
+            </a:pPr>
+            <a:r>
+              <a:rPr lang="en-US" sz="2000" b="1" dirty="0"/>
+              <a:t>Acknowledgements</a:t>
+            </a:r>
+          </a:p>
+          <a:p>
+            <a:pPr>
+              <a:spcBef>
+                <a:spcPts val="400"/>
+              </a:spcBef>
+            </a:pPr>
+            <a:r>
+              <a:rPr lang="en-US" sz="1400" dirty="0"/>
+              <a:t>This work was supported by the U.S. Department of Energy Office of Science, Office of Advanced Scientific Computing Research (ASCR), and by the Exascale Computing Project (17-SC-20-SC), a collaborative effort of the U.S. Department of Energy Office of Science and the National Nuclear Security Administration</a:t>
+            </a:r>
+            <a:r>
+              <a:rPr lang="en-US" sz="1400" i="1" dirty="0"/>
+              <a:t>.</a:t>
+            </a:r>
+            <a:endParaRPr lang="en-US" sz="1400" dirty="0"/>
+          </a:p>
+          <a:p>
+            <a:pPr>
+              <a:spcBef>
+                <a:spcPts val="400"/>
+              </a:spcBef>
+            </a:pPr>
+            <a:r>
+              <a:rPr lang="en-US" sz="1400" dirty="0"/>
+              <a:t>This work was performed in part at the Argonne National Laboratory, which is managed by UChicago Argonne, LLC for the U.S. Department of Energy under Contract No. DE-AC02-06CH11357.</a:t>
+            </a:r>
+          </a:p>
+          <a:p>
+            <a:pPr>
+              <a:spcBef>
+                <a:spcPts val="400"/>
+              </a:spcBef>
+            </a:pPr>
+            <a:r>
+              <a:rPr lang="en-US" sz="1400" dirty="0"/>
+              <a:t>This work was performed in part at the Lawrence Livermore National Laboratory, which is managed by Lawrence Livermore National Security, LLC for the U.S. Department of Energy under Contract No. DE-AC52-07NA27344.</a:t>
+            </a:r>
+          </a:p>
+          <a:p>
+            <a:pPr>
+              <a:spcBef>
+                <a:spcPts val="400"/>
+              </a:spcBef>
+            </a:pPr>
+            <a:r>
+              <a:rPr lang="en-US" sz="1400" dirty="0"/>
+              <a:t>This work was performed in part at the Los Alamos National Laboratory, which is managed by Triad National Security, LLC for the U.S. Department of Energy under Contract No.89233218CNA000001</a:t>
+            </a:r>
+          </a:p>
+          <a:p>
+            <a:pPr>
+              <a:spcBef>
+                <a:spcPts val="400"/>
+              </a:spcBef>
+            </a:pPr>
+            <a:r>
+              <a:rPr lang="en-US" sz="1400" dirty="0"/>
+              <a:t>This work was performed in part at the Oak Ridge National Laboratory, which is managed by UT-Battelle, LLC for the U.S. Department of Energy under Contract No. DE-AC05-00OR22725.</a:t>
+            </a:r>
+          </a:p>
+          <a:p>
+            <a:pPr>
+              <a:spcBef>
+                <a:spcPts val="400"/>
+              </a:spcBef>
+            </a:pPr>
+            <a:r>
+              <a:rPr lang="en-US" sz="1400" dirty="0"/>
+              <a:t>This work was performed in part at Sandia National Laboratories. Sandia National Laboratories is a multi-mission laboratory managed and operated by National Technology and Engineering Solutions of Sandia, LLC., a wholly owned subsidiary of Honeywell International, Inc., for the U.S. Department of Energy’s National Nuclear Security Administration under contract DE-NA0003525.</a:t>
+            </a:r>
+          </a:p>
+        </p:txBody>
+      </p:sp>
+      <p:pic>
+        <p:nvPicPr>
+          <p:cNvPr id="4" name="Picture 2" descr="https://licensebuttons.net/l/by/4.0/88x31.png">
+            <a:extLst>
+              <a:ext uri="{FF2B5EF4-FFF2-40B4-BE49-F238E27FC236}">
+                <a16:creationId xmlns:a16="http://schemas.microsoft.com/office/drawing/2014/main" id="{61840015-22A0-4634-A2DE-AA05F998FD3A}"/>
+              </a:ext>
+            </a:extLst>
+          </p:cNvPr>
+          <p:cNvPicPr>
+            <a:picLocks noChangeAspect="1" noChangeArrowheads="1"/>
+          </p:cNvPicPr>
+          <p:nvPr/>
+        </p:nvPicPr>
+        <p:blipFill>
+          <a:blip r:embed="rId5">
+            <a:extLst>
+              <a:ext uri="{28A0092B-C50C-407E-A947-70E740481C1C}">
+                <a14:useLocalDpi xmlns:a14="http://schemas.microsoft.com/office/drawing/2010/main" val="0"/>
+              </a:ext>
+            </a:extLst>
+          </a:blip>
+          <a:srcRect/>
+          <a:stretch>
+            <a:fillRect/>
+          </a:stretch>
+        </p:blipFill>
+        <p:spPr bwMode="auto">
+          <a:xfrm>
+            <a:off x="10230336" y="879673"/>
+            <a:ext cx="838200" cy="295275"/>
+          </a:xfrm>
+          <a:prstGeom prst="rect">
+            <a:avLst/>
+          </a:prstGeom>
+          <a:noFill/>
+          <a:extLst>
+            <a:ext uri="{909E8E84-426E-40DD-AFC4-6F175D3DCCD1}">
+              <a14:hiddenFill xmlns:a14="http://schemas.microsoft.com/office/drawing/2010/main">
+                <a:solidFill>
+                  <a:srgbClr val="FFFFFF"/>
+                </a:solidFill>
+              </a14:hiddenFill>
+            </a:ext>
+          </a:extLst>
+        </p:spPr>
+      </p:pic>
+    </p:spTree>
+    <p:extLst>
+      <p:ext uri="{BB962C8B-B14F-4D97-AF65-F5344CB8AC3E}">
+        <p14:creationId xmlns:p14="http://schemas.microsoft.com/office/powerpoint/2010/main" val="978726433"/>
+      </p:ext>
+    </p:extLst>
+  </p:cSld>
+  <p:clrMapOvr>
+    <a:masterClrMapping/>
+  </p:clrMapOvr>
+</p:sld>
+</file>
+
+<file path=ppt/slides/slide20.xml><?xml version="1.0" encoding="utf-8"?>
 <p:sld xmlns:a="http://schemas.openxmlformats.org/drawingml/2006/main" xmlns:r="http://schemas.openxmlformats.org/officeDocument/2006/relationships" xmlns:p="http://schemas.openxmlformats.org/presentationml/2006/main">
   <p:cSld>
     <p:spTree>
@@ -11192,159 +11992,7 @@
 </p:sld>
 </file>
 
-<file path=ppt/slides/slide2.xml><?xml version="1.0" encoding="utf-8"?>
-<p:sld xmlns:a="http://schemas.openxmlformats.org/drawingml/2006/main" xmlns:r="http://schemas.openxmlformats.org/officeDocument/2006/relationships" xmlns:p="http://schemas.openxmlformats.org/presentationml/2006/main">
-  <p:cSld>
-    <p:spTree>
-      <p:nvGrpSpPr>
-        <p:cNvPr id="1" name=""/>
-        <p:cNvGrpSpPr/>
-        <p:nvPr/>
-      </p:nvGrpSpPr>
-      <p:grpSpPr>
-        <a:xfrm>
-          <a:off x="0" y="0"/>
-          <a:ext cx="0" cy="0"/>
-          <a:chOff x="0" y="0"/>
-          <a:chExt cx="0" cy="0"/>
-        </a:xfrm>
-      </p:grpSpPr>
-      <p:sp>
-        <p:nvSpPr>
-          <p:cNvPr id="3" name="Content Placeholder 2">
-            <a:extLst>
-              <a:ext uri="{FF2B5EF4-FFF2-40B4-BE49-F238E27FC236}">
-                <a16:creationId xmlns:a16="http://schemas.microsoft.com/office/drawing/2014/main" id="{BF403017-A750-F726-3A1A-1F298D2510CB}"/>
-              </a:ext>
-            </a:extLst>
-          </p:cNvPr>
-          <p:cNvSpPr>
-            <a:spLocks noGrp="1"/>
-          </p:cNvSpPr>
-          <p:nvPr>
-            <p:ph idx="1"/>
-          </p:nvPr>
-        </p:nvSpPr>
-        <p:spPr>
-          <a:xfrm>
-            <a:off x="264160" y="1179530"/>
-            <a:ext cx="11369809" cy="5463866"/>
-          </a:xfrm>
-        </p:spPr>
-        <p:txBody>
-          <a:bodyPr>
-            <a:normAutofit/>
-          </a:bodyPr>
-          <a:lstStyle/>
-          <a:p>
-            <a:r>
-              <a:rPr lang="en-US" dirty="0"/>
-              <a:t>Investing some thought in design of software makes it possible to maintain, reuse and extend it</a:t>
-            </a:r>
-          </a:p>
-          <a:p>
-            <a:r>
-              <a:rPr lang="en-US" dirty="0"/>
-              <a:t>Even if some research software begins its life as a one-off use case, it often gets reused</a:t>
-            </a:r>
-          </a:p>
-          <a:p>
-            <a:pPr lvl="1"/>
-            <a:r>
-              <a:rPr lang="en-US" dirty="0"/>
-              <a:t>Without proper design it is likely to accrete features haphazardly and become a monstrosity</a:t>
-            </a:r>
-          </a:p>
-          <a:p>
-            <a:pPr lvl="2"/>
-            <a:r>
-              <a:rPr lang="en-US" dirty="0"/>
-              <a:t>Acquires a lot of technical debt in the process</a:t>
-            </a:r>
-          </a:p>
-          <a:p>
-            <a:pPr lvl="1"/>
-            <a:r>
-              <a:rPr lang="en-US" dirty="0"/>
-              <a:t>Many projects have had this happen </a:t>
-            </a:r>
-          </a:p>
-          <a:p>
-            <a:pPr lvl="1"/>
-            <a:r>
-              <a:rPr lang="en-US" dirty="0"/>
-              <a:t>Most end up with a hard reset and start over again</a:t>
-            </a:r>
-          </a:p>
-          <a:p>
-            <a:r>
-              <a:rPr lang="en-US" dirty="0"/>
-              <a:t>In this module we will cover general design principles and those that are tailored for scientific software</a:t>
-            </a:r>
-          </a:p>
-          <a:p>
-            <a:r>
-              <a:rPr lang="en-US" dirty="0"/>
-              <a:t>We will also work through two use cases</a:t>
-            </a:r>
-          </a:p>
-          <a:p>
-            <a:pPr lvl="1"/>
-            <a:endParaRPr lang="en-US" dirty="0"/>
-          </a:p>
-          <a:p>
-            <a:pPr lvl="1"/>
-            <a:endParaRPr lang="en-US" dirty="0"/>
-          </a:p>
-        </p:txBody>
-      </p:sp>
-      <p:sp>
-        <p:nvSpPr>
-          <p:cNvPr id="2" name="Title 1">
-            <a:extLst>
-              <a:ext uri="{FF2B5EF4-FFF2-40B4-BE49-F238E27FC236}">
-                <a16:creationId xmlns:a16="http://schemas.microsoft.com/office/drawing/2014/main" id="{21A7FE85-F68E-DA20-11B5-9FB90BB9AF7B}"/>
-              </a:ext>
-            </a:extLst>
-          </p:cNvPr>
-          <p:cNvSpPr>
-            <a:spLocks noGrp="1"/>
-          </p:cNvSpPr>
-          <p:nvPr>
-            <p:ph type="title"/>
-          </p:nvPr>
-        </p:nvSpPr>
-        <p:spPr>
-          <a:xfrm>
-            <a:off x="365760" y="411480"/>
-            <a:ext cx="11372473" cy="914400"/>
-          </a:xfrm>
-        </p:spPr>
-        <p:txBody>
-          <a:bodyPr/>
-          <a:lstStyle/>
-          <a:p>
-            <a:r>
-              <a:rPr lang="en-US" dirty="0"/>
-              <a:t>Introduction</a:t>
-            </a:r>
-          </a:p>
-        </p:txBody>
-      </p:sp>
-    </p:spTree>
-    <p:extLst>
-      <p:ext uri="{BB962C8B-B14F-4D97-AF65-F5344CB8AC3E}">
-        <p14:creationId xmlns:p14="http://schemas.microsoft.com/office/powerpoint/2010/main" val="1158680619"/>
-      </p:ext>
-    </p:extLst>
-  </p:cSld>
-  <p:clrMapOvr>
-    <a:masterClrMapping/>
-  </p:clrMapOvr>
-</p:sld>
-</file>
-
-<file path=ppt/slides/slide20.xml><?xml version="1.0" encoding="utf-8"?>
+<file path=ppt/slides/slide21.xml><?xml version="1.0" encoding="utf-8"?>
 <p:sld xmlns:a="http://schemas.openxmlformats.org/drawingml/2006/main" xmlns:r="http://schemas.openxmlformats.org/officeDocument/2006/relationships" xmlns:p="http://schemas.openxmlformats.org/presentationml/2006/main">
   <p:cSld>
     <p:spTree>
@@ -12297,7 +12945,7 @@
 </p:sld>
 </file>
 
-<file path=ppt/slides/slide21.xml><?xml version="1.0" encoding="utf-8"?>
+<file path=ppt/slides/slide22.xml><?xml version="1.0" encoding="utf-8"?>
 <p:sld xmlns:a="http://schemas.openxmlformats.org/drawingml/2006/main" xmlns:r="http://schemas.openxmlformats.org/officeDocument/2006/relationships" xmlns:p="http://schemas.openxmlformats.org/presentationml/2006/main">
   <p:cSld>
     <p:spTree>
@@ -13295,7 +13943,7 @@
 </p:sld>
 </file>
 
-<file path=ppt/slides/slide22.xml><?xml version="1.0" encoding="utf-8"?>
+<file path=ppt/slides/slide23.xml><?xml version="1.0" encoding="utf-8"?>
 <p:sld xmlns:a="http://schemas.openxmlformats.org/drawingml/2006/main" xmlns:r="http://schemas.openxmlformats.org/officeDocument/2006/relationships" xmlns:p="http://schemas.openxmlformats.org/presentationml/2006/main">
   <p:cSld>
     <p:spTree>
@@ -14789,7 +15437,7 @@
 </p:sld>
 </file>
 
-<file path=ppt/slides/slide23.xml><?xml version="1.0" encoding="utf-8"?>
+<file path=ppt/slides/slide24.xml><?xml version="1.0" encoding="utf-8"?>
 <p:sld xmlns:a="http://schemas.openxmlformats.org/drawingml/2006/main" xmlns:r="http://schemas.openxmlformats.org/officeDocument/2006/relationships" xmlns:p="http://schemas.openxmlformats.org/presentationml/2006/main">
   <p:cSld>
     <p:spTree>
@@ -14944,7 +15592,7 @@
 </p:sld>
 </file>
 
-<file path=ppt/slides/slide24.xml><?xml version="1.0" encoding="utf-8"?>
+<file path=ppt/slides/slide25.xml><?xml version="1.0" encoding="utf-8"?>
 <p:sld xmlns:a="http://schemas.openxmlformats.org/drawingml/2006/main" xmlns:r="http://schemas.openxmlformats.org/officeDocument/2006/relationships" xmlns:p="http://schemas.openxmlformats.org/presentationml/2006/main">
   <p:cSld>
     <p:spTree>
@@ -15228,7 +15876,7 @@
 </p:sld>
 </file>
 
-<file path=ppt/slides/slide25.xml><?xml version="1.0" encoding="utf-8"?>
+<file path=ppt/slides/slide26.xml><?xml version="1.0" encoding="utf-8"?>
 <p:sld xmlns:a="http://schemas.openxmlformats.org/drawingml/2006/main" xmlns:r="http://schemas.openxmlformats.org/officeDocument/2006/relationships" xmlns:p="http://schemas.openxmlformats.org/presentationml/2006/main">
   <p:cSld>
     <p:spTree>
@@ -15641,7 +16289,7 @@
 </p:sld>
 </file>
 
-<file path=ppt/slides/slide26.xml><?xml version="1.0" encoding="utf-8"?>
+<file path=ppt/slides/slide27.xml><?xml version="1.0" encoding="utf-8"?>
 <p:sld xmlns:a="http://schemas.openxmlformats.org/drawingml/2006/main" xmlns:r="http://schemas.openxmlformats.org/officeDocument/2006/relationships" xmlns:p="http://schemas.openxmlformats.org/presentationml/2006/main">
   <p:cSld>
     <p:spTree>
@@ -16141,7 +16789,7 @@
 </p:sld>
 </file>
 
-<file path=ppt/slides/slide27.xml><?xml version="1.0" encoding="utf-8"?>
+<file path=ppt/slides/slide28.xml><?xml version="1.0" encoding="utf-8"?>
 <p:sld xmlns:a="http://schemas.openxmlformats.org/drawingml/2006/main" xmlns:r="http://schemas.openxmlformats.org/officeDocument/2006/relationships" xmlns:p="http://schemas.openxmlformats.org/presentationml/2006/main">
   <p:cSld>
     <p:spTree>
@@ -16437,7 +17085,7 @@
 </p:sld>
 </file>
 
-<file path=ppt/slides/slide28.xml><?xml version="1.0" encoding="utf-8"?>
+<file path=ppt/slides/slide29.xml><?xml version="1.0" encoding="utf-8"?>
 <p:sld xmlns:a="http://schemas.openxmlformats.org/drawingml/2006/main" xmlns:r="http://schemas.openxmlformats.org/officeDocument/2006/relationships" xmlns:p="http://schemas.openxmlformats.org/presentationml/2006/main">
   <p:cSld>
     <p:spTree>
@@ -16760,7 +17408,159 @@
 </p:sld>
 </file>
 
-<file path=ppt/slides/slide29.xml><?xml version="1.0" encoding="utf-8"?>
+<file path=ppt/slides/slide3.xml><?xml version="1.0" encoding="utf-8"?>
+<p:sld xmlns:a="http://schemas.openxmlformats.org/drawingml/2006/main" xmlns:r="http://schemas.openxmlformats.org/officeDocument/2006/relationships" xmlns:p="http://schemas.openxmlformats.org/presentationml/2006/main">
+  <p:cSld>
+    <p:spTree>
+      <p:nvGrpSpPr>
+        <p:cNvPr id="1" name=""/>
+        <p:cNvGrpSpPr/>
+        <p:nvPr/>
+      </p:nvGrpSpPr>
+      <p:grpSpPr>
+        <a:xfrm>
+          <a:off x="0" y="0"/>
+          <a:ext cx="0" cy="0"/>
+          <a:chOff x="0" y="0"/>
+          <a:chExt cx="0" cy="0"/>
+        </a:xfrm>
+      </p:grpSpPr>
+      <p:sp>
+        <p:nvSpPr>
+          <p:cNvPr id="3" name="Content Placeholder 2">
+            <a:extLst>
+              <a:ext uri="{FF2B5EF4-FFF2-40B4-BE49-F238E27FC236}">
+                <a16:creationId xmlns:a16="http://schemas.microsoft.com/office/drawing/2014/main" id="{BF403017-A750-F726-3A1A-1F298D2510CB}"/>
+              </a:ext>
+            </a:extLst>
+          </p:cNvPr>
+          <p:cNvSpPr>
+            <a:spLocks noGrp="1"/>
+          </p:cNvSpPr>
+          <p:nvPr>
+            <p:ph idx="1"/>
+          </p:nvPr>
+        </p:nvSpPr>
+        <p:spPr>
+          <a:xfrm>
+            <a:off x="264160" y="1179530"/>
+            <a:ext cx="11369809" cy="5463866"/>
+          </a:xfrm>
+        </p:spPr>
+        <p:txBody>
+          <a:bodyPr>
+            <a:normAutofit/>
+          </a:bodyPr>
+          <a:lstStyle/>
+          <a:p>
+            <a:r>
+              <a:rPr lang="en-US" dirty="0"/>
+              <a:t>Investing some thought in design of software makes it possible to maintain, reuse and extend it</a:t>
+            </a:r>
+          </a:p>
+          <a:p>
+            <a:r>
+              <a:rPr lang="en-US" dirty="0"/>
+              <a:t>Even if some research software begins its life as a one-off use case, it often gets reused</a:t>
+            </a:r>
+          </a:p>
+          <a:p>
+            <a:pPr lvl="1"/>
+            <a:r>
+              <a:rPr lang="en-US" dirty="0"/>
+              <a:t>Without proper design it is likely to accrete features haphazardly and become a monstrosity</a:t>
+            </a:r>
+          </a:p>
+          <a:p>
+            <a:pPr lvl="2"/>
+            <a:r>
+              <a:rPr lang="en-US" dirty="0"/>
+              <a:t>Acquires a lot of technical debt in the process</a:t>
+            </a:r>
+          </a:p>
+          <a:p>
+            <a:pPr lvl="1"/>
+            <a:r>
+              <a:rPr lang="en-US" dirty="0"/>
+              <a:t>Many projects have had this happen </a:t>
+            </a:r>
+          </a:p>
+          <a:p>
+            <a:pPr lvl="1"/>
+            <a:r>
+              <a:rPr lang="en-US" dirty="0"/>
+              <a:t>Most end up with a hard reset and start over again</a:t>
+            </a:r>
+          </a:p>
+          <a:p>
+            <a:r>
+              <a:rPr lang="en-US" dirty="0"/>
+              <a:t>In this module we will cover general design principles and those that are tailored for scientific software</a:t>
+            </a:r>
+          </a:p>
+          <a:p>
+            <a:r>
+              <a:rPr lang="en-US" dirty="0"/>
+              <a:t>We will also work through two use cases</a:t>
+            </a:r>
+          </a:p>
+          <a:p>
+            <a:pPr lvl="1"/>
+            <a:endParaRPr lang="en-US" dirty="0"/>
+          </a:p>
+          <a:p>
+            <a:pPr lvl="1"/>
+            <a:endParaRPr lang="en-US" dirty="0"/>
+          </a:p>
+        </p:txBody>
+      </p:sp>
+      <p:sp>
+        <p:nvSpPr>
+          <p:cNvPr id="2" name="Title 1">
+            <a:extLst>
+              <a:ext uri="{FF2B5EF4-FFF2-40B4-BE49-F238E27FC236}">
+                <a16:creationId xmlns:a16="http://schemas.microsoft.com/office/drawing/2014/main" id="{21A7FE85-F68E-DA20-11B5-9FB90BB9AF7B}"/>
+              </a:ext>
+            </a:extLst>
+          </p:cNvPr>
+          <p:cNvSpPr>
+            <a:spLocks noGrp="1"/>
+          </p:cNvSpPr>
+          <p:nvPr>
+            <p:ph type="title"/>
+          </p:nvPr>
+        </p:nvSpPr>
+        <p:spPr>
+          <a:xfrm>
+            <a:off x="365760" y="411480"/>
+            <a:ext cx="11372473" cy="914400"/>
+          </a:xfrm>
+        </p:spPr>
+        <p:txBody>
+          <a:bodyPr/>
+          <a:lstStyle/>
+          <a:p>
+            <a:r>
+              <a:rPr lang="en-US" dirty="0"/>
+              <a:t>Introduction</a:t>
+            </a:r>
+          </a:p>
+        </p:txBody>
+      </p:sp>
+    </p:spTree>
+    <p:extLst>
+      <p:ext uri="{BB962C8B-B14F-4D97-AF65-F5344CB8AC3E}">
+        <p14:creationId xmlns:p14="http://schemas.microsoft.com/office/powerpoint/2010/main" val="1158680619"/>
+      </p:ext>
+    </p:extLst>
+  </p:cSld>
+  <p:clrMapOvr>
+    <a:masterClrMapping/>
+  </p:clrMapOvr>
+</p:sld>
+</file>
+
+<file path=ppt/slides/slide30.xml><?xml version="1.0" encoding="utf-8"?>
 <p:sld xmlns:a="http://schemas.openxmlformats.org/drawingml/2006/main" xmlns:r="http://schemas.openxmlformats.org/officeDocument/2006/relationships" xmlns:p="http://schemas.openxmlformats.org/presentationml/2006/main">
   <p:cSld>
     <p:spTree>
@@ -17039,305 +17839,7 @@
 </p:sld>
 </file>
 
-<file path=ppt/slides/slide3.xml><?xml version="1.0" encoding="utf-8"?>
-<p:sld xmlns:a="http://schemas.openxmlformats.org/drawingml/2006/main" xmlns:r="http://schemas.openxmlformats.org/officeDocument/2006/relationships" xmlns:p="http://schemas.openxmlformats.org/presentationml/2006/main">
-  <p:cSld>
-    <p:spTree>
-      <p:nvGrpSpPr>
-        <p:cNvPr id="1" name=""/>
-        <p:cNvGrpSpPr/>
-        <p:nvPr/>
-      </p:nvGrpSpPr>
-      <p:grpSpPr>
-        <a:xfrm>
-          <a:off x="0" y="0"/>
-          <a:ext cx="0" cy="0"/>
-          <a:chOff x="0" y="0"/>
-          <a:chExt cx="0" cy="0"/>
-        </a:xfrm>
-      </p:grpSpPr>
-      <p:sp>
-        <p:nvSpPr>
-          <p:cNvPr id="2" name="Title 1">
-            <a:extLst>
-              <a:ext uri="{FF2B5EF4-FFF2-40B4-BE49-F238E27FC236}">
-                <a16:creationId xmlns:a16="http://schemas.microsoft.com/office/drawing/2014/main" id="{42E5E0AA-F303-404B-99A5-8E88C983825E}"/>
-              </a:ext>
-            </a:extLst>
-          </p:cNvPr>
-          <p:cNvSpPr>
-            <a:spLocks noGrp="1"/>
-          </p:cNvSpPr>
-          <p:nvPr>
-            <p:ph type="title"/>
-          </p:nvPr>
-        </p:nvSpPr>
-        <p:spPr/>
-        <p:txBody>
-          <a:bodyPr/>
-          <a:lstStyle/>
-          <a:p>
-            <a:r>
-              <a:rPr lang="en-US" dirty="0"/>
-              <a:t>General Design Principles for Maintainable Software</a:t>
-            </a:r>
-          </a:p>
-        </p:txBody>
-      </p:sp>
-      <p:sp>
-        <p:nvSpPr>
-          <p:cNvPr id="9" name="Rounded Rectangle 8">
-            <a:extLst>
-              <a:ext uri="{FF2B5EF4-FFF2-40B4-BE49-F238E27FC236}">
-                <a16:creationId xmlns:a16="http://schemas.microsoft.com/office/drawing/2014/main" id="{22918CC8-79ED-86A0-F247-1AC79103DFA2}"/>
-              </a:ext>
-            </a:extLst>
-          </p:cNvPr>
-          <p:cNvSpPr/>
-          <p:nvPr/>
-        </p:nvSpPr>
-        <p:spPr>
-          <a:xfrm>
-            <a:off x="169333" y="1184114"/>
-            <a:ext cx="5721178" cy="5029200"/>
-          </a:xfrm>
-          <a:prstGeom prst="roundRect">
-            <a:avLst/>
-          </a:prstGeom>
-          <a:solidFill>
-            <a:schemeClr val="accent2">
-              <a:lumMod val="50000"/>
-            </a:schemeClr>
-          </a:solidFill>
-          <a:ln>
-            <a:noFill/>
-          </a:ln>
-          <a:effectLst>
-            <a:outerShdw blurRad="44450" dist="27940" dir="5400000" algn="ctr">
-              <a:srgbClr val="000000">
-                <a:alpha val="32000"/>
-              </a:srgbClr>
-            </a:outerShdw>
-          </a:effectLst>
-        </p:spPr>
-        <p:txBody>
-          <a:bodyPr rot="0" spcFirstLastPara="0" vertOverflow="overflow" horzOverflow="overflow" vert="horz" wrap="square" lIns="121851" tIns="60925" rIns="121851" bIns="60925" numCol="1" spcCol="0" rtlCol="0" fromWordArt="0" anchor="ctr" anchorCtr="0" forceAA="0" compatLnSpc="1">
-            <a:prstTxWarp prst="textNoShape">
-              <a:avLst/>
-            </a:prstTxWarp>
-            <a:noAutofit/>
-          </a:bodyPr>
-          <a:lstStyle/>
-          <a:p>
-            <a:pPr algn="ctr">
-              <a:lnSpc>
-                <a:spcPct val="90000"/>
-              </a:lnSpc>
-            </a:pPr>
-            <a:r>
-              <a:rPr lang="en-US" sz="2000" b="1" dirty="0">
-                <a:solidFill>
-                  <a:schemeClr val="accent2">
-                    <a:lumMod val="20000"/>
-                    <a:lumOff val="80000"/>
-                  </a:schemeClr>
-                </a:solidFill>
-              </a:rPr>
-              <a:t>Some definitions from the web</a:t>
-            </a:r>
-          </a:p>
-          <a:p>
-            <a:pPr algn="ctr">
-              <a:lnSpc>
-                <a:spcPct val="90000"/>
-              </a:lnSpc>
-            </a:pPr>
-            <a:endParaRPr lang="en-US" sz="2000" b="1" dirty="0">
-              <a:solidFill>
-                <a:schemeClr val="accent2">
-                  <a:lumMod val="20000"/>
-                  <a:lumOff val="80000"/>
-                </a:schemeClr>
-              </a:solidFill>
-            </a:endParaRPr>
-          </a:p>
-          <a:p>
-            <a:pPr marL="342900" indent="-342900" algn="l">
-              <a:buFont typeface="Wingdings" pitchFamily="2" charset="2"/>
-              <a:buChar char="q"/>
-            </a:pPr>
-            <a:r>
-              <a:rPr lang="en-US" sz="2000" b="0" dirty="0">
-                <a:solidFill>
-                  <a:schemeClr val="accent2">
-                    <a:lumMod val="20000"/>
-                    <a:lumOff val="80000"/>
-                  </a:schemeClr>
-                </a:solidFill>
-                <a:effectLst/>
-                <a:latin typeface="sohne"/>
-              </a:rPr>
-              <a:t>Encapsulate what varies</a:t>
-            </a:r>
-          </a:p>
-          <a:p>
-            <a:pPr marL="342900" indent="-342900" algn="l">
-              <a:buFont typeface="Wingdings" pitchFamily="2" charset="2"/>
-              <a:buChar char="q"/>
-            </a:pPr>
-            <a:r>
-              <a:rPr lang="en-US" sz="2000" b="0" dirty="0">
-                <a:solidFill>
-                  <a:schemeClr val="accent2">
-                    <a:lumMod val="20000"/>
-                    <a:lumOff val="80000"/>
-                  </a:schemeClr>
-                </a:solidFill>
-                <a:effectLst/>
-                <a:latin typeface="sohne"/>
-              </a:rPr>
-              <a:t>Favor composition over inheritance</a:t>
-            </a:r>
-          </a:p>
-          <a:p>
-            <a:pPr marL="342900" indent="-342900" algn="l">
-              <a:buFont typeface="Wingdings" pitchFamily="2" charset="2"/>
-              <a:buChar char="q"/>
-            </a:pPr>
-            <a:r>
-              <a:rPr lang="en-US" sz="2000" b="0" dirty="0">
-                <a:solidFill>
-                  <a:schemeClr val="accent2">
-                    <a:lumMod val="20000"/>
-                    <a:lumOff val="80000"/>
-                  </a:schemeClr>
-                </a:solidFill>
-                <a:effectLst/>
-                <a:latin typeface="sohne"/>
-              </a:rPr>
-              <a:t>Program to interfaces not implementations</a:t>
-            </a:r>
-          </a:p>
-          <a:p>
-            <a:pPr marL="342900" indent="-342900" algn="l">
-              <a:buFont typeface="Wingdings" pitchFamily="2" charset="2"/>
-              <a:buChar char="q"/>
-            </a:pPr>
-            <a:r>
-              <a:rPr lang="en-US" sz="2000" b="0" dirty="0">
-                <a:solidFill>
-                  <a:schemeClr val="accent2">
-                    <a:lumMod val="20000"/>
-                    <a:lumOff val="80000"/>
-                  </a:schemeClr>
-                </a:solidFill>
-                <a:effectLst/>
-                <a:latin typeface="sohne"/>
-              </a:rPr>
-              <a:t>Loose coupling – interacting components should have minimal knowledge about each other</a:t>
-            </a:r>
-          </a:p>
-          <a:p>
-            <a:pPr marL="342900" indent="-342900" algn="l">
-              <a:buFont typeface="Wingdings" pitchFamily="2" charset="2"/>
-              <a:buChar char="q"/>
-            </a:pPr>
-            <a:r>
-              <a:rPr lang="en-US" sz="2000" dirty="0">
-                <a:solidFill>
-                  <a:schemeClr val="accent2">
-                    <a:lumMod val="20000"/>
-                    <a:lumOff val="80000"/>
-                  </a:schemeClr>
-                </a:solidFill>
-                <a:latin typeface="sohne"/>
-              </a:rPr>
-              <a:t>SOLID</a:t>
-            </a:r>
-            <a:endParaRPr lang="en-US" sz="2000" b="0" dirty="0">
-              <a:solidFill>
-                <a:schemeClr val="accent2">
-                  <a:lumMod val="20000"/>
-                  <a:lumOff val="80000"/>
-                </a:schemeClr>
-              </a:solidFill>
-              <a:effectLst/>
-              <a:latin typeface="sohne"/>
-            </a:endParaRPr>
-          </a:p>
-          <a:p>
-            <a:pPr marL="800100" lvl="1" indent="-342900">
-              <a:lnSpc>
-                <a:spcPct val="90000"/>
-              </a:lnSpc>
-              <a:buFont typeface="Wingdings" pitchFamily="2" charset="2"/>
-              <a:buChar char="q"/>
-            </a:pPr>
-            <a:endParaRPr lang="en-US" sz="2000" dirty="0">
-              <a:solidFill>
-                <a:schemeClr val="accent2">
-                  <a:lumMod val="20000"/>
-                  <a:lumOff val="80000"/>
-                </a:schemeClr>
-              </a:solidFill>
-            </a:endParaRPr>
-          </a:p>
-          <a:p>
-            <a:pPr algn="ctr">
-              <a:lnSpc>
-                <a:spcPct val="90000"/>
-              </a:lnSpc>
-            </a:pPr>
-            <a:r>
-              <a:rPr lang="en-US" sz="2000" dirty="0">
-                <a:solidFill>
-                  <a:schemeClr val="accent2">
-                    <a:lumMod val="20000"/>
-                    <a:lumOff val="80000"/>
-                  </a:schemeClr>
-                </a:solidFill>
-              </a:rPr>
-              <a:t>https://</a:t>
-            </a:r>
-            <a:r>
-              <a:rPr lang="en-US" sz="2000" dirty="0" err="1">
-                <a:solidFill>
-                  <a:schemeClr val="accent2">
-                    <a:lumMod val="20000"/>
-                    <a:lumOff val="80000"/>
-                  </a:schemeClr>
-                </a:solidFill>
-              </a:rPr>
-              <a:t>bootcamp.uxdesign.cc</a:t>
-            </a:r>
-            <a:r>
-              <a:rPr lang="en-US" sz="2000" dirty="0">
-                <a:solidFill>
-                  <a:schemeClr val="accent2">
-                    <a:lumMod val="20000"/>
-                    <a:lumOff val="80000"/>
-                  </a:schemeClr>
-                </a:solidFill>
-              </a:rPr>
-              <a:t>/software-design-principles-every-developers-should-know-23d24735518e</a:t>
-            </a:r>
-          </a:p>
-        </p:txBody>
-      </p:sp>
-    </p:spTree>
-    <p:extLst>
-      <p:ext uri="{BB962C8B-B14F-4D97-AF65-F5344CB8AC3E}">
-        <p14:creationId xmlns:p14="http://schemas.microsoft.com/office/powerpoint/2010/main" val="3139204064"/>
-      </p:ext>
-    </p:extLst>
-  </p:cSld>
-  <p:clrMapOvr>
-    <a:masterClrMapping/>
-  </p:clrMapOvr>
-</p:sld>
-</file>
-
-<file path=ppt/slides/slide30.xml><?xml version="1.0" encoding="utf-8"?>
+<file path=ppt/slides/slide31.xml><?xml version="1.0" encoding="utf-8"?>
 <p:sld xmlns:a="http://schemas.openxmlformats.org/drawingml/2006/main" xmlns:r="http://schemas.openxmlformats.org/officeDocument/2006/relationships" xmlns:p="http://schemas.openxmlformats.org/presentationml/2006/main">
   <p:cSld>
     <p:spTree>
@@ -17485,7 +17987,7 @@
 </p:sld>
 </file>
 
-<file path=ppt/slides/slide31.xml><?xml version="1.0" encoding="utf-8"?>
+<file path=ppt/slides/slide32.xml><?xml version="1.0" encoding="utf-8"?>
 <p:sld xmlns:a="http://schemas.openxmlformats.org/drawingml/2006/main" xmlns:r="http://schemas.openxmlformats.org/officeDocument/2006/relationships" xmlns:p="http://schemas.openxmlformats.org/presentationml/2006/main">
   <p:cSld>
     <p:spTree>
@@ -17728,7 +18230,7 @@
 </p:sld>
 </file>
 
-<file path=ppt/slides/slide32.xml><?xml version="1.0" encoding="utf-8"?>
+<file path=ppt/slides/slide33.xml><?xml version="1.0" encoding="utf-8"?>
 <p:sld xmlns:a="http://schemas.openxmlformats.org/drawingml/2006/main" xmlns:r="http://schemas.openxmlformats.org/officeDocument/2006/relationships" xmlns:p="http://schemas.openxmlformats.org/presentationml/2006/main">
   <p:cSld>
     <p:spTree>
@@ -18059,7 +18561,7 @@
 </p:sld>
 </file>
 
-<file path=ppt/slides/slide33.xml><?xml version="1.0" encoding="utf-8"?>
+<file path=ppt/slides/slide34.xml><?xml version="1.0" encoding="utf-8"?>
 <p:sld xmlns:a="http://schemas.openxmlformats.org/drawingml/2006/main" xmlns:r="http://schemas.openxmlformats.org/officeDocument/2006/relationships" xmlns:p="http://schemas.openxmlformats.org/presentationml/2006/main">
   <p:cSld>
     <p:spTree>
@@ -18522,7 +19024,7 @@
 </p:sld>
 </file>
 
-<file path=ppt/slides/slide34.xml><?xml version="1.0" encoding="utf-8"?>
+<file path=ppt/slides/slide35.xml><?xml version="1.0" encoding="utf-8"?>
 <p:sld xmlns:a="http://schemas.openxmlformats.org/drawingml/2006/main" xmlns:r="http://schemas.openxmlformats.org/officeDocument/2006/relationships" xmlns:p="http://schemas.openxmlformats.org/presentationml/2006/main">
   <p:cSld>
     <p:spTree>
@@ -18664,7 +19166,7 @@
               <a:effectLst/>
               <a:extLst>
                 <a:ext uri="{C572A759-6A51-4108-AA02-DFA0A04FC94B}">
-                  <ma14:wrappingTextBoxFlag xmlns:ma14="http://schemas.microsoft.com/office/mac/drawingml/2011/main" xmlns:a14="http://schemas.microsoft.com/office/drawing/2010/main" xmlns:m="http://schemas.openxmlformats.org/officeDocument/2006/math" xmlns="" val="1"/>
+                  <ma14:wrappingTextBoxFlag xmlns="" xmlns:m="http://schemas.openxmlformats.org/officeDocument/2006/math" xmlns:a14="http://schemas.microsoft.com/office/drawing/2010/main" xmlns:ma14="http://schemas.microsoft.com/office/mac/drawingml/2011/main" val="1"/>
                 </a:ext>
               </a:extLst>
             </p:spPr>
@@ -18781,7 +19283,7 @@
               <a:effectLst/>
               <a:extLst>
                 <a:ext uri="{C572A759-6A51-4108-AA02-DFA0A04FC94B}">
-                  <ma14:wrappingTextBoxFlag xmlns:ma14="http://schemas.microsoft.com/office/mac/drawingml/2011/main" xmlns:a14="http://schemas.microsoft.com/office/drawing/2010/main" xmlns:m="http://schemas.openxmlformats.org/officeDocument/2006/math" xmlns="" val="1"/>
+                  <ma14:wrappingTextBoxFlag xmlns="" xmlns:m="http://schemas.openxmlformats.org/officeDocument/2006/math" xmlns:a14="http://schemas.microsoft.com/office/drawing/2010/main" xmlns:ma14="http://schemas.microsoft.com/office/mac/drawingml/2011/main" val="1"/>
                 </a:ext>
               </a:extLst>
             </p:spPr>
@@ -18911,7 +19413,7 @@
               <a:effectLst/>
               <a:extLst>
                 <a:ext uri="{C572A759-6A51-4108-AA02-DFA0A04FC94B}">
-                  <ma14:wrappingTextBoxFlag xmlns:ma14="http://schemas.microsoft.com/office/mac/drawingml/2011/main" xmlns:a14="http://schemas.microsoft.com/office/drawing/2010/main" xmlns:m="http://schemas.openxmlformats.org/officeDocument/2006/math" xmlns="" val="1"/>
+                  <ma14:wrappingTextBoxFlag xmlns="" xmlns:m="http://schemas.openxmlformats.org/officeDocument/2006/math" xmlns:a14="http://schemas.microsoft.com/office/drawing/2010/main" xmlns:ma14="http://schemas.microsoft.com/office/mac/drawingml/2011/main" val="1"/>
                 </a:ext>
               </a:extLst>
             </p:spPr>
@@ -19036,7 +19538,7 @@
               <a:effectLst/>
               <a:extLst>
                 <a:ext uri="{C572A759-6A51-4108-AA02-DFA0A04FC94B}">
-                  <ma14:wrappingTextBoxFlag xmlns:ma14="http://schemas.microsoft.com/office/mac/drawingml/2011/main" xmlns:a14="http://schemas.microsoft.com/office/drawing/2010/main" xmlns:m="http://schemas.openxmlformats.org/officeDocument/2006/math" xmlns="" val="1"/>
+                  <ma14:wrappingTextBoxFlag xmlns="" xmlns:m="http://schemas.openxmlformats.org/officeDocument/2006/math" xmlns:a14="http://schemas.microsoft.com/office/drawing/2010/main" xmlns:ma14="http://schemas.microsoft.com/office/mac/drawingml/2011/main" val="1"/>
                 </a:ext>
               </a:extLst>
             </p:spPr>
@@ -19193,7 +19695,7 @@
               <a:effectLst/>
               <a:extLst>
                 <a:ext uri="{C572A759-6A51-4108-AA02-DFA0A04FC94B}">
-                  <ma14:wrappingTextBoxFlag xmlns:ma14="http://schemas.microsoft.com/office/mac/drawingml/2011/main" xmlns:a14="http://schemas.microsoft.com/office/drawing/2010/main" xmlns:m="http://schemas.openxmlformats.org/officeDocument/2006/math" xmlns="" val="1"/>
+                  <ma14:wrappingTextBoxFlag xmlns="" xmlns:m="http://schemas.openxmlformats.org/officeDocument/2006/math" xmlns:a14="http://schemas.microsoft.com/office/drawing/2010/main" xmlns:ma14="http://schemas.microsoft.com/office/mac/drawingml/2011/main" val="1"/>
                 </a:ext>
               </a:extLst>
             </p:spPr>
@@ -19313,7 +19815,7 @@
               <a:effectLst/>
               <a:extLst>
                 <a:ext uri="{C572A759-6A51-4108-AA02-DFA0A04FC94B}">
-                  <ma14:wrappingTextBoxFlag xmlns:ma14="http://schemas.microsoft.com/office/mac/drawingml/2011/main" xmlns:a14="http://schemas.microsoft.com/office/drawing/2010/main" xmlns:m="http://schemas.openxmlformats.org/officeDocument/2006/math" xmlns="" val="1"/>
+                  <ma14:wrappingTextBoxFlag xmlns="" xmlns:m="http://schemas.openxmlformats.org/officeDocument/2006/math" xmlns:a14="http://schemas.microsoft.com/office/drawing/2010/main" xmlns:ma14="http://schemas.microsoft.com/office/mac/drawingml/2011/main" val="1"/>
                 </a:ext>
               </a:extLst>
             </p:spPr>
@@ -19441,7 +19943,7 @@
               <a:effectLst/>
               <a:extLst>
                 <a:ext uri="{C572A759-6A51-4108-AA02-DFA0A04FC94B}">
-                  <ma14:wrappingTextBoxFlag xmlns:ma14="http://schemas.microsoft.com/office/mac/drawingml/2011/main" xmlns:a14="http://schemas.microsoft.com/office/drawing/2010/main" xmlns:m="http://schemas.openxmlformats.org/officeDocument/2006/math" xmlns="" val="1"/>
+                  <ma14:wrappingTextBoxFlag xmlns="" xmlns:m="http://schemas.openxmlformats.org/officeDocument/2006/math" xmlns:a14="http://schemas.microsoft.com/office/drawing/2010/main" xmlns:ma14="http://schemas.microsoft.com/office/mac/drawingml/2011/main" val="1"/>
                 </a:ext>
               </a:extLst>
             </p:spPr>
@@ -19570,7 +20072,7 @@
               <a:effectLst/>
               <a:extLst>
                 <a:ext uri="{C572A759-6A51-4108-AA02-DFA0A04FC94B}">
-                  <ma14:wrappingTextBoxFlag xmlns:ma14="http://schemas.microsoft.com/office/mac/drawingml/2011/main" xmlns:a14="http://schemas.microsoft.com/office/drawing/2010/main" xmlns:m="http://schemas.openxmlformats.org/officeDocument/2006/math" xmlns="" val="1"/>
+                  <ma14:wrappingTextBoxFlag xmlns="" xmlns:m="http://schemas.openxmlformats.org/officeDocument/2006/math" xmlns:a14="http://schemas.microsoft.com/office/drawing/2010/main" xmlns:ma14="http://schemas.microsoft.com/office/mac/drawingml/2011/main" val="1"/>
                 </a:ext>
               </a:extLst>
             </p:spPr>
@@ -19747,7 +20249,7 @@
               <a:effectLst/>
               <a:extLst>
                 <a:ext uri="{C572A759-6A51-4108-AA02-DFA0A04FC94B}">
-                  <ma14:wrappingTextBoxFlag xmlns:ma14="http://schemas.microsoft.com/office/mac/drawingml/2011/main" xmlns:a14="http://schemas.microsoft.com/office/drawing/2010/main" xmlns:m="http://schemas.openxmlformats.org/officeDocument/2006/math" xmlns="" val="1"/>
+                  <ma14:wrappingTextBoxFlag xmlns="" xmlns:m="http://schemas.openxmlformats.org/officeDocument/2006/math" xmlns:a14="http://schemas.microsoft.com/office/drawing/2010/main" xmlns:ma14="http://schemas.microsoft.com/office/mac/drawingml/2011/main" val="1"/>
                 </a:ext>
               </a:extLst>
             </p:spPr>
@@ -19864,7 +20366,7 @@
               <a:effectLst/>
               <a:extLst>
                 <a:ext uri="{C572A759-6A51-4108-AA02-DFA0A04FC94B}">
-                  <ma14:wrappingTextBoxFlag xmlns:ma14="http://schemas.microsoft.com/office/mac/drawingml/2011/main" xmlns:a14="http://schemas.microsoft.com/office/drawing/2010/main" xmlns:m="http://schemas.openxmlformats.org/officeDocument/2006/math" xmlns="" val="1"/>
+                  <ma14:wrappingTextBoxFlag xmlns="" xmlns:m="http://schemas.openxmlformats.org/officeDocument/2006/math" xmlns:a14="http://schemas.microsoft.com/office/drawing/2010/main" xmlns:ma14="http://schemas.microsoft.com/office/mac/drawingml/2011/main" val="1"/>
                 </a:ext>
               </a:extLst>
             </p:spPr>
@@ -19993,7 +20495,7 @@
               <a:effectLst/>
               <a:extLst>
                 <a:ext uri="{C572A759-6A51-4108-AA02-DFA0A04FC94B}">
-                  <ma14:wrappingTextBoxFlag xmlns:ma14="http://schemas.microsoft.com/office/mac/drawingml/2011/main" xmlns:a14="http://schemas.microsoft.com/office/drawing/2010/main" xmlns:m="http://schemas.openxmlformats.org/officeDocument/2006/math" xmlns="" val="1"/>
+                  <ma14:wrappingTextBoxFlag xmlns="" xmlns:m="http://schemas.openxmlformats.org/officeDocument/2006/math" xmlns:a14="http://schemas.microsoft.com/office/drawing/2010/main" xmlns:ma14="http://schemas.microsoft.com/office/mac/drawingml/2011/main" val="1"/>
                 </a:ext>
               </a:extLst>
             </p:spPr>
@@ -20116,7 +20618,7 @@
               <a:effectLst/>
               <a:extLst>
                 <a:ext uri="{C572A759-6A51-4108-AA02-DFA0A04FC94B}">
-                  <ma14:wrappingTextBoxFlag xmlns:ma14="http://schemas.microsoft.com/office/mac/drawingml/2011/main" xmlns:a14="http://schemas.microsoft.com/office/drawing/2010/main" xmlns:m="http://schemas.openxmlformats.org/officeDocument/2006/math" xmlns="" val="1"/>
+                  <ma14:wrappingTextBoxFlag xmlns="" xmlns:m="http://schemas.openxmlformats.org/officeDocument/2006/math" xmlns:a14="http://schemas.microsoft.com/office/drawing/2010/main" xmlns:ma14="http://schemas.microsoft.com/office/mac/drawingml/2011/main" val="1"/>
                 </a:ext>
               </a:extLst>
             </p:spPr>
@@ -20723,7 +21225,7 @@
               <a:effectLst/>
               <a:extLst>
                 <a:ext uri="{C572A759-6A51-4108-AA02-DFA0A04FC94B}">
-                  <ma14:wrappingTextBoxFlag xmlns:ma14="http://schemas.microsoft.com/office/mac/drawingml/2011/main" xmlns:a14="http://schemas.microsoft.com/office/drawing/2010/main" xmlns:m="http://schemas.openxmlformats.org/officeDocument/2006/math" xmlns="" val="1"/>
+                  <ma14:wrappingTextBoxFlag xmlns="" xmlns:m="http://schemas.openxmlformats.org/officeDocument/2006/math" xmlns:a14="http://schemas.microsoft.com/office/drawing/2010/main" xmlns:ma14="http://schemas.microsoft.com/office/mac/drawingml/2011/main" val="1"/>
                 </a:ext>
               </a:extLst>
             </p:spPr>
@@ -20857,7 +21359,7 @@
               <a:effectLst/>
               <a:extLst>
                 <a:ext uri="{C572A759-6A51-4108-AA02-DFA0A04FC94B}">
-                  <ma14:wrappingTextBoxFlag xmlns:ma14="http://schemas.microsoft.com/office/mac/drawingml/2011/main" xmlns:a14="http://schemas.microsoft.com/office/drawing/2010/main" xmlns:m="http://schemas.openxmlformats.org/officeDocument/2006/math" xmlns="" val="1"/>
+                  <ma14:wrappingTextBoxFlag xmlns="" xmlns:m="http://schemas.openxmlformats.org/officeDocument/2006/math" xmlns:a14="http://schemas.microsoft.com/office/drawing/2010/main" xmlns:ma14="http://schemas.microsoft.com/office/mac/drawingml/2011/main" val="1"/>
                 </a:ext>
               </a:extLst>
             </p:spPr>
@@ -20974,7 +21476,7 @@
               <a:effectLst/>
               <a:extLst>
                 <a:ext uri="{C572A759-6A51-4108-AA02-DFA0A04FC94B}">
-                  <ma14:wrappingTextBoxFlag xmlns:ma14="http://schemas.microsoft.com/office/mac/drawingml/2011/main" xmlns:a14="http://schemas.microsoft.com/office/drawing/2010/main" xmlns:m="http://schemas.openxmlformats.org/officeDocument/2006/math" xmlns="" val="1"/>
+                  <ma14:wrappingTextBoxFlag xmlns="" xmlns:m="http://schemas.openxmlformats.org/officeDocument/2006/math" xmlns:a14="http://schemas.microsoft.com/office/drawing/2010/main" xmlns:ma14="http://schemas.microsoft.com/office/mac/drawingml/2011/main" val="1"/>
                 </a:ext>
               </a:extLst>
             </p:spPr>
@@ -21107,7 +21609,7 @@
               <a:effectLst/>
               <a:extLst>
                 <a:ext uri="{C572A759-6A51-4108-AA02-DFA0A04FC94B}">
-                  <ma14:wrappingTextBoxFlag xmlns:ma14="http://schemas.microsoft.com/office/mac/drawingml/2011/main" xmlns:a14="http://schemas.microsoft.com/office/drawing/2010/main" xmlns:m="http://schemas.openxmlformats.org/officeDocument/2006/math" xmlns="" val="1"/>
+                  <ma14:wrappingTextBoxFlag xmlns="" xmlns:m="http://schemas.openxmlformats.org/officeDocument/2006/math" xmlns:a14="http://schemas.microsoft.com/office/drawing/2010/main" xmlns:ma14="http://schemas.microsoft.com/office/mac/drawingml/2011/main" val="1"/>
                 </a:ext>
               </a:extLst>
             </p:spPr>
@@ -21426,7 +21928,7 @@
 </p:sld>
 </file>
 
-<file path=ppt/slides/slide35.xml><?xml version="1.0" encoding="utf-8"?>
+<file path=ppt/slides/slide36.xml><?xml version="1.0" encoding="utf-8"?>
 <p:sld xmlns:a="http://schemas.openxmlformats.org/drawingml/2006/main" xmlns:r="http://schemas.openxmlformats.org/officeDocument/2006/relationships" xmlns:p="http://schemas.openxmlformats.org/presentationml/2006/main">
   <p:cSld>
     <p:spTree>
@@ -21614,6 +22116,304 @@
       </p:sp>
       <p:sp>
         <p:nvSpPr>
+          <p:cNvPr id="9" name="Rounded Rectangle 8">
+            <a:extLst>
+              <a:ext uri="{FF2B5EF4-FFF2-40B4-BE49-F238E27FC236}">
+                <a16:creationId xmlns:a16="http://schemas.microsoft.com/office/drawing/2014/main" id="{22918CC8-79ED-86A0-F247-1AC79103DFA2}"/>
+              </a:ext>
+            </a:extLst>
+          </p:cNvPr>
+          <p:cNvSpPr/>
+          <p:nvPr/>
+        </p:nvSpPr>
+        <p:spPr>
+          <a:xfrm>
+            <a:off x="169333" y="1184114"/>
+            <a:ext cx="5721178" cy="5029200"/>
+          </a:xfrm>
+          <a:prstGeom prst="roundRect">
+            <a:avLst/>
+          </a:prstGeom>
+          <a:solidFill>
+            <a:schemeClr val="accent2">
+              <a:lumMod val="50000"/>
+            </a:schemeClr>
+          </a:solidFill>
+          <a:ln>
+            <a:noFill/>
+          </a:ln>
+          <a:effectLst>
+            <a:outerShdw blurRad="44450" dist="27940" dir="5400000" algn="ctr">
+              <a:srgbClr val="000000">
+                <a:alpha val="32000"/>
+              </a:srgbClr>
+            </a:outerShdw>
+          </a:effectLst>
+        </p:spPr>
+        <p:txBody>
+          <a:bodyPr rot="0" spcFirstLastPara="0" vertOverflow="overflow" horzOverflow="overflow" vert="horz" wrap="square" lIns="121851" tIns="60925" rIns="121851" bIns="60925" numCol="1" spcCol="0" rtlCol="0" fromWordArt="0" anchor="ctr" anchorCtr="0" forceAA="0" compatLnSpc="1">
+            <a:prstTxWarp prst="textNoShape">
+              <a:avLst/>
+            </a:prstTxWarp>
+            <a:noAutofit/>
+          </a:bodyPr>
+          <a:lstStyle/>
+          <a:p>
+            <a:pPr algn="ctr">
+              <a:lnSpc>
+                <a:spcPct val="90000"/>
+              </a:lnSpc>
+            </a:pPr>
+            <a:r>
+              <a:rPr lang="en-US" sz="2000" b="1" dirty="0">
+                <a:solidFill>
+                  <a:schemeClr val="accent2">
+                    <a:lumMod val="20000"/>
+                    <a:lumOff val="80000"/>
+                  </a:schemeClr>
+                </a:solidFill>
+              </a:rPr>
+              <a:t>Some definitions from the web</a:t>
+            </a:r>
+          </a:p>
+          <a:p>
+            <a:pPr algn="ctr">
+              <a:lnSpc>
+                <a:spcPct val="90000"/>
+              </a:lnSpc>
+            </a:pPr>
+            <a:endParaRPr lang="en-US" sz="2000" b="1" dirty="0">
+              <a:solidFill>
+                <a:schemeClr val="accent2">
+                  <a:lumMod val="20000"/>
+                  <a:lumOff val="80000"/>
+                </a:schemeClr>
+              </a:solidFill>
+            </a:endParaRPr>
+          </a:p>
+          <a:p>
+            <a:pPr marL="342900" indent="-342900" algn="l">
+              <a:buFont typeface="Wingdings" pitchFamily="2" charset="2"/>
+              <a:buChar char="q"/>
+            </a:pPr>
+            <a:r>
+              <a:rPr lang="en-US" sz="2000" b="0" dirty="0">
+                <a:solidFill>
+                  <a:schemeClr val="accent2">
+                    <a:lumMod val="20000"/>
+                    <a:lumOff val="80000"/>
+                  </a:schemeClr>
+                </a:solidFill>
+                <a:effectLst/>
+                <a:latin typeface="sohne"/>
+              </a:rPr>
+              <a:t>Encapsulate what varies</a:t>
+            </a:r>
+          </a:p>
+          <a:p>
+            <a:pPr marL="342900" indent="-342900" algn="l">
+              <a:buFont typeface="Wingdings" pitchFamily="2" charset="2"/>
+              <a:buChar char="q"/>
+            </a:pPr>
+            <a:r>
+              <a:rPr lang="en-US" sz="2000" b="0" dirty="0">
+                <a:solidFill>
+                  <a:schemeClr val="accent2">
+                    <a:lumMod val="20000"/>
+                    <a:lumOff val="80000"/>
+                  </a:schemeClr>
+                </a:solidFill>
+                <a:effectLst/>
+                <a:latin typeface="sohne"/>
+              </a:rPr>
+              <a:t>Favor composition over inheritance</a:t>
+            </a:r>
+          </a:p>
+          <a:p>
+            <a:pPr marL="342900" indent="-342900" algn="l">
+              <a:buFont typeface="Wingdings" pitchFamily="2" charset="2"/>
+              <a:buChar char="q"/>
+            </a:pPr>
+            <a:r>
+              <a:rPr lang="en-US" sz="2000" b="0" dirty="0">
+                <a:solidFill>
+                  <a:schemeClr val="accent2">
+                    <a:lumMod val="20000"/>
+                    <a:lumOff val="80000"/>
+                  </a:schemeClr>
+                </a:solidFill>
+                <a:effectLst/>
+                <a:latin typeface="sohne"/>
+              </a:rPr>
+              <a:t>Program to interfaces not implementations</a:t>
+            </a:r>
+          </a:p>
+          <a:p>
+            <a:pPr marL="342900" indent="-342900" algn="l">
+              <a:buFont typeface="Wingdings" pitchFamily="2" charset="2"/>
+              <a:buChar char="q"/>
+            </a:pPr>
+            <a:r>
+              <a:rPr lang="en-US" sz="2000" b="0" dirty="0">
+                <a:solidFill>
+                  <a:schemeClr val="accent2">
+                    <a:lumMod val="20000"/>
+                    <a:lumOff val="80000"/>
+                  </a:schemeClr>
+                </a:solidFill>
+                <a:effectLst/>
+                <a:latin typeface="sohne"/>
+              </a:rPr>
+              <a:t>Loose coupling – interacting components should have minimal knowledge about each other</a:t>
+            </a:r>
+          </a:p>
+          <a:p>
+            <a:pPr marL="342900" indent="-342900" algn="l">
+              <a:buFont typeface="Wingdings" pitchFamily="2" charset="2"/>
+              <a:buChar char="q"/>
+            </a:pPr>
+            <a:r>
+              <a:rPr lang="en-US" sz="2000" dirty="0">
+                <a:solidFill>
+                  <a:schemeClr val="accent2">
+                    <a:lumMod val="20000"/>
+                    <a:lumOff val="80000"/>
+                  </a:schemeClr>
+                </a:solidFill>
+                <a:latin typeface="sohne"/>
+              </a:rPr>
+              <a:t>SOLID</a:t>
+            </a:r>
+            <a:endParaRPr lang="en-US" sz="2000" b="0" dirty="0">
+              <a:solidFill>
+                <a:schemeClr val="accent2">
+                  <a:lumMod val="20000"/>
+                  <a:lumOff val="80000"/>
+                </a:schemeClr>
+              </a:solidFill>
+              <a:effectLst/>
+              <a:latin typeface="sohne"/>
+            </a:endParaRPr>
+          </a:p>
+          <a:p>
+            <a:pPr marL="800100" lvl="1" indent="-342900">
+              <a:lnSpc>
+                <a:spcPct val="90000"/>
+              </a:lnSpc>
+              <a:buFont typeface="Wingdings" pitchFamily="2" charset="2"/>
+              <a:buChar char="q"/>
+            </a:pPr>
+            <a:endParaRPr lang="en-US" sz="2000" dirty="0">
+              <a:solidFill>
+                <a:schemeClr val="accent2">
+                  <a:lumMod val="20000"/>
+                  <a:lumOff val="80000"/>
+                </a:schemeClr>
+              </a:solidFill>
+            </a:endParaRPr>
+          </a:p>
+          <a:p>
+            <a:pPr algn="ctr">
+              <a:lnSpc>
+                <a:spcPct val="90000"/>
+              </a:lnSpc>
+            </a:pPr>
+            <a:r>
+              <a:rPr lang="en-US" sz="2000" dirty="0">
+                <a:solidFill>
+                  <a:schemeClr val="accent2">
+                    <a:lumMod val="20000"/>
+                    <a:lumOff val="80000"/>
+                  </a:schemeClr>
+                </a:solidFill>
+              </a:rPr>
+              <a:t>https://</a:t>
+            </a:r>
+            <a:r>
+              <a:rPr lang="en-US" sz="2000" dirty="0" err="1">
+                <a:solidFill>
+                  <a:schemeClr val="accent2">
+                    <a:lumMod val="20000"/>
+                    <a:lumOff val="80000"/>
+                  </a:schemeClr>
+                </a:solidFill>
+              </a:rPr>
+              <a:t>bootcamp.uxdesign.cc</a:t>
+            </a:r>
+            <a:r>
+              <a:rPr lang="en-US" sz="2000" dirty="0">
+                <a:solidFill>
+                  <a:schemeClr val="accent2">
+                    <a:lumMod val="20000"/>
+                    <a:lumOff val="80000"/>
+                  </a:schemeClr>
+                </a:solidFill>
+              </a:rPr>
+              <a:t>/software-design-principles-every-developers-should-know-23d24735518e</a:t>
+            </a:r>
+          </a:p>
+        </p:txBody>
+      </p:sp>
+    </p:spTree>
+    <p:extLst>
+      <p:ext uri="{BB962C8B-B14F-4D97-AF65-F5344CB8AC3E}">
+        <p14:creationId xmlns:p14="http://schemas.microsoft.com/office/powerpoint/2010/main" val="3139204064"/>
+      </p:ext>
+    </p:extLst>
+  </p:cSld>
+  <p:clrMapOvr>
+    <a:masterClrMapping/>
+  </p:clrMapOvr>
+</p:sld>
+</file>
+
+<file path=ppt/slides/slide5.xml><?xml version="1.0" encoding="utf-8"?>
+<p:sld xmlns:a="http://schemas.openxmlformats.org/drawingml/2006/main" xmlns:r="http://schemas.openxmlformats.org/officeDocument/2006/relationships" xmlns:p="http://schemas.openxmlformats.org/presentationml/2006/main">
+  <p:cSld>
+    <p:spTree>
+      <p:nvGrpSpPr>
+        <p:cNvPr id="1" name=""/>
+        <p:cNvGrpSpPr/>
+        <p:nvPr/>
+      </p:nvGrpSpPr>
+      <p:grpSpPr>
+        <a:xfrm>
+          <a:off x="0" y="0"/>
+          <a:ext cx="0" cy="0"/>
+          <a:chOff x="0" y="0"/>
+          <a:chExt cx="0" cy="0"/>
+        </a:xfrm>
+      </p:grpSpPr>
+      <p:sp>
+        <p:nvSpPr>
+          <p:cNvPr id="2" name="Title 1">
+            <a:extLst>
+              <a:ext uri="{FF2B5EF4-FFF2-40B4-BE49-F238E27FC236}">
+                <a16:creationId xmlns:a16="http://schemas.microsoft.com/office/drawing/2014/main" id="{42E5E0AA-F303-404B-99A5-8E88C983825E}"/>
+              </a:ext>
+            </a:extLst>
+          </p:cNvPr>
+          <p:cNvSpPr>
+            <a:spLocks noGrp="1"/>
+          </p:cNvSpPr>
+          <p:nvPr>
+            <p:ph type="title"/>
+          </p:nvPr>
+        </p:nvSpPr>
+        <p:spPr/>
+        <p:txBody>
+          <a:bodyPr/>
+          <a:lstStyle/>
+          <a:p>
+            <a:r>
+              <a:rPr lang="en-US" dirty="0"/>
+              <a:t>General Design Principles for Maintainable Software</a:t>
+            </a:r>
+          </a:p>
+        </p:txBody>
+      </p:sp>
+      <p:sp>
+        <p:nvSpPr>
           <p:cNvPr id="4" name="Rounded Rectangle 3">
             <a:extLst>
               <a:ext uri="{FF2B5EF4-FFF2-40B4-BE49-F238E27FC236}">
@@ -22190,7 +22990,7 @@
 </p:sld>
 </file>
 
-<file path=ppt/slides/slide5.xml><?xml version="1.0" encoding="utf-8"?>
+<file path=ppt/slides/slide6.xml><?xml version="1.0" encoding="utf-8"?>
 <p:sld xmlns:a="http://schemas.openxmlformats.org/drawingml/2006/main" xmlns:r="http://schemas.openxmlformats.org/officeDocument/2006/relationships" xmlns:p="http://schemas.openxmlformats.org/presentationml/2006/main">
   <p:cSld>
     <p:spTree>
@@ -22645,7 +23445,7 @@
 </p:sld>
 </file>
 
-<file path=ppt/slides/slide6.xml><?xml version="1.0" encoding="utf-8"?>
+<file path=ppt/slides/slide7.xml><?xml version="1.0" encoding="utf-8"?>
 <p:sld xmlns:a="http://schemas.openxmlformats.org/drawingml/2006/main" xmlns:r="http://schemas.openxmlformats.org/officeDocument/2006/relationships" xmlns:p="http://schemas.openxmlformats.org/presentationml/2006/main">
   <p:cSld>
     <p:spTree>
@@ -22837,7 +23637,7 @@
 </p:sld>
 </file>
 
-<file path=ppt/slides/slide7.xml><?xml version="1.0" encoding="utf-8"?>
+<file path=ppt/slides/slide8.xml><?xml version="1.0" encoding="utf-8"?>
 <p:sld xmlns:a="http://schemas.openxmlformats.org/drawingml/2006/main" xmlns:r="http://schemas.openxmlformats.org/officeDocument/2006/relationships" xmlns:p="http://schemas.openxmlformats.org/presentationml/2006/main">
   <p:cSld>
     <p:spTree>
@@ -23337,7 +24137,7 @@
 </p:sld>
 </file>
 
-<file path=ppt/slides/slide8.xml><?xml version="1.0" encoding="utf-8"?>
+<file path=ppt/slides/slide9.xml><?xml version="1.0" encoding="utf-8"?>
 <p:sld xmlns:a="http://schemas.openxmlformats.org/drawingml/2006/main" xmlns:r="http://schemas.openxmlformats.org/officeDocument/2006/relationships" xmlns:p="http://schemas.openxmlformats.org/presentationml/2006/main">
   <p:cSld>
     <p:spTree>
@@ -23477,471 +24277,6 @@
     <p:extLst>
       <p:ext uri="{BB962C8B-B14F-4D97-AF65-F5344CB8AC3E}">
         <p14:creationId xmlns:p14="http://schemas.microsoft.com/office/powerpoint/2010/main" val="2564031933"/>
-      </p:ext>
-    </p:extLst>
-  </p:cSld>
-  <p:clrMapOvr>
-    <a:masterClrMapping/>
-  </p:clrMapOvr>
-</p:sld>
-</file>
-
-<file path=ppt/slides/slide9.xml><?xml version="1.0" encoding="utf-8"?>
-<p:sld xmlns:a="http://schemas.openxmlformats.org/drawingml/2006/main" xmlns:r="http://schemas.openxmlformats.org/officeDocument/2006/relationships" xmlns:p="http://schemas.openxmlformats.org/presentationml/2006/main">
-  <p:cSld>
-    <p:spTree>
-      <p:nvGrpSpPr>
-        <p:cNvPr id="1" name=""/>
-        <p:cNvGrpSpPr/>
-        <p:nvPr/>
-      </p:nvGrpSpPr>
-      <p:grpSpPr>
-        <a:xfrm>
-          <a:off x="0" y="0"/>
-          <a:ext cx="0" cy="0"/>
-          <a:chOff x="0" y="0"/>
-          <a:chExt cx="0" cy="0"/>
-        </a:xfrm>
-      </p:grpSpPr>
-      <p:sp>
-        <p:nvSpPr>
-          <p:cNvPr id="2" name="Title 1">
-            <a:extLst>
-              <a:ext uri="{FF2B5EF4-FFF2-40B4-BE49-F238E27FC236}">
-                <a16:creationId xmlns:a16="http://schemas.microsoft.com/office/drawing/2014/main" id="{9BCED41C-1F2F-0CD9-BD98-5C268144F0F1}"/>
-              </a:ext>
-            </a:extLst>
-          </p:cNvPr>
-          <p:cNvSpPr>
-            <a:spLocks noGrp="1"/>
-          </p:cNvSpPr>
-          <p:nvPr>
-            <p:ph type="title"/>
-          </p:nvPr>
-        </p:nvSpPr>
-        <p:spPr/>
-        <p:txBody>
-          <a:bodyPr/>
-          <a:lstStyle/>
-          <a:p>
-            <a:r>
-              <a:rPr lang="en-US" dirty="0"/>
-              <a:t>Decomposition</a:t>
-            </a:r>
-          </a:p>
-        </p:txBody>
-      </p:sp>
-      <p:sp>
-        <p:nvSpPr>
-          <p:cNvPr id="3" name="Content Placeholder 2">
-            <a:extLst>
-              <a:ext uri="{FF2B5EF4-FFF2-40B4-BE49-F238E27FC236}">
-                <a16:creationId xmlns:a16="http://schemas.microsoft.com/office/drawing/2014/main" id="{E86A1A1D-89C4-8A73-4364-CBEAE0130AEC}"/>
-              </a:ext>
-            </a:extLst>
-          </p:cNvPr>
-          <p:cNvSpPr>
-            <a:spLocks noGrp="1"/>
-          </p:cNvSpPr>
-          <p:nvPr>
-            <p:ph idx="1"/>
-          </p:nvPr>
-        </p:nvSpPr>
-        <p:spPr>
-          <a:xfrm>
-            <a:off x="365760" y="1325880"/>
-            <a:ext cx="4352996" cy="4798907"/>
-          </a:xfrm>
-        </p:spPr>
-        <p:txBody>
-          <a:bodyPr/>
-          <a:lstStyle/>
-          <a:p>
-            <a:pPr marL="0" indent="0" algn="ctr">
-              <a:buNone/>
-            </a:pPr>
-            <a:r>
-              <a:rPr lang="en-US" dirty="0"/>
-              <a:t>This is a small design space</a:t>
-            </a:r>
-          </a:p>
-          <a:p>
-            <a:r>
-              <a:rPr lang="en-US" dirty="0"/>
-              <a:t>Several requirements can directly map to components – in this instance functions</a:t>
-            </a:r>
-          </a:p>
-          <a:p>
-            <a:pPr lvl="1"/>
-            <a:r>
-              <a:rPr lang="en-US" dirty="0"/>
-              <a:t>Driver</a:t>
-            </a:r>
-          </a:p>
-          <a:p>
-            <a:pPr lvl="1"/>
-            <a:r>
-              <a:rPr lang="en-US" dirty="0"/>
-              <a:t>Initialization – data containers</a:t>
-            </a:r>
-          </a:p>
-          <a:p>
-            <a:pPr lvl="1"/>
-            <a:r>
-              <a:rPr lang="en-US" dirty="0"/>
-              <a:t>Mesh initialization – applying initial conditions</a:t>
-            </a:r>
-          </a:p>
-          <a:p>
-            <a:pPr lvl="1"/>
-            <a:r>
-              <a:rPr lang="en-US" dirty="0"/>
-              <a:t>Integrator</a:t>
-            </a:r>
-          </a:p>
-          <a:p>
-            <a:pPr lvl="1"/>
-            <a:r>
-              <a:rPr lang="en-US" dirty="0"/>
-              <a:t>I/O</a:t>
-            </a:r>
-          </a:p>
-          <a:p>
-            <a:pPr lvl="1"/>
-            <a:r>
-              <a:rPr lang="en-US" dirty="0"/>
-              <a:t>Boundary conditions</a:t>
-            </a:r>
-          </a:p>
-          <a:p>
-            <a:pPr lvl="1"/>
-            <a:r>
-              <a:rPr lang="en-US" dirty="0"/>
-              <a:t>Comparison utility</a:t>
-            </a:r>
-          </a:p>
-          <a:p>
-            <a:endParaRPr lang="en-US" dirty="0"/>
-          </a:p>
-          <a:p>
-            <a:pPr lvl="2"/>
-            <a:endParaRPr lang="en-US" dirty="0"/>
-          </a:p>
-        </p:txBody>
-      </p:sp>
-      <p:sp>
-        <p:nvSpPr>
-          <p:cNvPr id="4" name="Content Placeholder 2">
-            <a:extLst>
-              <a:ext uri="{FF2B5EF4-FFF2-40B4-BE49-F238E27FC236}">
-                <a16:creationId xmlns:a16="http://schemas.microsoft.com/office/drawing/2014/main" id="{0591D631-CE85-82AC-5579-D9B9D0EDD0CE}"/>
-              </a:ext>
-            </a:extLst>
-          </p:cNvPr>
-          <p:cNvSpPr txBox="1">
-            <a:spLocks/>
-          </p:cNvSpPr>
-          <p:nvPr/>
-        </p:nvSpPr>
-        <p:spPr bwMode="auto">
-          <a:xfrm>
-            <a:off x="5044464" y="1325880"/>
-            <a:ext cx="6368061" cy="4709160"/>
-          </a:xfrm>
-          <a:prstGeom prst="rect">
-            <a:avLst/>
-          </a:prstGeom>
-          <a:noFill/>
-          <a:ln w="9525">
-            <a:noFill/>
-            <a:miter lim="800000"/>
-            <a:headEnd/>
-            <a:tailEnd/>
-          </a:ln>
-        </p:spPr>
-        <p:txBody>
-          <a:bodyPr vert="horz" wrap="square" lIns="91440" tIns="45720" rIns="91440" bIns="45720" numCol="1" anchor="t" anchorCtr="0" compatLnSpc="1">
-            <a:prstTxWarp prst="textNoShape">
-              <a:avLst/>
-            </a:prstTxWarp>
-            <a:noAutofit/>
-          </a:bodyPr>
-          <a:lstStyle>
-            <a:lvl1pPr marL="230188" indent="-230188" algn="l" rtl="0" eaLnBrk="1" fontAlgn="base" hangingPunct="1">
-              <a:lnSpc>
-                <a:spcPct val="90000"/>
-              </a:lnSpc>
-              <a:spcBef>
-                <a:spcPts val="1400"/>
-              </a:spcBef>
-              <a:spcAft>
-                <a:spcPct val="0"/>
-              </a:spcAft>
-              <a:buClr>
-                <a:srgbClr val="C00000"/>
-              </a:buClr>
-              <a:buFont typeface="Wingdings" pitchFamily="2" charset="2"/>
-              <a:buChar char="q"/>
-              <a:defRPr sz="2400" kern="1200">
-                <a:solidFill>
-                  <a:schemeClr val="tx1"/>
-                </a:solidFill>
-                <a:latin typeface="Arial" panose="020B0604020202020204" pitchFamily="34" charset="0"/>
-                <a:ea typeface="+mn-ea"/>
-                <a:cs typeface="Arial" panose="020B0604020202020204" pitchFamily="34" charset="0"/>
-              </a:defRPr>
-            </a:lvl1pPr>
-            <a:lvl2pPr marL="625475" indent="-279400" algn="l" rtl="0" eaLnBrk="1" fontAlgn="base" hangingPunct="1">
-              <a:lnSpc>
-                <a:spcPct val="90000"/>
-              </a:lnSpc>
-              <a:spcBef>
-                <a:spcPts val="800"/>
-              </a:spcBef>
-              <a:spcAft>
-                <a:spcPct val="0"/>
-              </a:spcAft>
-              <a:buClr>
-                <a:srgbClr val="C00000"/>
-              </a:buClr>
-              <a:buFont typeface="Wingdings" pitchFamily="2" charset="2"/>
-              <a:buChar char="q"/>
-              <a:defRPr sz="2000" kern="1200">
-                <a:solidFill>
-                  <a:schemeClr val="tx1"/>
-                </a:solidFill>
-                <a:latin typeface="Arial" panose="020B0604020202020204" pitchFamily="34" charset="0"/>
-                <a:ea typeface="+mn-ea"/>
-                <a:cs typeface="Arial" panose="020B0604020202020204" pitchFamily="34" charset="0"/>
-              </a:defRPr>
-            </a:lvl2pPr>
-            <a:lvl3pPr marL="914400" indent="-230188" algn="l" rtl="0" eaLnBrk="1" fontAlgn="base" hangingPunct="1">
-              <a:lnSpc>
-                <a:spcPct val="90000"/>
-              </a:lnSpc>
-              <a:spcBef>
-                <a:spcPts val="800"/>
-              </a:spcBef>
-              <a:spcAft>
-                <a:spcPct val="0"/>
-              </a:spcAft>
-              <a:buClr>
-                <a:srgbClr val="C00000"/>
-              </a:buClr>
-              <a:buFont typeface="Wingdings" pitchFamily="2" charset="2"/>
-              <a:buChar char="q"/>
-              <a:defRPr sz="1800" kern="1200">
-                <a:solidFill>
-                  <a:schemeClr val="tx1"/>
-                </a:solidFill>
-                <a:latin typeface="Arial" panose="020B0604020202020204" pitchFamily="34" charset="0"/>
-                <a:ea typeface="+mn-ea"/>
-                <a:cs typeface="Arial" panose="020B0604020202020204" pitchFamily="34" charset="0"/>
-              </a:defRPr>
-            </a:lvl3pPr>
-            <a:lvl4pPr marL="1144588" indent="-173038" algn="l" rtl="0" eaLnBrk="1" fontAlgn="base" hangingPunct="1">
-              <a:lnSpc>
-                <a:spcPct val="90000"/>
-              </a:lnSpc>
-              <a:spcBef>
-                <a:spcPts val="800"/>
-              </a:spcBef>
-              <a:spcAft>
-                <a:spcPct val="0"/>
-              </a:spcAft>
-              <a:buClr>
-                <a:srgbClr val="C00000"/>
-              </a:buClr>
-              <a:buFont typeface="Wingdings" pitchFamily="2" charset="2"/>
-              <a:buChar char="q"/>
-              <a:defRPr sz="1600" kern="1200">
-                <a:solidFill>
-                  <a:schemeClr val="tx1"/>
-                </a:solidFill>
-                <a:latin typeface="Arial" panose="020B0604020202020204" pitchFamily="34" charset="0"/>
-                <a:ea typeface="+mn-ea"/>
-                <a:cs typeface="Arial" panose="020B0604020202020204" pitchFamily="34" charset="0"/>
-              </a:defRPr>
-            </a:lvl4pPr>
-            <a:lvl5pPr marL="1482725" indent="-222250" algn="l" rtl="0" eaLnBrk="1" fontAlgn="base" hangingPunct="1">
-              <a:lnSpc>
-                <a:spcPct val="90000"/>
-              </a:lnSpc>
-              <a:spcBef>
-                <a:spcPts val="600"/>
-              </a:spcBef>
-              <a:spcAft>
-                <a:spcPct val="0"/>
-              </a:spcAft>
-              <a:buClr>
-                <a:srgbClr val="C00000"/>
-              </a:buClr>
-              <a:buFont typeface="Wingdings" pitchFamily="2" charset="2"/>
-              <a:buChar char="q"/>
-              <a:defRPr sz="1600" kern="1200">
-                <a:solidFill>
-                  <a:schemeClr val="tx1"/>
-                </a:solidFill>
-                <a:latin typeface="Arial" panose="020B0604020202020204" pitchFamily="34" charset="0"/>
-                <a:ea typeface="+mn-ea"/>
-                <a:cs typeface="Arial" panose="020B0604020202020204" pitchFamily="34" charset="0"/>
-              </a:defRPr>
-            </a:lvl5pPr>
-            <a:lvl6pPr marL="2514600" indent="-228600" algn="l" defTabSz="914400" rtl="0" eaLnBrk="1" latinLnBrk="0" hangingPunct="1">
-              <a:spcBef>
-                <a:spcPct val="20000"/>
-              </a:spcBef>
-              <a:buFont typeface="Arial" pitchFamily="34" charset="0"/>
-              <a:buChar char="•"/>
-              <a:defRPr sz="2000" kern="1200">
-                <a:solidFill>
-                  <a:schemeClr val="tx1"/>
-                </a:solidFill>
-                <a:latin typeface="+mn-lt"/>
-                <a:ea typeface="+mn-ea"/>
-                <a:cs typeface="+mn-cs"/>
-              </a:defRPr>
-            </a:lvl6pPr>
-            <a:lvl7pPr marL="2971800" indent="-228600" algn="l" defTabSz="914400" rtl="0" eaLnBrk="1" latinLnBrk="0" hangingPunct="1">
-              <a:spcBef>
-                <a:spcPct val="20000"/>
-              </a:spcBef>
-              <a:buFont typeface="Arial" pitchFamily="34" charset="0"/>
-              <a:buChar char="•"/>
-              <a:defRPr sz="2000" kern="1200">
-                <a:solidFill>
-                  <a:schemeClr val="tx1"/>
-                </a:solidFill>
-                <a:latin typeface="+mn-lt"/>
-                <a:ea typeface="+mn-ea"/>
-                <a:cs typeface="+mn-cs"/>
-              </a:defRPr>
-            </a:lvl7pPr>
-            <a:lvl8pPr marL="3429000" indent="-228600" algn="l" defTabSz="914400" rtl="0" eaLnBrk="1" latinLnBrk="0" hangingPunct="1">
-              <a:spcBef>
-                <a:spcPct val="20000"/>
-              </a:spcBef>
-              <a:buFont typeface="Arial" pitchFamily="34" charset="0"/>
-              <a:buChar char="•"/>
-              <a:defRPr sz="2000" kern="1200">
-                <a:solidFill>
-                  <a:schemeClr val="tx1"/>
-                </a:solidFill>
-                <a:latin typeface="+mn-lt"/>
-                <a:ea typeface="+mn-ea"/>
-                <a:cs typeface="+mn-cs"/>
-              </a:defRPr>
-            </a:lvl8pPr>
-            <a:lvl9pPr marL="3886200" indent="-228600" algn="l" defTabSz="914400" rtl="0" eaLnBrk="1" latinLnBrk="0" hangingPunct="1">
-              <a:spcBef>
-                <a:spcPct val="20000"/>
-              </a:spcBef>
-              <a:buFont typeface="Arial" pitchFamily="34" charset="0"/>
-              <a:buChar char="•"/>
-              <a:defRPr sz="2000" kern="1200">
-                <a:solidFill>
-                  <a:schemeClr val="tx1"/>
-                </a:solidFill>
-                <a:latin typeface="+mn-lt"/>
-                <a:ea typeface="+mn-ea"/>
-                <a:cs typeface="+mn-cs"/>
-              </a:defRPr>
-            </a:lvl9pPr>
-          </a:lstStyle>
-          <a:p>
-            <a:pPr marL="0" indent="0" algn="ctr">
-              <a:buNone/>
-            </a:pPr>
-            <a:r>
-              <a:rPr lang="en-US" dirty="0"/>
-              <a:t>Binning components</a:t>
-            </a:r>
-          </a:p>
-          <a:p>
-            <a:r>
-              <a:rPr lang="en-US" dirty="0"/>
-              <a:t>Components that will work for any application of heat equation</a:t>
-            </a:r>
-          </a:p>
-          <a:p>
-            <a:pPr lvl="1"/>
-            <a:r>
-              <a:rPr lang="en-US" dirty="0"/>
-              <a:t>Driver</a:t>
-            </a:r>
-          </a:p>
-          <a:p>
-            <a:pPr lvl="1"/>
-            <a:r>
-              <a:rPr lang="en-US" dirty="0"/>
-              <a:t>Initialization – data containers</a:t>
-            </a:r>
-          </a:p>
-          <a:p>
-            <a:pPr lvl="1"/>
-            <a:r>
-              <a:rPr lang="en-US" dirty="0"/>
-              <a:t>I/O </a:t>
-            </a:r>
-          </a:p>
-          <a:p>
-            <a:pPr lvl="1"/>
-            <a:r>
-              <a:rPr lang="en-US" dirty="0"/>
-              <a:t>Comparison utility</a:t>
-            </a:r>
-          </a:p>
-          <a:p>
-            <a:r>
-              <a:rPr lang="en-US" dirty="0"/>
-              <a:t>Components that are </a:t>
-            </a:r>
-          </a:p>
-          <a:p>
-            <a:pPr lvl="1"/>
-            <a:r>
-              <a:rPr lang="en-US" dirty="0"/>
-              <a:t>Mesh initialization – applying initial conditions</a:t>
-            </a:r>
-          </a:p>
-          <a:p>
-            <a:pPr lvl="1"/>
-            <a:r>
-              <a:rPr lang="en-US" dirty="0"/>
-              <a:t>Integrator</a:t>
-            </a:r>
-          </a:p>
-          <a:p>
-            <a:pPr lvl="1"/>
-            <a:r>
-              <a:rPr lang="en-US" dirty="0"/>
-              <a:t>Boundary conditions</a:t>
-            </a:r>
-          </a:p>
-          <a:p>
-            <a:pPr lvl="1"/>
-            <a:endParaRPr lang="en-US" dirty="0"/>
-          </a:p>
-          <a:p>
-            <a:pPr lvl="1"/>
-            <a:endParaRPr lang="en-US" dirty="0"/>
-          </a:p>
-          <a:p>
-            <a:endParaRPr lang="en-US" dirty="0"/>
-          </a:p>
-          <a:p>
-            <a:endParaRPr lang="en-US" dirty="0"/>
-          </a:p>
-          <a:p>
-            <a:pPr lvl="2"/>
-            <a:endParaRPr lang="en-US" dirty="0"/>
-          </a:p>
-        </p:txBody>
-      </p:sp>
-    </p:spTree>
-    <p:extLst>
-      <p:ext uri="{BB962C8B-B14F-4D97-AF65-F5344CB8AC3E}">
-        <p14:creationId xmlns:p14="http://schemas.microsoft.com/office/powerpoint/2010/main" val="3463077651"/>
       </p:ext>
     </p:extLst>
   </p:cSld>
@@ -24864,21 +25199,6 @@
 </file>
 
 <file path=customXml/item1.xml><?xml version="1.0" encoding="utf-8"?>
-<?mso-contentType ?>
-<FormTemplates xmlns="http://schemas.microsoft.com/sharepoint/v3/contenttype/forms">
-  <Display>DocumentLibraryForm</Display>
-  <Edit>DocumentLibraryForm</Edit>
-  <New>DocumentLibraryForm</New>
-</FormTemplates>
-</file>
-
-<file path=customXml/item2.xml><?xml version="1.0" encoding="utf-8"?>
-<p:properties xmlns:p="http://schemas.microsoft.com/office/2006/metadata/properties" xmlns:xsi="http://www.w3.org/2001/XMLSchema-instance" xmlns:pc="http://schemas.microsoft.com/office/infopath/2007/PartnerControls">
-  <documentManagement/>
-</p:properties>
-</file>
-
-<file path=customXml/item3.xml><?xml version="1.0" encoding="utf-8"?>
 <ct:contentTypeSchema xmlns:ct="http://schemas.microsoft.com/office/2006/metadata/contentType" xmlns:ma="http://schemas.microsoft.com/office/2006/metadata/properties/metaAttributes" ct:_="" ma:_="" ma:contentTypeName="Document" ma:contentTypeID="0x010100565464437F680748A68B85EB6594EA7D" ma:contentTypeVersion="0" ma:contentTypeDescription="Create a new document." ma:contentTypeScope="" ma:versionID="fe3f4dd58d5914c51cfc6deaa8ad845c">
   <xsd:schema xmlns:xsd="http://www.w3.org/2001/XMLSchema" xmlns:p="http://schemas.microsoft.com/office/2006/metadata/properties" targetNamespace="http://schemas.microsoft.com/office/2006/metadata/properties" ma:root="true" ma:fieldsID="4aeb20c0e3442673af7ee10786458764">
     <xsd:element name="properties">
@@ -24927,10 +25247,32 @@
 </ct:contentTypeSchema>
 </file>
 
+<file path=customXml/item2.xml><?xml version="1.0" encoding="utf-8"?>
+<p:properties xmlns:p="http://schemas.microsoft.com/office/2006/metadata/properties" xmlns:xsi="http://www.w3.org/2001/XMLSchema-instance" xmlns:pc="http://schemas.microsoft.com/office/infopath/2007/PartnerControls">
+  <documentManagement/>
+</p:properties>
+</file>
+
+<file path=customXml/item3.xml><?xml version="1.0" encoding="utf-8"?>
+<?mso-contentType ?>
+<FormTemplates xmlns="http://schemas.microsoft.com/sharepoint/v3/contenttype/forms">
+  <Display>DocumentLibraryForm</Display>
+  <Edit>DocumentLibraryForm</Edit>
+  <New>DocumentLibraryForm</New>
+</FormTemplates>
+</file>
+
 <file path=customXml/itemProps1.xml><?xml version="1.0" encoding="utf-8"?>
-<ds:datastoreItem xmlns:ds="http://schemas.openxmlformats.org/officeDocument/2006/customXml" ds:itemID="{19E20559-B232-4371-8690-E3D8007EDB82}">
+<ds:datastoreItem xmlns:ds="http://schemas.openxmlformats.org/officeDocument/2006/customXml" ds:itemID="{E8DB7DEB-074E-4EE8-9B6E-FD277323109C}">
   <ds:schemaRefs>
-    <ds:schemaRef ds:uri="http://schemas.microsoft.com/sharepoint/v3/contenttype/forms"/>
+    <ds:schemaRef ds:uri="http://schemas.microsoft.com/office/2006/metadata/contentType"/>
+    <ds:schemaRef ds:uri="http://schemas.microsoft.com/office/2006/metadata/properties/metaAttributes"/>
+    <ds:schemaRef ds:uri="http://www.w3.org/2001/XMLSchema"/>
+    <ds:schemaRef ds:uri="http://schemas.microsoft.com/office/2006/metadata/properties"/>
+    <ds:schemaRef ds:uri="http://schemas.openxmlformats.org/package/2006/metadata/core-properties"/>
+    <ds:schemaRef ds:uri="http://purl.org/dc/elements/1.1/"/>
+    <ds:schemaRef ds:uri="http://purl.org/dc/terms/"/>
+    <ds:schemaRef ds:uri="http://schemas.microsoft.com/office/internal/2005/internalDocumentation"/>
   </ds:schemaRefs>
 </ds:datastoreItem>
 </file>
@@ -24951,16 +25293,9 @@
 </file>
 
 <file path=customXml/itemProps3.xml><?xml version="1.0" encoding="utf-8"?>
-<ds:datastoreItem xmlns:ds="http://schemas.openxmlformats.org/officeDocument/2006/customXml" ds:itemID="{E8DB7DEB-074E-4EE8-9B6E-FD277323109C}">
+<ds:datastoreItem xmlns:ds="http://schemas.openxmlformats.org/officeDocument/2006/customXml" ds:itemID="{19E20559-B232-4371-8690-E3D8007EDB82}">
   <ds:schemaRefs>
-    <ds:schemaRef ds:uri="http://schemas.microsoft.com/office/2006/metadata/contentType"/>
-    <ds:schemaRef ds:uri="http://schemas.microsoft.com/office/2006/metadata/properties/metaAttributes"/>
-    <ds:schemaRef ds:uri="http://www.w3.org/2001/XMLSchema"/>
-    <ds:schemaRef ds:uri="http://schemas.microsoft.com/office/2006/metadata/properties"/>
-    <ds:schemaRef ds:uri="http://schemas.openxmlformats.org/package/2006/metadata/core-properties"/>
-    <ds:schemaRef ds:uri="http://purl.org/dc/elements/1.1/"/>
-    <ds:schemaRef ds:uri="http://purl.org/dc/terms/"/>
-    <ds:schemaRef ds:uri="http://schemas.microsoft.com/office/internal/2005/internalDocumentation"/>
+    <ds:schemaRef ds:uri="http://schemas.microsoft.com/sharepoint/v3/contenttype/forms"/>
   </ds:schemaRefs>
 </ds:datastoreItem>
 </file>
--- a/design.pptx
+++ b/design.pptx
@@ -5496,7 +5496,7 @@
           <a:p>
             <a:r>
               <a:rPr lang="en-US" dirty="0"/>
-              <a:t>Better Scientific Software tutorial @</a:t>
+              <a:t>Software Productivity and Sustainability Track @ ATPESC</a:t>
             </a:r>
           </a:p>
         </p:txBody>
@@ -7145,7 +7145,7 @@
           <a:noFill/>
           <a:extLst>
             <a:ext uri="{909E8E84-426E-40dd-AFC4-6F175D3DCCD1}">
-              <a14:hiddenFill xmlns="" xmlns:a14="http://schemas.microsoft.com/office/drawing/2010/main">
+              <a14:hiddenFill xmlns:a14="http://schemas.microsoft.com/office/drawing/2010/main" xmlns="">
                 <a:solidFill>
                   <a:srgbClr val="FFFFFF"/>
                 </a:solidFill>
@@ -29884,15 +29884,6 @@
 </file>
 
 <file path=customXml/item2.xml><?xml version="1.0" encoding="utf-8"?>
-<?mso-contentType ?>
-<FormTemplates xmlns="http://schemas.microsoft.com/sharepoint/v3/contenttype/forms">
-  <Display>DocumentLibraryForm</Display>
-  <Edit>DocumentLibraryForm</Edit>
-  <New>DocumentLibraryForm</New>
-</FormTemplates>
-</file>
-
-<file path=customXml/item3.xml><?xml version="1.0" encoding="utf-8"?>
 <ct:contentTypeSchema xmlns:ct="http://schemas.microsoft.com/office/2006/metadata/contentType" xmlns:ma="http://schemas.microsoft.com/office/2006/metadata/properties/metaAttributes" ct:_="" ma:_="" ma:contentTypeName="Document" ma:contentTypeID="0x010100565464437F680748A68B85EB6594EA7D" ma:contentTypeVersion="0" ma:contentTypeDescription="Create a new document." ma:contentTypeScope="" ma:versionID="fe3f4dd58d5914c51cfc6deaa8ad845c">
   <xsd:schema xmlns:xsd="http://www.w3.org/2001/XMLSchema" xmlns:p="http://schemas.microsoft.com/office/2006/metadata/properties" targetNamespace="http://schemas.microsoft.com/office/2006/metadata/properties" ma:root="true" ma:fieldsID="4aeb20c0e3442673af7ee10786458764">
     <xsd:element name="properties">
@@ -29941,6 +29932,15 @@
 </ct:contentTypeSchema>
 </file>
 
+<file path=customXml/item3.xml><?xml version="1.0" encoding="utf-8"?>
+<?mso-contentType ?>
+<FormTemplates xmlns="http://schemas.microsoft.com/sharepoint/v3/contenttype/forms">
+  <Display>DocumentLibraryForm</Display>
+  <Edit>DocumentLibraryForm</Edit>
+  <New>DocumentLibraryForm</New>
+</FormTemplates>
+</file>
+
 <file path=customXml/itemProps1.xml><?xml version="1.0" encoding="utf-8"?>
 <ds:datastoreItem xmlns:ds="http://schemas.openxmlformats.org/officeDocument/2006/customXml" ds:itemID="{A50EC660-24D0-43A0-AE5E-E274115E726B}">
   <ds:schemaRefs>
@@ -29957,14 +29957,6 @@
 </file>
 
 <file path=customXml/itemProps2.xml><?xml version="1.0" encoding="utf-8"?>
-<ds:datastoreItem xmlns:ds="http://schemas.openxmlformats.org/officeDocument/2006/customXml" ds:itemID="{19E20559-B232-4371-8690-E3D8007EDB82}">
-  <ds:schemaRefs>
-    <ds:schemaRef ds:uri="http://schemas.microsoft.com/sharepoint/v3/contenttype/forms"/>
-  </ds:schemaRefs>
-</ds:datastoreItem>
-</file>
-
-<file path=customXml/itemProps3.xml><?xml version="1.0" encoding="utf-8"?>
 <ds:datastoreItem xmlns:ds="http://schemas.openxmlformats.org/officeDocument/2006/customXml" ds:itemID="{E8DB7DEB-074E-4EE8-9B6E-FD277323109C}">
   <ds:schemaRefs>
     <ds:schemaRef ds:uri="http://schemas.microsoft.com/office/2006/metadata/contentType"/>
@@ -29977,4 +29969,12 @@
     <ds:schemaRef ds:uri="http://schemas.microsoft.com/office/internal/2005/internalDocumentation"/>
   </ds:schemaRefs>
 </ds:datastoreItem>
+</file>
+
+<file path=customXml/itemProps3.xml><?xml version="1.0" encoding="utf-8"?>
+<ds:datastoreItem xmlns:ds="http://schemas.openxmlformats.org/officeDocument/2006/customXml" ds:itemID="{19E20559-B232-4371-8690-E3D8007EDB82}">
+  <ds:schemaRefs>
+    <ds:schemaRef ds:uri="http://schemas.microsoft.com/sharepoint/v3/contenttype/forms"/>
+  </ds:schemaRefs>
+</ds:datastoreItem>
 </file>
--- a/design.pptx
+++ b/design.pptx
@@ -5,47 +5,48 @@
     <p:sldMasterId id="2147483935" r:id="rId4"/>
   </p:sldMasterIdLst>
   <p:notesMasterIdLst>
-    <p:notesMasterId r:id="rId40"/>
+    <p:notesMasterId r:id="rId41"/>
   </p:notesMasterIdLst>
   <p:handoutMasterIdLst>
-    <p:handoutMasterId r:id="rId41"/>
+    <p:handoutMasterId r:id="rId42"/>
   </p:handoutMasterIdLst>
   <p:sldIdLst>
     <p:sldId id="5601" r:id="rId5"/>
-    <p:sldId id="5590" r:id="rId6"/>
-    <p:sldId id="5577" r:id="rId7"/>
-    <p:sldId id="5591" r:id="rId8"/>
-    <p:sldId id="5593" r:id="rId9"/>
-    <p:sldId id="5579" r:id="rId10"/>
-    <p:sldId id="5580" r:id="rId11"/>
-    <p:sldId id="5581" r:id="rId12"/>
-    <p:sldId id="5583" r:id="rId13"/>
-    <p:sldId id="5576" r:id="rId14"/>
-    <p:sldId id="5570" r:id="rId15"/>
-    <p:sldId id="5584" r:id="rId16"/>
-    <p:sldId id="5585" r:id="rId17"/>
-    <p:sldId id="5587" r:id="rId18"/>
-    <p:sldId id="5586" r:id="rId19"/>
-    <p:sldId id="5596" r:id="rId20"/>
-    <p:sldId id="5597" r:id="rId21"/>
-    <p:sldId id="5598" r:id="rId22"/>
-    <p:sldId id="5599" r:id="rId23"/>
-    <p:sldId id="641" r:id="rId24"/>
-    <p:sldId id="5600" r:id="rId25"/>
-    <p:sldId id="642" r:id="rId26"/>
-    <p:sldId id="5595" r:id="rId27"/>
-    <p:sldId id="677" r:id="rId28"/>
-    <p:sldId id="5560" r:id="rId29"/>
-    <p:sldId id="5567" r:id="rId30"/>
-    <p:sldId id="5673" r:id="rId31"/>
-    <p:sldId id="5681" r:id="rId32"/>
-    <p:sldId id="5675" r:id="rId33"/>
-    <p:sldId id="5676" r:id="rId34"/>
-    <p:sldId id="5677" r:id="rId35"/>
-    <p:sldId id="5678" r:id="rId36"/>
-    <p:sldId id="5679" r:id="rId37"/>
-    <p:sldId id="5680" r:id="rId38"/>
-    <p:sldId id="674" r:id="rId39"/>
+    <p:sldId id="320" r:id="rId6"/>
+    <p:sldId id="5590" r:id="rId7"/>
+    <p:sldId id="5577" r:id="rId8"/>
+    <p:sldId id="5591" r:id="rId9"/>
+    <p:sldId id="5593" r:id="rId10"/>
+    <p:sldId id="5579" r:id="rId11"/>
+    <p:sldId id="5580" r:id="rId12"/>
+    <p:sldId id="5581" r:id="rId13"/>
+    <p:sldId id="5583" r:id="rId14"/>
+    <p:sldId id="5576" r:id="rId15"/>
+    <p:sldId id="5570" r:id="rId16"/>
+    <p:sldId id="5584" r:id="rId17"/>
+    <p:sldId id="5585" r:id="rId18"/>
+    <p:sldId id="5587" r:id="rId19"/>
+    <p:sldId id="5586" r:id="rId20"/>
+    <p:sldId id="5596" r:id="rId21"/>
+    <p:sldId id="5597" r:id="rId22"/>
+    <p:sldId id="5598" r:id="rId23"/>
+    <p:sldId id="5599" r:id="rId24"/>
+    <p:sldId id="641" r:id="rId25"/>
+    <p:sldId id="5600" r:id="rId26"/>
+    <p:sldId id="642" r:id="rId27"/>
+    <p:sldId id="5595" r:id="rId28"/>
+    <p:sldId id="677" r:id="rId29"/>
+    <p:sldId id="5560" r:id="rId30"/>
+    <p:sldId id="5567" r:id="rId31"/>
+    <p:sldId id="5673" r:id="rId32"/>
+    <p:sldId id="5681" r:id="rId33"/>
+    <p:sldId id="5675" r:id="rId34"/>
+    <p:sldId id="5676" r:id="rId35"/>
+    <p:sldId id="5677" r:id="rId36"/>
+    <p:sldId id="5678" r:id="rId37"/>
+    <p:sldId id="5679" r:id="rId38"/>
+    <p:sldId id="5680" r:id="rId39"/>
+    <p:sldId id="674" r:id="rId40"/>
   </p:sldIdLst>
   <p:sldSz cx="12188825" cy="6858000"/>
   <p:notesSz cx="7010400" cy="9296400"/>
@@ -289,7 +290,7 @@
           <a:p>
             <a:fld id="{0B842F42-2CE9-4E35-95C1-410DC08A50B1}" type="datetimeFigureOut">
               <a:rPr lang="en-US" smtClean="0"/>
-              <a:t>7/24/24</a:t>
+              <a:t>7/26/2024</a:t>
             </a:fld>
             <a:endParaRPr lang="en-US"/>
           </a:p>
@@ -454,7 +455,7 @@
           <a:p>
             <a:fld id="{6F282904-F315-4730-8D91-37D99E141A6F}" type="datetimeFigureOut">
               <a:rPr lang="en-US" smtClean="0"/>
-              <a:t>7/24/24</a:t>
+              <a:t>7/26/2024</a:t>
             </a:fld>
             <a:endParaRPr lang="en-US"/>
           </a:p>
@@ -808,7 +809,7 @@
           <a:p>
             <a:fld id="{6E363A66-168C-0143-BD3D-B116B7B003A5}" type="slidenum">
               <a:rPr lang="en-US" smtClean="0"/>
-              <a:t>21</a:t>
+              <a:t>22</a:t>
             </a:fld>
             <a:endParaRPr lang="en-US"/>
           </a:p>
@@ -914,7 +915,7 @@
           <a:p>
             <a:fld id="{6E363A66-168C-0143-BD3D-B116B7B003A5}" type="slidenum">
               <a:rPr lang="en-US" smtClean="0"/>
-              <a:t>22</a:t>
+              <a:t>23</a:t>
             </a:fld>
             <a:endParaRPr lang="en-US"/>
           </a:p>
@@ -4541,7 +4542,7 @@
           <a:p>
             <a:fld id="{68F49DD1-DDB5-AB43-B311-7649AD474C82}" type="datetimeFigureOut">
               <a:rPr lang="en-US" smtClean="0"/>
-              <a:t>7/24/24</a:t>
+              <a:t>7/26/2024</a:t>
             </a:fld>
             <a:endParaRPr lang="en-US"/>
           </a:p>
@@ -5489,14 +5490,30 @@
             <p:ph type="body" sz="quarter" idx="14"/>
           </p:nvPr>
         </p:nvSpPr>
-        <p:spPr/>
+        <p:spPr>
+          <a:xfrm>
+            <a:off x="3176925" y="3161813"/>
+            <a:ext cx="8292316" cy="646331"/>
+          </a:xfrm>
+        </p:spPr>
         <p:txBody>
           <a:bodyPr/>
           <a:lstStyle/>
           <a:p>
-            <a:r>
-              <a:rPr lang="en-US" dirty="0"/>
-              <a:t>Software Productivity and Sustainability Track @ ATPESC</a:t>
+            <a:pPr>
+              <a:spcBef>
+                <a:spcPts val="2800"/>
+              </a:spcBef>
+            </a:pPr>
+            <a:r>
+              <a:rPr lang="en-US" sz="2000" b="0" i="0" dirty="0">
+                <a:solidFill>
+                  <a:srgbClr val="111111"/>
+                </a:solidFill>
+                <a:effectLst/>
+                <a:latin typeface="+mn-lt"/>
+              </a:rPr>
+              <a:t>Software Productivity and Sustainability track @ Argonne Training Program on Extreme-Scale Computing summer school</a:t>
             </a:r>
           </a:p>
         </p:txBody>
@@ -5519,7 +5536,7 @@
         </p:nvSpPr>
         <p:spPr>
           <a:xfrm>
-            <a:off x="3176924" y="3792588"/>
+            <a:off x="3176924" y="4386948"/>
             <a:ext cx="8292316" cy="646331"/>
           </a:xfrm>
         </p:spPr>
@@ -5531,7 +5548,19 @@
               <a:rPr lang="en-US" sz="2000" dirty="0">
                 <a:latin typeface="+mn-lt"/>
               </a:rPr>
-              <a:t>Contributors: Anshu Dubey (ANL), Mark C. Miller (LLNL), David Bernholdt (ORNL) </a:t>
+              <a:t>Contributors: Anshu Dubey (ANL), Mark C. Miller (LLNL), </a:t>
+            </a:r>
+            <a:r>
+              <a:rPr lang="en-US" sz="2000">
+                <a:latin typeface="+mn-lt"/>
+              </a:rPr>
+              <a:t>David E. Bernholdt </a:t>
+            </a:r>
+            <a:r>
+              <a:rPr lang="en-US" sz="2000" dirty="0">
+                <a:latin typeface="+mn-lt"/>
+              </a:rPr>
+              <a:t>(ORNL) </a:t>
             </a:r>
           </a:p>
         </p:txBody>
@@ -5550,6 +5579,200 @@
 </file>
 
 <file path=ppt/slides/slide10.xml><?xml version="1.0" encoding="utf-8"?>
+<p:sld xmlns:a="http://schemas.openxmlformats.org/drawingml/2006/main" xmlns:r="http://schemas.openxmlformats.org/officeDocument/2006/relationships" xmlns:p="http://schemas.openxmlformats.org/presentationml/2006/main">
+  <p:cSld>
+    <p:spTree>
+      <p:nvGrpSpPr>
+        <p:cNvPr id="1" name=""/>
+        <p:cNvGrpSpPr/>
+        <p:nvPr/>
+      </p:nvGrpSpPr>
+      <p:grpSpPr>
+        <a:xfrm>
+          <a:off x="0" y="0"/>
+          <a:ext cx="0" cy="0"/>
+          <a:chOff x="0" y="0"/>
+          <a:chExt cx="0" cy="0"/>
+        </a:xfrm>
+      </p:grpSpPr>
+      <p:sp>
+        <p:nvSpPr>
+          <p:cNvPr id="2" name="Title 1">
+            <a:extLst>
+              <a:ext uri="{FF2B5EF4-FFF2-40B4-BE49-F238E27FC236}">
+                <a16:creationId xmlns:a16="http://schemas.microsoft.com/office/drawing/2014/main" id="{54D295FF-8D5F-0AF6-37DD-EE0D551022D6}"/>
+              </a:ext>
+            </a:extLst>
+          </p:cNvPr>
+          <p:cNvSpPr>
+            <a:spLocks noGrp="1"/>
+          </p:cNvSpPr>
+          <p:nvPr>
+            <p:ph type="title"/>
+          </p:nvPr>
+        </p:nvSpPr>
+        <p:spPr/>
+        <p:txBody>
+          <a:bodyPr/>
+          <a:lstStyle/>
+          <a:p>
+            <a:r>
+              <a:rPr lang="en-US" dirty="0"/>
+              <a:t>Resources for Independent Exploration</a:t>
+            </a:r>
+          </a:p>
+        </p:txBody>
+      </p:sp>
+      <p:sp>
+        <p:nvSpPr>
+          <p:cNvPr id="3" name="Content Placeholder 2">
+            <a:extLst>
+              <a:ext uri="{FF2B5EF4-FFF2-40B4-BE49-F238E27FC236}">
+                <a16:creationId xmlns:a16="http://schemas.microsoft.com/office/drawing/2014/main" id="{5986A54E-A9E8-6286-0C00-33767941A5D0}"/>
+              </a:ext>
+            </a:extLst>
+          </p:cNvPr>
+          <p:cNvSpPr>
+            <a:spLocks noGrp="1"/>
+          </p:cNvSpPr>
+          <p:nvPr>
+            <p:ph idx="1"/>
+          </p:nvPr>
+        </p:nvSpPr>
+        <p:spPr>
+          <a:xfrm>
+            <a:off x="365760" y="1143000"/>
+            <a:ext cx="11823065" cy="4047778"/>
+          </a:xfrm>
+        </p:spPr>
+        <p:txBody>
+          <a:bodyPr/>
+          <a:lstStyle/>
+          <a:p>
+            <a:r>
+              <a:rPr lang="en-US" dirty="0"/>
+              <a:t>Code repository in python </a:t>
+            </a:r>
+          </a:p>
+          <a:p>
+            <a:pPr marL="0" indent="0">
+              <a:buNone/>
+            </a:pPr>
+            <a:r>
+              <a:rPr lang="en-US" b="0" i="0" u="sng" dirty="0">
+                <a:solidFill>
+                  <a:srgbClr val="0000FF"/>
+                </a:solidFill>
+                <a:effectLst/>
+                <a:latin typeface="Calibri" panose="020F0502020204030204" pitchFamily="34" charset="0"/>
+                <a:hlinkClick r:id="rId2" tooltip="https://github.com/abiswas-odu/heateq-design-intersect-2023"/>
+              </a:rPr>
+              <a:t>https://github.com/a</a:t>
+            </a:r>
+            <a:r>
+              <a:rPr lang="en-US" b="0" i="0" u="sng" dirty="0">
+                <a:solidFill>
+                  <a:srgbClr val="070706"/>
+                </a:solidFill>
+                <a:effectLst/>
+                <a:latin typeface="Calibri" panose="020F0502020204030204" pitchFamily="34" charset="0"/>
+                <a:hlinkClick r:id="rId2" tooltip="https://github.com/abiswas-odu/heateq-design-intersect-2023"/>
+              </a:rPr>
+              <a:t>biswas</a:t>
+            </a:r>
+            <a:r>
+              <a:rPr lang="en-US" b="0" i="0" u="sng" dirty="0">
+                <a:solidFill>
+                  <a:srgbClr val="0000FF"/>
+                </a:solidFill>
+                <a:effectLst/>
+                <a:latin typeface="Calibri" panose="020F0502020204030204" pitchFamily="34" charset="0"/>
+                <a:hlinkClick r:id="rId2" tooltip="https://github.com/abiswas-odu/heateq-design-intersect-2023"/>
+              </a:rPr>
+              <a:t>-odu/heateq-design-intersect-2023</a:t>
+            </a:r>
+            <a:endParaRPr lang="en-US" b="0" i="0" u="sng" dirty="0">
+              <a:solidFill>
+                <a:srgbClr val="0000FF"/>
+              </a:solidFill>
+              <a:effectLst/>
+              <a:latin typeface="Calibri" panose="020F0502020204030204" pitchFamily="34" charset="0"/>
+            </a:endParaRPr>
+          </a:p>
+          <a:p>
+            <a:r>
+              <a:rPr lang="en-US" dirty="0">
+                <a:latin typeface="Calibri" panose="020F0502020204030204" pitchFamily="34" charset="0"/>
+              </a:rPr>
+              <a:t> A few possibilities of design exploration</a:t>
+            </a:r>
+          </a:p>
+          <a:p>
+            <a:pPr lvl="1"/>
+            <a:r>
+              <a:rPr lang="en-US" dirty="0">
+                <a:latin typeface="Calibri" panose="020F0502020204030204" pitchFamily="34" charset="0"/>
+              </a:rPr>
+              <a:t>Did we need three different interfaces for update solution ?</a:t>
+            </a:r>
+          </a:p>
+          <a:p>
+            <a:pPr lvl="1"/>
+            <a:r>
+              <a:rPr lang="en-US" b="0" i="0" dirty="0">
+                <a:effectLst/>
+                <a:latin typeface="Calibri" panose="020F0502020204030204" pitchFamily="34" charset="0"/>
+              </a:rPr>
+              <a:t>What would have </a:t>
+            </a:r>
+            <a:r>
+              <a:rPr lang="en-US" dirty="0">
+                <a:latin typeface="Calibri" panose="020F0502020204030204" pitchFamily="34" charset="0"/>
+              </a:rPr>
+              <a:t>been needed to make it into one interface</a:t>
+            </a:r>
+            <a:endParaRPr lang="en-US" dirty="0"/>
+          </a:p>
+          <a:p>
+            <a:r>
+              <a:rPr lang="en-US" dirty="0"/>
+              <a:t>Explore the whole exercise in C++ on your own checkout</a:t>
+            </a:r>
+          </a:p>
+          <a:p>
+            <a:pPr marL="0" indent="0">
+              <a:buNone/>
+            </a:pPr>
+            <a:r>
+              <a:rPr lang="en-US" dirty="0">
+                <a:hlinkClick r:id="rId3"/>
+              </a:rPr>
+              <a:t>https://xsdk-project.github.io/MathPackagesTraining2020/lessons/hand_coded_heat/</a:t>
+            </a:r>
+            <a:endParaRPr lang="en-US" dirty="0"/>
+          </a:p>
+          <a:p>
+            <a:pPr marL="0" indent="0">
+              <a:buNone/>
+            </a:pPr>
+            <a:endParaRPr lang="en-US" dirty="0"/>
+          </a:p>
+        </p:txBody>
+      </p:sp>
+    </p:spTree>
+    <p:extLst>
+      <p:ext uri="{BB962C8B-B14F-4D97-AF65-F5344CB8AC3E}">
+        <p14:creationId xmlns:p14="http://schemas.microsoft.com/office/powerpoint/2010/main" val="2010661880"/>
+      </p:ext>
+    </p:extLst>
+  </p:cSld>
+  <p:clrMapOvr>
+    <a:masterClrMapping/>
+  </p:clrMapOvr>
+</p:sld>
+</file>
+
+<file path=ppt/slides/slide11.xml><?xml version="1.0" encoding="utf-8"?>
 <p:sld xmlns:a="http://schemas.openxmlformats.org/drawingml/2006/main" xmlns:r="http://schemas.openxmlformats.org/officeDocument/2006/relationships" xmlns:p="http://schemas.openxmlformats.org/presentationml/2006/main">
   <p:cSld>
     <p:spTree>
@@ -6203,7 +6426,7 @@
 </p:sld>
 </file>
 
-<file path=ppt/slides/slide11.xml><?xml version="1.0" encoding="utf-8"?>
+<file path=ppt/slides/slide12.xml><?xml version="1.0" encoding="utf-8"?>
 <p:sld xmlns:a="http://schemas.openxmlformats.org/drawingml/2006/main" xmlns:r="http://schemas.openxmlformats.org/officeDocument/2006/relationships" xmlns:p="http://schemas.openxmlformats.org/presentationml/2006/main">
   <p:cSld>
     <p:spTree>
@@ -7050,7 +7273,7 @@
 </p:sld>
 </file>
 
-<file path=ppt/slides/slide12.xml><?xml version="1.0" encoding="utf-8"?>
+<file path=ppt/slides/slide13.xml><?xml version="1.0" encoding="utf-8"?>
 <p:sld xmlns:a="http://schemas.openxmlformats.org/drawingml/2006/main" xmlns:r="http://schemas.openxmlformats.org/officeDocument/2006/relationships" xmlns:p="http://schemas.openxmlformats.org/presentationml/2006/main">
   <p:cSld>
     <p:spTree>
@@ -7145,7 +7368,7 @@
           <a:noFill/>
           <a:extLst>
             <a:ext uri="{909E8E84-426E-40dd-AFC4-6F175D3DCCD1}">
-              <a14:hiddenFill xmlns:a14="http://schemas.microsoft.com/office/drawing/2010/main" xmlns="">
+              <a14:hiddenFill xmlns="" xmlns:a14="http://schemas.microsoft.com/office/drawing/2010/main">
                 <a:solidFill>
                   <a:srgbClr val="FFFFFF"/>
                 </a:solidFill>
@@ -7360,7 +7583,7 @@
 </p:sld>
 </file>
 
-<file path=ppt/slides/slide13.xml><?xml version="1.0" encoding="utf-8"?>
+<file path=ppt/slides/slide14.xml><?xml version="1.0" encoding="utf-8"?>
 <p:sld xmlns:a="http://schemas.openxmlformats.org/drawingml/2006/main" xmlns:r="http://schemas.openxmlformats.org/officeDocument/2006/relationships" xmlns:p="http://schemas.openxmlformats.org/presentationml/2006/main">
   <p:cSld>
     <p:spTree>
@@ -7539,7 +7762,7 @@
 </p:sld>
 </file>
 
-<file path=ppt/slides/slide14.xml><?xml version="1.0" encoding="utf-8"?>
+<file path=ppt/slides/slide15.xml><?xml version="1.0" encoding="utf-8"?>
 <p:sld xmlns:a="http://schemas.openxmlformats.org/drawingml/2006/main" xmlns:r="http://schemas.openxmlformats.org/officeDocument/2006/relationships" xmlns:p="http://schemas.openxmlformats.org/presentationml/2006/main">
   <p:cSld>
     <p:spTree>
@@ -8007,7 +8230,7 @@
 </p:sld>
 </file>
 
-<file path=ppt/slides/slide15.xml><?xml version="1.0" encoding="utf-8"?>
+<file path=ppt/slides/slide16.xml><?xml version="1.0" encoding="utf-8"?>
 <p:sld xmlns:a="http://schemas.openxmlformats.org/drawingml/2006/main" xmlns:r="http://schemas.openxmlformats.org/officeDocument/2006/relationships" xmlns:p="http://schemas.openxmlformats.org/presentationml/2006/main">
   <p:cSld>
     <p:spTree>
@@ -8550,7 +8773,7 @@
 </p:sld>
 </file>
 
-<file path=ppt/slides/slide16.xml><?xml version="1.0" encoding="utf-8"?>
+<file path=ppt/slides/slide17.xml><?xml version="1.0" encoding="utf-8"?>
 <p:sld xmlns:a="http://schemas.openxmlformats.org/drawingml/2006/main" xmlns:r="http://schemas.openxmlformats.org/officeDocument/2006/relationships" xmlns:p="http://schemas.openxmlformats.org/presentationml/2006/main">
   <p:cSld>
     <p:spTree>
@@ -9367,7 +9590,7 @@
 </p:sld>
 </file>
 
-<file path=ppt/slides/slide17.xml><?xml version="1.0" encoding="utf-8"?>
+<file path=ppt/slides/slide18.xml><?xml version="1.0" encoding="utf-8"?>
 <p:sld xmlns:a="http://schemas.openxmlformats.org/drawingml/2006/main" xmlns:r="http://schemas.openxmlformats.org/officeDocument/2006/relationships" xmlns:p="http://schemas.openxmlformats.org/presentationml/2006/main">
   <p:cSld>
     <p:spTree>
@@ -10229,7 +10452,7 @@
 </p:sld>
 </file>
 
-<file path=ppt/slides/slide18.xml><?xml version="1.0" encoding="utf-8"?>
+<file path=ppt/slides/slide19.xml><?xml version="1.0" encoding="utf-8"?>
 <p:sld xmlns:a="http://schemas.openxmlformats.org/drawingml/2006/main" xmlns:r="http://schemas.openxmlformats.org/officeDocument/2006/relationships" xmlns:p="http://schemas.openxmlformats.org/presentationml/2006/main">
   <p:cSld>
     <p:spTree>
@@ -11182,7 +11405,341 @@
 </p:sld>
 </file>
 
-<file path=ppt/slides/slide19.xml><?xml version="1.0" encoding="utf-8"?>
+<file path=ppt/slides/slide2.xml><?xml version="1.0" encoding="utf-8"?>
+<p:sld xmlns:a="http://schemas.openxmlformats.org/drawingml/2006/main" xmlns:r="http://schemas.openxmlformats.org/officeDocument/2006/relationships" xmlns:p="http://schemas.openxmlformats.org/presentationml/2006/main">
+  <p:cSld>
+    <p:spTree>
+      <p:nvGrpSpPr>
+        <p:cNvPr id="1" name=""/>
+        <p:cNvGrpSpPr/>
+        <p:nvPr/>
+      </p:nvGrpSpPr>
+      <p:grpSpPr>
+        <a:xfrm>
+          <a:off x="0" y="0"/>
+          <a:ext cx="0" cy="0"/>
+          <a:chOff x="0" y="0"/>
+          <a:chExt cx="0" cy="0"/>
+        </a:xfrm>
+      </p:grpSpPr>
+      <p:sp>
+        <p:nvSpPr>
+          <p:cNvPr id="2" name="Title 1">
+            <a:extLst>
+              <a:ext uri="{FF2B5EF4-FFF2-40B4-BE49-F238E27FC236}">
+                <a16:creationId xmlns:a16="http://schemas.microsoft.com/office/drawing/2014/main" id="{6442C24D-D970-4D40-8F14-D70C10A96304}"/>
+              </a:ext>
+            </a:extLst>
+          </p:cNvPr>
+          <p:cNvSpPr>
+            <a:spLocks noGrp="1"/>
+          </p:cNvSpPr>
+          <p:nvPr>
+            <p:ph type="title"/>
+          </p:nvPr>
+        </p:nvSpPr>
+        <p:spPr>
+          <a:xfrm>
+            <a:off x="363096" y="112911"/>
+            <a:ext cx="11372473" cy="914400"/>
+          </a:xfrm>
+        </p:spPr>
+        <p:txBody>
+          <a:bodyPr/>
+          <a:lstStyle/>
+          <a:p>
+            <a:r>
+              <a:rPr lang="en-US" dirty="0"/>
+              <a:t>License, Citation and Acknowledgements</a:t>
+            </a:r>
+          </a:p>
+        </p:txBody>
+      </p:sp>
+      <p:sp>
+        <p:nvSpPr>
+          <p:cNvPr id="3" name="Content Placeholder 2">
+            <a:extLst>
+              <a:ext uri="{FF2B5EF4-FFF2-40B4-BE49-F238E27FC236}">
+                <a16:creationId xmlns:a16="http://schemas.microsoft.com/office/drawing/2014/main" id="{0385A3AB-B258-4D59-B407-F7D57545A163}"/>
+              </a:ext>
+            </a:extLst>
+          </p:cNvPr>
+          <p:cNvSpPr>
+            <a:spLocks noGrp="1"/>
+          </p:cNvSpPr>
+          <p:nvPr>
+            <p:ph idx="1"/>
+          </p:nvPr>
+        </p:nvSpPr>
+        <p:spPr>
+          <a:xfrm>
+            <a:off x="409507" y="570111"/>
+            <a:ext cx="11369809" cy="4047778"/>
+          </a:xfrm>
+        </p:spPr>
+        <p:txBody>
+          <a:bodyPr/>
+          <a:lstStyle/>
+          <a:p>
+            <a:pPr marL="0" indent="0">
+              <a:buNone/>
+            </a:pPr>
+            <a:r>
+              <a:rPr lang="en-US" sz="2000" b="1" dirty="0"/>
+              <a:t>License and Citation</a:t>
+            </a:r>
+          </a:p>
+          <a:p>
+            <a:pPr>
+              <a:spcBef>
+                <a:spcPts val="400"/>
+              </a:spcBef>
+            </a:pPr>
+            <a:r>
+              <a:rPr lang="en-US" sz="1600" dirty="0"/>
+              <a:t>This work is licensed under a </a:t>
+            </a:r>
+            <a:r>
+              <a:rPr lang="en-US" sz="1600" dirty="0">
+                <a:hlinkClick r:id="rId2"/>
+              </a:rPr>
+              <a:t>Creative</a:t>
+            </a:r>
+            <a:r>
+              <a:rPr lang="en-US" sz="1600" dirty="0">
+                <a:hlinkClick r:id="rId3"/>
+              </a:rPr>
+              <a:t> Commons Attribution 4.0 International License</a:t>
+            </a:r>
+            <a:r>
+              <a:rPr lang="en-US" sz="1600" dirty="0"/>
+              <a:t> (CC BY 4.0).</a:t>
+            </a:r>
+          </a:p>
+          <a:p>
+            <a:pPr>
+              <a:spcBef>
+                <a:spcPts val="400"/>
+              </a:spcBef>
+            </a:pPr>
+            <a:r>
+              <a:rPr lang="en-US" sz="1600" b="1" dirty="0"/>
+              <a:t>The requested citation the overall tutorial is: </a:t>
+            </a:r>
+            <a:r>
+              <a:rPr lang="en-US" sz="1600" dirty="0"/>
+              <a:t>Anshu Dubey, David E. Bernholdt, Todd Gamblin, and Jared O’Neal, Software Productivity and Sustainability track, in Argonne Training Program on Extreme-Scale Computing, St. Charles, Illinois, 2024. DOI: </a:t>
+            </a:r>
+            <a:r>
+              <a:rPr lang="en-US" sz="1600" dirty="0">
+                <a:hlinkClick r:id="rId4"/>
+              </a:rPr>
+              <a:t>10.6084/m9.figshare.26384188</a:t>
+            </a:r>
+            <a:r>
+              <a:rPr lang="en-US" sz="1600" dirty="0"/>
+              <a:t>.</a:t>
+            </a:r>
+            <a:endParaRPr lang="en-US" sz="1600" b="0" i="0" dirty="0">
+              <a:solidFill>
+                <a:srgbClr val="111111"/>
+              </a:solidFill>
+              <a:effectLst/>
+              <a:latin typeface="+mn-lt"/>
+            </a:endParaRPr>
+          </a:p>
+          <a:p>
+            <a:pPr>
+              <a:spcBef>
+                <a:spcPts val="400"/>
+              </a:spcBef>
+            </a:pPr>
+            <a:r>
+              <a:rPr lang="en-US" sz="1600" dirty="0"/>
+              <a:t>Individual modules may be cited as </a:t>
+            </a:r>
+            <a:r>
+              <a:rPr lang="en-US" sz="1600" i="1" dirty="0"/>
+              <a:t>Speaker, Module Title</a:t>
+            </a:r>
+            <a:r>
+              <a:rPr lang="en-US" sz="1600" dirty="0"/>
+              <a:t>, in </a:t>
+            </a:r>
+            <a:r>
+              <a:rPr lang="en-US" sz="1600" b="0" i="1" dirty="0">
+                <a:solidFill>
+                  <a:srgbClr val="111111"/>
+                </a:solidFill>
+                <a:effectLst/>
+                <a:latin typeface="+mn-lt"/>
+              </a:rPr>
+              <a:t>Tutorial Title</a:t>
+            </a:r>
+            <a:r>
+              <a:rPr lang="en-US" sz="1600" dirty="0"/>
+              <a:t>, …</a:t>
+            </a:r>
+          </a:p>
+          <a:p>
+            <a:pPr marL="0" indent="0">
+              <a:spcBef>
+                <a:spcPts val="800"/>
+              </a:spcBef>
+              <a:buNone/>
+            </a:pPr>
+            <a:r>
+              <a:rPr lang="en-US" sz="2000" b="1" dirty="0"/>
+              <a:t>Acknowledgements</a:t>
+            </a:r>
+          </a:p>
+          <a:p>
+            <a:pPr>
+              <a:spcBef>
+                <a:spcPts val="400"/>
+              </a:spcBef>
+            </a:pPr>
+            <a:r>
+              <a:rPr lang="en-US" sz="1400" dirty="0"/>
+              <a:t>This work was supported by the U.S. Department of Energy Office of Science, Office of Advanced Scientific Computing Research (ASCR), and by the Exascale Computing Project (17-SC-20-SC), a collaborative effort of the U.S. Department of Energy Office of Science and the National Nuclear Security Administration</a:t>
+            </a:r>
+            <a:r>
+              <a:rPr lang="en-US" sz="1400" i="1" dirty="0"/>
+              <a:t>.</a:t>
+            </a:r>
+          </a:p>
+          <a:p>
+            <a:pPr>
+              <a:spcBef>
+                <a:spcPts val="400"/>
+              </a:spcBef>
+            </a:pPr>
+            <a:r>
+              <a:rPr lang="en-US" sz="1400" b="0" i="0" dirty="0">
+                <a:effectLst/>
+                <a:latin typeface="+mn-lt"/>
+              </a:rPr>
+              <a:t>This work was supported by the U.S. Department of Energy, Office of Science, Office of Advanced Scientific Computing Research, Next-Generation Scientific Software Technologies (NGSST) program.</a:t>
+            </a:r>
+          </a:p>
+          <a:p>
+            <a:pPr>
+              <a:spcBef>
+                <a:spcPts val="400"/>
+              </a:spcBef>
+            </a:pPr>
+            <a:r>
+              <a:rPr lang="en-US" sz="1400" dirty="0"/>
+              <a:t>This work was performed in part at the Argonne National Laboratory, which is managed by UChicago Argonne, LLC for the U.S. Department of Energy under Contract No. DE-AC02-06CH11357.</a:t>
+            </a:r>
+          </a:p>
+          <a:p>
+            <a:pPr>
+              <a:spcBef>
+                <a:spcPts val="400"/>
+              </a:spcBef>
+            </a:pPr>
+            <a:r>
+              <a:rPr lang="en-US" sz="1400" dirty="0"/>
+              <a:t>This work was performed in part at the Lawrence Livermore National Laboratory, which is managed by Lawrence Livermore National Security, LLC for the U.S. Department of Energy under Contract No. DE-AC52-07NA27344.</a:t>
+            </a:r>
+          </a:p>
+          <a:p>
+            <a:pPr>
+              <a:spcBef>
+                <a:spcPts val="400"/>
+              </a:spcBef>
+            </a:pPr>
+            <a:r>
+              <a:rPr lang="en-US" sz="1400" dirty="0"/>
+              <a:t>This work was performed in part at the Los Alamos National Laboratory, which is managed by Triad National Security, LLC for the U.S. Department of Energy under Contract No.89233218CNA000001</a:t>
+            </a:r>
+          </a:p>
+          <a:p>
+            <a:pPr>
+              <a:spcBef>
+                <a:spcPts val="400"/>
+              </a:spcBef>
+            </a:pPr>
+            <a:r>
+              <a:rPr lang="en-US" sz="1400" dirty="0"/>
+              <a:t>This work was performed in part at the Oak Ridge National Laboratory, which is managed by UT-Battelle, LLC for the U.S. Department of Energy under Contract No. DE-AC05-00OR22725.</a:t>
+            </a:r>
+          </a:p>
+          <a:p>
+            <a:pPr>
+              <a:spcBef>
+                <a:spcPts val="400"/>
+              </a:spcBef>
+            </a:pPr>
+            <a:r>
+              <a:rPr lang="en-US" sz="1400" dirty="0"/>
+              <a:t>This work was performed in part at Sandia National Laboratories. Sandia National Laboratories is a multi-mission laboratory managed and operated by National Technology and Engineering Solutions of Sandia, LLC., a wholly owned subsidiary of Honeywell International, Inc., for the U.S. Department of Energy’s National Nuclear Security Administration under contract DE-NA0003525.</a:t>
+            </a:r>
+          </a:p>
+        </p:txBody>
+      </p:sp>
+      <p:pic>
+        <p:nvPicPr>
+          <p:cNvPr id="4" name="Picture 2" descr="https://licensebuttons.net/l/by/4.0/88x31.png">
+            <a:extLst>
+              <a:ext uri="{FF2B5EF4-FFF2-40B4-BE49-F238E27FC236}">
+                <a16:creationId xmlns:a16="http://schemas.microsoft.com/office/drawing/2014/main" id="{61840015-22A0-4634-A2DE-AA05F998FD3A}"/>
+              </a:ext>
+            </a:extLst>
+          </p:cNvPr>
+          <p:cNvPicPr>
+            <a:picLocks noChangeAspect="1" noChangeArrowheads="1"/>
+          </p:cNvPicPr>
+          <p:nvPr/>
+        </p:nvPicPr>
+        <p:blipFill>
+          <a:blip r:embed="rId5">
+            <a:extLst>
+              <a:ext uri="{28A0092B-C50C-407E-A947-70E740481C1C}">
+                <a14:useLocalDpi xmlns:a14="http://schemas.microsoft.com/office/drawing/2010/main" val="0"/>
+              </a:ext>
+            </a:extLst>
+          </a:blip>
+          <a:srcRect/>
+          <a:stretch>
+            <a:fillRect/>
+          </a:stretch>
+        </p:blipFill>
+        <p:spPr bwMode="auto">
+          <a:xfrm>
+            <a:off x="10230336" y="879673"/>
+            <a:ext cx="838200" cy="295275"/>
+          </a:xfrm>
+          <a:prstGeom prst="rect">
+            <a:avLst/>
+          </a:prstGeom>
+          <a:noFill/>
+          <a:extLst>
+            <a:ext uri="{909E8E84-426E-40DD-AFC4-6F175D3DCCD1}">
+              <a14:hiddenFill xmlns:a14="http://schemas.microsoft.com/office/drawing/2010/main">
+                <a:solidFill>
+                  <a:srgbClr val="FFFFFF"/>
+                </a:solidFill>
+              </a14:hiddenFill>
+            </a:ext>
+          </a:extLst>
+        </p:spPr>
+      </p:pic>
+    </p:spTree>
+    <p:extLst>
+      <p:ext uri="{BB962C8B-B14F-4D97-AF65-F5344CB8AC3E}">
+        <p14:creationId xmlns:p14="http://schemas.microsoft.com/office/powerpoint/2010/main" val="978726433"/>
+      </p:ext>
+    </p:extLst>
+  </p:cSld>
+  <p:clrMapOvr>
+    <a:masterClrMapping/>
+  </p:clrMapOvr>
+</p:sld>
+</file>
+
+<file path=ppt/slides/slide20.xml><?xml version="1.0" encoding="utf-8"?>
 <p:sld xmlns:a="http://schemas.openxmlformats.org/drawingml/2006/main" xmlns:r="http://schemas.openxmlformats.org/officeDocument/2006/relationships" xmlns:p="http://schemas.openxmlformats.org/presentationml/2006/main">
   <p:cSld>
     <p:spTree>
@@ -12180,272 +12737,7 @@
 </p:sld>
 </file>
 
-<file path=ppt/slides/slide2.xml><?xml version="1.0" encoding="utf-8"?>
-<p:sld xmlns:a="http://schemas.openxmlformats.org/drawingml/2006/main" xmlns:r="http://schemas.openxmlformats.org/officeDocument/2006/relationships" xmlns:p="http://schemas.openxmlformats.org/presentationml/2006/main">
-  <p:cSld>
-    <p:spTree>
-      <p:nvGrpSpPr>
-        <p:cNvPr id="1" name=""/>
-        <p:cNvGrpSpPr/>
-        <p:nvPr/>
-      </p:nvGrpSpPr>
-      <p:grpSpPr>
-        <a:xfrm>
-          <a:off x="0" y="0"/>
-          <a:ext cx="0" cy="0"/>
-          <a:chOff x="0" y="0"/>
-          <a:chExt cx="0" cy="0"/>
-        </a:xfrm>
-      </p:grpSpPr>
-      <p:sp>
-        <p:nvSpPr>
-          <p:cNvPr id="3" name="Content Placeholder 2">
-            <a:extLst>
-              <a:ext uri="{FF2B5EF4-FFF2-40B4-BE49-F238E27FC236}">
-                <a16:creationId xmlns:a16="http://schemas.microsoft.com/office/drawing/2014/main" id="{BF403017-A750-F726-3A1A-1F298D2510CB}"/>
-              </a:ext>
-            </a:extLst>
-          </p:cNvPr>
-          <p:cNvSpPr>
-            <a:spLocks noGrp="1"/>
-          </p:cNvSpPr>
-          <p:nvPr>
-            <p:ph idx="1"/>
-          </p:nvPr>
-        </p:nvSpPr>
-        <p:spPr>
-          <a:xfrm>
-            <a:off x="264160" y="1179530"/>
-            <a:ext cx="11369809" cy="5463866"/>
-          </a:xfrm>
-        </p:spPr>
-        <p:txBody>
-          <a:bodyPr>
-            <a:normAutofit fontScale="92500" lnSpcReduction="10000"/>
-          </a:bodyPr>
-          <a:lstStyle/>
-          <a:p>
-            <a:r>
-              <a:rPr lang="en-US" dirty="0"/>
-              <a:t>Investing some thought in design of software makes it possible to maintain, reuse and extend it</a:t>
-            </a:r>
-          </a:p>
-          <a:p>
-            <a:r>
-              <a:rPr lang="en-US" dirty="0"/>
-              <a:t>Even if some research software begins its life as a one-off use case, it often gets reused</a:t>
-            </a:r>
-          </a:p>
-          <a:p>
-            <a:pPr lvl="1"/>
-            <a:r>
-              <a:rPr lang="en-US" dirty="0"/>
-              <a:t>Without proper design it is likely to accrete features haphazardly and become a monstrosity</a:t>
-            </a:r>
-          </a:p>
-          <a:p>
-            <a:pPr lvl="2"/>
-            <a:r>
-              <a:rPr lang="en-US" dirty="0"/>
-              <a:t>Acquires a lot of technical debt in the process</a:t>
-            </a:r>
-          </a:p>
-          <a:p>
-            <a:pPr marL="684212" lvl="2" indent="0">
-              <a:buNone/>
-            </a:pPr>
-            <a:endParaRPr lang="en-US" dirty="0"/>
-          </a:p>
-          <a:p>
-            <a:pPr marL="684212" lvl="2" indent="0">
-              <a:buNone/>
-            </a:pPr>
-            <a:endParaRPr lang="en-US" dirty="0"/>
-          </a:p>
-          <a:p>
-            <a:pPr marL="684212" lvl="2" indent="0">
-              <a:buNone/>
-            </a:pPr>
-            <a:endParaRPr lang="en-US" dirty="0"/>
-          </a:p>
-          <a:p>
-            <a:pPr marL="684212" lvl="2" indent="0">
-              <a:buNone/>
-            </a:pPr>
-            <a:endParaRPr lang="en-US" dirty="0"/>
-          </a:p>
-          <a:p>
-            <a:pPr marL="684212" lvl="2" indent="0">
-              <a:buNone/>
-            </a:pPr>
-            <a:endParaRPr lang="en-US" dirty="0"/>
-          </a:p>
-          <a:p>
-            <a:pPr lvl="1"/>
-            <a:r>
-              <a:rPr lang="en-US" dirty="0"/>
-              <a:t>Many projects have had this happen </a:t>
-            </a:r>
-          </a:p>
-          <a:p>
-            <a:pPr lvl="1"/>
-            <a:r>
-              <a:rPr lang="en-US" dirty="0"/>
-              <a:t>Most end up with a hard reset and start over again</a:t>
-            </a:r>
-          </a:p>
-          <a:p>
-            <a:r>
-              <a:rPr lang="en-US" dirty="0"/>
-              <a:t>In this module we will cover general design principles and those that are tailored for scientific software</a:t>
-            </a:r>
-          </a:p>
-          <a:p>
-            <a:r>
-              <a:rPr lang="en-US" dirty="0"/>
-              <a:t>We will also work through two use cases</a:t>
-            </a:r>
-          </a:p>
-          <a:p>
-            <a:pPr lvl="1"/>
-            <a:endParaRPr lang="en-US" dirty="0"/>
-          </a:p>
-          <a:p>
-            <a:pPr lvl="1"/>
-            <a:endParaRPr lang="en-US" dirty="0"/>
-          </a:p>
-        </p:txBody>
-      </p:sp>
-      <p:pic>
-        <p:nvPicPr>
-          <p:cNvPr id="5" name="Picture 4">
-            <a:extLst>
-              <a:ext uri="{FF2B5EF4-FFF2-40B4-BE49-F238E27FC236}">
-                <a16:creationId xmlns:a16="http://schemas.microsoft.com/office/drawing/2014/main" id="{99A98424-DF69-F563-EAF8-0B9FA5C1E165}"/>
-              </a:ext>
-            </a:extLst>
-          </p:cNvPr>
-          <p:cNvPicPr>
-            <a:picLocks noChangeAspect="1"/>
-          </p:cNvPicPr>
-          <p:nvPr/>
-        </p:nvPicPr>
-        <p:blipFill>
-          <a:blip r:embed="rId2">
-            <a:extLst>
-              <a:ext uri="{28A0092B-C50C-407E-A947-70E740481C1C}">
-                <a14:useLocalDpi xmlns:a14="http://schemas.microsoft.com/office/drawing/2010/main" val="0"/>
-              </a:ext>
-            </a:extLst>
-          </a:blip>
-          <a:stretch>
-            <a:fillRect/>
-          </a:stretch>
-        </p:blipFill>
-        <p:spPr>
-          <a:xfrm>
-            <a:off x="1576740" y="2820811"/>
-            <a:ext cx="7772400" cy="1433854"/>
-          </a:xfrm>
-          <a:prstGeom prst="rect">
-            <a:avLst/>
-          </a:prstGeom>
-        </p:spPr>
-      </p:pic>
-      <p:sp>
-        <p:nvSpPr>
-          <p:cNvPr id="6" name="TextBox 5">
-            <a:extLst>
-              <a:ext uri="{FF2B5EF4-FFF2-40B4-BE49-F238E27FC236}">
-                <a16:creationId xmlns:a16="http://schemas.microsoft.com/office/drawing/2014/main" id="{76BCF9A1-D400-15E1-16EA-AD709D26B994}"/>
-              </a:ext>
-            </a:extLst>
-          </p:cNvPr>
-          <p:cNvSpPr txBox="1"/>
-          <p:nvPr/>
-        </p:nvSpPr>
-        <p:spPr>
-          <a:xfrm>
-            <a:off x="2325511" y="4065382"/>
-            <a:ext cx="8046690" cy="378565"/>
-          </a:xfrm>
-          <a:prstGeom prst="rect">
-            <a:avLst/>
-          </a:prstGeom>
-          <a:noFill/>
-        </p:spPr>
-        <p:txBody>
-          <a:bodyPr wrap="none" lIns="118872" tIns="91440" rIns="118872" bIns="91440" rtlCol="0" anchor="ctr" anchorCtr="0">
-            <a:spAutoFit/>
-          </a:bodyPr>
-          <a:lstStyle/>
-          <a:p>
-            <a:pPr algn="l">
-              <a:lnSpc>
-                <a:spcPct val="90000"/>
-              </a:lnSpc>
-            </a:pPr>
-            <a:r>
-              <a:rPr lang="en-US" sz="1400" dirty="0"/>
-              <a:t> definition from </a:t>
-            </a:r>
-            <a:r>
-              <a:rPr lang="en-US" sz="1400" dirty="0">
-                <a:hlinkClick r:id="rId3"/>
-              </a:rPr>
-              <a:t>https://enterprisersproject.com/article/2020/6/technical-debt-explained-plain-english</a:t>
-            </a:r>
-            <a:endParaRPr lang="en-US" sz="1400" dirty="0"/>
-          </a:p>
-        </p:txBody>
-      </p:sp>
-      <p:sp>
-        <p:nvSpPr>
-          <p:cNvPr id="2" name="Title 1">
-            <a:extLst>
-              <a:ext uri="{FF2B5EF4-FFF2-40B4-BE49-F238E27FC236}">
-                <a16:creationId xmlns:a16="http://schemas.microsoft.com/office/drawing/2014/main" id="{21A7FE85-F68E-DA20-11B5-9FB90BB9AF7B}"/>
-              </a:ext>
-            </a:extLst>
-          </p:cNvPr>
-          <p:cNvSpPr>
-            <a:spLocks noGrp="1"/>
-          </p:cNvSpPr>
-          <p:nvPr>
-            <p:ph type="title"/>
-          </p:nvPr>
-        </p:nvSpPr>
-        <p:spPr>
-          <a:xfrm>
-            <a:off x="365760" y="411480"/>
-            <a:ext cx="11372473" cy="914400"/>
-          </a:xfrm>
-        </p:spPr>
-        <p:txBody>
-          <a:bodyPr/>
-          <a:lstStyle/>
-          <a:p>
-            <a:r>
-              <a:rPr lang="en-US" dirty="0"/>
-              <a:t>Introduction</a:t>
-            </a:r>
-          </a:p>
-        </p:txBody>
-      </p:sp>
-    </p:spTree>
-    <p:extLst>
-      <p:ext uri="{BB962C8B-B14F-4D97-AF65-F5344CB8AC3E}">
-        <p14:creationId xmlns:p14="http://schemas.microsoft.com/office/powerpoint/2010/main" val="3324473254"/>
-      </p:ext>
-    </p:extLst>
-  </p:cSld>
-  <p:clrMapOvr>
-    <a:masterClrMapping/>
-  </p:clrMapOvr>
-</p:sld>
-</file>
-
-<file path=ppt/slides/slide20.xml><?xml version="1.0" encoding="utf-8"?>
+<file path=ppt/slides/slide21.xml><?xml version="1.0" encoding="utf-8"?>
 <p:sld xmlns:a="http://schemas.openxmlformats.org/drawingml/2006/main" xmlns:r="http://schemas.openxmlformats.org/officeDocument/2006/relationships" xmlns:p="http://schemas.openxmlformats.org/presentationml/2006/main">
   <p:cSld>
     <p:spTree>
@@ -13622,7 +13914,7 @@
 </p:sld>
 </file>
 
-<file path=ppt/slides/slide21.xml><?xml version="1.0" encoding="utf-8"?>
+<file path=ppt/slides/slide22.xml><?xml version="1.0" encoding="utf-8"?>
 <p:sld xmlns:a="http://schemas.openxmlformats.org/drawingml/2006/main" xmlns:r="http://schemas.openxmlformats.org/officeDocument/2006/relationships" xmlns:p="http://schemas.openxmlformats.org/presentationml/2006/main">
   <p:cSld>
     <p:spTree>
@@ -15802,7 +16094,7 @@
 </p:sld>
 </file>
 
-<file path=ppt/slides/slide22.xml><?xml version="1.0" encoding="utf-8"?>
+<file path=ppt/slides/slide23.xml><?xml version="1.0" encoding="utf-8"?>
 <p:sld xmlns:a="http://schemas.openxmlformats.org/drawingml/2006/main" xmlns:r="http://schemas.openxmlformats.org/officeDocument/2006/relationships" xmlns:p="http://schemas.openxmlformats.org/presentationml/2006/main">
   <p:cSld>
     <p:spTree>
@@ -18242,7 +18534,7 @@
 </p:sld>
 </file>
 
-<file path=ppt/slides/slide23.xml><?xml version="1.0" encoding="utf-8"?>
+<file path=ppt/slides/slide24.xml><?xml version="1.0" encoding="utf-8"?>
 <p:sld xmlns:a="http://schemas.openxmlformats.org/drawingml/2006/main" xmlns:r="http://schemas.openxmlformats.org/officeDocument/2006/relationships" xmlns:p="http://schemas.openxmlformats.org/presentationml/2006/main">
   <p:cSld>
     <p:spTree>
@@ -18385,7 +18677,7 @@
 </p:sld>
 </file>
 
-<file path=ppt/slides/slide24.xml><?xml version="1.0" encoding="utf-8"?>
+<file path=ppt/slides/slide25.xml><?xml version="1.0" encoding="utf-8"?>
 <p:sld xmlns:a="http://schemas.openxmlformats.org/drawingml/2006/main" xmlns:r="http://schemas.openxmlformats.org/officeDocument/2006/relationships" xmlns:p="http://schemas.openxmlformats.org/presentationml/2006/main">
   <p:cSld>
     <p:spTree>
@@ -19879,7 +20171,7 @@
 </p:sld>
 </file>
 
-<file path=ppt/slides/slide25.xml><?xml version="1.0" encoding="utf-8"?>
+<file path=ppt/slides/slide26.xml><?xml version="1.0" encoding="utf-8"?>
 <p:sld xmlns:a="http://schemas.openxmlformats.org/drawingml/2006/main" xmlns:r="http://schemas.openxmlformats.org/officeDocument/2006/relationships" xmlns:p="http://schemas.openxmlformats.org/presentationml/2006/main">
   <p:cSld>
     <p:spTree>
@@ -20379,7 +20671,7 @@
 </p:sld>
 </file>
 
-<file path=ppt/slides/slide26.xml><?xml version="1.0" encoding="utf-8"?>
+<file path=ppt/slides/slide27.xml><?xml version="1.0" encoding="utf-8"?>
 <p:sld xmlns:a="http://schemas.openxmlformats.org/drawingml/2006/main" xmlns:r="http://schemas.openxmlformats.org/officeDocument/2006/relationships" xmlns:p="http://schemas.openxmlformats.org/presentationml/2006/main">
   <p:cSld>
     <p:spTree>
@@ -20833,153 +21125,6 @@
     <p:extLst>
       <p:ext uri="{BB962C8B-B14F-4D97-AF65-F5344CB8AC3E}">
         <p14:creationId xmlns:p14="http://schemas.microsoft.com/office/powerpoint/2010/main" val="3072973102"/>
-      </p:ext>
-    </p:extLst>
-  </p:cSld>
-  <p:clrMapOvr>
-    <a:masterClrMapping/>
-  </p:clrMapOvr>
-</p:sld>
-</file>
-
-<file path=ppt/slides/slide27.xml><?xml version="1.0" encoding="utf-8"?>
-<p:sld xmlns:a="http://schemas.openxmlformats.org/drawingml/2006/main" xmlns:r="http://schemas.openxmlformats.org/officeDocument/2006/relationships" xmlns:p="http://schemas.openxmlformats.org/presentationml/2006/main">
-  <p:cSld>
-    <p:spTree>
-      <p:nvGrpSpPr>
-        <p:cNvPr id="1" name=""/>
-        <p:cNvGrpSpPr/>
-        <p:nvPr/>
-      </p:nvGrpSpPr>
-      <p:grpSpPr>
-        <a:xfrm>
-          <a:off x="0" y="0"/>
-          <a:ext cx="0" cy="0"/>
-          <a:chOff x="0" y="0"/>
-          <a:chExt cx="0" cy="0"/>
-        </a:xfrm>
-      </p:grpSpPr>
-      <p:sp>
-        <p:nvSpPr>
-          <p:cNvPr id="2" name="Title 1">
-            <a:extLst>
-              <a:ext uri="{FF2B5EF4-FFF2-40B4-BE49-F238E27FC236}">
-                <a16:creationId xmlns:a16="http://schemas.microsoft.com/office/drawing/2014/main" id="{BA29E2E0-9DA3-3D91-D9AC-F0F883FF40DC}"/>
-              </a:ext>
-            </a:extLst>
-          </p:cNvPr>
-          <p:cNvSpPr>
-            <a:spLocks noGrp="1"/>
-          </p:cNvSpPr>
-          <p:nvPr>
-            <p:ph type="title"/>
-          </p:nvPr>
-        </p:nvSpPr>
-        <p:spPr>
-          <a:xfrm>
-            <a:off x="618582" y="19144"/>
-            <a:ext cx="10512862" cy="1325218"/>
-          </a:xfrm>
-        </p:spPr>
-        <p:txBody>
-          <a:bodyPr/>
-          <a:lstStyle/>
-          <a:p>
-            <a:r>
-              <a:rPr lang="en-US" dirty="0"/>
-              <a:t>State of Practice – Abstractions and Runtimes</a:t>
-            </a:r>
-          </a:p>
-        </p:txBody>
-      </p:sp>
-      <p:sp>
-        <p:nvSpPr>
-          <p:cNvPr id="3" name="Content Placeholder 2">
-            <a:extLst>
-              <a:ext uri="{FF2B5EF4-FFF2-40B4-BE49-F238E27FC236}">
-                <a16:creationId xmlns:a16="http://schemas.microsoft.com/office/drawing/2014/main" id="{53446683-6988-1141-6445-EC432AAC23E6}"/>
-              </a:ext>
-            </a:extLst>
-          </p:cNvPr>
-          <p:cNvSpPr>
-            <a:spLocks noGrp="1"/>
-          </p:cNvSpPr>
-          <p:nvPr>
-            <p:ph idx="1"/>
-          </p:nvPr>
-        </p:nvSpPr>
-        <p:spPr>
-          <a:xfrm>
-            <a:off x="618582" y="1055227"/>
-            <a:ext cx="10512862" cy="3757332"/>
-          </a:xfrm>
-        </p:spPr>
-        <p:txBody>
-          <a:bodyPr>
-            <a:normAutofit/>
-          </a:bodyPr>
-          <a:lstStyle/>
-          <a:p>
-            <a:r>
-              <a:rPr lang="en-US" dirty="0"/>
-              <a:t>Still very focused on GPU</a:t>
-            </a:r>
-          </a:p>
-          <a:p>
-            <a:pPr lvl="1"/>
-            <a:r>
-              <a:rPr lang="en-US" dirty="0"/>
-              <a:t>Majority of ECP applications park their data on the GPU and just work there</a:t>
-            </a:r>
-          </a:p>
-          <a:p>
-            <a:r>
-              <a:rPr lang="en-US" dirty="0"/>
-              <a:t>Abstractions -- data structures and parallelization of loops </a:t>
-            </a:r>
-          </a:p>
-          <a:p>
-            <a:r>
-              <a:rPr lang="en-US" dirty="0"/>
-              <a:t>Limitations</a:t>
-            </a:r>
-          </a:p>
-          <a:p>
-            <a:pPr lvl="1"/>
-            <a:r>
-              <a:rPr lang="en-US" dirty="0"/>
-              <a:t>No way to handle algorithmic variants in a unified way</a:t>
-            </a:r>
-          </a:p>
-          <a:p>
-            <a:pPr lvl="1"/>
-            <a:r>
-              <a:rPr lang="en-US" dirty="0"/>
-              <a:t>No way to transfer domain knowledge based possible optimizations to the tools</a:t>
-            </a:r>
-          </a:p>
-          <a:p>
-            <a:r>
-              <a:rPr lang="en-US" dirty="0"/>
-              <a:t>None of the prevalent languages allow a good way to define data locality</a:t>
-            </a:r>
-          </a:p>
-          <a:p>
-            <a:pPr lvl="1"/>
-            <a:r>
-              <a:rPr lang="en-US" dirty="0"/>
-              <a:t>Boutique HPC languages like chapel do – but chicken and egg problem with adoption</a:t>
-            </a:r>
-          </a:p>
-          <a:p>
-            <a:endParaRPr lang="en-US" dirty="0"/>
-          </a:p>
-        </p:txBody>
-      </p:sp>
-    </p:spTree>
-    <p:extLst>
-      <p:ext uri="{BB962C8B-B14F-4D97-AF65-F5344CB8AC3E}">
-        <p14:creationId xmlns:p14="http://schemas.microsoft.com/office/powerpoint/2010/main" val="3076692337"/>
       </p:ext>
     </p:extLst>
   </p:cSld>
@@ -21123,157 +21268,10 @@
           </a:p>
         </p:txBody>
       </p:sp>
-      <p:sp>
-        <p:nvSpPr>
-          <p:cNvPr id="5" name="Rectangle 4">
-            <a:extLst>
-              <a:ext uri="{FF2B5EF4-FFF2-40B4-BE49-F238E27FC236}">
-                <a16:creationId xmlns:a16="http://schemas.microsoft.com/office/drawing/2014/main" id="{3E5C2FF0-973B-B600-067C-C1EA53AFB4FE}"/>
-              </a:ext>
-            </a:extLst>
-          </p:cNvPr>
-          <p:cNvSpPr/>
-          <p:nvPr/>
-        </p:nvSpPr>
-        <p:spPr>
-          <a:xfrm>
-            <a:off x="1614003" y="4788753"/>
-            <a:ext cx="7995869" cy="354301"/>
-          </a:xfrm>
-          <a:prstGeom prst="rect">
-            <a:avLst/>
-          </a:prstGeom>
-        </p:spPr>
-        <p:style>
-          <a:lnRef idx="2">
-            <a:schemeClr val="accent1">
-              <a:shade val="15000"/>
-            </a:schemeClr>
-          </a:lnRef>
-          <a:fillRef idx="1">
-            <a:schemeClr val="accent1"/>
-          </a:fillRef>
-          <a:effectRef idx="0">
-            <a:schemeClr val="accent1"/>
-          </a:effectRef>
-          <a:fontRef idx="minor">
-            <a:schemeClr val="lt1"/>
-          </a:fontRef>
-        </p:style>
-        <p:txBody>
-          <a:bodyPr rtlCol="0" anchor="ctr"/>
-          <a:lstStyle/>
-          <a:p>
-            <a:pPr algn="ctr"/>
-            <a:r>
-              <a:rPr lang="en-US" dirty="0"/>
-              <a:t>The holy grail for scientists – write equation and generate code</a:t>
-            </a:r>
-          </a:p>
-        </p:txBody>
-      </p:sp>
-      <p:sp>
-        <p:nvSpPr>
-          <p:cNvPr id="6" name="Rectangle 5">
-            <a:extLst>
-              <a:ext uri="{FF2B5EF4-FFF2-40B4-BE49-F238E27FC236}">
-                <a16:creationId xmlns:a16="http://schemas.microsoft.com/office/drawing/2014/main" id="{A28BA85B-9464-EA29-2DC2-27EDB4AE3F06}"/>
-              </a:ext>
-            </a:extLst>
-          </p:cNvPr>
-          <p:cNvSpPr/>
-          <p:nvPr/>
-        </p:nvSpPr>
-        <p:spPr>
-          <a:xfrm>
-            <a:off x="3612970" y="5802774"/>
-            <a:ext cx="3997935" cy="438797"/>
-          </a:xfrm>
-          <a:prstGeom prst="rect">
-            <a:avLst/>
-          </a:prstGeom>
-        </p:spPr>
-        <p:style>
-          <a:lnRef idx="2">
-            <a:schemeClr val="accent1">
-              <a:shade val="15000"/>
-            </a:schemeClr>
-          </a:lnRef>
-          <a:fillRef idx="1">
-            <a:schemeClr val="accent1"/>
-          </a:fillRef>
-          <a:effectRef idx="0">
-            <a:schemeClr val="accent1"/>
-          </a:effectRef>
-          <a:fontRef idx="minor">
-            <a:schemeClr val="lt1"/>
-          </a:fontRef>
-        </p:style>
-        <p:txBody>
-          <a:bodyPr rtlCol="0" anchor="ctr"/>
-          <a:lstStyle/>
-          <a:p>
-            <a:pPr algn="ctr"/>
-            <a:r>
-              <a:rPr lang="en-US" dirty="0"/>
-              <a:t>Is there another way?</a:t>
-            </a:r>
-          </a:p>
-        </p:txBody>
-      </p:sp>
-      <p:sp>
-        <p:nvSpPr>
-          <p:cNvPr id="7" name="Rectangle 6">
-            <a:extLst>
-              <a:ext uri="{FF2B5EF4-FFF2-40B4-BE49-F238E27FC236}">
-                <a16:creationId xmlns:a16="http://schemas.microsoft.com/office/drawing/2014/main" id="{30BA514D-7A50-87B9-9355-EA0D70DED958}"/>
-              </a:ext>
-            </a:extLst>
-          </p:cNvPr>
-          <p:cNvSpPr/>
-          <p:nvPr/>
-        </p:nvSpPr>
-        <p:spPr>
-          <a:xfrm>
-            <a:off x="1614003" y="5215797"/>
-            <a:ext cx="7995869" cy="354301"/>
-          </a:xfrm>
-          <a:prstGeom prst="rect">
-            <a:avLst/>
-          </a:prstGeom>
-        </p:spPr>
-        <p:style>
-          <a:lnRef idx="2">
-            <a:schemeClr val="accent1">
-              <a:shade val="15000"/>
-            </a:schemeClr>
-          </a:lnRef>
-          <a:fillRef idx="1">
-            <a:schemeClr val="accent1"/>
-          </a:fillRef>
-          <a:effectRef idx="0">
-            <a:schemeClr val="accent1"/>
-          </a:effectRef>
-          <a:fontRef idx="minor">
-            <a:schemeClr val="lt1"/>
-          </a:fontRef>
-        </p:style>
-        <p:txBody>
-          <a:bodyPr rtlCol="0" anchor="ctr"/>
-          <a:lstStyle/>
-          <a:p>
-            <a:pPr algn="ctr"/>
-            <a:r>
-              <a:rPr lang="en-US" dirty="0"/>
-              <a:t>Very limited success in some domains</a:t>
-            </a:r>
-          </a:p>
-        </p:txBody>
-      </p:sp>
     </p:spTree>
     <p:extLst>
       <p:ext uri="{BB962C8B-B14F-4D97-AF65-F5344CB8AC3E}">
-        <p14:creationId xmlns:p14="http://schemas.microsoft.com/office/powerpoint/2010/main" val="158912556"/>
+        <p14:creationId xmlns:p14="http://schemas.microsoft.com/office/powerpoint/2010/main" val="3076692337"/>
       </p:ext>
     </p:extLst>
   </p:cSld>
@@ -21564,6 +21562,565 @@
           </a:p>
         </p:txBody>
       </p:sp>
+    </p:spTree>
+    <p:extLst>
+      <p:ext uri="{BB962C8B-B14F-4D97-AF65-F5344CB8AC3E}">
+        <p14:creationId xmlns:p14="http://schemas.microsoft.com/office/powerpoint/2010/main" val="158912556"/>
+      </p:ext>
+    </p:extLst>
+  </p:cSld>
+  <p:clrMapOvr>
+    <a:masterClrMapping/>
+  </p:clrMapOvr>
+</p:sld>
+</file>
+
+<file path=ppt/slides/slide3.xml><?xml version="1.0" encoding="utf-8"?>
+<p:sld xmlns:a="http://schemas.openxmlformats.org/drawingml/2006/main" xmlns:r="http://schemas.openxmlformats.org/officeDocument/2006/relationships" xmlns:p="http://schemas.openxmlformats.org/presentationml/2006/main">
+  <p:cSld>
+    <p:spTree>
+      <p:nvGrpSpPr>
+        <p:cNvPr id="1" name=""/>
+        <p:cNvGrpSpPr/>
+        <p:nvPr/>
+      </p:nvGrpSpPr>
+      <p:grpSpPr>
+        <a:xfrm>
+          <a:off x="0" y="0"/>
+          <a:ext cx="0" cy="0"/>
+          <a:chOff x="0" y="0"/>
+          <a:chExt cx="0" cy="0"/>
+        </a:xfrm>
+      </p:grpSpPr>
+      <p:sp>
+        <p:nvSpPr>
+          <p:cNvPr id="3" name="Content Placeholder 2">
+            <a:extLst>
+              <a:ext uri="{FF2B5EF4-FFF2-40B4-BE49-F238E27FC236}">
+                <a16:creationId xmlns:a16="http://schemas.microsoft.com/office/drawing/2014/main" id="{BF403017-A750-F726-3A1A-1F298D2510CB}"/>
+              </a:ext>
+            </a:extLst>
+          </p:cNvPr>
+          <p:cNvSpPr>
+            <a:spLocks noGrp="1"/>
+          </p:cNvSpPr>
+          <p:nvPr>
+            <p:ph idx="1"/>
+          </p:nvPr>
+        </p:nvSpPr>
+        <p:spPr>
+          <a:xfrm>
+            <a:off x="264160" y="1179530"/>
+            <a:ext cx="11369809" cy="5463866"/>
+          </a:xfrm>
+        </p:spPr>
+        <p:txBody>
+          <a:bodyPr>
+            <a:normAutofit fontScale="92500" lnSpcReduction="10000"/>
+          </a:bodyPr>
+          <a:lstStyle/>
+          <a:p>
+            <a:r>
+              <a:rPr lang="en-US" dirty="0"/>
+              <a:t>Investing some thought in design of software makes it possible to maintain, reuse and extend it</a:t>
+            </a:r>
+          </a:p>
+          <a:p>
+            <a:r>
+              <a:rPr lang="en-US" dirty="0"/>
+              <a:t>Even if some research software begins its life as a one-off use case, it often gets reused</a:t>
+            </a:r>
+          </a:p>
+          <a:p>
+            <a:pPr lvl="1"/>
+            <a:r>
+              <a:rPr lang="en-US" dirty="0"/>
+              <a:t>Without proper design it is likely to accrete features haphazardly and become a monstrosity</a:t>
+            </a:r>
+          </a:p>
+          <a:p>
+            <a:pPr lvl="2"/>
+            <a:r>
+              <a:rPr lang="en-US" dirty="0"/>
+              <a:t>Acquires a lot of technical debt in the process</a:t>
+            </a:r>
+          </a:p>
+          <a:p>
+            <a:pPr marL="684212" lvl="2" indent="0">
+              <a:buNone/>
+            </a:pPr>
+            <a:endParaRPr lang="en-US" dirty="0"/>
+          </a:p>
+          <a:p>
+            <a:pPr marL="684212" lvl="2" indent="0">
+              <a:buNone/>
+            </a:pPr>
+            <a:endParaRPr lang="en-US" dirty="0"/>
+          </a:p>
+          <a:p>
+            <a:pPr marL="684212" lvl="2" indent="0">
+              <a:buNone/>
+            </a:pPr>
+            <a:endParaRPr lang="en-US" dirty="0"/>
+          </a:p>
+          <a:p>
+            <a:pPr marL="684212" lvl="2" indent="0">
+              <a:buNone/>
+            </a:pPr>
+            <a:endParaRPr lang="en-US" dirty="0"/>
+          </a:p>
+          <a:p>
+            <a:pPr marL="684212" lvl="2" indent="0">
+              <a:buNone/>
+            </a:pPr>
+            <a:endParaRPr lang="en-US" dirty="0"/>
+          </a:p>
+          <a:p>
+            <a:pPr lvl="1"/>
+            <a:r>
+              <a:rPr lang="en-US" dirty="0"/>
+              <a:t>Many projects have had this happen </a:t>
+            </a:r>
+          </a:p>
+          <a:p>
+            <a:pPr lvl="1"/>
+            <a:r>
+              <a:rPr lang="en-US" dirty="0"/>
+              <a:t>Most end up with a hard reset and start over again</a:t>
+            </a:r>
+          </a:p>
+          <a:p>
+            <a:r>
+              <a:rPr lang="en-US" dirty="0"/>
+              <a:t>In this module we will cover general design principles and those that are tailored for scientific software</a:t>
+            </a:r>
+          </a:p>
+          <a:p>
+            <a:r>
+              <a:rPr lang="en-US" dirty="0"/>
+              <a:t>We will also work through two use cases</a:t>
+            </a:r>
+          </a:p>
+          <a:p>
+            <a:pPr lvl="1"/>
+            <a:endParaRPr lang="en-US" dirty="0"/>
+          </a:p>
+          <a:p>
+            <a:pPr lvl="1"/>
+            <a:endParaRPr lang="en-US" dirty="0"/>
+          </a:p>
+        </p:txBody>
+      </p:sp>
+      <p:pic>
+        <p:nvPicPr>
+          <p:cNvPr id="5" name="Picture 4">
+            <a:extLst>
+              <a:ext uri="{FF2B5EF4-FFF2-40B4-BE49-F238E27FC236}">
+                <a16:creationId xmlns:a16="http://schemas.microsoft.com/office/drawing/2014/main" id="{99A98424-DF69-F563-EAF8-0B9FA5C1E165}"/>
+              </a:ext>
+            </a:extLst>
+          </p:cNvPr>
+          <p:cNvPicPr>
+            <a:picLocks noChangeAspect="1"/>
+          </p:cNvPicPr>
+          <p:nvPr/>
+        </p:nvPicPr>
+        <p:blipFill>
+          <a:blip r:embed="rId2">
+            <a:extLst>
+              <a:ext uri="{28A0092B-C50C-407E-A947-70E740481C1C}">
+                <a14:useLocalDpi xmlns:a14="http://schemas.microsoft.com/office/drawing/2010/main" val="0"/>
+              </a:ext>
+            </a:extLst>
+          </a:blip>
+          <a:stretch>
+            <a:fillRect/>
+          </a:stretch>
+        </p:blipFill>
+        <p:spPr>
+          <a:xfrm>
+            <a:off x="1576740" y="2820811"/>
+            <a:ext cx="7772400" cy="1433854"/>
+          </a:xfrm>
+          <a:prstGeom prst="rect">
+            <a:avLst/>
+          </a:prstGeom>
+        </p:spPr>
+      </p:pic>
+      <p:sp>
+        <p:nvSpPr>
+          <p:cNvPr id="6" name="TextBox 5">
+            <a:extLst>
+              <a:ext uri="{FF2B5EF4-FFF2-40B4-BE49-F238E27FC236}">
+                <a16:creationId xmlns:a16="http://schemas.microsoft.com/office/drawing/2014/main" id="{76BCF9A1-D400-15E1-16EA-AD709D26B994}"/>
+              </a:ext>
+            </a:extLst>
+          </p:cNvPr>
+          <p:cNvSpPr txBox="1"/>
+          <p:nvPr/>
+        </p:nvSpPr>
+        <p:spPr>
+          <a:xfrm>
+            <a:off x="2325511" y="4065382"/>
+            <a:ext cx="8046690" cy="378565"/>
+          </a:xfrm>
+          <a:prstGeom prst="rect">
+            <a:avLst/>
+          </a:prstGeom>
+          <a:noFill/>
+        </p:spPr>
+        <p:txBody>
+          <a:bodyPr wrap="none" lIns="118872" tIns="91440" rIns="118872" bIns="91440" rtlCol="0" anchor="ctr" anchorCtr="0">
+            <a:spAutoFit/>
+          </a:bodyPr>
+          <a:lstStyle/>
+          <a:p>
+            <a:pPr algn="l">
+              <a:lnSpc>
+                <a:spcPct val="90000"/>
+              </a:lnSpc>
+            </a:pPr>
+            <a:r>
+              <a:rPr lang="en-US" sz="1400" dirty="0"/>
+              <a:t> definition from </a:t>
+            </a:r>
+            <a:r>
+              <a:rPr lang="en-US" sz="1400" dirty="0">
+                <a:hlinkClick r:id="rId3"/>
+              </a:rPr>
+              <a:t>https://enterprisersproject.com/article/2020/6/technical-debt-explained-plain-english</a:t>
+            </a:r>
+            <a:endParaRPr lang="en-US" sz="1400" dirty="0"/>
+          </a:p>
+        </p:txBody>
+      </p:sp>
+      <p:sp>
+        <p:nvSpPr>
+          <p:cNvPr id="2" name="Title 1">
+            <a:extLst>
+              <a:ext uri="{FF2B5EF4-FFF2-40B4-BE49-F238E27FC236}">
+                <a16:creationId xmlns:a16="http://schemas.microsoft.com/office/drawing/2014/main" id="{21A7FE85-F68E-DA20-11B5-9FB90BB9AF7B}"/>
+              </a:ext>
+            </a:extLst>
+          </p:cNvPr>
+          <p:cNvSpPr>
+            <a:spLocks noGrp="1"/>
+          </p:cNvSpPr>
+          <p:nvPr>
+            <p:ph type="title"/>
+          </p:nvPr>
+        </p:nvSpPr>
+        <p:spPr>
+          <a:xfrm>
+            <a:off x="365760" y="411480"/>
+            <a:ext cx="11372473" cy="914400"/>
+          </a:xfrm>
+        </p:spPr>
+        <p:txBody>
+          <a:bodyPr/>
+          <a:lstStyle/>
+          <a:p>
+            <a:r>
+              <a:rPr lang="en-US" dirty="0"/>
+              <a:t>Introduction</a:t>
+            </a:r>
+          </a:p>
+        </p:txBody>
+      </p:sp>
+    </p:spTree>
+    <p:extLst>
+      <p:ext uri="{BB962C8B-B14F-4D97-AF65-F5344CB8AC3E}">
+        <p14:creationId xmlns:p14="http://schemas.microsoft.com/office/powerpoint/2010/main" val="3324473254"/>
+      </p:ext>
+    </p:extLst>
+  </p:cSld>
+  <p:clrMapOvr>
+    <a:masterClrMapping/>
+  </p:clrMapOvr>
+</p:sld>
+</file>
+
+<file path=ppt/slides/slide30.xml><?xml version="1.0" encoding="utf-8"?>
+<p:sld xmlns:a="http://schemas.openxmlformats.org/drawingml/2006/main" xmlns:r="http://schemas.openxmlformats.org/officeDocument/2006/relationships" xmlns:p="http://schemas.openxmlformats.org/presentationml/2006/main">
+  <p:cSld>
+    <p:spTree>
+      <p:nvGrpSpPr>
+        <p:cNvPr id="1" name=""/>
+        <p:cNvGrpSpPr/>
+        <p:nvPr/>
+      </p:nvGrpSpPr>
+      <p:grpSpPr>
+        <a:xfrm>
+          <a:off x="0" y="0"/>
+          <a:ext cx="0" cy="0"/>
+          <a:chOff x="0" y="0"/>
+          <a:chExt cx="0" cy="0"/>
+        </a:xfrm>
+      </p:grpSpPr>
+      <p:sp>
+        <p:nvSpPr>
+          <p:cNvPr id="2" name="Title 1">
+            <a:extLst>
+              <a:ext uri="{FF2B5EF4-FFF2-40B4-BE49-F238E27FC236}">
+                <a16:creationId xmlns:a16="http://schemas.microsoft.com/office/drawing/2014/main" id="{BA29E2E0-9DA3-3D91-D9AC-F0F883FF40DC}"/>
+              </a:ext>
+            </a:extLst>
+          </p:cNvPr>
+          <p:cNvSpPr>
+            <a:spLocks noGrp="1"/>
+          </p:cNvSpPr>
+          <p:nvPr>
+            <p:ph type="title"/>
+          </p:nvPr>
+        </p:nvSpPr>
+        <p:spPr>
+          <a:xfrm>
+            <a:off x="618582" y="19144"/>
+            <a:ext cx="10512862" cy="1325218"/>
+          </a:xfrm>
+        </p:spPr>
+        <p:txBody>
+          <a:bodyPr/>
+          <a:lstStyle/>
+          <a:p>
+            <a:r>
+              <a:rPr lang="en-US" dirty="0"/>
+              <a:t>State of Practice – Abstractions and Runtimes</a:t>
+            </a:r>
+          </a:p>
+        </p:txBody>
+      </p:sp>
+      <p:sp>
+        <p:nvSpPr>
+          <p:cNvPr id="3" name="Content Placeholder 2">
+            <a:extLst>
+              <a:ext uri="{FF2B5EF4-FFF2-40B4-BE49-F238E27FC236}">
+                <a16:creationId xmlns:a16="http://schemas.microsoft.com/office/drawing/2014/main" id="{53446683-6988-1141-6445-EC432AAC23E6}"/>
+              </a:ext>
+            </a:extLst>
+          </p:cNvPr>
+          <p:cNvSpPr>
+            <a:spLocks noGrp="1"/>
+          </p:cNvSpPr>
+          <p:nvPr>
+            <p:ph idx="1"/>
+          </p:nvPr>
+        </p:nvSpPr>
+        <p:spPr>
+          <a:xfrm>
+            <a:off x="618582" y="1055227"/>
+            <a:ext cx="10512862" cy="3757332"/>
+          </a:xfrm>
+        </p:spPr>
+        <p:txBody>
+          <a:bodyPr>
+            <a:normAutofit/>
+          </a:bodyPr>
+          <a:lstStyle/>
+          <a:p>
+            <a:r>
+              <a:rPr lang="en-US" dirty="0"/>
+              <a:t>Still very focused on GPU</a:t>
+            </a:r>
+          </a:p>
+          <a:p>
+            <a:pPr lvl="1"/>
+            <a:r>
+              <a:rPr lang="en-US" dirty="0"/>
+              <a:t>Majority of ECP applications park their data on the GPU and just work there</a:t>
+            </a:r>
+          </a:p>
+          <a:p>
+            <a:r>
+              <a:rPr lang="en-US" dirty="0"/>
+              <a:t>Abstractions -- data structures and parallelization of loops </a:t>
+            </a:r>
+          </a:p>
+          <a:p>
+            <a:r>
+              <a:rPr lang="en-US" dirty="0"/>
+              <a:t>Limitations</a:t>
+            </a:r>
+          </a:p>
+          <a:p>
+            <a:pPr lvl="1"/>
+            <a:r>
+              <a:rPr lang="en-US" dirty="0"/>
+              <a:t>No way to handle algorithmic variants in a unified way</a:t>
+            </a:r>
+          </a:p>
+          <a:p>
+            <a:pPr lvl="1"/>
+            <a:r>
+              <a:rPr lang="en-US" dirty="0"/>
+              <a:t>No way to transfer domain knowledge based possible optimizations to the tools</a:t>
+            </a:r>
+          </a:p>
+          <a:p>
+            <a:r>
+              <a:rPr lang="en-US" dirty="0"/>
+              <a:t>None of the prevalent languages allow a good way to define data locality</a:t>
+            </a:r>
+          </a:p>
+          <a:p>
+            <a:pPr lvl="1"/>
+            <a:r>
+              <a:rPr lang="en-US" dirty="0"/>
+              <a:t>Boutique HPC languages like chapel do – but chicken and egg problem with adoption</a:t>
+            </a:r>
+          </a:p>
+          <a:p>
+            <a:endParaRPr lang="en-US" dirty="0"/>
+          </a:p>
+        </p:txBody>
+      </p:sp>
+      <p:sp>
+        <p:nvSpPr>
+          <p:cNvPr id="5" name="Rectangle 4">
+            <a:extLst>
+              <a:ext uri="{FF2B5EF4-FFF2-40B4-BE49-F238E27FC236}">
+                <a16:creationId xmlns:a16="http://schemas.microsoft.com/office/drawing/2014/main" id="{3E5C2FF0-973B-B600-067C-C1EA53AFB4FE}"/>
+              </a:ext>
+            </a:extLst>
+          </p:cNvPr>
+          <p:cNvSpPr/>
+          <p:nvPr/>
+        </p:nvSpPr>
+        <p:spPr>
+          <a:xfrm>
+            <a:off x="1614003" y="4788753"/>
+            <a:ext cx="7995869" cy="354301"/>
+          </a:xfrm>
+          <a:prstGeom prst="rect">
+            <a:avLst/>
+          </a:prstGeom>
+        </p:spPr>
+        <p:style>
+          <a:lnRef idx="2">
+            <a:schemeClr val="accent1">
+              <a:shade val="15000"/>
+            </a:schemeClr>
+          </a:lnRef>
+          <a:fillRef idx="1">
+            <a:schemeClr val="accent1"/>
+          </a:fillRef>
+          <a:effectRef idx="0">
+            <a:schemeClr val="accent1"/>
+          </a:effectRef>
+          <a:fontRef idx="minor">
+            <a:schemeClr val="lt1"/>
+          </a:fontRef>
+        </p:style>
+        <p:txBody>
+          <a:bodyPr rtlCol="0" anchor="ctr"/>
+          <a:lstStyle/>
+          <a:p>
+            <a:pPr algn="ctr"/>
+            <a:r>
+              <a:rPr lang="en-US" dirty="0"/>
+              <a:t>The holy grail for scientists – write equation and generate code</a:t>
+            </a:r>
+          </a:p>
+        </p:txBody>
+      </p:sp>
+      <p:sp>
+        <p:nvSpPr>
+          <p:cNvPr id="6" name="Rectangle 5">
+            <a:extLst>
+              <a:ext uri="{FF2B5EF4-FFF2-40B4-BE49-F238E27FC236}">
+                <a16:creationId xmlns:a16="http://schemas.microsoft.com/office/drawing/2014/main" id="{A28BA85B-9464-EA29-2DC2-27EDB4AE3F06}"/>
+              </a:ext>
+            </a:extLst>
+          </p:cNvPr>
+          <p:cNvSpPr/>
+          <p:nvPr/>
+        </p:nvSpPr>
+        <p:spPr>
+          <a:xfrm>
+            <a:off x="3612970" y="5802774"/>
+            <a:ext cx="3997935" cy="438797"/>
+          </a:xfrm>
+          <a:prstGeom prst="rect">
+            <a:avLst/>
+          </a:prstGeom>
+        </p:spPr>
+        <p:style>
+          <a:lnRef idx="2">
+            <a:schemeClr val="accent1">
+              <a:shade val="15000"/>
+            </a:schemeClr>
+          </a:lnRef>
+          <a:fillRef idx="1">
+            <a:schemeClr val="accent1"/>
+          </a:fillRef>
+          <a:effectRef idx="0">
+            <a:schemeClr val="accent1"/>
+          </a:effectRef>
+          <a:fontRef idx="minor">
+            <a:schemeClr val="lt1"/>
+          </a:fontRef>
+        </p:style>
+        <p:txBody>
+          <a:bodyPr rtlCol="0" anchor="ctr"/>
+          <a:lstStyle/>
+          <a:p>
+            <a:pPr algn="ctr"/>
+            <a:r>
+              <a:rPr lang="en-US" dirty="0"/>
+              <a:t>Is there another way?</a:t>
+            </a:r>
+          </a:p>
+        </p:txBody>
+      </p:sp>
+      <p:sp>
+        <p:nvSpPr>
+          <p:cNvPr id="7" name="Rectangle 6">
+            <a:extLst>
+              <a:ext uri="{FF2B5EF4-FFF2-40B4-BE49-F238E27FC236}">
+                <a16:creationId xmlns:a16="http://schemas.microsoft.com/office/drawing/2014/main" id="{30BA514D-7A50-87B9-9355-EA0D70DED958}"/>
+              </a:ext>
+            </a:extLst>
+          </p:cNvPr>
+          <p:cNvSpPr/>
+          <p:nvPr/>
+        </p:nvSpPr>
+        <p:spPr>
+          <a:xfrm>
+            <a:off x="1614003" y="5215797"/>
+            <a:ext cx="7995869" cy="354301"/>
+          </a:xfrm>
+          <a:prstGeom prst="rect">
+            <a:avLst/>
+          </a:prstGeom>
+        </p:spPr>
+        <p:style>
+          <a:lnRef idx="2">
+            <a:schemeClr val="accent1">
+              <a:shade val="15000"/>
+            </a:schemeClr>
+          </a:lnRef>
+          <a:fillRef idx="1">
+            <a:schemeClr val="accent1"/>
+          </a:fillRef>
+          <a:effectRef idx="0">
+            <a:schemeClr val="accent1"/>
+          </a:effectRef>
+          <a:fontRef idx="minor">
+            <a:schemeClr val="lt1"/>
+          </a:fontRef>
+        </p:style>
+        <p:txBody>
+          <a:bodyPr rtlCol="0" anchor="ctr"/>
+          <a:lstStyle/>
+          <a:p>
+            <a:pPr algn="ctr"/>
+            <a:r>
+              <a:rPr lang="en-US" dirty="0"/>
+              <a:t>Very limited success in some domains</a:t>
+            </a:r>
+          </a:p>
+        </p:txBody>
+      </p:sp>
       <p:sp>
         <p:nvSpPr>
           <p:cNvPr id="8" name="Rectangle 7">
@@ -21620,1659 +22177,6 @@
     <p:extLst>
       <p:ext uri="{BB962C8B-B14F-4D97-AF65-F5344CB8AC3E}">
         <p14:creationId xmlns:p14="http://schemas.microsoft.com/office/powerpoint/2010/main" val="3757042801"/>
-      </p:ext>
-    </p:extLst>
-  </p:cSld>
-  <p:clrMapOvr>
-    <a:masterClrMapping/>
-  </p:clrMapOvr>
-</p:sld>
-</file>
-
-<file path=ppt/slides/slide3.xml><?xml version="1.0" encoding="utf-8"?>
-<p:sld xmlns:a="http://schemas.openxmlformats.org/drawingml/2006/main" xmlns:r="http://schemas.openxmlformats.org/officeDocument/2006/relationships" xmlns:p="http://schemas.openxmlformats.org/presentationml/2006/main">
-  <p:cSld>
-    <p:spTree>
-      <p:nvGrpSpPr>
-        <p:cNvPr id="1" name=""/>
-        <p:cNvGrpSpPr/>
-        <p:nvPr/>
-      </p:nvGrpSpPr>
-      <p:grpSpPr>
-        <a:xfrm>
-          <a:off x="0" y="0"/>
-          <a:ext cx="0" cy="0"/>
-          <a:chOff x="0" y="0"/>
-          <a:chExt cx="0" cy="0"/>
-        </a:xfrm>
-      </p:grpSpPr>
-      <p:sp>
-        <p:nvSpPr>
-          <p:cNvPr id="2" name="Title 1">
-            <a:extLst>
-              <a:ext uri="{FF2B5EF4-FFF2-40B4-BE49-F238E27FC236}">
-                <a16:creationId xmlns:a16="http://schemas.microsoft.com/office/drawing/2014/main" id="{847885C9-0085-AB61-AB08-70EECA001F0C}"/>
-              </a:ext>
-            </a:extLst>
-          </p:cNvPr>
-          <p:cNvSpPr>
-            <a:spLocks noGrp="1"/>
-          </p:cNvSpPr>
-          <p:nvPr>
-            <p:ph type="title"/>
-          </p:nvPr>
-        </p:nvSpPr>
-        <p:spPr/>
-        <p:txBody>
-          <a:bodyPr/>
-          <a:lstStyle/>
-          <a:p>
-            <a:r>
-              <a:rPr lang="en-US" dirty="0"/>
-              <a:t>Designing Software – High Level Phases</a:t>
-            </a:r>
-          </a:p>
-        </p:txBody>
-      </p:sp>
-      <p:sp>
-        <p:nvSpPr>
-          <p:cNvPr id="4" name="Rounded Rectangle 3">
-            <a:extLst>
-              <a:ext uri="{FF2B5EF4-FFF2-40B4-BE49-F238E27FC236}">
-                <a16:creationId xmlns:a16="http://schemas.microsoft.com/office/drawing/2014/main" id="{1FA50980-32EC-326F-85DD-3CF03094F555}"/>
-              </a:ext>
-            </a:extLst>
-          </p:cNvPr>
-          <p:cNvSpPr/>
-          <p:nvPr/>
-        </p:nvSpPr>
-        <p:spPr>
-          <a:xfrm>
-            <a:off x="357782" y="2204476"/>
-            <a:ext cx="3036711" cy="3485124"/>
-          </a:xfrm>
-          <a:prstGeom prst="roundRect">
-            <a:avLst/>
-          </a:prstGeom>
-          <a:solidFill>
-            <a:schemeClr val="accent3"/>
-          </a:solidFill>
-          <a:ln>
-            <a:noFill/>
-          </a:ln>
-          <a:effectLst>
-            <a:outerShdw blurRad="44450" dist="27940" dir="5400000" algn="ctr">
-              <a:srgbClr val="000000">
-                <a:alpha val="32000"/>
-              </a:srgbClr>
-            </a:outerShdw>
-          </a:effectLst>
-        </p:spPr>
-        <p:txBody>
-          <a:bodyPr rot="0" spcFirstLastPara="0" vertOverflow="overflow" horzOverflow="overflow" vert="horz" wrap="square" lIns="121851" tIns="60925" rIns="121851" bIns="60925" numCol="1" spcCol="0" rtlCol="0" fromWordArt="0" anchor="ctr" anchorCtr="0" forceAA="0" compatLnSpc="1">
-            <a:prstTxWarp prst="textNoShape">
-              <a:avLst/>
-            </a:prstTxWarp>
-            <a:noAutofit/>
-          </a:bodyPr>
-          <a:lstStyle/>
-          <a:p>
-            <a:pPr marL="342900" indent="-342900">
-              <a:buFont typeface="Wingdings" pitchFamily="2" charset="2"/>
-              <a:buChar char="q"/>
-            </a:pPr>
-            <a:r>
-              <a:rPr lang="en-US" sz="2400" dirty="0"/>
-              <a:t>Features and capabilities</a:t>
-            </a:r>
-          </a:p>
-          <a:p>
-            <a:pPr marL="342900" indent="-342900">
-              <a:buFont typeface="Wingdings" pitchFamily="2" charset="2"/>
-              <a:buChar char="q"/>
-            </a:pPr>
-            <a:r>
-              <a:rPr lang="en-US" sz="2400" dirty="0"/>
-              <a:t>Constraints</a:t>
-            </a:r>
-          </a:p>
-          <a:p>
-            <a:pPr marL="342900" indent="-342900">
-              <a:buFont typeface="Wingdings" pitchFamily="2" charset="2"/>
-              <a:buChar char="q"/>
-            </a:pPr>
-            <a:r>
-              <a:rPr lang="en-US" sz="2400" dirty="0"/>
-              <a:t>Limitations</a:t>
-            </a:r>
-          </a:p>
-          <a:p>
-            <a:pPr marL="342900" indent="-342900">
-              <a:buFont typeface="Wingdings" pitchFamily="2" charset="2"/>
-              <a:buChar char="q"/>
-            </a:pPr>
-            <a:r>
-              <a:rPr lang="en-US" sz="2400" dirty="0"/>
-              <a:t>Target users</a:t>
-            </a:r>
-          </a:p>
-          <a:p>
-            <a:pPr marL="342900" indent="-342900">
-              <a:buFont typeface="Wingdings" pitchFamily="2" charset="2"/>
-              <a:buChar char="q"/>
-            </a:pPr>
-            <a:r>
-              <a:rPr lang="en-US" sz="2400" dirty="0"/>
-              <a:t>Other …..</a:t>
-            </a:r>
-          </a:p>
-        </p:txBody>
-      </p:sp>
-      <p:sp>
-        <p:nvSpPr>
-          <p:cNvPr id="5" name="TextBox 4">
-            <a:extLst>
-              <a:ext uri="{FF2B5EF4-FFF2-40B4-BE49-F238E27FC236}">
-                <a16:creationId xmlns:a16="http://schemas.microsoft.com/office/drawing/2014/main" id="{FA0D9DE4-2E38-ADA4-2111-58E62395D1CF}"/>
-              </a:ext>
-            </a:extLst>
-          </p:cNvPr>
-          <p:cNvSpPr txBox="1"/>
-          <p:nvPr/>
-        </p:nvSpPr>
-        <p:spPr>
-          <a:xfrm>
-            <a:off x="827790" y="1253483"/>
-            <a:ext cx="2243819" cy="1098762"/>
-          </a:xfrm>
-          <a:prstGeom prst="rect">
-            <a:avLst/>
-          </a:prstGeom>
-          <a:noFill/>
-        </p:spPr>
-        <p:txBody>
-          <a:bodyPr wrap="none" lIns="118872" tIns="91440" rIns="118872" bIns="91440" rtlCol="0" anchor="ctr" anchorCtr="0">
-            <a:spAutoFit/>
-          </a:bodyPr>
-          <a:lstStyle/>
-          <a:p>
-            <a:pPr>
-              <a:lnSpc>
-                <a:spcPct val="90000"/>
-              </a:lnSpc>
-            </a:pPr>
-            <a:r>
-              <a:rPr lang="en-US" sz="2400" dirty="0"/>
-              <a:t>Requirements </a:t>
-            </a:r>
-          </a:p>
-          <a:p>
-            <a:pPr>
-              <a:lnSpc>
-                <a:spcPct val="90000"/>
-              </a:lnSpc>
-            </a:pPr>
-            <a:r>
-              <a:rPr lang="en-US" sz="2400" dirty="0"/>
-              <a:t>gathering</a:t>
-            </a:r>
-          </a:p>
-          <a:p>
-            <a:pPr algn="l">
-              <a:lnSpc>
-                <a:spcPct val="90000"/>
-              </a:lnSpc>
-            </a:pPr>
-            <a:endParaRPr lang="en-US" dirty="0"/>
-          </a:p>
-        </p:txBody>
-      </p:sp>
-      <p:sp>
-        <p:nvSpPr>
-          <p:cNvPr id="6" name="Rounded Rectangle 5">
-            <a:extLst>
-              <a:ext uri="{FF2B5EF4-FFF2-40B4-BE49-F238E27FC236}">
-                <a16:creationId xmlns:a16="http://schemas.microsoft.com/office/drawing/2014/main" id="{4C39241D-5C09-4307-67AD-F23DB0AB60AA}"/>
-              </a:ext>
-            </a:extLst>
-          </p:cNvPr>
-          <p:cNvSpPr/>
-          <p:nvPr/>
-        </p:nvSpPr>
-        <p:spPr>
-          <a:xfrm>
-            <a:off x="3579447" y="2204476"/>
-            <a:ext cx="3617417" cy="3485124"/>
-          </a:xfrm>
-          <a:prstGeom prst="roundRect">
-            <a:avLst/>
-          </a:prstGeom>
-          <a:solidFill>
-            <a:schemeClr val="accent3"/>
-          </a:solidFill>
-          <a:ln>
-            <a:noFill/>
-          </a:ln>
-          <a:effectLst>
-            <a:outerShdw blurRad="44450" dist="27940" dir="5400000" algn="ctr">
-              <a:srgbClr val="000000">
-                <a:alpha val="32000"/>
-              </a:srgbClr>
-            </a:outerShdw>
-          </a:effectLst>
-        </p:spPr>
-        <p:txBody>
-          <a:bodyPr rot="0" spcFirstLastPara="0" vertOverflow="overflow" horzOverflow="overflow" vert="horz" wrap="square" lIns="121851" tIns="60925" rIns="121851" bIns="60925" numCol="1" spcCol="0" rtlCol="0" fromWordArt="0" anchor="ctr" anchorCtr="0" forceAA="0" compatLnSpc="1">
-            <a:prstTxWarp prst="textNoShape">
-              <a:avLst/>
-            </a:prstTxWarp>
-            <a:noAutofit/>
-          </a:bodyPr>
-          <a:lstStyle/>
-          <a:p>
-            <a:pPr marL="342900" indent="-342900">
-              <a:buFont typeface="Wingdings" pitchFamily="2" charset="2"/>
-              <a:buChar char="q"/>
-            </a:pPr>
-            <a:r>
-              <a:rPr lang="en-US" sz="2400" dirty="0"/>
-              <a:t>Understand design space</a:t>
-            </a:r>
-          </a:p>
-          <a:p>
-            <a:pPr marL="342900" indent="-342900">
-              <a:buFont typeface="Wingdings" pitchFamily="2" charset="2"/>
-              <a:buChar char="q"/>
-            </a:pPr>
-            <a:r>
-              <a:rPr lang="en-US" sz="2400" dirty="0"/>
-              <a:t>Decompose into high level components</a:t>
-            </a:r>
-          </a:p>
-          <a:p>
-            <a:pPr marL="342900" indent="-342900">
-              <a:buFont typeface="Wingdings" pitchFamily="2" charset="2"/>
-              <a:buChar char="q"/>
-            </a:pPr>
-            <a:r>
-              <a:rPr lang="en-US" sz="2400" dirty="0"/>
-              <a:t>Bin components into types</a:t>
-            </a:r>
-          </a:p>
-        </p:txBody>
-      </p:sp>
-      <p:sp>
-        <p:nvSpPr>
-          <p:cNvPr id="7" name="TextBox 6">
-            <a:extLst>
-              <a:ext uri="{FF2B5EF4-FFF2-40B4-BE49-F238E27FC236}">
-                <a16:creationId xmlns:a16="http://schemas.microsoft.com/office/drawing/2014/main" id="{2633D9E3-0DB7-838E-127A-B1FC97FE7133}"/>
-              </a:ext>
-            </a:extLst>
-          </p:cNvPr>
-          <p:cNvSpPr txBox="1"/>
-          <p:nvPr/>
-        </p:nvSpPr>
-        <p:spPr>
-          <a:xfrm>
-            <a:off x="4163653" y="1431575"/>
-            <a:ext cx="2449004" cy="766364"/>
-          </a:xfrm>
-          <a:prstGeom prst="rect">
-            <a:avLst/>
-          </a:prstGeom>
-          <a:noFill/>
-        </p:spPr>
-        <p:txBody>
-          <a:bodyPr wrap="none" lIns="118872" tIns="91440" rIns="118872" bIns="91440" rtlCol="0" anchor="ctr" anchorCtr="0">
-            <a:spAutoFit/>
-          </a:bodyPr>
-          <a:lstStyle/>
-          <a:p>
-            <a:pPr>
-              <a:lnSpc>
-                <a:spcPct val="90000"/>
-              </a:lnSpc>
-            </a:pPr>
-            <a:r>
-              <a:rPr lang="en-US" sz="2400" dirty="0"/>
-              <a:t> Decomposition </a:t>
-            </a:r>
-          </a:p>
-          <a:p>
-            <a:pPr algn="l">
-              <a:lnSpc>
-                <a:spcPct val="90000"/>
-              </a:lnSpc>
-            </a:pPr>
-            <a:endParaRPr lang="en-US" dirty="0"/>
-          </a:p>
-        </p:txBody>
-      </p:sp>
-      <p:sp>
-        <p:nvSpPr>
-          <p:cNvPr id="8" name="Rounded Rectangle 7">
-            <a:extLst>
-              <a:ext uri="{FF2B5EF4-FFF2-40B4-BE49-F238E27FC236}">
-                <a16:creationId xmlns:a16="http://schemas.microsoft.com/office/drawing/2014/main" id="{AB44A520-B698-3423-B712-EB569E19AB6A}"/>
-              </a:ext>
-            </a:extLst>
-          </p:cNvPr>
-          <p:cNvSpPr/>
-          <p:nvPr/>
-        </p:nvSpPr>
-        <p:spPr>
-          <a:xfrm>
-            <a:off x="7435818" y="2204476"/>
-            <a:ext cx="3868204" cy="3485124"/>
-          </a:xfrm>
-          <a:prstGeom prst="roundRect">
-            <a:avLst/>
-          </a:prstGeom>
-          <a:solidFill>
-            <a:schemeClr val="accent3"/>
-          </a:solidFill>
-          <a:ln>
-            <a:noFill/>
-          </a:ln>
-          <a:effectLst>
-            <a:outerShdw blurRad="44450" dist="27940" dir="5400000" algn="ctr">
-              <a:srgbClr val="000000">
-                <a:alpha val="32000"/>
-              </a:srgbClr>
-            </a:outerShdw>
-          </a:effectLst>
-        </p:spPr>
-        <p:txBody>
-          <a:bodyPr rot="0" spcFirstLastPara="0" vertOverflow="overflow" horzOverflow="overflow" vert="horz" wrap="square" lIns="121851" tIns="60925" rIns="121851" bIns="60925" numCol="1" spcCol="0" rtlCol="0" fromWordArt="0" anchor="ctr" anchorCtr="0" forceAA="0" compatLnSpc="1">
-            <a:prstTxWarp prst="textNoShape">
-              <a:avLst/>
-            </a:prstTxWarp>
-            <a:noAutofit/>
-          </a:bodyPr>
-          <a:lstStyle/>
-          <a:p>
-            <a:pPr marL="342900" indent="-342900">
-              <a:buFont typeface="Wingdings" pitchFamily="2" charset="2"/>
-              <a:buChar char="q"/>
-            </a:pPr>
-            <a:r>
-              <a:rPr lang="en-US" sz="2400" dirty="0"/>
-              <a:t>Understand component hierarchy</a:t>
-            </a:r>
-          </a:p>
-          <a:p>
-            <a:pPr marL="342900" indent="-342900">
-              <a:buFont typeface="Wingdings" pitchFamily="2" charset="2"/>
-              <a:buChar char="q"/>
-            </a:pPr>
-            <a:r>
-              <a:rPr lang="en-US" sz="2400" dirty="0"/>
-              <a:t>Figure out connectivity among components </a:t>
-            </a:r>
-          </a:p>
-          <a:p>
-            <a:pPr marL="342900" indent="-342900">
-              <a:buFont typeface="Wingdings" pitchFamily="2" charset="2"/>
-              <a:buChar char="q"/>
-            </a:pPr>
-            <a:r>
-              <a:rPr lang="en-US" sz="2400" dirty="0"/>
-              <a:t>Articulate dependencies</a:t>
-            </a:r>
-          </a:p>
-        </p:txBody>
-      </p:sp>
-      <p:sp>
-        <p:nvSpPr>
-          <p:cNvPr id="10" name="TextBox 9">
-            <a:extLst>
-              <a:ext uri="{FF2B5EF4-FFF2-40B4-BE49-F238E27FC236}">
-                <a16:creationId xmlns:a16="http://schemas.microsoft.com/office/drawing/2014/main" id="{69FE6956-13C8-A349-28BA-03AEB7764C04}"/>
-              </a:ext>
-            </a:extLst>
-          </p:cNvPr>
-          <p:cNvSpPr txBox="1"/>
-          <p:nvPr/>
-        </p:nvSpPr>
-        <p:spPr>
-          <a:xfrm>
-            <a:off x="8311628" y="1398929"/>
-            <a:ext cx="1918410" cy="766364"/>
-          </a:xfrm>
-          <a:prstGeom prst="rect">
-            <a:avLst/>
-          </a:prstGeom>
-          <a:noFill/>
-        </p:spPr>
-        <p:txBody>
-          <a:bodyPr wrap="none" lIns="118872" tIns="91440" rIns="118872" bIns="91440" rtlCol="0" anchor="ctr" anchorCtr="0">
-            <a:spAutoFit/>
-          </a:bodyPr>
-          <a:lstStyle/>
-          <a:p>
-            <a:pPr>
-              <a:lnSpc>
-                <a:spcPct val="90000"/>
-              </a:lnSpc>
-            </a:pPr>
-            <a:r>
-              <a:rPr lang="en-US" sz="2400" dirty="0"/>
-              <a:t>Connectivity</a:t>
-            </a:r>
-          </a:p>
-          <a:p>
-            <a:pPr algn="l">
-              <a:lnSpc>
-                <a:spcPct val="90000"/>
-              </a:lnSpc>
-            </a:pPr>
-            <a:endParaRPr lang="en-US" dirty="0"/>
-          </a:p>
-        </p:txBody>
-      </p:sp>
-    </p:spTree>
-    <p:extLst>
-      <p:ext uri="{BB962C8B-B14F-4D97-AF65-F5344CB8AC3E}">
-        <p14:creationId xmlns:p14="http://schemas.microsoft.com/office/powerpoint/2010/main" val="1703872852"/>
-      </p:ext>
-    </p:extLst>
-  </p:cSld>
-  <p:clrMapOvr>
-    <a:masterClrMapping/>
-  </p:clrMapOvr>
-</p:sld>
-</file>
-
-<file path=ppt/slides/slide30.xml><?xml version="1.0" encoding="utf-8"?>
-<p:sld xmlns:a="http://schemas.openxmlformats.org/drawingml/2006/main" xmlns:r="http://schemas.openxmlformats.org/officeDocument/2006/relationships" xmlns:p="http://schemas.openxmlformats.org/presentationml/2006/main">
-  <p:cSld>
-    <p:spTree>
-      <p:nvGrpSpPr>
-        <p:cNvPr id="1" name=""/>
-        <p:cNvGrpSpPr/>
-        <p:nvPr/>
-      </p:nvGrpSpPr>
-      <p:grpSpPr>
-        <a:xfrm>
-          <a:off x="0" y="0"/>
-          <a:ext cx="0" cy="0"/>
-          <a:chOff x="0" y="0"/>
-          <a:chExt cx="0" cy="0"/>
-        </a:xfrm>
-      </p:grpSpPr>
-      <p:sp>
-        <p:nvSpPr>
-          <p:cNvPr id="2" name="Title 1">
-            <a:extLst>
-              <a:ext uri="{FF2B5EF4-FFF2-40B4-BE49-F238E27FC236}">
-                <a16:creationId xmlns:a16="http://schemas.microsoft.com/office/drawing/2014/main" id="{D47B9BAA-A810-5129-CA21-D50C438D3E93}"/>
-              </a:ext>
-            </a:extLst>
-          </p:cNvPr>
-          <p:cNvSpPr>
-            <a:spLocks noGrp="1"/>
-          </p:cNvSpPr>
-          <p:nvPr>
-            <p:ph type="title"/>
-          </p:nvPr>
-        </p:nvSpPr>
-        <p:spPr>
-          <a:xfrm>
-            <a:off x="653094" y="52532"/>
-            <a:ext cx="10512862" cy="792908"/>
-          </a:xfrm>
-        </p:spPr>
-        <p:txBody>
-          <a:bodyPr/>
-          <a:lstStyle/>
-          <a:p>
-            <a:r>
-              <a:rPr lang="en-US" dirty="0"/>
-              <a:t>Orthogonal Axes of Challenges and Optimization</a:t>
-            </a:r>
-          </a:p>
-        </p:txBody>
-      </p:sp>
-      <p:sp>
-        <p:nvSpPr>
-          <p:cNvPr id="3" name="Content Placeholder 2">
-            <a:extLst>
-              <a:ext uri="{FF2B5EF4-FFF2-40B4-BE49-F238E27FC236}">
-                <a16:creationId xmlns:a16="http://schemas.microsoft.com/office/drawing/2014/main" id="{9E1D2D18-7D93-3909-BE43-FB61ED18A86D}"/>
-              </a:ext>
-            </a:extLst>
-          </p:cNvPr>
-          <p:cNvSpPr>
-            <a:spLocks noGrp="1"/>
-          </p:cNvSpPr>
-          <p:nvPr>
-            <p:ph idx="1"/>
-          </p:nvPr>
-        </p:nvSpPr>
-        <p:spPr>
-          <a:xfrm>
-            <a:off x="1280778" y="617249"/>
-            <a:ext cx="10512862" cy="1263509"/>
-          </a:xfrm>
-        </p:spPr>
-        <p:txBody>
-          <a:bodyPr/>
-          <a:lstStyle/>
-          <a:p>
-            <a:pPr lvl="1"/>
-            <a:r>
-              <a:rPr lang="en-US" dirty="0"/>
-              <a:t>Separate out arithmetic and control flow</a:t>
-            </a:r>
-          </a:p>
-          <a:p>
-            <a:pPr lvl="2"/>
-            <a:r>
-              <a:rPr lang="en-US" dirty="0"/>
-              <a:t>Make arithmetic invariant</a:t>
-            </a:r>
-          </a:p>
-          <a:p>
-            <a:pPr lvl="2"/>
-            <a:r>
-              <a:rPr lang="en-US" dirty="0"/>
-              <a:t>Turn separate pieces into building blocks using macros</a:t>
-            </a:r>
-          </a:p>
-        </p:txBody>
-      </p:sp>
-      <p:sp>
-        <p:nvSpPr>
-          <p:cNvPr id="4" name="Slide Number Placeholder 3">
-            <a:extLst>
-              <a:ext uri="{FF2B5EF4-FFF2-40B4-BE49-F238E27FC236}">
-                <a16:creationId xmlns:a16="http://schemas.microsoft.com/office/drawing/2014/main" id="{A6739ACC-3458-1355-7F5A-14726576C99D}"/>
-              </a:ext>
-            </a:extLst>
-          </p:cNvPr>
-          <p:cNvSpPr>
-            <a:spLocks noGrp="1"/>
-          </p:cNvSpPr>
-          <p:nvPr>
-            <p:ph type="sldNum" sz="quarter" idx="12"/>
-          </p:nvPr>
-        </p:nvSpPr>
-        <p:spPr>
-          <a:xfrm>
-            <a:off x="7239000" y="6392358"/>
-            <a:ext cx="2743200" cy="365125"/>
-          </a:xfrm>
-          <a:prstGeom prst="rect">
-            <a:avLst/>
-          </a:prstGeom>
-        </p:spPr>
-        <p:txBody>
-          <a:bodyPr vert="horz" lIns="91440" tIns="45720" rIns="91440" bIns="45720" rtlCol="0" anchor="ctr"/>
-          <a:lstStyle>
-            <a:defPPr>
-              <a:defRPr lang="en-US"/>
-            </a:defPPr>
-            <a:lvl1pPr marL="0" algn="r" defTabSz="914400" rtl="0" eaLnBrk="1" latinLnBrk="0" hangingPunct="1">
-              <a:defRPr sz="1600" kern="1200">
-                <a:solidFill>
-                  <a:schemeClr val="tx1">
-                    <a:tint val="75000"/>
-                  </a:schemeClr>
-                </a:solidFill>
-                <a:latin typeface="+mn-lt"/>
-                <a:ea typeface="+mn-ea"/>
-                <a:cs typeface="+mn-cs"/>
-              </a:defRPr>
-            </a:lvl1pPr>
-            <a:lvl2pPr marL="457200" algn="l" defTabSz="914400" rtl="0" eaLnBrk="1" latinLnBrk="0" hangingPunct="1">
-              <a:defRPr sz="1800" kern="1200">
-                <a:solidFill>
-                  <a:schemeClr val="tx1"/>
-                </a:solidFill>
-                <a:latin typeface="+mn-lt"/>
-                <a:ea typeface="+mn-ea"/>
-                <a:cs typeface="+mn-cs"/>
-              </a:defRPr>
-            </a:lvl2pPr>
-            <a:lvl3pPr marL="914400" algn="l" defTabSz="914400" rtl="0" eaLnBrk="1" latinLnBrk="0" hangingPunct="1">
-              <a:defRPr sz="1800" kern="1200">
-                <a:solidFill>
-                  <a:schemeClr val="tx1"/>
-                </a:solidFill>
-                <a:latin typeface="+mn-lt"/>
-                <a:ea typeface="+mn-ea"/>
-                <a:cs typeface="+mn-cs"/>
-              </a:defRPr>
-            </a:lvl3pPr>
-            <a:lvl4pPr marL="1371600" algn="l" defTabSz="914400" rtl="0" eaLnBrk="1" latinLnBrk="0" hangingPunct="1">
-              <a:defRPr sz="1800" kern="1200">
-                <a:solidFill>
-                  <a:schemeClr val="tx1"/>
-                </a:solidFill>
-                <a:latin typeface="+mn-lt"/>
-                <a:ea typeface="+mn-ea"/>
-                <a:cs typeface="+mn-cs"/>
-              </a:defRPr>
-            </a:lvl4pPr>
-            <a:lvl5pPr marL="1828800" algn="l" defTabSz="914400" rtl="0" eaLnBrk="1" latinLnBrk="0" hangingPunct="1">
-              <a:defRPr sz="1800" kern="1200">
-                <a:solidFill>
-                  <a:schemeClr val="tx1"/>
-                </a:solidFill>
-                <a:latin typeface="+mn-lt"/>
-                <a:ea typeface="+mn-ea"/>
-                <a:cs typeface="+mn-cs"/>
-              </a:defRPr>
-            </a:lvl5pPr>
-            <a:lvl6pPr marL="2286000" algn="l" defTabSz="914400" rtl="0" eaLnBrk="1" latinLnBrk="0" hangingPunct="1">
-              <a:defRPr sz="1800" kern="1200">
-                <a:solidFill>
-                  <a:schemeClr val="tx1"/>
-                </a:solidFill>
-                <a:latin typeface="+mn-lt"/>
-                <a:ea typeface="+mn-ea"/>
-                <a:cs typeface="+mn-cs"/>
-              </a:defRPr>
-            </a:lvl6pPr>
-            <a:lvl7pPr marL="2743200" algn="l" defTabSz="914400" rtl="0" eaLnBrk="1" latinLnBrk="0" hangingPunct="1">
-              <a:defRPr sz="1800" kern="1200">
-                <a:solidFill>
-                  <a:schemeClr val="tx1"/>
-                </a:solidFill>
-                <a:latin typeface="+mn-lt"/>
-                <a:ea typeface="+mn-ea"/>
-                <a:cs typeface="+mn-cs"/>
-              </a:defRPr>
-            </a:lvl7pPr>
-            <a:lvl8pPr marL="3200400" algn="l" defTabSz="914400" rtl="0" eaLnBrk="1" latinLnBrk="0" hangingPunct="1">
-              <a:defRPr sz="1800" kern="1200">
-                <a:solidFill>
-                  <a:schemeClr val="tx1"/>
-                </a:solidFill>
-                <a:latin typeface="+mn-lt"/>
-                <a:ea typeface="+mn-ea"/>
-                <a:cs typeface="+mn-cs"/>
-              </a:defRPr>
-            </a:lvl8pPr>
-            <a:lvl9pPr marL="3657600" algn="l" defTabSz="914400" rtl="0" eaLnBrk="1" latinLnBrk="0" hangingPunct="1">
-              <a:defRPr sz="1800" kern="1200">
-                <a:solidFill>
-                  <a:schemeClr val="tx1"/>
-                </a:solidFill>
-                <a:latin typeface="+mn-lt"/>
-                <a:ea typeface="+mn-ea"/>
-                <a:cs typeface="+mn-cs"/>
-              </a:defRPr>
-            </a:lvl9pPr>
-          </a:lstStyle>
-          <a:p>
-            <a:fld id="{9CF5EF28-261C-FD41-A360-1A380056DD17}" type="slidenum">
-              <a:rPr lang="en-US" smtClean="0"/>
-              <a:pPr/>
-              <a:t>30</a:t>
-            </a:fld>
-            <a:endParaRPr lang="en-US" sz="1400"/>
-          </a:p>
-        </p:txBody>
-      </p:sp>
-      <p:sp>
-        <p:nvSpPr>
-          <p:cNvPr id="5" name="Rounded Rectangle 4">
-            <a:extLst>
-              <a:ext uri="{FF2B5EF4-FFF2-40B4-BE49-F238E27FC236}">
-                <a16:creationId xmlns:a16="http://schemas.microsoft.com/office/drawing/2014/main" id="{09ACA7F0-13A3-FD2D-6F43-744BD11B57AC}"/>
-              </a:ext>
-            </a:extLst>
-          </p:cNvPr>
-          <p:cNvSpPr/>
-          <p:nvPr/>
-        </p:nvSpPr>
-        <p:spPr>
-          <a:xfrm>
-            <a:off x="380900" y="1804058"/>
-            <a:ext cx="5389746" cy="2600186"/>
-          </a:xfrm>
-          <a:prstGeom prst="roundRect">
-            <a:avLst/>
-          </a:prstGeom>
-          <a:solidFill>
-            <a:schemeClr val="bg2">
-              <a:lumMod val="20000"/>
-              <a:lumOff val="80000"/>
-            </a:schemeClr>
-          </a:solidFill>
-          <a:effectLst/>
-        </p:spPr>
-        <p:style>
-          <a:lnRef idx="1">
-            <a:schemeClr val="accent1"/>
-          </a:lnRef>
-          <a:fillRef idx="3">
-            <a:schemeClr val="accent1"/>
-          </a:fillRef>
-          <a:effectRef idx="2">
-            <a:schemeClr val="accent1"/>
-          </a:effectRef>
-          <a:fontRef idx="minor">
-            <a:schemeClr val="lt1"/>
-          </a:fontRef>
-        </p:style>
-        <p:txBody>
-          <a:bodyPr rtlCol="0" anchor="ctr">
-            <a:normAutofit fontScale="92500" lnSpcReduction="20000"/>
-          </a:bodyPr>
-          <a:lstStyle/>
-          <a:p>
-            <a:r>
-              <a:rPr lang="en-US" sz="1799" b="1" dirty="0">
-                <a:solidFill>
-                  <a:schemeClr val="accent1">
-                    <a:lumMod val="50000"/>
-                  </a:schemeClr>
-                </a:solidFill>
-              </a:rPr>
-              <a:t>[hy_fluxesSec1]</a:t>
-            </a:r>
-          </a:p>
-          <a:p>
-            <a:r>
-              <a:rPr lang="en-US" dirty="0" err="1">
-                <a:solidFill>
-                  <a:schemeClr val="tx1"/>
-                </a:solidFill>
-              </a:rPr>
-              <a:t>a</a:t>
-            </a:r>
-            <a:r>
-              <a:rPr lang="en-US" sz="1799" dirty="0" err="1">
-                <a:solidFill>
-                  <a:schemeClr val="tx1"/>
-                </a:solidFill>
-              </a:rPr>
-              <a:t>rgs</a:t>
-            </a:r>
-            <a:r>
-              <a:rPr lang="en-US" sz="1799" dirty="0">
-                <a:solidFill>
-                  <a:schemeClr val="tx1"/>
-                </a:solidFill>
-              </a:rPr>
-              <a:t>= XL, </a:t>
-            </a:r>
-            <a:r>
-              <a:rPr lang="en-US" sz="1799" dirty="0" err="1">
-                <a:solidFill>
-                  <a:schemeClr val="tx1"/>
-                </a:solidFill>
-              </a:rPr>
-              <a:t>XR,limits</a:t>
-            </a:r>
-            <a:endParaRPr lang="en-US" sz="1799" dirty="0">
-              <a:solidFill>
-                <a:schemeClr val="tx1"/>
-              </a:solidFill>
-            </a:endParaRPr>
-          </a:p>
-          <a:p>
-            <a:r>
-              <a:rPr lang="en-US" sz="1799" dirty="0">
-                <a:solidFill>
-                  <a:schemeClr val="tx1"/>
-                </a:solidFill>
-              </a:rPr>
-              <a:t>definition =</a:t>
-            </a:r>
-          </a:p>
-          <a:p>
-            <a:r>
-              <a:rPr lang="en-US" sz="1799" dirty="0">
-                <a:solidFill>
-                  <a:srgbClr val="C00000"/>
-                </a:solidFill>
-              </a:rPr>
-              <a:t>@M </a:t>
-            </a:r>
-            <a:r>
-              <a:rPr lang="en-US" sz="1799" dirty="0" err="1">
-                <a:solidFill>
-                  <a:srgbClr val="C00000"/>
-                </a:solidFill>
-              </a:rPr>
-              <a:t>loop_begin</a:t>
-            </a:r>
-            <a:r>
-              <a:rPr lang="en-US" sz="1799" dirty="0">
-                <a:solidFill>
-                  <a:srgbClr val="C00000"/>
-                </a:solidFill>
-              </a:rPr>
-              <a:t>(limits)</a:t>
-            </a:r>
-          </a:p>
-          <a:p>
-            <a:r>
-              <a:rPr lang="en-US" sz="1799" dirty="0">
-                <a:solidFill>
-                  <a:schemeClr val="tx1"/>
-                </a:solidFill>
-              </a:rPr>
-              <a:t>    if (flux(1</a:t>
-            </a:r>
-            <a:r>
-              <a:rPr lang="en-US" sz="1799" dirty="0">
-                <a:solidFill>
-                  <a:srgbClr val="C00000"/>
-                </a:solidFill>
-              </a:rPr>
-              <a:t>@M indices</a:t>
-            </a:r>
-            <a:r>
-              <a:rPr lang="en-US" sz="1799" dirty="0">
-                <a:solidFill>
-                  <a:schemeClr val="tx1"/>
-                </a:solidFill>
-              </a:rPr>
-              <a:t>) &gt; 0.) then</a:t>
-            </a:r>
-          </a:p>
-          <a:p>
-            <a:r>
-              <a:rPr lang="en-US" sz="1799" dirty="0">
-                <a:solidFill>
-                  <a:schemeClr val="tx1"/>
-                </a:solidFill>
-              </a:rPr>
-              <a:t>         call doSection1(XL(:</a:t>
-            </a:r>
-            <a:r>
-              <a:rPr lang="en-US" sz="1799" dirty="0">
-                <a:solidFill>
-                  <a:srgbClr val="C00000"/>
-                </a:solidFill>
-              </a:rPr>
-              <a:t>@M indices), ……</a:t>
-            </a:r>
-            <a:r>
-              <a:rPr lang="en-US" sz="1799" dirty="0">
-                <a:solidFill>
-                  <a:schemeClr val="tx1"/>
-                </a:solidFill>
-              </a:rPr>
-              <a:t>)</a:t>
-            </a:r>
-          </a:p>
-          <a:p>
-            <a:r>
-              <a:rPr lang="en-US" sz="1799" dirty="0">
-                <a:solidFill>
-                  <a:schemeClr val="tx1"/>
-                </a:solidFill>
-              </a:rPr>
-              <a:t>    else</a:t>
-            </a:r>
-          </a:p>
-          <a:p>
-            <a:r>
-              <a:rPr lang="en-US" sz="1799" dirty="0">
-                <a:solidFill>
-                  <a:schemeClr val="tx1"/>
-                </a:solidFill>
-              </a:rPr>
-              <a:t>        call doSection1(XR(:</a:t>
-            </a:r>
-            <a:r>
-              <a:rPr lang="en-US" sz="1799" dirty="0">
-                <a:solidFill>
-                  <a:srgbClr val="C00000"/>
-                </a:solidFill>
-              </a:rPr>
-              <a:t>@M indices), …….</a:t>
-            </a:r>
-            <a:r>
-              <a:rPr lang="en-US" sz="1799" dirty="0">
-                <a:solidFill>
-                  <a:schemeClr val="tx1"/>
-                </a:solidFill>
-              </a:rPr>
-              <a:t>)</a:t>
-            </a:r>
-          </a:p>
-          <a:p>
-            <a:r>
-              <a:rPr lang="en-US" sz="1799" dirty="0">
-                <a:solidFill>
-                  <a:schemeClr val="tx1"/>
-                </a:solidFill>
-              </a:rPr>
-              <a:t>    end if</a:t>
-            </a:r>
-          </a:p>
-          <a:p>
-            <a:r>
-              <a:rPr lang="en-US" sz="1799" dirty="0">
-                <a:solidFill>
-                  <a:srgbClr val="C00000"/>
-                </a:solidFill>
-              </a:rPr>
-              <a:t> @M </a:t>
-            </a:r>
-            <a:r>
-              <a:rPr lang="en-US" sz="1799" dirty="0" err="1">
-                <a:solidFill>
-                  <a:srgbClr val="C00000"/>
-                </a:solidFill>
-              </a:rPr>
-              <a:t>loop_end</a:t>
-            </a:r>
-            <a:endParaRPr lang="en-US" sz="1799" dirty="0">
-              <a:solidFill>
-                <a:srgbClr val="C00000"/>
-              </a:solidFill>
-            </a:endParaRPr>
-          </a:p>
-        </p:txBody>
-      </p:sp>
-      <p:sp>
-        <p:nvSpPr>
-          <p:cNvPr id="7" name="Content Placeholder 2">
-            <a:extLst>
-              <a:ext uri="{FF2B5EF4-FFF2-40B4-BE49-F238E27FC236}">
-                <a16:creationId xmlns:a16="http://schemas.microsoft.com/office/drawing/2014/main" id="{E930E585-9C66-1A41-1E78-603E284DD951}"/>
-              </a:ext>
-            </a:extLst>
-          </p:cNvPr>
-          <p:cNvSpPr txBox="1">
-            <a:spLocks/>
-          </p:cNvSpPr>
-          <p:nvPr/>
-        </p:nvSpPr>
-        <p:spPr>
-          <a:xfrm>
-            <a:off x="380900" y="4455068"/>
-            <a:ext cx="5389745" cy="2030661"/>
-          </a:xfrm>
-          <a:prstGeom prst="rect">
-            <a:avLst/>
-          </a:prstGeom>
-        </p:spPr>
-        <p:txBody>
-          <a:bodyPr vert="horz" lIns="91416" tIns="45708" rIns="91416" bIns="45708" rtlCol="0">
-            <a:normAutofit fontScale="77500" lnSpcReduction="20000"/>
-          </a:bodyPr>
-          <a:lstStyle>
-            <a:lvl1pPr marL="228600" indent="-228600" algn="l" defTabSz="914400" rtl="0" eaLnBrk="1" latinLnBrk="0" hangingPunct="1">
-              <a:lnSpc>
-                <a:spcPct val="90000"/>
-              </a:lnSpc>
-              <a:spcBef>
-                <a:spcPts val="1000"/>
-              </a:spcBef>
-              <a:buClr>
-                <a:schemeClr val="accent2">
-                  <a:lumMod val="75000"/>
-                </a:schemeClr>
-              </a:buClr>
-              <a:buFont typeface="Wingdings" pitchFamily="2" charset="2"/>
-              <a:buChar char="q"/>
-              <a:defRPr sz="2800" kern="1200">
-                <a:solidFill>
-                  <a:schemeClr val="tx1"/>
-                </a:solidFill>
-                <a:latin typeface="+mn-lt"/>
-                <a:ea typeface="+mn-ea"/>
-                <a:cs typeface="+mn-cs"/>
-              </a:defRPr>
-            </a:lvl1pPr>
-            <a:lvl2pPr marL="685800" indent="-228600" algn="l" defTabSz="914400" rtl="0" eaLnBrk="1" latinLnBrk="0" hangingPunct="1">
-              <a:lnSpc>
-                <a:spcPct val="90000"/>
-              </a:lnSpc>
-              <a:spcBef>
-                <a:spcPts val="500"/>
-              </a:spcBef>
-              <a:buClr>
-                <a:schemeClr val="accent2">
-                  <a:lumMod val="75000"/>
-                </a:schemeClr>
-              </a:buClr>
-              <a:buFont typeface="Wingdings" pitchFamily="2" charset="2"/>
-              <a:buChar char="q"/>
-              <a:defRPr sz="2400" kern="1200">
-                <a:solidFill>
-                  <a:schemeClr val="tx1"/>
-                </a:solidFill>
-                <a:latin typeface="+mn-lt"/>
-                <a:ea typeface="+mn-ea"/>
-                <a:cs typeface="+mn-cs"/>
-              </a:defRPr>
-            </a:lvl2pPr>
-            <a:lvl3pPr marL="1143000" indent="-228600" algn="l" defTabSz="914400" rtl="0" eaLnBrk="1" latinLnBrk="0" hangingPunct="1">
-              <a:lnSpc>
-                <a:spcPct val="90000"/>
-              </a:lnSpc>
-              <a:spcBef>
-                <a:spcPts val="500"/>
-              </a:spcBef>
-              <a:buClr>
-                <a:schemeClr val="accent2">
-                  <a:lumMod val="75000"/>
-                </a:schemeClr>
-              </a:buClr>
-              <a:buFont typeface="Wingdings" pitchFamily="2" charset="2"/>
-              <a:buChar char="q"/>
-              <a:defRPr sz="2000" kern="1200">
-                <a:solidFill>
-                  <a:schemeClr val="tx1"/>
-                </a:solidFill>
-                <a:latin typeface="+mn-lt"/>
-                <a:ea typeface="+mn-ea"/>
-                <a:cs typeface="+mn-cs"/>
-              </a:defRPr>
-            </a:lvl3pPr>
-            <a:lvl4pPr marL="1600200" indent="-228600" algn="l" defTabSz="914400" rtl="0" eaLnBrk="1" latinLnBrk="0" hangingPunct="1">
-              <a:lnSpc>
-                <a:spcPct val="90000"/>
-              </a:lnSpc>
-              <a:spcBef>
-                <a:spcPts val="500"/>
-              </a:spcBef>
-              <a:buClr>
-                <a:schemeClr val="accent2">
-                  <a:lumMod val="75000"/>
-                </a:schemeClr>
-              </a:buClr>
-              <a:buFont typeface="Wingdings" pitchFamily="2" charset="2"/>
-              <a:buChar char="q"/>
-              <a:defRPr sz="1800" kern="1200">
-                <a:solidFill>
-                  <a:schemeClr val="tx1"/>
-                </a:solidFill>
-                <a:latin typeface="+mn-lt"/>
-                <a:ea typeface="+mn-ea"/>
-                <a:cs typeface="+mn-cs"/>
-              </a:defRPr>
-            </a:lvl4pPr>
-            <a:lvl5pPr marL="2057400" indent="-228600" algn="l" defTabSz="914400" rtl="0" eaLnBrk="1" latinLnBrk="0" hangingPunct="1">
-              <a:lnSpc>
-                <a:spcPct val="90000"/>
-              </a:lnSpc>
-              <a:spcBef>
-                <a:spcPts val="500"/>
-              </a:spcBef>
-              <a:buClr>
-                <a:schemeClr val="accent2">
-                  <a:lumMod val="75000"/>
-                </a:schemeClr>
-              </a:buClr>
-              <a:buFont typeface="Wingdings" pitchFamily="2" charset="2"/>
-              <a:buChar char="q"/>
-              <a:defRPr sz="1800" kern="1200">
-                <a:solidFill>
-                  <a:schemeClr val="tx1"/>
-                </a:solidFill>
-                <a:latin typeface="+mn-lt"/>
-                <a:ea typeface="+mn-ea"/>
-                <a:cs typeface="+mn-cs"/>
-              </a:defRPr>
-            </a:lvl5pPr>
-            <a:lvl6pPr marL="2514600" indent="-228600" algn="l" defTabSz="914400" rtl="0" eaLnBrk="1" latinLnBrk="0" hangingPunct="1">
-              <a:lnSpc>
-                <a:spcPct val="90000"/>
-              </a:lnSpc>
-              <a:spcBef>
-                <a:spcPts val="500"/>
-              </a:spcBef>
-              <a:buFont typeface="Arial" panose="020B0604020202020204" pitchFamily="34" charset="0"/>
-              <a:buChar char="•"/>
-              <a:defRPr sz="1800" kern="1200">
-                <a:solidFill>
-                  <a:schemeClr val="tx1"/>
-                </a:solidFill>
-                <a:latin typeface="+mn-lt"/>
-                <a:ea typeface="+mn-ea"/>
-                <a:cs typeface="+mn-cs"/>
-              </a:defRPr>
-            </a:lvl6pPr>
-            <a:lvl7pPr marL="2971800" indent="-228600" algn="l" defTabSz="914400" rtl="0" eaLnBrk="1" latinLnBrk="0" hangingPunct="1">
-              <a:lnSpc>
-                <a:spcPct val="90000"/>
-              </a:lnSpc>
-              <a:spcBef>
-                <a:spcPts val="500"/>
-              </a:spcBef>
-              <a:buFont typeface="Arial" panose="020B0604020202020204" pitchFamily="34" charset="0"/>
-              <a:buChar char="•"/>
-              <a:defRPr sz="1800" kern="1200">
-                <a:solidFill>
-                  <a:schemeClr val="tx1"/>
-                </a:solidFill>
-                <a:latin typeface="+mn-lt"/>
-                <a:ea typeface="+mn-ea"/>
-                <a:cs typeface="+mn-cs"/>
-              </a:defRPr>
-            </a:lvl7pPr>
-            <a:lvl8pPr marL="3429000" indent="-228600" algn="l" defTabSz="914400" rtl="0" eaLnBrk="1" latinLnBrk="0" hangingPunct="1">
-              <a:lnSpc>
-                <a:spcPct val="90000"/>
-              </a:lnSpc>
-              <a:spcBef>
-                <a:spcPts val="500"/>
-              </a:spcBef>
-              <a:buFont typeface="Arial" panose="020B0604020202020204" pitchFamily="34" charset="0"/>
-              <a:buChar char="•"/>
-              <a:defRPr sz="1800" kern="1200">
-                <a:solidFill>
-                  <a:schemeClr val="tx1"/>
-                </a:solidFill>
-                <a:latin typeface="+mn-lt"/>
-                <a:ea typeface="+mn-ea"/>
-                <a:cs typeface="+mn-cs"/>
-              </a:defRPr>
-            </a:lvl8pPr>
-            <a:lvl9pPr marL="3886200" indent="-228600" algn="l" defTabSz="914400" rtl="0" eaLnBrk="1" latinLnBrk="0" hangingPunct="1">
-              <a:lnSpc>
-                <a:spcPct val="90000"/>
-              </a:lnSpc>
-              <a:spcBef>
-                <a:spcPts val="500"/>
-              </a:spcBef>
-              <a:buFont typeface="Arial" panose="020B0604020202020204" pitchFamily="34" charset="0"/>
-              <a:buChar char="•"/>
-              <a:defRPr sz="1800" kern="1200">
-                <a:solidFill>
-                  <a:schemeClr val="tx1"/>
-                </a:solidFill>
-                <a:latin typeface="+mn-lt"/>
-                <a:ea typeface="+mn-ea"/>
-                <a:cs typeface="+mn-cs"/>
-              </a:defRPr>
-            </a:lvl9pPr>
-          </a:lstStyle>
-          <a:p>
-            <a:r>
-              <a:rPr lang="en-US" sz="2799" dirty="0"/>
-              <a:t>Permit alternative definitions for all the macros as needed</a:t>
-            </a:r>
-          </a:p>
-          <a:p>
-            <a:r>
-              <a:rPr lang="en-US" sz="2799" dirty="0"/>
-              <a:t>Build in arbitration mechanism for picking the right definition</a:t>
-            </a:r>
-          </a:p>
-          <a:p>
-            <a:r>
-              <a:rPr lang="en-US" sz="2799" dirty="0"/>
-              <a:t>This code section can be invoked as </a:t>
-            </a:r>
-          </a:p>
-          <a:p>
-            <a:pPr marL="457063" lvl="1" indent="0">
-              <a:buNone/>
-            </a:pPr>
-            <a:r>
-              <a:rPr lang="en-US" sz="2399" dirty="0"/>
-              <a:t>@M hy_fluxesSec1(</a:t>
-            </a:r>
-            <a:r>
-              <a:rPr lang="en-US" sz="2399" dirty="0" err="1"/>
-              <a:t>uLeft,uRight,blkLimits</a:t>
-            </a:r>
-            <a:r>
-              <a:rPr lang="en-US" sz="2399" dirty="0"/>
-              <a:t>)</a:t>
-            </a:r>
-          </a:p>
-          <a:p>
-            <a:endParaRPr lang="en-US" sz="2799" dirty="0"/>
-          </a:p>
-        </p:txBody>
-      </p:sp>
-      <p:sp>
-        <p:nvSpPr>
-          <p:cNvPr id="9" name="TextBox 8">
-            <a:extLst>
-              <a:ext uri="{FF2B5EF4-FFF2-40B4-BE49-F238E27FC236}">
-                <a16:creationId xmlns:a16="http://schemas.microsoft.com/office/drawing/2014/main" id="{74BC88B2-EC34-6EB8-EEB3-8F4628A6C912}"/>
-              </a:ext>
-            </a:extLst>
-          </p:cNvPr>
-          <p:cNvSpPr txBox="1"/>
-          <p:nvPr/>
-        </p:nvSpPr>
-        <p:spPr>
-          <a:xfrm>
-            <a:off x="6094412" y="1880759"/>
-            <a:ext cx="5943874" cy="6738552"/>
-          </a:xfrm>
-          <a:prstGeom prst="rect">
-            <a:avLst/>
-          </a:prstGeom>
-          <a:noFill/>
-        </p:spPr>
-        <p:txBody>
-          <a:bodyPr wrap="square" rtlCol="0">
-            <a:spAutoFit/>
-          </a:bodyPr>
-          <a:lstStyle/>
-          <a:p>
-            <a:pPr algn="ctr"/>
-            <a:r>
-              <a:rPr lang="en-US" sz="1600" b="1" dirty="0"/>
-              <a:t>Alternative Definitions</a:t>
-            </a:r>
-          </a:p>
-          <a:p>
-            <a:endParaRPr lang="en-US" sz="1600" b="1" dirty="0"/>
-          </a:p>
-          <a:p>
-            <a:r>
-              <a:rPr lang="en-US" sz="1600" b="1" dirty="0"/>
-              <a:t>For all spatial points at once                 For one spatial point at a time </a:t>
-            </a:r>
-          </a:p>
-          <a:p>
-            <a:r>
-              <a:rPr lang="en-US" sz="1600" dirty="0">
-                <a:solidFill>
-                  <a:schemeClr val="accent1">
-                    <a:lumMod val="50000"/>
-                  </a:schemeClr>
-                </a:solidFill>
-              </a:rPr>
-              <a:t>[</a:t>
-            </a:r>
-            <a:r>
-              <a:rPr lang="en-US" sz="1600" dirty="0">
-                <a:solidFill>
-                  <a:srgbClr val="C00000"/>
-                </a:solidFill>
-              </a:rPr>
-              <a:t>indices</a:t>
-            </a:r>
-            <a:r>
-              <a:rPr lang="en-US" sz="1600" dirty="0">
-                <a:solidFill>
-                  <a:schemeClr val="accent1">
-                    <a:lumMod val="50000"/>
-                  </a:schemeClr>
-                </a:solidFill>
-              </a:rPr>
-              <a:t>]                                                                               [</a:t>
-            </a:r>
-            <a:r>
-              <a:rPr lang="en-US" sz="1600" dirty="0">
-                <a:solidFill>
-                  <a:srgbClr val="C00000"/>
-                </a:solidFill>
-              </a:rPr>
-              <a:t>indices</a:t>
-            </a:r>
-            <a:r>
-              <a:rPr lang="en-US" sz="1600" dirty="0">
-                <a:solidFill>
-                  <a:schemeClr val="accent1">
-                    <a:lumMod val="50000"/>
-                  </a:schemeClr>
-                </a:solidFill>
-              </a:rPr>
-              <a:t>]            </a:t>
-            </a:r>
-          </a:p>
-          <a:p>
-            <a:r>
-              <a:rPr lang="en-US" sz="1600" dirty="0">
-                <a:solidFill>
-                  <a:schemeClr val="accent1">
-                    <a:lumMod val="50000"/>
-                  </a:schemeClr>
-                </a:solidFill>
-              </a:rPr>
-              <a:t>definition =                                                                          definition =                                            </a:t>
-            </a:r>
-          </a:p>
-          <a:p>
-            <a:r>
-              <a:rPr lang="en-US" sz="1600" dirty="0">
-                <a:solidFill>
-                  <a:schemeClr val="accent1">
-                    <a:lumMod val="50000"/>
-                  </a:schemeClr>
-                </a:solidFill>
-              </a:rPr>
-              <a:t>   ,</a:t>
-            </a:r>
-            <a:r>
-              <a:rPr lang="en-US" sz="1600" dirty="0" err="1">
-                <a:solidFill>
-                  <a:schemeClr val="accent1">
-                    <a:lumMod val="50000"/>
-                  </a:schemeClr>
-                </a:solidFill>
-              </a:rPr>
-              <a:t>i,j,k</a:t>
-            </a:r>
-            <a:r>
-              <a:rPr lang="en-US" sz="1600" dirty="0">
-                <a:solidFill>
-                  <a:schemeClr val="accent1">
-                    <a:lumMod val="50000"/>
-                  </a:schemeClr>
-                </a:solidFill>
-              </a:rPr>
-              <a:t> </a:t>
-            </a:r>
-          </a:p>
-          <a:p>
-            <a:endParaRPr lang="en-US" sz="1600" dirty="0">
-              <a:solidFill>
-                <a:schemeClr val="accent1">
-                  <a:lumMod val="50000"/>
-                </a:schemeClr>
-              </a:solidFill>
-            </a:endParaRPr>
-          </a:p>
-          <a:p>
-            <a:r>
-              <a:rPr lang="en-US" sz="1600" dirty="0">
-                <a:solidFill>
-                  <a:schemeClr val="accent1">
-                    <a:lumMod val="50000"/>
-                  </a:schemeClr>
-                </a:solidFill>
-              </a:rPr>
-              <a:t>[</a:t>
-            </a:r>
-            <a:r>
-              <a:rPr lang="en-US" sz="1600" dirty="0" err="1">
-                <a:solidFill>
-                  <a:srgbClr val="C00000"/>
-                </a:solidFill>
-              </a:rPr>
-              <a:t>loop_begin</a:t>
-            </a:r>
-            <a:r>
-              <a:rPr lang="en-US" sz="1600" dirty="0">
-                <a:solidFill>
-                  <a:schemeClr val="accent1">
-                    <a:lumMod val="50000"/>
-                  </a:schemeClr>
-                </a:solidFill>
-              </a:rPr>
-              <a:t>]                                                                       [</a:t>
-            </a:r>
-            <a:r>
-              <a:rPr lang="en-US" sz="1600" dirty="0" err="1">
-                <a:solidFill>
-                  <a:srgbClr val="C00000"/>
-                </a:solidFill>
-              </a:rPr>
-              <a:t>loop_begin</a:t>
-            </a:r>
-            <a:r>
-              <a:rPr lang="en-US" sz="1600" dirty="0">
-                <a:solidFill>
-                  <a:schemeClr val="accent1">
-                    <a:lumMod val="50000"/>
-                  </a:schemeClr>
-                </a:solidFill>
-              </a:rPr>
-              <a:t>]</a:t>
-            </a:r>
-          </a:p>
-          <a:p>
-            <a:r>
-              <a:rPr lang="en-US" sz="1600" dirty="0" err="1">
-                <a:solidFill>
-                  <a:schemeClr val="accent1">
-                    <a:lumMod val="50000"/>
-                  </a:schemeClr>
-                </a:solidFill>
-              </a:rPr>
-              <a:t>args</a:t>
-            </a:r>
-            <a:r>
-              <a:rPr lang="en-US" sz="1600" dirty="0">
-                <a:solidFill>
-                  <a:schemeClr val="accent1">
-                    <a:lumMod val="50000"/>
-                  </a:schemeClr>
-                </a:solidFill>
-              </a:rPr>
-              <a:t> = limits                                                                          </a:t>
-            </a:r>
-            <a:r>
-              <a:rPr lang="en-US" sz="1600" dirty="0" err="1">
-                <a:solidFill>
-                  <a:schemeClr val="accent1">
-                    <a:lumMod val="50000"/>
-                  </a:schemeClr>
-                </a:solidFill>
-              </a:rPr>
-              <a:t>args</a:t>
-            </a:r>
-            <a:r>
-              <a:rPr lang="en-US" sz="1600" dirty="0">
-                <a:solidFill>
-                  <a:schemeClr val="accent1">
-                    <a:lumMod val="50000"/>
-                  </a:schemeClr>
-                </a:solidFill>
-              </a:rPr>
-              <a:t> = limits</a:t>
-            </a:r>
-          </a:p>
-          <a:p>
-            <a:r>
-              <a:rPr lang="en-US" sz="1600" dirty="0">
-                <a:solidFill>
-                  <a:schemeClr val="accent1">
-                    <a:lumMod val="50000"/>
-                  </a:schemeClr>
-                </a:solidFill>
-              </a:rPr>
-              <a:t>definition=                                                                            definition=</a:t>
-            </a:r>
-          </a:p>
-          <a:p>
-            <a:r>
-              <a:rPr lang="en-US" sz="1600" dirty="0">
-                <a:solidFill>
-                  <a:schemeClr val="accent1">
-                    <a:lumMod val="50000"/>
-                  </a:schemeClr>
-                </a:solidFill>
-              </a:rPr>
-              <a:t>   do k = limits(LOW,KAXIS),limits(LOW,KAXIS)</a:t>
-            </a:r>
-          </a:p>
-          <a:p>
-            <a:r>
-              <a:rPr lang="en-US" sz="1600" dirty="0">
-                <a:solidFill>
-                  <a:schemeClr val="accent1">
-                    <a:lumMod val="50000"/>
-                  </a:schemeClr>
-                </a:solidFill>
-              </a:rPr>
-              <a:t>        do j = limits(LOW,JAXIS),limits(LOW,JAXIS)</a:t>
-            </a:r>
-          </a:p>
-          <a:p>
-            <a:r>
-              <a:rPr lang="en-US" sz="1600" dirty="0">
-                <a:solidFill>
-                  <a:schemeClr val="accent1">
-                    <a:lumMod val="50000"/>
-                  </a:schemeClr>
-                </a:solidFill>
-              </a:rPr>
-              <a:t>            do I = limits(LOW,IAXIS),limits(LOW,IAXIS)  </a:t>
-            </a:r>
-          </a:p>
-          <a:p>
-            <a:endParaRPr lang="en-US" sz="1600" dirty="0">
-              <a:solidFill>
-                <a:schemeClr val="accent1">
-                  <a:lumMod val="50000"/>
-                </a:schemeClr>
-              </a:solidFill>
-            </a:endParaRPr>
-          </a:p>
-          <a:p>
-            <a:r>
-              <a:rPr lang="en-US" sz="1600" dirty="0">
-                <a:solidFill>
-                  <a:schemeClr val="accent1">
-                    <a:lumMod val="50000"/>
-                  </a:schemeClr>
-                </a:solidFill>
-              </a:rPr>
-              <a:t>[</a:t>
-            </a:r>
-            <a:r>
-              <a:rPr lang="en-US" sz="1600" dirty="0" err="1">
-                <a:solidFill>
-                  <a:srgbClr val="C00000"/>
-                </a:solidFill>
-              </a:rPr>
-              <a:t>loop_end</a:t>
-            </a:r>
-            <a:r>
-              <a:rPr lang="en-US" sz="1600" dirty="0">
-                <a:solidFill>
-                  <a:schemeClr val="accent1">
-                    <a:lumMod val="50000"/>
-                  </a:schemeClr>
-                </a:solidFill>
-              </a:rPr>
-              <a:t>]                                                                           [</a:t>
-            </a:r>
-            <a:r>
-              <a:rPr lang="en-US" sz="1600" dirty="0" err="1">
-                <a:solidFill>
-                  <a:srgbClr val="C00000"/>
-                </a:solidFill>
-              </a:rPr>
-              <a:t>loop_end</a:t>
-            </a:r>
-            <a:r>
-              <a:rPr lang="en-US" sz="1600" dirty="0">
-                <a:solidFill>
-                  <a:schemeClr val="accent1">
-                    <a:lumMod val="50000"/>
-                  </a:schemeClr>
-                </a:solidFill>
-              </a:rPr>
-              <a:t>]</a:t>
-            </a:r>
-          </a:p>
-          <a:p>
-            <a:r>
-              <a:rPr lang="en-US" sz="1600" dirty="0">
-                <a:solidFill>
-                  <a:schemeClr val="accent1">
-                    <a:lumMod val="50000"/>
-                  </a:schemeClr>
-                </a:solidFill>
-              </a:rPr>
-              <a:t>definition =                                                                           definition =</a:t>
-            </a:r>
-          </a:p>
-          <a:p>
-            <a:r>
-              <a:rPr lang="en-US" sz="1600" dirty="0">
-                <a:solidFill>
-                  <a:schemeClr val="accent1">
-                    <a:lumMod val="50000"/>
-                  </a:schemeClr>
-                </a:solidFill>
-              </a:rPr>
-              <a:t>          </a:t>
-            </a:r>
-            <a:r>
-              <a:rPr lang="en-US" sz="1600" dirty="0" err="1">
-                <a:solidFill>
-                  <a:schemeClr val="accent1">
-                    <a:lumMod val="50000"/>
-                  </a:schemeClr>
-                </a:solidFill>
-              </a:rPr>
-              <a:t>enddo</a:t>
-            </a:r>
-            <a:endParaRPr lang="en-US" sz="1600" dirty="0">
-              <a:solidFill>
-                <a:schemeClr val="accent1">
-                  <a:lumMod val="50000"/>
-                </a:schemeClr>
-              </a:solidFill>
-            </a:endParaRPr>
-          </a:p>
-          <a:p>
-            <a:r>
-              <a:rPr lang="en-US" sz="1600" dirty="0">
-                <a:solidFill>
-                  <a:schemeClr val="accent1">
-                    <a:lumMod val="50000"/>
-                  </a:schemeClr>
-                </a:solidFill>
-              </a:rPr>
-              <a:t>       </a:t>
-            </a:r>
-            <a:r>
-              <a:rPr lang="en-US" sz="1600" dirty="0" err="1">
-                <a:solidFill>
-                  <a:schemeClr val="accent1">
-                    <a:lumMod val="50000"/>
-                  </a:schemeClr>
-                </a:solidFill>
-              </a:rPr>
-              <a:t>enddo</a:t>
-            </a:r>
-            <a:endParaRPr lang="en-US" sz="1600" dirty="0">
-              <a:solidFill>
-                <a:schemeClr val="accent1">
-                  <a:lumMod val="50000"/>
-                </a:schemeClr>
-              </a:solidFill>
-            </a:endParaRPr>
-          </a:p>
-          <a:p>
-            <a:r>
-              <a:rPr lang="en-US" sz="1600" dirty="0">
-                <a:solidFill>
-                  <a:schemeClr val="accent1">
-                    <a:lumMod val="50000"/>
-                  </a:schemeClr>
-                </a:solidFill>
-              </a:rPr>
-              <a:t>    </a:t>
-            </a:r>
-            <a:r>
-              <a:rPr lang="en-US" sz="1600" dirty="0" err="1">
-                <a:solidFill>
-                  <a:schemeClr val="accent1">
-                    <a:lumMod val="50000"/>
-                  </a:schemeClr>
-                </a:solidFill>
-              </a:rPr>
-              <a:t>enddo</a:t>
-            </a:r>
-            <a:endParaRPr lang="en-US" sz="1600" dirty="0">
-              <a:solidFill>
-                <a:schemeClr val="accent1">
-                  <a:lumMod val="50000"/>
-                </a:schemeClr>
-              </a:solidFill>
-            </a:endParaRPr>
-          </a:p>
-        </p:txBody>
-      </p:sp>
-    </p:spTree>
-    <p:extLst>
-      <p:ext uri="{BB962C8B-B14F-4D97-AF65-F5344CB8AC3E}">
-        <p14:creationId xmlns:p14="http://schemas.microsoft.com/office/powerpoint/2010/main" val="3514418353"/>
       </p:ext>
     </p:extLst>
   </p:cSld>
@@ -23327,6 +22231,1204 @@
           <a:p>
             <a:r>
               <a:rPr lang="en-US" dirty="0"/>
+              <a:t>Orthogonal Axes of Challenges and Optimization</a:t>
+            </a:r>
+          </a:p>
+        </p:txBody>
+      </p:sp>
+      <p:sp>
+        <p:nvSpPr>
+          <p:cNvPr id="3" name="Content Placeholder 2">
+            <a:extLst>
+              <a:ext uri="{FF2B5EF4-FFF2-40B4-BE49-F238E27FC236}">
+                <a16:creationId xmlns:a16="http://schemas.microsoft.com/office/drawing/2014/main" id="{9E1D2D18-7D93-3909-BE43-FB61ED18A86D}"/>
+              </a:ext>
+            </a:extLst>
+          </p:cNvPr>
+          <p:cNvSpPr>
+            <a:spLocks noGrp="1"/>
+          </p:cNvSpPr>
+          <p:nvPr>
+            <p:ph idx="1"/>
+          </p:nvPr>
+        </p:nvSpPr>
+        <p:spPr>
+          <a:xfrm>
+            <a:off x="1280778" y="617249"/>
+            <a:ext cx="10512862" cy="1263509"/>
+          </a:xfrm>
+        </p:spPr>
+        <p:txBody>
+          <a:bodyPr/>
+          <a:lstStyle/>
+          <a:p>
+            <a:pPr lvl="1"/>
+            <a:r>
+              <a:rPr lang="en-US" dirty="0"/>
+              <a:t>Separate out arithmetic and control flow</a:t>
+            </a:r>
+          </a:p>
+          <a:p>
+            <a:pPr lvl="2"/>
+            <a:r>
+              <a:rPr lang="en-US" dirty="0"/>
+              <a:t>Make arithmetic invariant</a:t>
+            </a:r>
+          </a:p>
+          <a:p>
+            <a:pPr lvl="2"/>
+            <a:r>
+              <a:rPr lang="en-US" dirty="0"/>
+              <a:t>Turn separate pieces into building blocks using macros</a:t>
+            </a:r>
+          </a:p>
+        </p:txBody>
+      </p:sp>
+      <p:sp>
+        <p:nvSpPr>
+          <p:cNvPr id="4" name="Slide Number Placeholder 3">
+            <a:extLst>
+              <a:ext uri="{FF2B5EF4-FFF2-40B4-BE49-F238E27FC236}">
+                <a16:creationId xmlns:a16="http://schemas.microsoft.com/office/drawing/2014/main" id="{A6739ACC-3458-1355-7F5A-14726576C99D}"/>
+              </a:ext>
+            </a:extLst>
+          </p:cNvPr>
+          <p:cNvSpPr>
+            <a:spLocks noGrp="1"/>
+          </p:cNvSpPr>
+          <p:nvPr>
+            <p:ph type="sldNum" sz="quarter" idx="12"/>
+          </p:nvPr>
+        </p:nvSpPr>
+        <p:spPr>
+          <a:xfrm>
+            <a:off x="7239000" y="6392358"/>
+            <a:ext cx="2743200" cy="365125"/>
+          </a:xfrm>
+          <a:prstGeom prst="rect">
+            <a:avLst/>
+          </a:prstGeom>
+        </p:spPr>
+        <p:txBody>
+          <a:bodyPr vert="horz" lIns="91440" tIns="45720" rIns="91440" bIns="45720" rtlCol="0" anchor="ctr"/>
+          <a:lstStyle>
+            <a:defPPr>
+              <a:defRPr lang="en-US"/>
+            </a:defPPr>
+            <a:lvl1pPr marL="0" algn="r" defTabSz="914400" rtl="0" eaLnBrk="1" latinLnBrk="0" hangingPunct="1">
+              <a:defRPr sz="1600" kern="1200">
+                <a:solidFill>
+                  <a:schemeClr val="tx1">
+                    <a:tint val="75000"/>
+                  </a:schemeClr>
+                </a:solidFill>
+                <a:latin typeface="+mn-lt"/>
+                <a:ea typeface="+mn-ea"/>
+                <a:cs typeface="+mn-cs"/>
+              </a:defRPr>
+            </a:lvl1pPr>
+            <a:lvl2pPr marL="457200" algn="l" defTabSz="914400" rtl="0" eaLnBrk="1" latinLnBrk="0" hangingPunct="1">
+              <a:defRPr sz="1800" kern="1200">
+                <a:solidFill>
+                  <a:schemeClr val="tx1"/>
+                </a:solidFill>
+                <a:latin typeface="+mn-lt"/>
+                <a:ea typeface="+mn-ea"/>
+                <a:cs typeface="+mn-cs"/>
+              </a:defRPr>
+            </a:lvl2pPr>
+            <a:lvl3pPr marL="914400" algn="l" defTabSz="914400" rtl="0" eaLnBrk="1" latinLnBrk="0" hangingPunct="1">
+              <a:defRPr sz="1800" kern="1200">
+                <a:solidFill>
+                  <a:schemeClr val="tx1"/>
+                </a:solidFill>
+                <a:latin typeface="+mn-lt"/>
+                <a:ea typeface="+mn-ea"/>
+                <a:cs typeface="+mn-cs"/>
+              </a:defRPr>
+            </a:lvl3pPr>
+            <a:lvl4pPr marL="1371600" algn="l" defTabSz="914400" rtl="0" eaLnBrk="1" latinLnBrk="0" hangingPunct="1">
+              <a:defRPr sz="1800" kern="1200">
+                <a:solidFill>
+                  <a:schemeClr val="tx1"/>
+                </a:solidFill>
+                <a:latin typeface="+mn-lt"/>
+                <a:ea typeface="+mn-ea"/>
+                <a:cs typeface="+mn-cs"/>
+              </a:defRPr>
+            </a:lvl4pPr>
+            <a:lvl5pPr marL="1828800" algn="l" defTabSz="914400" rtl="0" eaLnBrk="1" latinLnBrk="0" hangingPunct="1">
+              <a:defRPr sz="1800" kern="1200">
+                <a:solidFill>
+                  <a:schemeClr val="tx1"/>
+                </a:solidFill>
+                <a:latin typeface="+mn-lt"/>
+                <a:ea typeface="+mn-ea"/>
+                <a:cs typeface="+mn-cs"/>
+              </a:defRPr>
+            </a:lvl5pPr>
+            <a:lvl6pPr marL="2286000" algn="l" defTabSz="914400" rtl="0" eaLnBrk="1" latinLnBrk="0" hangingPunct="1">
+              <a:defRPr sz="1800" kern="1200">
+                <a:solidFill>
+                  <a:schemeClr val="tx1"/>
+                </a:solidFill>
+                <a:latin typeface="+mn-lt"/>
+                <a:ea typeface="+mn-ea"/>
+                <a:cs typeface="+mn-cs"/>
+              </a:defRPr>
+            </a:lvl6pPr>
+            <a:lvl7pPr marL="2743200" algn="l" defTabSz="914400" rtl="0" eaLnBrk="1" latinLnBrk="0" hangingPunct="1">
+              <a:defRPr sz="1800" kern="1200">
+                <a:solidFill>
+                  <a:schemeClr val="tx1"/>
+                </a:solidFill>
+                <a:latin typeface="+mn-lt"/>
+                <a:ea typeface="+mn-ea"/>
+                <a:cs typeface="+mn-cs"/>
+              </a:defRPr>
+            </a:lvl7pPr>
+            <a:lvl8pPr marL="3200400" algn="l" defTabSz="914400" rtl="0" eaLnBrk="1" latinLnBrk="0" hangingPunct="1">
+              <a:defRPr sz="1800" kern="1200">
+                <a:solidFill>
+                  <a:schemeClr val="tx1"/>
+                </a:solidFill>
+                <a:latin typeface="+mn-lt"/>
+                <a:ea typeface="+mn-ea"/>
+                <a:cs typeface="+mn-cs"/>
+              </a:defRPr>
+            </a:lvl8pPr>
+            <a:lvl9pPr marL="3657600" algn="l" defTabSz="914400" rtl="0" eaLnBrk="1" latinLnBrk="0" hangingPunct="1">
+              <a:defRPr sz="1800" kern="1200">
+                <a:solidFill>
+                  <a:schemeClr val="tx1"/>
+                </a:solidFill>
+                <a:latin typeface="+mn-lt"/>
+                <a:ea typeface="+mn-ea"/>
+                <a:cs typeface="+mn-cs"/>
+              </a:defRPr>
+            </a:lvl9pPr>
+          </a:lstStyle>
+          <a:p>
+            <a:fld id="{9CF5EF28-261C-FD41-A360-1A380056DD17}" type="slidenum">
+              <a:rPr lang="en-US" smtClean="0"/>
+              <a:pPr/>
+              <a:t>31</a:t>
+            </a:fld>
+            <a:endParaRPr lang="en-US" sz="1400"/>
+          </a:p>
+        </p:txBody>
+      </p:sp>
+      <p:sp>
+        <p:nvSpPr>
+          <p:cNvPr id="5" name="Rounded Rectangle 4">
+            <a:extLst>
+              <a:ext uri="{FF2B5EF4-FFF2-40B4-BE49-F238E27FC236}">
+                <a16:creationId xmlns:a16="http://schemas.microsoft.com/office/drawing/2014/main" id="{09ACA7F0-13A3-FD2D-6F43-744BD11B57AC}"/>
+              </a:ext>
+            </a:extLst>
+          </p:cNvPr>
+          <p:cNvSpPr/>
+          <p:nvPr/>
+        </p:nvSpPr>
+        <p:spPr>
+          <a:xfrm>
+            <a:off x="380900" y="1804058"/>
+            <a:ext cx="5389746" cy="2600186"/>
+          </a:xfrm>
+          <a:prstGeom prst="roundRect">
+            <a:avLst/>
+          </a:prstGeom>
+          <a:solidFill>
+            <a:schemeClr val="bg2">
+              <a:lumMod val="20000"/>
+              <a:lumOff val="80000"/>
+            </a:schemeClr>
+          </a:solidFill>
+          <a:effectLst/>
+        </p:spPr>
+        <p:style>
+          <a:lnRef idx="1">
+            <a:schemeClr val="accent1"/>
+          </a:lnRef>
+          <a:fillRef idx="3">
+            <a:schemeClr val="accent1"/>
+          </a:fillRef>
+          <a:effectRef idx="2">
+            <a:schemeClr val="accent1"/>
+          </a:effectRef>
+          <a:fontRef idx="minor">
+            <a:schemeClr val="lt1"/>
+          </a:fontRef>
+        </p:style>
+        <p:txBody>
+          <a:bodyPr rtlCol="0" anchor="ctr">
+            <a:normAutofit fontScale="92500" lnSpcReduction="20000"/>
+          </a:bodyPr>
+          <a:lstStyle/>
+          <a:p>
+            <a:r>
+              <a:rPr lang="en-US" sz="1799" b="1" dirty="0">
+                <a:solidFill>
+                  <a:schemeClr val="accent1">
+                    <a:lumMod val="50000"/>
+                  </a:schemeClr>
+                </a:solidFill>
+              </a:rPr>
+              <a:t>[hy_fluxesSec1]</a:t>
+            </a:r>
+          </a:p>
+          <a:p>
+            <a:r>
+              <a:rPr lang="en-US" dirty="0" err="1">
+                <a:solidFill>
+                  <a:schemeClr val="tx1"/>
+                </a:solidFill>
+              </a:rPr>
+              <a:t>a</a:t>
+            </a:r>
+            <a:r>
+              <a:rPr lang="en-US" sz="1799" dirty="0" err="1">
+                <a:solidFill>
+                  <a:schemeClr val="tx1"/>
+                </a:solidFill>
+              </a:rPr>
+              <a:t>rgs</a:t>
+            </a:r>
+            <a:r>
+              <a:rPr lang="en-US" sz="1799" dirty="0">
+                <a:solidFill>
+                  <a:schemeClr val="tx1"/>
+                </a:solidFill>
+              </a:rPr>
+              <a:t>= XL, </a:t>
+            </a:r>
+            <a:r>
+              <a:rPr lang="en-US" sz="1799" dirty="0" err="1">
+                <a:solidFill>
+                  <a:schemeClr val="tx1"/>
+                </a:solidFill>
+              </a:rPr>
+              <a:t>XR,limits</a:t>
+            </a:r>
+            <a:endParaRPr lang="en-US" sz="1799" dirty="0">
+              <a:solidFill>
+                <a:schemeClr val="tx1"/>
+              </a:solidFill>
+            </a:endParaRPr>
+          </a:p>
+          <a:p>
+            <a:r>
+              <a:rPr lang="en-US" sz="1799" dirty="0">
+                <a:solidFill>
+                  <a:schemeClr val="tx1"/>
+                </a:solidFill>
+              </a:rPr>
+              <a:t>definition =</a:t>
+            </a:r>
+          </a:p>
+          <a:p>
+            <a:r>
+              <a:rPr lang="en-US" sz="1799" dirty="0">
+                <a:solidFill>
+                  <a:srgbClr val="C00000"/>
+                </a:solidFill>
+              </a:rPr>
+              <a:t>@M </a:t>
+            </a:r>
+            <a:r>
+              <a:rPr lang="en-US" sz="1799" dirty="0" err="1">
+                <a:solidFill>
+                  <a:srgbClr val="C00000"/>
+                </a:solidFill>
+              </a:rPr>
+              <a:t>loop_begin</a:t>
+            </a:r>
+            <a:r>
+              <a:rPr lang="en-US" sz="1799" dirty="0">
+                <a:solidFill>
+                  <a:srgbClr val="C00000"/>
+                </a:solidFill>
+              </a:rPr>
+              <a:t>(limits)</a:t>
+            </a:r>
+          </a:p>
+          <a:p>
+            <a:r>
+              <a:rPr lang="en-US" sz="1799" dirty="0">
+                <a:solidFill>
+                  <a:schemeClr val="tx1"/>
+                </a:solidFill>
+              </a:rPr>
+              <a:t>    if (flux(1</a:t>
+            </a:r>
+            <a:r>
+              <a:rPr lang="en-US" sz="1799" dirty="0">
+                <a:solidFill>
+                  <a:srgbClr val="C00000"/>
+                </a:solidFill>
+              </a:rPr>
+              <a:t>@M indices</a:t>
+            </a:r>
+            <a:r>
+              <a:rPr lang="en-US" sz="1799" dirty="0">
+                <a:solidFill>
+                  <a:schemeClr val="tx1"/>
+                </a:solidFill>
+              </a:rPr>
+              <a:t>) &gt; 0.) then</a:t>
+            </a:r>
+          </a:p>
+          <a:p>
+            <a:r>
+              <a:rPr lang="en-US" sz="1799" dirty="0">
+                <a:solidFill>
+                  <a:schemeClr val="tx1"/>
+                </a:solidFill>
+              </a:rPr>
+              <a:t>         call doSection1(XL(:</a:t>
+            </a:r>
+            <a:r>
+              <a:rPr lang="en-US" sz="1799" dirty="0">
+                <a:solidFill>
+                  <a:srgbClr val="C00000"/>
+                </a:solidFill>
+              </a:rPr>
+              <a:t>@M indices), ……</a:t>
+            </a:r>
+            <a:r>
+              <a:rPr lang="en-US" sz="1799" dirty="0">
+                <a:solidFill>
+                  <a:schemeClr val="tx1"/>
+                </a:solidFill>
+              </a:rPr>
+              <a:t>)</a:t>
+            </a:r>
+          </a:p>
+          <a:p>
+            <a:r>
+              <a:rPr lang="en-US" sz="1799" dirty="0">
+                <a:solidFill>
+                  <a:schemeClr val="tx1"/>
+                </a:solidFill>
+              </a:rPr>
+              <a:t>    else</a:t>
+            </a:r>
+          </a:p>
+          <a:p>
+            <a:r>
+              <a:rPr lang="en-US" sz="1799" dirty="0">
+                <a:solidFill>
+                  <a:schemeClr val="tx1"/>
+                </a:solidFill>
+              </a:rPr>
+              <a:t>        call doSection1(XR(:</a:t>
+            </a:r>
+            <a:r>
+              <a:rPr lang="en-US" sz="1799" dirty="0">
+                <a:solidFill>
+                  <a:srgbClr val="C00000"/>
+                </a:solidFill>
+              </a:rPr>
+              <a:t>@M indices), …….</a:t>
+            </a:r>
+            <a:r>
+              <a:rPr lang="en-US" sz="1799" dirty="0">
+                <a:solidFill>
+                  <a:schemeClr val="tx1"/>
+                </a:solidFill>
+              </a:rPr>
+              <a:t>)</a:t>
+            </a:r>
+          </a:p>
+          <a:p>
+            <a:r>
+              <a:rPr lang="en-US" sz="1799" dirty="0">
+                <a:solidFill>
+                  <a:schemeClr val="tx1"/>
+                </a:solidFill>
+              </a:rPr>
+              <a:t>    end if</a:t>
+            </a:r>
+          </a:p>
+          <a:p>
+            <a:r>
+              <a:rPr lang="en-US" sz="1799" dirty="0">
+                <a:solidFill>
+                  <a:srgbClr val="C00000"/>
+                </a:solidFill>
+              </a:rPr>
+              <a:t> @M </a:t>
+            </a:r>
+            <a:r>
+              <a:rPr lang="en-US" sz="1799" dirty="0" err="1">
+                <a:solidFill>
+                  <a:srgbClr val="C00000"/>
+                </a:solidFill>
+              </a:rPr>
+              <a:t>loop_end</a:t>
+            </a:r>
+            <a:endParaRPr lang="en-US" sz="1799" dirty="0">
+              <a:solidFill>
+                <a:srgbClr val="C00000"/>
+              </a:solidFill>
+            </a:endParaRPr>
+          </a:p>
+        </p:txBody>
+      </p:sp>
+      <p:sp>
+        <p:nvSpPr>
+          <p:cNvPr id="7" name="Content Placeholder 2">
+            <a:extLst>
+              <a:ext uri="{FF2B5EF4-FFF2-40B4-BE49-F238E27FC236}">
+                <a16:creationId xmlns:a16="http://schemas.microsoft.com/office/drawing/2014/main" id="{E930E585-9C66-1A41-1E78-603E284DD951}"/>
+              </a:ext>
+            </a:extLst>
+          </p:cNvPr>
+          <p:cNvSpPr txBox="1">
+            <a:spLocks/>
+          </p:cNvSpPr>
+          <p:nvPr/>
+        </p:nvSpPr>
+        <p:spPr>
+          <a:xfrm>
+            <a:off x="380900" y="4455068"/>
+            <a:ext cx="5389745" cy="2030661"/>
+          </a:xfrm>
+          <a:prstGeom prst="rect">
+            <a:avLst/>
+          </a:prstGeom>
+        </p:spPr>
+        <p:txBody>
+          <a:bodyPr vert="horz" lIns="91416" tIns="45708" rIns="91416" bIns="45708" rtlCol="0">
+            <a:normAutofit fontScale="77500" lnSpcReduction="20000"/>
+          </a:bodyPr>
+          <a:lstStyle>
+            <a:lvl1pPr marL="228600" indent="-228600" algn="l" defTabSz="914400" rtl="0" eaLnBrk="1" latinLnBrk="0" hangingPunct="1">
+              <a:lnSpc>
+                <a:spcPct val="90000"/>
+              </a:lnSpc>
+              <a:spcBef>
+                <a:spcPts val="1000"/>
+              </a:spcBef>
+              <a:buClr>
+                <a:schemeClr val="accent2">
+                  <a:lumMod val="75000"/>
+                </a:schemeClr>
+              </a:buClr>
+              <a:buFont typeface="Wingdings" pitchFamily="2" charset="2"/>
+              <a:buChar char="q"/>
+              <a:defRPr sz="2800" kern="1200">
+                <a:solidFill>
+                  <a:schemeClr val="tx1"/>
+                </a:solidFill>
+                <a:latin typeface="+mn-lt"/>
+                <a:ea typeface="+mn-ea"/>
+                <a:cs typeface="+mn-cs"/>
+              </a:defRPr>
+            </a:lvl1pPr>
+            <a:lvl2pPr marL="685800" indent="-228600" algn="l" defTabSz="914400" rtl="0" eaLnBrk="1" latinLnBrk="0" hangingPunct="1">
+              <a:lnSpc>
+                <a:spcPct val="90000"/>
+              </a:lnSpc>
+              <a:spcBef>
+                <a:spcPts val="500"/>
+              </a:spcBef>
+              <a:buClr>
+                <a:schemeClr val="accent2">
+                  <a:lumMod val="75000"/>
+                </a:schemeClr>
+              </a:buClr>
+              <a:buFont typeface="Wingdings" pitchFamily="2" charset="2"/>
+              <a:buChar char="q"/>
+              <a:defRPr sz="2400" kern="1200">
+                <a:solidFill>
+                  <a:schemeClr val="tx1"/>
+                </a:solidFill>
+                <a:latin typeface="+mn-lt"/>
+                <a:ea typeface="+mn-ea"/>
+                <a:cs typeface="+mn-cs"/>
+              </a:defRPr>
+            </a:lvl2pPr>
+            <a:lvl3pPr marL="1143000" indent="-228600" algn="l" defTabSz="914400" rtl="0" eaLnBrk="1" latinLnBrk="0" hangingPunct="1">
+              <a:lnSpc>
+                <a:spcPct val="90000"/>
+              </a:lnSpc>
+              <a:spcBef>
+                <a:spcPts val="500"/>
+              </a:spcBef>
+              <a:buClr>
+                <a:schemeClr val="accent2">
+                  <a:lumMod val="75000"/>
+                </a:schemeClr>
+              </a:buClr>
+              <a:buFont typeface="Wingdings" pitchFamily="2" charset="2"/>
+              <a:buChar char="q"/>
+              <a:defRPr sz="2000" kern="1200">
+                <a:solidFill>
+                  <a:schemeClr val="tx1"/>
+                </a:solidFill>
+                <a:latin typeface="+mn-lt"/>
+                <a:ea typeface="+mn-ea"/>
+                <a:cs typeface="+mn-cs"/>
+              </a:defRPr>
+            </a:lvl3pPr>
+            <a:lvl4pPr marL="1600200" indent="-228600" algn="l" defTabSz="914400" rtl="0" eaLnBrk="1" latinLnBrk="0" hangingPunct="1">
+              <a:lnSpc>
+                <a:spcPct val="90000"/>
+              </a:lnSpc>
+              <a:spcBef>
+                <a:spcPts val="500"/>
+              </a:spcBef>
+              <a:buClr>
+                <a:schemeClr val="accent2">
+                  <a:lumMod val="75000"/>
+                </a:schemeClr>
+              </a:buClr>
+              <a:buFont typeface="Wingdings" pitchFamily="2" charset="2"/>
+              <a:buChar char="q"/>
+              <a:defRPr sz="1800" kern="1200">
+                <a:solidFill>
+                  <a:schemeClr val="tx1"/>
+                </a:solidFill>
+                <a:latin typeface="+mn-lt"/>
+                <a:ea typeface="+mn-ea"/>
+                <a:cs typeface="+mn-cs"/>
+              </a:defRPr>
+            </a:lvl4pPr>
+            <a:lvl5pPr marL="2057400" indent="-228600" algn="l" defTabSz="914400" rtl="0" eaLnBrk="1" latinLnBrk="0" hangingPunct="1">
+              <a:lnSpc>
+                <a:spcPct val="90000"/>
+              </a:lnSpc>
+              <a:spcBef>
+                <a:spcPts val="500"/>
+              </a:spcBef>
+              <a:buClr>
+                <a:schemeClr val="accent2">
+                  <a:lumMod val="75000"/>
+                </a:schemeClr>
+              </a:buClr>
+              <a:buFont typeface="Wingdings" pitchFamily="2" charset="2"/>
+              <a:buChar char="q"/>
+              <a:defRPr sz="1800" kern="1200">
+                <a:solidFill>
+                  <a:schemeClr val="tx1"/>
+                </a:solidFill>
+                <a:latin typeface="+mn-lt"/>
+                <a:ea typeface="+mn-ea"/>
+                <a:cs typeface="+mn-cs"/>
+              </a:defRPr>
+            </a:lvl5pPr>
+            <a:lvl6pPr marL="2514600" indent="-228600" algn="l" defTabSz="914400" rtl="0" eaLnBrk="1" latinLnBrk="0" hangingPunct="1">
+              <a:lnSpc>
+                <a:spcPct val="90000"/>
+              </a:lnSpc>
+              <a:spcBef>
+                <a:spcPts val="500"/>
+              </a:spcBef>
+              <a:buFont typeface="Arial" panose="020B0604020202020204" pitchFamily="34" charset="0"/>
+              <a:buChar char="•"/>
+              <a:defRPr sz="1800" kern="1200">
+                <a:solidFill>
+                  <a:schemeClr val="tx1"/>
+                </a:solidFill>
+                <a:latin typeface="+mn-lt"/>
+                <a:ea typeface="+mn-ea"/>
+                <a:cs typeface="+mn-cs"/>
+              </a:defRPr>
+            </a:lvl6pPr>
+            <a:lvl7pPr marL="2971800" indent="-228600" algn="l" defTabSz="914400" rtl="0" eaLnBrk="1" latinLnBrk="0" hangingPunct="1">
+              <a:lnSpc>
+                <a:spcPct val="90000"/>
+              </a:lnSpc>
+              <a:spcBef>
+                <a:spcPts val="500"/>
+              </a:spcBef>
+              <a:buFont typeface="Arial" panose="020B0604020202020204" pitchFamily="34" charset="0"/>
+              <a:buChar char="•"/>
+              <a:defRPr sz="1800" kern="1200">
+                <a:solidFill>
+                  <a:schemeClr val="tx1"/>
+                </a:solidFill>
+                <a:latin typeface="+mn-lt"/>
+                <a:ea typeface="+mn-ea"/>
+                <a:cs typeface="+mn-cs"/>
+              </a:defRPr>
+            </a:lvl7pPr>
+            <a:lvl8pPr marL="3429000" indent="-228600" algn="l" defTabSz="914400" rtl="0" eaLnBrk="1" latinLnBrk="0" hangingPunct="1">
+              <a:lnSpc>
+                <a:spcPct val="90000"/>
+              </a:lnSpc>
+              <a:spcBef>
+                <a:spcPts val="500"/>
+              </a:spcBef>
+              <a:buFont typeface="Arial" panose="020B0604020202020204" pitchFamily="34" charset="0"/>
+              <a:buChar char="•"/>
+              <a:defRPr sz="1800" kern="1200">
+                <a:solidFill>
+                  <a:schemeClr val="tx1"/>
+                </a:solidFill>
+                <a:latin typeface="+mn-lt"/>
+                <a:ea typeface="+mn-ea"/>
+                <a:cs typeface="+mn-cs"/>
+              </a:defRPr>
+            </a:lvl8pPr>
+            <a:lvl9pPr marL="3886200" indent="-228600" algn="l" defTabSz="914400" rtl="0" eaLnBrk="1" latinLnBrk="0" hangingPunct="1">
+              <a:lnSpc>
+                <a:spcPct val="90000"/>
+              </a:lnSpc>
+              <a:spcBef>
+                <a:spcPts val="500"/>
+              </a:spcBef>
+              <a:buFont typeface="Arial" panose="020B0604020202020204" pitchFamily="34" charset="0"/>
+              <a:buChar char="•"/>
+              <a:defRPr sz="1800" kern="1200">
+                <a:solidFill>
+                  <a:schemeClr val="tx1"/>
+                </a:solidFill>
+                <a:latin typeface="+mn-lt"/>
+                <a:ea typeface="+mn-ea"/>
+                <a:cs typeface="+mn-cs"/>
+              </a:defRPr>
+            </a:lvl9pPr>
+          </a:lstStyle>
+          <a:p>
+            <a:r>
+              <a:rPr lang="en-US" sz="2799" dirty="0"/>
+              <a:t>Permit alternative definitions for all the macros as needed</a:t>
+            </a:r>
+          </a:p>
+          <a:p>
+            <a:r>
+              <a:rPr lang="en-US" sz="2799" dirty="0"/>
+              <a:t>Build in arbitration mechanism for picking the right definition</a:t>
+            </a:r>
+          </a:p>
+          <a:p>
+            <a:r>
+              <a:rPr lang="en-US" sz="2799" dirty="0"/>
+              <a:t>This code section can be invoked as </a:t>
+            </a:r>
+          </a:p>
+          <a:p>
+            <a:pPr marL="457063" lvl="1" indent="0">
+              <a:buNone/>
+            </a:pPr>
+            <a:r>
+              <a:rPr lang="en-US" sz="2399" dirty="0"/>
+              <a:t>@M hy_fluxesSec1(</a:t>
+            </a:r>
+            <a:r>
+              <a:rPr lang="en-US" sz="2399" dirty="0" err="1"/>
+              <a:t>uLeft,uRight,blkLimits</a:t>
+            </a:r>
+            <a:r>
+              <a:rPr lang="en-US" sz="2399" dirty="0"/>
+              <a:t>)</a:t>
+            </a:r>
+          </a:p>
+          <a:p>
+            <a:endParaRPr lang="en-US" sz="2799" dirty="0"/>
+          </a:p>
+        </p:txBody>
+      </p:sp>
+      <p:sp>
+        <p:nvSpPr>
+          <p:cNvPr id="9" name="TextBox 8">
+            <a:extLst>
+              <a:ext uri="{FF2B5EF4-FFF2-40B4-BE49-F238E27FC236}">
+                <a16:creationId xmlns:a16="http://schemas.microsoft.com/office/drawing/2014/main" id="{74BC88B2-EC34-6EB8-EEB3-8F4628A6C912}"/>
+              </a:ext>
+            </a:extLst>
+          </p:cNvPr>
+          <p:cNvSpPr txBox="1"/>
+          <p:nvPr/>
+        </p:nvSpPr>
+        <p:spPr>
+          <a:xfrm>
+            <a:off x="6094412" y="1880759"/>
+            <a:ext cx="5943874" cy="6738552"/>
+          </a:xfrm>
+          <a:prstGeom prst="rect">
+            <a:avLst/>
+          </a:prstGeom>
+          <a:noFill/>
+        </p:spPr>
+        <p:txBody>
+          <a:bodyPr wrap="square" rtlCol="0">
+            <a:spAutoFit/>
+          </a:bodyPr>
+          <a:lstStyle/>
+          <a:p>
+            <a:pPr algn="ctr"/>
+            <a:r>
+              <a:rPr lang="en-US" sz="1600" b="1" dirty="0"/>
+              <a:t>Alternative Definitions</a:t>
+            </a:r>
+          </a:p>
+          <a:p>
+            <a:endParaRPr lang="en-US" sz="1600" b="1" dirty="0"/>
+          </a:p>
+          <a:p>
+            <a:r>
+              <a:rPr lang="en-US" sz="1600" b="1" dirty="0"/>
+              <a:t>For all spatial points at once                 For one spatial point at a time </a:t>
+            </a:r>
+          </a:p>
+          <a:p>
+            <a:r>
+              <a:rPr lang="en-US" sz="1600" dirty="0">
+                <a:solidFill>
+                  <a:schemeClr val="accent1">
+                    <a:lumMod val="50000"/>
+                  </a:schemeClr>
+                </a:solidFill>
+              </a:rPr>
+              <a:t>[</a:t>
+            </a:r>
+            <a:r>
+              <a:rPr lang="en-US" sz="1600" dirty="0">
+                <a:solidFill>
+                  <a:srgbClr val="C00000"/>
+                </a:solidFill>
+              </a:rPr>
+              <a:t>indices</a:t>
+            </a:r>
+            <a:r>
+              <a:rPr lang="en-US" sz="1600" dirty="0">
+                <a:solidFill>
+                  <a:schemeClr val="accent1">
+                    <a:lumMod val="50000"/>
+                  </a:schemeClr>
+                </a:solidFill>
+              </a:rPr>
+              <a:t>]                                                                               [</a:t>
+            </a:r>
+            <a:r>
+              <a:rPr lang="en-US" sz="1600" dirty="0">
+                <a:solidFill>
+                  <a:srgbClr val="C00000"/>
+                </a:solidFill>
+              </a:rPr>
+              <a:t>indices</a:t>
+            </a:r>
+            <a:r>
+              <a:rPr lang="en-US" sz="1600" dirty="0">
+                <a:solidFill>
+                  <a:schemeClr val="accent1">
+                    <a:lumMod val="50000"/>
+                  </a:schemeClr>
+                </a:solidFill>
+              </a:rPr>
+              <a:t>]            </a:t>
+            </a:r>
+          </a:p>
+          <a:p>
+            <a:r>
+              <a:rPr lang="en-US" sz="1600" dirty="0">
+                <a:solidFill>
+                  <a:schemeClr val="accent1">
+                    <a:lumMod val="50000"/>
+                  </a:schemeClr>
+                </a:solidFill>
+              </a:rPr>
+              <a:t>definition =                                                                          definition =                                            </a:t>
+            </a:r>
+          </a:p>
+          <a:p>
+            <a:r>
+              <a:rPr lang="en-US" sz="1600" dirty="0">
+                <a:solidFill>
+                  <a:schemeClr val="accent1">
+                    <a:lumMod val="50000"/>
+                  </a:schemeClr>
+                </a:solidFill>
+              </a:rPr>
+              <a:t>   ,</a:t>
+            </a:r>
+            <a:r>
+              <a:rPr lang="en-US" sz="1600" dirty="0" err="1">
+                <a:solidFill>
+                  <a:schemeClr val="accent1">
+                    <a:lumMod val="50000"/>
+                  </a:schemeClr>
+                </a:solidFill>
+              </a:rPr>
+              <a:t>i,j,k</a:t>
+            </a:r>
+            <a:r>
+              <a:rPr lang="en-US" sz="1600" dirty="0">
+                <a:solidFill>
+                  <a:schemeClr val="accent1">
+                    <a:lumMod val="50000"/>
+                  </a:schemeClr>
+                </a:solidFill>
+              </a:rPr>
+              <a:t> </a:t>
+            </a:r>
+          </a:p>
+          <a:p>
+            <a:endParaRPr lang="en-US" sz="1600" dirty="0">
+              <a:solidFill>
+                <a:schemeClr val="accent1">
+                  <a:lumMod val="50000"/>
+                </a:schemeClr>
+              </a:solidFill>
+            </a:endParaRPr>
+          </a:p>
+          <a:p>
+            <a:r>
+              <a:rPr lang="en-US" sz="1600" dirty="0">
+                <a:solidFill>
+                  <a:schemeClr val="accent1">
+                    <a:lumMod val="50000"/>
+                  </a:schemeClr>
+                </a:solidFill>
+              </a:rPr>
+              <a:t>[</a:t>
+            </a:r>
+            <a:r>
+              <a:rPr lang="en-US" sz="1600" dirty="0" err="1">
+                <a:solidFill>
+                  <a:srgbClr val="C00000"/>
+                </a:solidFill>
+              </a:rPr>
+              <a:t>loop_begin</a:t>
+            </a:r>
+            <a:r>
+              <a:rPr lang="en-US" sz="1600" dirty="0">
+                <a:solidFill>
+                  <a:schemeClr val="accent1">
+                    <a:lumMod val="50000"/>
+                  </a:schemeClr>
+                </a:solidFill>
+              </a:rPr>
+              <a:t>]                                                                       [</a:t>
+            </a:r>
+            <a:r>
+              <a:rPr lang="en-US" sz="1600" dirty="0" err="1">
+                <a:solidFill>
+                  <a:srgbClr val="C00000"/>
+                </a:solidFill>
+              </a:rPr>
+              <a:t>loop_begin</a:t>
+            </a:r>
+            <a:r>
+              <a:rPr lang="en-US" sz="1600" dirty="0">
+                <a:solidFill>
+                  <a:schemeClr val="accent1">
+                    <a:lumMod val="50000"/>
+                  </a:schemeClr>
+                </a:solidFill>
+              </a:rPr>
+              <a:t>]</a:t>
+            </a:r>
+          </a:p>
+          <a:p>
+            <a:r>
+              <a:rPr lang="en-US" sz="1600" dirty="0" err="1">
+                <a:solidFill>
+                  <a:schemeClr val="accent1">
+                    <a:lumMod val="50000"/>
+                  </a:schemeClr>
+                </a:solidFill>
+              </a:rPr>
+              <a:t>args</a:t>
+            </a:r>
+            <a:r>
+              <a:rPr lang="en-US" sz="1600" dirty="0">
+                <a:solidFill>
+                  <a:schemeClr val="accent1">
+                    <a:lumMod val="50000"/>
+                  </a:schemeClr>
+                </a:solidFill>
+              </a:rPr>
+              <a:t> = limits                                                                          </a:t>
+            </a:r>
+            <a:r>
+              <a:rPr lang="en-US" sz="1600" dirty="0" err="1">
+                <a:solidFill>
+                  <a:schemeClr val="accent1">
+                    <a:lumMod val="50000"/>
+                  </a:schemeClr>
+                </a:solidFill>
+              </a:rPr>
+              <a:t>args</a:t>
+            </a:r>
+            <a:r>
+              <a:rPr lang="en-US" sz="1600" dirty="0">
+                <a:solidFill>
+                  <a:schemeClr val="accent1">
+                    <a:lumMod val="50000"/>
+                  </a:schemeClr>
+                </a:solidFill>
+              </a:rPr>
+              <a:t> = limits</a:t>
+            </a:r>
+          </a:p>
+          <a:p>
+            <a:r>
+              <a:rPr lang="en-US" sz="1600" dirty="0">
+                <a:solidFill>
+                  <a:schemeClr val="accent1">
+                    <a:lumMod val="50000"/>
+                  </a:schemeClr>
+                </a:solidFill>
+              </a:rPr>
+              <a:t>definition=                                                                            definition=</a:t>
+            </a:r>
+          </a:p>
+          <a:p>
+            <a:r>
+              <a:rPr lang="en-US" sz="1600" dirty="0">
+                <a:solidFill>
+                  <a:schemeClr val="accent1">
+                    <a:lumMod val="50000"/>
+                  </a:schemeClr>
+                </a:solidFill>
+              </a:rPr>
+              <a:t>   do k = limits(LOW,KAXIS),limits(LOW,KAXIS)</a:t>
+            </a:r>
+          </a:p>
+          <a:p>
+            <a:r>
+              <a:rPr lang="en-US" sz="1600" dirty="0">
+                <a:solidFill>
+                  <a:schemeClr val="accent1">
+                    <a:lumMod val="50000"/>
+                  </a:schemeClr>
+                </a:solidFill>
+              </a:rPr>
+              <a:t>        do j = limits(LOW,JAXIS),limits(LOW,JAXIS)</a:t>
+            </a:r>
+          </a:p>
+          <a:p>
+            <a:r>
+              <a:rPr lang="en-US" sz="1600" dirty="0">
+                <a:solidFill>
+                  <a:schemeClr val="accent1">
+                    <a:lumMod val="50000"/>
+                  </a:schemeClr>
+                </a:solidFill>
+              </a:rPr>
+              <a:t>            do I = limits(LOW,IAXIS),limits(LOW,IAXIS)  </a:t>
+            </a:r>
+          </a:p>
+          <a:p>
+            <a:endParaRPr lang="en-US" sz="1600" dirty="0">
+              <a:solidFill>
+                <a:schemeClr val="accent1">
+                  <a:lumMod val="50000"/>
+                </a:schemeClr>
+              </a:solidFill>
+            </a:endParaRPr>
+          </a:p>
+          <a:p>
+            <a:r>
+              <a:rPr lang="en-US" sz="1600" dirty="0">
+                <a:solidFill>
+                  <a:schemeClr val="accent1">
+                    <a:lumMod val="50000"/>
+                  </a:schemeClr>
+                </a:solidFill>
+              </a:rPr>
+              <a:t>[</a:t>
+            </a:r>
+            <a:r>
+              <a:rPr lang="en-US" sz="1600" dirty="0" err="1">
+                <a:solidFill>
+                  <a:srgbClr val="C00000"/>
+                </a:solidFill>
+              </a:rPr>
+              <a:t>loop_end</a:t>
+            </a:r>
+            <a:r>
+              <a:rPr lang="en-US" sz="1600" dirty="0">
+                <a:solidFill>
+                  <a:schemeClr val="accent1">
+                    <a:lumMod val="50000"/>
+                  </a:schemeClr>
+                </a:solidFill>
+              </a:rPr>
+              <a:t>]                                                                           [</a:t>
+            </a:r>
+            <a:r>
+              <a:rPr lang="en-US" sz="1600" dirty="0" err="1">
+                <a:solidFill>
+                  <a:srgbClr val="C00000"/>
+                </a:solidFill>
+              </a:rPr>
+              <a:t>loop_end</a:t>
+            </a:r>
+            <a:r>
+              <a:rPr lang="en-US" sz="1600" dirty="0">
+                <a:solidFill>
+                  <a:schemeClr val="accent1">
+                    <a:lumMod val="50000"/>
+                  </a:schemeClr>
+                </a:solidFill>
+              </a:rPr>
+              <a:t>]</a:t>
+            </a:r>
+          </a:p>
+          <a:p>
+            <a:r>
+              <a:rPr lang="en-US" sz="1600" dirty="0">
+                <a:solidFill>
+                  <a:schemeClr val="accent1">
+                    <a:lumMod val="50000"/>
+                  </a:schemeClr>
+                </a:solidFill>
+              </a:rPr>
+              <a:t>definition =                                                                           definition =</a:t>
+            </a:r>
+          </a:p>
+          <a:p>
+            <a:r>
+              <a:rPr lang="en-US" sz="1600" dirty="0">
+                <a:solidFill>
+                  <a:schemeClr val="accent1">
+                    <a:lumMod val="50000"/>
+                  </a:schemeClr>
+                </a:solidFill>
+              </a:rPr>
+              <a:t>          </a:t>
+            </a:r>
+            <a:r>
+              <a:rPr lang="en-US" sz="1600" dirty="0" err="1">
+                <a:solidFill>
+                  <a:schemeClr val="accent1">
+                    <a:lumMod val="50000"/>
+                  </a:schemeClr>
+                </a:solidFill>
+              </a:rPr>
+              <a:t>enddo</a:t>
+            </a:r>
+            <a:endParaRPr lang="en-US" sz="1600" dirty="0">
+              <a:solidFill>
+                <a:schemeClr val="accent1">
+                  <a:lumMod val="50000"/>
+                </a:schemeClr>
+              </a:solidFill>
+            </a:endParaRPr>
+          </a:p>
+          <a:p>
+            <a:r>
+              <a:rPr lang="en-US" sz="1600" dirty="0">
+                <a:solidFill>
+                  <a:schemeClr val="accent1">
+                    <a:lumMod val="50000"/>
+                  </a:schemeClr>
+                </a:solidFill>
+              </a:rPr>
+              <a:t>       </a:t>
+            </a:r>
+            <a:r>
+              <a:rPr lang="en-US" sz="1600" dirty="0" err="1">
+                <a:solidFill>
+                  <a:schemeClr val="accent1">
+                    <a:lumMod val="50000"/>
+                  </a:schemeClr>
+                </a:solidFill>
+              </a:rPr>
+              <a:t>enddo</a:t>
+            </a:r>
+            <a:endParaRPr lang="en-US" sz="1600" dirty="0">
+              <a:solidFill>
+                <a:schemeClr val="accent1">
+                  <a:lumMod val="50000"/>
+                </a:schemeClr>
+              </a:solidFill>
+            </a:endParaRPr>
+          </a:p>
+          <a:p>
+            <a:r>
+              <a:rPr lang="en-US" sz="1600" dirty="0">
+                <a:solidFill>
+                  <a:schemeClr val="accent1">
+                    <a:lumMod val="50000"/>
+                  </a:schemeClr>
+                </a:solidFill>
+              </a:rPr>
+              <a:t>    </a:t>
+            </a:r>
+            <a:r>
+              <a:rPr lang="en-US" sz="1600" dirty="0" err="1">
+                <a:solidFill>
+                  <a:schemeClr val="accent1">
+                    <a:lumMod val="50000"/>
+                  </a:schemeClr>
+                </a:solidFill>
+              </a:rPr>
+              <a:t>enddo</a:t>
+            </a:r>
+            <a:endParaRPr lang="en-US" sz="1600" dirty="0">
+              <a:solidFill>
+                <a:schemeClr val="accent1">
+                  <a:lumMod val="50000"/>
+                </a:schemeClr>
+              </a:solidFill>
+            </a:endParaRPr>
+          </a:p>
+        </p:txBody>
+      </p:sp>
+    </p:spTree>
+    <p:extLst>
+      <p:ext uri="{BB962C8B-B14F-4D97-AF65-F5344CB8AC3E}">
+        <p14:creationId xmlns:p14="http://schemas.microsoft.com/office/powerpoint/2010/main" val="3514418353"/>
+      </p:ext>
+    </p:extLst>
+  </p:cSld>
+  <p:clrMapOvr>
+    <a:masterClrMapping/>
+  </p:clrMapOvr>
+</p:sld>
+</file>
+
+<file path=ppt/slides/slide32.xml><?xml version="1.0" encoding="utf-8"?>
+<p:sld xmlns:a="http://schemas.openxmlformats.org/drawingml/2006/main" xmlns:r="http://schemas.openxmlformats.org/officeDocument/2006/relationships" xmlns:p="http://schemas.openxmlformats.org/presentationml/2006/main">
+  <p:cSld>
+    <p:spTree>
+      <p:nvGrpSpPr>
+        <p:cNvPr id="1" name=""/>
+        <p:cNvGrpSpPr/>
+        <p:nvPr/>
+      </p:nvGrpSpPr>
+      <p:grpSpPr>
+        <a:xfrm>
+          <a:off x="0" y="0"/>
+          <a:ext cx="0" cy="0"/>
+          <a:chOff x="0" y="0"/>
+          <a:chExt cx="0" cy="0"/>
+        </a:xfrm>
+      </p:grpSpPr>
+      <p:sp>
+        <p:nvSpPr>
+          <p:cNvPr id="2" name="Title 1">
+            <a:extLst>
+              <a:ext uri="{FF2B5EF4-FFF2-40B4-BE49-F238E27FC236}">
+                <a16:creationId xmlns:a16="http://schemas.microsoft.com/office/drawing/2014/main" id="{D47B9BAA-A810-5129-CA21-D50C438D3E93}"/>
+              </a:ext>
+            </a:extLst>
+          </p:cNvPr>
+          <p:cNvSpPr>
+            <a:spLocks noGrp="1"/>
+          </p:cNvSpPr>
+          <p:nvPr>
+            <p:ph type="title"/>
+          </p:nvPr>
+        </p:nvSpPr>
+        <p:spPr>
+          <a:xfrm>
+            <a:off x="653094" y="52532"/>
+            <a:ext cx="10512862" cy="792908"/>
+          </a:xfrm>
+        </p:spPr>
+        <p:txBody>
+          <a:bodyPr/>
+          <a:lstStyle/>
+          <a:p>
+            <a:r>
+              <a:rPr lang="en-US" dirty="0"/>
               <a:t>Alternatively</a:t>
             </a:r>
           </a:p>
@@ -24340,7 +24442,7 @@
 </p:sld>
 </file>
 
-<file path=ppt/slides/slide32.xml><?xml version="1.0" encoding="utf-8"?>
+<file path=ppt/slides/slide33.xml><?xml version="1.0" encoding="utf-8"?>
 <p:sld xmlns:a="http://schemas.openxmlformats.org/drawingml/2006/main" xmlns:r="http://schemas.openxmlformats.org/officeDocument/2006/relationships" xmlns:p="http://schemas.openxmlformats.org/presentationml/2006/main">
   <p:cSld>
     <p:spTree>
@@ -25036,7 +25138,7 @@
 </p:sld>
 </file>
 
-<file path=ppt/slides/slide33.xml><?xml version="1.0" encoding="utf-8"?>
+<file path=ppt/slides/slide34.xml><?xml version="1.0" encoding="utf-8"?>
 <p:sld xmlns:a="http://schemas.openxmlformats.org/drawingml/2006/main" xmlns:r="http://schemas.openxmlformats.org/officeDocument/2006/relationships" xmlns:p="http://schemas.openxmlformats.org/presentationml/2006/main">
   <p:cSld>
     <p:spTree>
@@ -25857,7 +25959,7 @@
 </p:sld>
 </file>
 
-<file path=ppt/slides/slide34.xml><?xml version="1.0" encoding="utf-8"?>
+<file path=ppt/slides/slide35.xml><?xml version="1.0" encoding="utf-8"?>
 <p:sld xmlns:a="http://schemas.openxmlformats.org/drawingml/2006/main" xmlns:r="http://schemas.openxmlformats.org/officeDocument/2006/relationships" xmlns:p="http://schemas.openxmlformats.org/presentationml/2006/main">
   <p:cSld>
     <p:spTree>
@@ -26032,7 +26134,7 @@
 </p:sld>
 </file>
 
-<file path=ppt/slides/slide35.xml><?xml version="1.0" encoding="utf-8"?>
+<file path=ppt/slides/slide36.xml><?xml version="1.0" encoding="utf-8"?>
 <p:sld xmlns:a="http://schemas.openxmlformats.org/drawingml/2006/main" xmlns:r="http://schemas.openxmlformats.org/officeDocument/2006/relationships" xmlns:p="http://schemas.openxmlformats.org/presentationml/2006/main">
   <p:cSld>
     <p:spTree>
@@ -26174,6 +26276,461 @@
 </file>
 
 <file path=ppt/slides/slide4.xml><?xml version="1.0" encoding="utf-8"?>
+<p:sld xmlns:a="http://schemas.openxmlformats.org/drawingml/2006/main" xmlns:r="http://schemas.openxmlformats.org/officeDocument/2006/relationships" xmlns:p="http://schemas.openxmlformats.org/presentationml/2006/main">
+  <p:cSld>
+    <p:spTree>
+      <p:nvGrpSpPr>
+        <p:cNvPr id="1" name=""/>
+        <p:cNvGrpSpPr/>
+        <p:nvPr/>
+      </p:nvGrpSpPr>
+      <p:grpSpPr>
+        <a:xfrm>
+          <a:off x="0" y="0"/>
+          <a:ext cx="0" cy="0"/>
+          <a:chOff x="0" y="0"/>
+          <a:chExt cx="0" cy="0"/>
+        </a:xfrm>
+      </p:grpSpPr>
+      <p:sp>
+        <p:nvSpPr>
+          <p:cNvPr id="2" name="Title 1">
+            <a:extLst>
+              <a:ext uri="{FF2B5EF4-FFF2-40B4-BE49-F238E27FC236}">
+                <a16:creationId xmlns:a16="http://schemas.microsoft.com/office/drawing/2014/main" id="{847885C9-0085-AB61-AB08-70EECA001F0C}"/>
+              </a:ext>
+            </a:extLst>
+          </p:cNvPr>
+          <p:cNvSpPr>
+            <a:spLocks noGrp="1"/>
+          </p:cNvSpPr>
+          <p:nvPr>
+            <p:ph type="title"/>
+          </p:nvPr>
+        </p:nvSpPr>
+        <p:spPr/>
+        <p:txBody>
+          <a:bodyPr/>
+          <a:lstStyle/>
+          <a:p>
+            <a:r>
+              <a:rPr lang="en-US" dirty="0"/>
+              <a:t>Designing Software – High Level Phases</a:t>
+            </a:r>
+          </a:p>
+        </p:txBody>
+      </p:sp>
+      <p:sp>
+        <p:nvSpPr>
+          <p:cNvPr id="4" name="Rounded Rectangle 3">
+            <a:extLst>
+              <a:ext uri="{FF2B5EF4-FFF2-40B4-BE49-F238E27FC236}">
+                <a16:creationId xmlns:a16="http://schemas.microsoft.com/office/drawing/2014/main" id="{1FA50980-32EC-326F-85DD-3CF03094F555}"/>
+              </a:ext>
+            </a:extLst>
+          </p:cNvPr>
+          <p:cNvSpPr/>
+          <p:nvPr/>
+        </p:nvSpPr>
+        <p:spPr>
+          <a:xfrm>
+            <a:off x="357782" y="2204476"/>
+            <a:ext cx="3036711" cy="3485124"/>
+          </a:xfrm>
+          <a:prstGeom prst="roundRect">
+            <a:avLst/>
+          </a:prstGeom>
+          <a:solidFill>
+            <a:schemeClr val="accent3"/>
+          </a:solidFill>
+          <a:ln>
+            <a:noFill/>
+          </a:ln>
+          <a:effectLst>
+            <a:outerShdw blurRad="44450" dist="27940" dir="5400000" algn="ctr">
+              <a:srgbClr val="000000">
+                <a:alpha val="32000"/>
+              </a:srgbClr>
+            </a:outerShdw>
+          </a:effectLst>
+        </p:spPr>
+        <p:txBody>
+          <a:bodyPr rot="0" spcFirstLastPara="0" vertOverflow="overflow" horzOverflow="overflow" vert="horz" wrap="square" lIns="121851" tIns="60925" rIns="121851" bIns="60925" numCol="1" spcCol="0" rtlCol="0" fromWordArt="0" anchor="ctr" anchorCtr="0" forceAA="0" compatLnSpc="1">
+            <a:prstTxWarp prst="textNoShape">
+              <a:avLst/>
+            </a:prstTxWarp>
+            <a:noAutofit/>
+          </a:bodyPr>
+          <a:lstStyle/>
+          <a:p>
+            <a:pPr marL="342900" indent="-342900">
+              <a:buFont typeface="Wingdings" pitchFamily="2" charset="2"/>
+              <a:buChar char="q"/>
+            </a:pPr>
+            <a:r>
+              <a:rPr lang="en-US" sz="2400" dirty="0"/>
+              <a:t>Features and capabilities</a:t>
+            </a:r>
+          </a:p>
+          <a:p>
+            <a:pPr marL="342900" indent="-342900">
+              <a:buFont typeface="Wingdings" pitchFamily="2" charset="2"/>
+              <a:buChar char="q"/>
+            </a:pPr>
+            <a:r>
+              <a:rPr lang="en-US" sz="2400" dirty="0"/>
+              <a:t>Constraints</a:t>
+            </a:r>
+          </a:p>
+          <a:p>
+            <a:pPr marL="342900" indent="-342900">
+              <a:buFont typeface="Wingdings" pitchFamily="2" charset="2"/>
+              <a:buChar char="q"/>
+            </a:pPr>
+            <a:r>
+              <a:rPr lang="en-US" sz="2400" dirty="0"/>
+              <a:t>Limitations</a:t>
+            </a:r>
+          </a:p>
+          <a:p>
+            <a:pPr marL="342900" indent="-342900">
+              <a:buFont typeface="Wingdings" pitchFamily="2" charset="2"/>
+              <a:buChar char="q"/>
+            </a:pPr>
+            <a:r>
+              <a:rPr lang="en-US" sz="2400" dirty="0"/>
+              <a:t>Target users</a:t>
+            </a:r>
+          </a:p>
+          <a:p>
+            <a:pPr marL="342900" indent="-342900">
+              <a:buFont typeface="Wingdings" pitchFamily="2" charset="2"/>
+              <a:buChar char="q"/>
+            </a:pPr>
+            <a:r>
+              <a:rPr lang="en-US" sz="2400" dirty="0"/>
+              <a:t>Other …..</a:t>
+            </a:r>
+          </a:p>
+        </p:txBody>
+      </p:sp>
+      <p:sp>
+        <p:nvSpPr>
+          <p:cNvPr id="5" name="TextBox 4">
+            <a:extLst>
+              <a:ext uri="{FF2B5EF4-FFF2-40B4-BE49-F238E27FC236}">
+                <a16:creationId xmlns:a16="http://schemas.microsoft.com/office/drawing/2014/main" id="{FA0D9DE4-2E38-ADA4-2111-58E62395D1CF}"/>
+              </a:ext>
+            </a:extLst>
+          </p:cNvPr>
+          <p:cNvSpPr txBox="1"/>
+          <p:nvPr/>
+        </p:nvSpPr>
+        <p:spPr>
+          <a:xfrm>
+            <a:off x="827790" y="1253483"/>
+            <a:ext cx="2243819" cy="1098762"/>
+          </a:xfrm>
+          <a:prstGeom prst="rect">
+            <a:avLst/>
+          </a:prstGeom>
+          <a:noFill/>
+        </p:spPr>
+        <p:txBody>
+          <a:bodyPr wrap="none" lIns="118872" tIns="91440" rIns="118872" bIns="91440" rtlCol="0" anchor="ctr" anchorCtr="0">
+            <a:spAutoFit/>
+          </a:bodyPr>
+          <a:lstStyle/>
+          <a:p>
+            <a:pPr>
+              <a:lnSpc>
+                <a:spcPct val="90000"/>
+              </a:lnSpc>
+            </a:pPr>
+            <a:r>
+              <a:rPr lang="en-US" sz="2400" dirty="0"/>
+              <a:t>Requirements </a:t>
+            </a:r>
+          </a:p>
+          <a:p>
+            <a:pPr>
+              <a:lnSpc>
+                <a:spcPct val="90000"/>
+              </a:lnSpc>
+            </a:pPr>
+            <a:r>
+              <a:rPr lang="en-US" sz="2400" dirty="0"/>
+              <a:t>gathering</a:t>
+            </a:r>
+          </a:p>
+          <a:p>
+            <a:pPr algn="l">
+              <a:lnSpc>
+                <a:spcPct val="90000"/>
+              </a:lnSpc>
+            </a:pPr>
+            <a:endParaRPr lang="en-US" dirty="0"/>
+          </a:p>
+        </p:txBody>
+      </p:sp>
+      <p:sp>
+        <p:nvSpPr>
+          <p:cNvPr id="6" name="Rounded Rectangle 5">
+            <a:extLst>
+              <a:ext uri="{FF2B5EF4-FFF2-40B4-BE49-F238E27FC236}">
+                <a16:creationId xmlns:a16="http://schemas.microsoft.com/office/drawing/2014/main" id="{4C39241D-5C09-4307-67AD-F23DB0AB60AA}"/>
+              </a:ext>
+            </a:extLst>
+          </p:cNvPr>
+          <p:cNvSpPr/>
+          <p:nvPr/>
+        </p:nvSpPr>
+        <p:spPr>
+          <a:xfrm>
+            <a:off x="3579447" y="2204476"/>
+            <a:ext cx="3617417" cy="3485124"/>
+          </a:xfrm>
+          <a:prstGeom prst="roundRect">
+            <a:avLst/>
+          </a:prstGeom>
+          <a:solidFill>
+            <a:schemeClr val="accent3"/>
+          </a:solidFill>
+          <a:ln>
+            <a:noFill/>
+          </a:ln>
+          <a:effectLst>
+            <a:outerShdw blurRad="44450" dist="27940" dir="5400000" algn="ctr">
+              <a:srgbClr val="000000">
+                <a:alpha val="32000"/>
+              </a:srgbClr>
+            </a:outerShdw>
+          </a:effectLst>
+        </p:spPr>
+        <p:txBody>
+          <a:bodyPr rot="0" spcFirstLastPara="0" vertOverflow="overflow" horzOverflow="overflow" vert="horz" wrap="square" lIns="121851" tIns="60925" rIns="121851" bIns="60925" numCol="1" spcCol="0" rtlCol="0" fromWordArt="0" anchor="ctr" anchorCtr="0" forceAA="0" compatLnSpc="1">
+            <a:prstTxWarp prst="textNoShape">
+              <a:avLst/>
+            </a:prstTxWarp>
+            <a:noAutofit/>
+          </a:bodyPr>
+          <a:lstStyle/>
+          <a:p>
+            <a:pPr marL="342900" indent="-342900">
+              <a:buFont typeface="Wingdings" pitchFamily="2" charset="2"/>
+              <a:buChar char="q"/>
+            </a:pPr>
+            <a:r>
+              <a:rPr lang="en-US" sz="2400" dirty="0"/>
+              <a:t>Understand design space</a:t>
+            </a:r>
+          </a:p>
+          <a:p>
+            <a:pPr marL="342900" indent="-342900">
+              <a:buFont typeface="Wingdings" pitchFamily="2" charset="2"/>
+              <a:buChar char="q"/>
+            </a:pPr>
+            <a:r>
+              <a:rPr lang="en-US" sz="2400" dirty="0"/>
+              <a:t>Decompose into high level components</a:t>
+            </a:r>
+          </a:p>
+          <a:p>
+            <a:pPr marL="342900" indent="-342900">
+              <a:buFont typeface="Wingdings" pitchFamily="2" charset="2"/>
+              <a:buChar char="q"/>
+            </a:pPr>
+            <a:r>
+              <a:rPr lang="en-US" sz="2400" dirty="0"/>
+              <a:t>Bin components into types</a:t>
+            </a:r>
+          </a:p>
+        </p:txBody>
+      </p:sp>
+      <p:sp>
+        <p:nvSpPr>
+          <p:cNvPr id="7" name="TextBox 6">
+            <a:extLst>
+              <a:ext uri="{FF2B5EF4-FFF2-40B4-BE49-F238E27FC236}">
+                <a16:creationId xmlns:a16="http://schemas.microsoft.com/office/drawing/2014/main" id="{2633D9E3-0DB7-838E-127A-B1FC97FE7133}"/>
+              </a:ext>
+            </a:extLst>
+          </p:cNvPr>
+          <p:cNvSpPr txBox="1"/>
+          <p:nvPr/>
+        </p:nvSpPr>
+        <p:spPr>
+          <a:xfrm>
+            <a:off x="4163653" y="1431575"/>
+            <a:ext cx="2449004" cy="766364"/>
+          </a:xfrm>
+          <a:prstGeom prst="rect">
+            <a:avLst/>
+          </a:prstGeom>
+          <a:noFill/>
+        </p:spPr>
+        <p:txBody>
+          <a:bodyPr wrap="none" lIns="118872" tIns="91440" rIns="118872" bIns="91440" rtlCol="0" anchor="ctr" anchorCtr="0">
+            <a:spAutoFit/>
+          </a:bodyPr>
+          <a:lstStyle/>
+          <a:p>
+            <a:pPr>
+              <a:lnSpc>
+                <a:spcPct val="90000"/>
+              </a:lnSpc>
+            </a:pPr>
+            <a:r>
+              <a:rPr lang="en-US" sz="2400" dirty="0"/>
+              <a:t> Decomposition </a:t>
+            </a:r>
+          </a:p>
+          <a:p>
+            <a:pPr algn="l">
+              <a:lnSpc>
+                <a:spcPct val="90000"/>
+              </a:lnSpc>
+            </a:pPr>
+            <a:endParaRPr lang="en-US" dirty="0"/>
+          </a:p>
+        </p:txBody>
+      </p:sp>
+      <p:sp>
+        <p:nvSpPr>
+          <p:cNvPr id="8" name="Rounded Rectangle 7">
+            <a:extLst>
+              <a:ext uri="{FF2B5EF4-FFF2-40B4-BE49-F238E27FC236}">
+                <a16:creationId xmlns:a16="http://schemas.microsoft.com/office/drawing/2014/main" id="{AB44A520-B698-3423-B712-EB569E19AB6A}"/>
+              </a:ext>
+            </a:extLst>
+          </p:cNvPr>
+          <p:cNvSpPr/>
+          <p:nvPr/>
+        </p:nvSpPr>
+        <p:spPr>
+          <a:xfrm>
+            <a:off x="7435818" y="2204476"/>
+            <a:ext cx="3868204" cy="3485124"/>
+          </a:xfrm>
+          <a:prstGeom prst="roundRect">
+            <a:avLst/>
+          </a:prstGeom>
+          <a:solidFill>
+            <a:schemeClr val="accent3"/>
+          </a:solidFill>
+          <a:ln>
+            <a:noFill/>
+          </a:ln>
+          <a:effectLst>
+            <a:outerShdw blurRad="44450" dist="27940" dir="5400000" algn="ctr">
+              <a:srgbClr val="000000">
+                <a:alpha val="32000"/>
+              </a:srgbClr>
+            </a:outerShdw>
+          </a:effectLst>
+        </p:spPr>
+        <p:txBody>
+          <a:bodyPr rot="0" spcFirstLastPara="0" vertOverflow="overflow" horzOverflow="overflow" vert="horz" wrap="square" lIns="121851" tIns="60925" rIns="121851" bIns="60925" numCol="1" spcCol="0" rtlCol="0" fromWordArt="0" anchor="ctr" anchorCtr="0" forceAA="0" compatLnSpc="1">
+            <a:prstTxWarp prst="textNoShape">
+              <a:avLst/>
+            </a:prstTxWarp>
+            <a:noAutofit/>
+          </a:bodyPr>
+          <a:lstStyle/>
+          <a:p>
+            <a:pPr marL="342900" indent="-342900">
+              <a:buFont typeface="Wingdings" pitchFamily="2" charset="2"/>
+              <a:buChar char="q"/>
+            </a:pPr>
+            <a:r>
+              <a:rPr lang="en-US" sz="2400" dirty="0"/>
+              <a:t>Understand component hierarchy</a:t>
+            </a:r>
+          </a:p>
+          <a:p>
+            <a:pPr marL="342900" indent="-342900">
+              <a:buFont typeface="Wingdings" pitchFamily="2" charset="2"/>
+              <a:buChar char="q"/>
+            </a:pPr>
+            <a:r>
+              <a:rPr lang="en-US" sz="2400" dirty="0"/>
+              <a:t>Figure out connectivity among components </a:t>
+            </a:r>
+          </a:p>
+          <a:p>
+            <a:pPr marL="342900" indent="-342900">
+              <a:buFont typeface="Wingdings" pitchFamily="2" charset="2"/>
+              <a:buChar char="q"/>
+            </a:pPr>
+            <a:r>
+              <a:rPr lang="en-US" sz="2400" dirty="0"/>
+              <a:t>Articulate dependencies</a:t>
+            </a:r>
+          </a:p>
+        </p:txBody>
+      </p:sp>
+      <p:sp>
+        <p:nvSpPr>
+          <p:cNvPr id="10" name="TextBox 9">
+            <a:extLst>
+              <a:ext uri="{FF2B5EF4-FFF2-40B4-BE49-F238E27FC236}">
+                <a16:creationId xmlns:a16="http://schemas.microsoft.com/office/drawing/2014/main" id="{69FE6956-13C8-A349-28BA-03AEB7764C04}"/>
+              </a:ext>
+            </a:extLst>
+          </p:cNvPr>
+          <p:cNvSpPr txBox="1"/>
+          <p:nvPr/>
+        </p:nvSpPr>
+        <p:spPr>
+          <a:xfrm>
+            <a:off x="8311628" y="1398929"/>
+            <a:ext cx="1918410" cy="766364"/>
+          </a:xfrm>
+          <a:prstGeom prst="rect">
+            <a:avLst/>
+          </a:prstGeom>
+          <a:noFill/>
+        </p:spPr>
+        <p:txBody>
+          <a:bodyPr wrap="none" lIns="118872" tIns="91440" rIns="118872" bIns="91440" rtlCol="0" anchor="ctr" anchorCtr="0">
+            <a:spAutoFit/>
+          </a:bodyPr>
+          <a:lstStyle/>
+          <a:p>
+            <a:pPr>
+              <a:lnSpc>
+                <a:spcPct val="90000"/>
+              </a:lnSpc>
+            </a:pPr>
+            <a:r>
+              <a:rPr lang="en-US" sz="2400" dirty="0"/>
+              <a:t>Connectivity</a:t>
+            </a:r>
+          </a:p>
+          <a:p>
+            <a:pPr algn="l">
+              <a:lnSpc>
+                <a:spcPct val="90000"/>
+              </a:lnSpc>
+            </a:pPr>
+            <a:endParaRPr lang="en-US" dirty="0"/>
+          </a:p>
+        </p:txBody>
+      </p:sp>
+    </p:spTree>
+    <p:extLst>
+      <p:ext uri="{BB962C8B-B14F-4D97-AF65-F5344CB8AC3E}">
+        <p14:creationId xmlns:p14="http://schemas.microsoft.com/office/powerpoint/2010/main" val="1703872852"/>
+      </p:ext>
+    </p:extLst>
+  </p:cSld>
+  <p:clrMapOvr>
+    <a:masterClrMapping/>
+  </p:clrMapOvr>
+</p:sld>
+</file>
+
+<file path=ppt/slides/slide5.xml><?xml version="1.0" encoding="utf-8"?>
 <p:sld xmlns:a="http://schemas.openxmlformats.org/drawingml/2006/main" xmlns:r="http://schemas.openxmlformats.org/officeDocument/2006/relationships" xmlns:p="http://schemas.openxmlformats.org/presentationml/2006/main">
   <p:cSld>
     <p:spTree>
@@ -26365,7 +26922,7 @@
 </p:sld>
 </file>
 
-<file path=ppt/slides/slide5.xml><?xml version="1.0" encoding="utf-8"?>
+<file path=ppt/slides/slide6.xml><?xml version="1.0" encoding="utf-8"?>
 <p:sld xmlns:a="http://schemas.openxmlformats.org/drawingml/2006/main" xmlns:r="http://schemas.openxmlformats.org/officeDocument/2006/relationships" xmlns:p="http://schemas.openxmlformats.org/presentationml/2006/main">
   <p:cSld>
     <p:spTree>
@@ -26514,7 +27071,7 @@
 </p:sld>
 </file>
 
-<file path=ppt/slides/slide6.xml><?xml version="1.0" encoding="utf-8"?>
+<file path=ppt/slides/slide7.xml><?xml version="1.0" encoding="utf-8"?>
 <p:sld xmlns:a="http://schemas.openxmlformats.org/drawingml/2006/main" xmlns:r="http://schemas.openxmlformats.org/officeDocument/2006/relationships" xmlns:p="http://schemas.openxmlformats.org/presentationml/2006/main">
   <p:cSld>
     <p:spTree>
@@ -27028,7 +27585,7 @@
 </p:sld>
 </file>
 
-<file path=ppt/slides/slide7.xml><?xml version="1.0" encoding="utf-8"?>
+<file path=ppt/slides/slide8.xml><?xml version="1.0" encoding="utf-8"?>
 <p:sld xmlns:a="http://schemas.openxmlformats.org/drawingml/2006/main" xmlns:r="http://schemas.openxmlformats.org/officeDocument/2006/relationships" xmlns:p="http://schemas.openxmlformats.org/presentationml/2006/main">
   <p:cSld>
     <p:spTree>
@@ -27899,7 +28456,7 @@
 </p:sld>
 </file>
 
-<file path=ppt/slides/slide8.xml><?xml version="1.0" encoding="utf-8"?>
+<file path=ppt/slides/slide9.xml><?xml version="1.0" encoding="utf-8"?>
 <p:sld xmlns:a="http://schemas.openxmlformats.org/drawingml/2006/main" xmlns:r="http://schemas.openxmlformats.org/officeDocument/2006/relationships" xmlns:p="http://schemas.openxmlformats.org/presentationml/2006/main">
   <p:cSld>
     <p:spTree>
@@ -28762,200 +29319,6 @@
     <p:extLst>
       <p:ext uri="{BB962C8B-B14F-4D97-AF65-F5344CB8AC3E}">
         <p14:creationId xmlns:p14="http://schemas.microsoft.com/office/powerpoint/2010/main" val="3259211929"/>
-      </p:ext>
-    </p:extLst>
-  </p:cSld>
-  <p:clrMapOvr>
-    <a:masterClrMapping/>
-  </p:clrMapOvr>
-</p:sld>
-</file>
-
-<file path=ppt/slides/slide9.xml><?xml version="1.0" encoding="utf-8"?>
-<p:sld xmlns:a="http://schemas.openxmlformats.org/drawingml/2006/main" xmlns:r="http://schemas.openxmlformats.org/officeDocument/2006/relationships" xmlns:p="http://schemas.openxmlformats.org/presentationml/2006/main">
-  <p:cSld>
-    <p:spTree>
-      <p:nvGrpSpPr>
-        <p:cNvPr id="1" name=""/>
-        <p:cNvGrpSpPr/>
-        <p:nvPr/>
-      </p:nvGrpSpPr>
-      <p:grpSpPr>
-        <a:xfrm>
-          <a:off x="0" y="0"/>
-          <a:ext cx="0" cy="0"/>
-          <a:chOff x="0" y="0"/>
-          <a:chExt cx="0" cy="0"/>
-        </a:xfrm>
-      </p:grpSpPr>
-      <p:sp>
-        <p:nvSpPr>
-          <p:cNvPr id="2" name="Title 1">
-            <a:extLst>
-              <a:ext uri="{FF2B5EF4-FFF2-40B4-BE49-F238E27FC236}">
-                <a16:creationId xmlns:a16="http://schemas.microsoft.com/office/drawing/2014/main" id="{54D295FF-8D5F-0AF6-37DD-EE0D551022D6}"/>
-              </a:ext>
-            </a:extLst>
-          </p:cNvPr>
-          <p:cNvSpPr>
-            <a:spLocks noGrp="1"/>
-          </p:cNvSpPr>
-          <p:nvPr>
-            <p:ph type="title"/>
-          </p:nvPr>
-        </p:nvSpPr>
-        <p:spPr/>
-        <p:txBody>
-          <a:bodyPr/>
-          <a:lstStyle/>
-          <a:p>
-            <a:r>
-              <a:rPr lang="en-US" dirty="0"/>
-              <a:t>Resources for Independent Exploration</a:t>
-            </a:r>
-          </a:p>
-        </p:txBody>
-      </p:sp>
-      <p:sp>
-        <p:nvSpPr>
-          <p:cNvPr id="3" name="Content Placeholder 2">
-            <a:extLst>
-              <a:ext uri="{FF2B5EF4-FFF2-40B4-BE49-F238E27FC236}">
-                <a16:creationId xmlns:a16="http://schemas.microsoft.com/office/drawing/2014/main" id="{5986A54E-A9E8-6286-0C00-33767941A5D0}"/>
-              </a:ext>
-            </a:extLst>
-          </p:cNvPr>
-          <p:cNvSpPr>
-            <a:spLocks noGrp="1"/>
-          </p:cNvSpPr>
-          <p:nvPr>
-            <p:ph idx="1"/>
-          </p:nvPr>
-        </p:nvSpPr>
-        <p:spPr>
-          <a:xfrm>
-            <a:off x="365760" y="1143000"/>
-            <a:ext cx="11823065" cy="4047778"/>
-          </a:xfrm>
-        </p:spPr>
-        <p:txBody>
-          <a:bodyPr/>
-          <a:lstStyle/>
-          <a:p>
-            <a:r>
-              <a:rPr lang="en-US" dirty="0"/>
-              <a:t>Code repository in python </a:t>
-            </a:r>
-          </a:p>
-          <a:p>
-            <a:pPr marL="0" indent="0">
-              <a:buNone/>
-            </a:pPr>
-            <a:r>
-              <a:rPr lang="en-US" b="0" i="0" u="sng" dirty="0">
-                <a:solidFill>
-                  <a:srgbClr val="0000FF"/>
-                </a:solidFill>
-                <a:effectLst/>
-                <a:latin typeface="Calibri" panose="020F0502020204030204" pitchFamily="34" charset="0"/>
-                <a:hlinkClick r:id="rId2" tooltip="https://github.com/abiswas-odu/heateq-design-intersect-2023"/>
-              </a:rPr>
-              <a:t>https://github.com/a</a:t>
-            </a:r>
-            <a:r>
-              <a:rPr lang="en-US" b="0" i="0" u="sng" dirty="0">
-                <a:solidFill>
-                  <a:srgbClr val="070706"/>
-                </a:solidFill>
-                <a:effectLst/>
-                <a:latin typeface="Calibri" panose="020F0502020204030204" pitchFamily="34" charset="0"/>
-                <a:hlinkClick r:id="rId2" tooltip="https://github.com/abiswas-odu/heateq-design-intersect-2023"/>
-              </a:rPr>
-              <a:t>biswas</a:t>
-            </a:r>
-            <a:r>
-              <a:rPr lang="en-US" b="0" i="0" u="sng" dirty="0">
-                <a:solidFill>
-                  <a:srgbClr val="0000FF"/>
-                </a:solidFill>
-                <a:effectLst/>
-                <a:latin typeface="Calibri" panose="020F0502020204030204" pitchFamily="34" charset="0"/>
-                <a:hlinkClick r:id="rId2" tooltip="https://github.com/abiswas-odu/heateq-design-intersect-2023"/>
-              </a:rPr>
-              <a:t>-odu/heateq-design-intersect-2023</a:t>
-            </a:r>
-            <a:endParaRPr lang="en-US" b="0" i="0" u="sng" dirty="0">
-              <a:solidFill>
-                <a:srgbClr val="0000FF"/>
-              </a:solidFill>
-              <a:effectLst/>
-              <a:latin typeface="Calibri" panose="020F0502020204030204" pitchFamily="34" charset="0"/>
-            </a:endParaRPr>
-          </a:p>
-          <a:p>
-            <a:r>
-              <a:rPr lang="en-US" dirty="0">
-                <a:latin typeface="Calibri" panose="020F0502020204030204" pitchFamily="34" charset="0"/>
-              </a:rPr>
-              <a:t> A few possibilities of design exploration</a:t>
-            </a:r>
-          </a:p>
-          <a:p>
-            <a:pPr lvl="1"/>
-            <a:r>
-              <a:rPr lang="en-US" dirty="0">
-                <a:latin typeface="Calibri" panose="020F0502020204030204" pitchFamily="34" charset="0"/>
-              </a:rPr>
-              <a:t>Did we need three different interfaces for update solution ?</a:t>
-            </a:r>
-          </a:p>
-          <a:p>
-            <a:pPr lvl="1"/>
-            <a:r>
-              <a:rPr lang="en-US" b="0" i="0" dirty="0">
-                <a:effectLst/>
-                <a:latin typeface="Calibri" panose="020F0502020204030204" pitchFamily="34" charset="0"/>
-              </a:rPr>
-              <a:t>What would have </a:t>
-            </a:r>
-            <a:r>
-              <a:rPr lang="en-US" dirty="0">
-                <a:latin typeface="Calibri" panose="020F0502020204030204" pitchFamily="34" charset="0"/>
-              </a:rPr>
-              <a:t>been needed to make it into one interface</a:t>
-            </a:r>
-            <a:endParaRPr lang="en-US" dirty="0"/>
-          </a:p>
-          <a:p>
-            <a:r>
-              <a:rPr lang="en-US" dirty="0"/>
-              <a:t>Explore the whole exercise in C++ on your own checkout</a:t>
-            </a:r>
-          </a:p>
-          <a:p>
-            <a:pPr marL="0" indent="0">
-              <a:buNone/>
-            </a:pPr>
-            <a:r>
-              <a:rPr lang="en-US" dirty="0">
-                <a:hlinkClick r:id="rId3"/>
-              </a:rPr>
-              <a:t>https://xsdk-project.github.io/MathPackagesTraining2020/lessons/hand_coded_heat/</a:t>
-            </a:r>
-            <a:endParaRPr lang="en-US" dirty="0"/>
-          </a:p>
-          <a:p>
-            <a:pPr marL="0" indent="0">
-              <a:buNone/>
-            </a:pPr>
-            <a:endParaRPr lang="en-US" dirty="0"/>
-          </a:p>
-        </p:txBody>
-      </p:sp>
-    </p:spTree>
-    <p:extLst>
-      <p:ext uri="{BB962C8B-B14F-4D97-AF65-F5344CB8AC3E}">
-        <p14:creationId xmlns:p14="http://schemas.microsoft.com/office/powerpoint/2010/main" val="2010661880"/>
       </p:ext>
     </p:extLst>
   </p:cSld>
@@ -29878,12 +30241,6 @@
 </file>
 
 <file path=customXml/item1.xml><?xml version="1.0" encoding="utf-8"?>
-<p:properties xmlns:p="http://schemas.microsoft.com/office/2006/metadata/properties" xmlns:xsi="http://www.w3.org/2001/XMLSchema-instance" xmlns:pc="http://schemas.microsoft.com/office/infopath/2007/PartnerControls">
-  <documentManagement/>
-</p:properties>
-</file>
-
-<file path=customXml/item2.xml><?xml version="1.0" encoding="utf-8"?>
 <ct:contentTypeSchema xmlns:ct="http://schemas.microsoft.com/office/2006/metadata/contentType" xmlns:ma="http://schemas.microsoft.com/office/2006/metadata/properties/metaAttributes" ct:_="" ma:_="" ma:contentTypeName="Document" ma:contentTypeID="0x010100565464437F680748A68B85EB6594EA7D" ma:contentTypeVersion="0" ma:contentTypeDescription="Create a new document." ma:contentTypeScope="" ma:versionID="fe3f4dd58d5914c51cfc6deaa8ad845c">
   <xsd:schema xmlns:xsd="http://www.w3.org/2001/XMLSchema" xmlns:p="http://schemas.microsoft.com/office/2006/metadata/properties" targetNamespace="http://schemas.microsoft.com/office/2006/metadata/properties" ma:root="true" ma:fieldsID="4aeb20c0e3442673af7ee10786458764">
     <xsd:element name="properties">
@@ -29932,6 +30289,12 @@
 </ct:contentTypeSchema>
 </file>
 
+<file path=customXml/item2.xml><?xml version="1.0" encoding="utf-8"?>
+<p:properties xmlns:p="http://schemas.microsoft.com/office/2006/metadata/properties" xmlns:xsi="http://www.w3.org/2001/XMLSchema-instance" xmlns:pc="http://schemas.microsoft.com/office/infopath/2007/PartnerControls">
+  <documentManagement/>
+</p:properties>
+</file>
+
 <file path=customXml/item3.xml><?xml version="1.0" encoding="utf-8"?>
 <?mso-contentType ?>
 <FormTemplates xmlns="http://schemas.microsoft.com/sharepoint/v3/contenttype/forms">
@@ -29942,6 +30305,21 @@
 </file>
 
 <file path=customXml/itemProps1.xml><?xml version="1.0" encoding="utf-8"?>
+<ds:datastoreItem xmlns:ds="http://schemas.openxmlformats.org/officeDocument/2006/customXml" ds:itemID="{E8DB7DEB-074E-4EE8-9B6E-FD277323109C}">
+  <ds:schemaRefs>
+    <ds:schemaRef ds:uri="http://schemas.microsoft.com/office/2006/metadata/contentType"/>
+    <ds:schemaRef ds:uri="http://schemas.microsoft.com/office/2006/metadata/properties/metaAttributes"/>
+    <ds:schemaRef ds:uri="http://www.w3.org/2001/XMLSchema"/>
+    <ds:schemaRef ds:uri="http://schemas.microsoft.com/office/2006/metadata/properties"/>
+    <ds:schemaRef ds:uri="http://schemas.openxmlformats.org/package/2006/metadata/core-properties"/>
+    <ds:schemaRef ds:uri="http://purl.org/dc/elements/1.1/"/>
+    <ds:schemaRef ds:uri="http://purl.org/dc/terms/"/>
+    <ds:schemaRef ds:uri="http://schemas.microsoft.com/office/internal/2005/internalDocumentation"/>
+  </ds:schemaRefs>
+</ds:datastoreItem>
+</file>
+
+<file path=customXml/itemProps2.xml><?xml version="1.0" encoding="utf-8"?>
 <ds:datastoreItem xmlns:ds="http://schemas.openxmlformats.org/officeDocument/2006/customXml" ds:itemID="{A50EC660-24D0-43A0-AE5E-E274115E726B}">
   <ds:schemaRefs>
     <ds:schemaRef ds:uri="http://purl.org/dc/elements/1.1/"/>
@@ -29956,21 +30334,6 @@
 </ds:datastoreItem>
 </file>
 
-<file path=customXml/itemProps2.xml><?xml version="1.0" encoding="utf-8"?>
-<ds:datastoreItem xmlns:ds="http://schemas.openxmlformats.org/officeDocument/2006/customXml" ds:itemID="{E8DB7DEB-074E-4EE8-9B6E-FD277323109C}">
-  <ds:schemaRefs>
-    <ds:schemaRef ds:uri="http://schemas.microsoft.com/office/2006/metadata/contentType"/>
-    <ds:schemaRef ds:uri="http://schemas.microsoft.com/office/2006/metadata/properties/metaAttributes"/>
-    <ds:schemaRef ds:uri="http://www.w3.org/2001/XMLSchema"/>
-    <ds:schemaRef ds:uri="http://schemas.microsoft.com/office/2006/metadata/properties"/>
-    <ds:schemaRef ds:uri="http://schemas.openxmlformats.org/package/2006/metadata/core-properties"/>
-    <ds:schemaRef ds:uri="http://purl.org/dc/elements/1.1/"/>
-    <ds:schemaRef ds:uri="http://purl.org/dc/terms/"/>
-    <ds:schemaRef ds:uri="http://schemas.microsoft.com/office/internal/2005/internalDocumentation"/>
-  </ds:schemaRefs>
-</ds:datastoreItem>
-</file>
-
 <file path=customXml/itemProps3.xml><?xml version="1.0" encoding="utf-8"?>
 <ds:datastoreItem xmlns:ds="http://schemas.openxmlformats.org/officeDocument/2006/customXml" ds:itemID="{19E20559-B232-4371-8690-E3D8007EDB82}">
   <ds:schemaRefs>

--- a/design.pptx
+++ b/design.pptx
@@ -290,7 +290,7 @@
           <a:p>
             <a:fld id="{0B842F42-2CE9-4E35-95C1-410DC08A50B1}" type="datetimeFigureOut">
               <a:rPr lang="en-US" smtClean="0"/>
-              <a:t>7/26/2024</a:t>
+              <a:t>7/31/24</a:t>
             </a:fld>
             <a:endParaRPr lang="en-US"/>
           </a:p>
@@ -455,7 +455,7 @@
           <a:p>
             <a:fld id="{6F282904-F315-4730-8D91-37D99E141A6F}" type="datetimeFigureOut">
               <a:rPr lang="en-US" smtClean="0"/>
-              <a:t>7/26/2024</a:t>
+              <a:t>7/31/24</a:t>
             </a:fld>
             <a:endParaRPr lang="en-US"/>
           </a:p>
@@ -4542,7 +4542,7 @@
           <a:p>
             <a:fld id="{68F49DD1-DDB5-AB43-B311-7649AD474C82}" type="datetimeFigureOut">
               <a:rPr lang="en-US" smtClean="0"/>
-              <a:t>7/26/2024</a:t>
+              <a:t>7/31/24</a:t>
             </a:fld>
             <a:endParaRPr lang="en-US"/>
           </a:p>
@@ -7368,7 +7368,7 @@
           <a:noFill/>
           <a:extLst>
             <a:ext uri="{909E8E84-426E-40dd-AFC4-6F175D3DCCD1}">
-              <a14:hiddenFill xmlns="" xmlns:a14="http://schemas.microsoft.com/office/drawing/2010/main">
+              <a14:hiddenFill xmlns:a14="http://schemas.microsoft.com/office/drawing/2010/main" xmlns="">
                 <a:solidFill>
                   <a:srgbClr val="FFFFFF"/>
                 </a:solidFill>
@@ -22432,8 +22432,8 @@
         </p:nvSpPr>
         <p:spPr>
           <a:xfrm>
-            <a:off x="380900" y="1804058"/>
-            <a:ext cx="5389746" cy="2600186"/>
+            <a:off x="0" y="1666898"/>
+            <a:ext cx="5040630" cy="2600186"/>
           </a:xfrm>
           <a:prstGeom prst="roundRect">
             <a:avLst/>
@@ -22691,7 +22691,7 @@
         </p:nvSpPr>
         <p:spPr>
           <a:xfrm>
-            <a:off x="380900" y="4455068"/>
+            <a:off x="1" y="4544259"/>
             <a:ext cx="5389745" cy="2030661"/>
           </a:xfrm>
           <a:prstGeom prst="rect">
@@ -22945,8 +22945,8 @@
         </p:nvSpPr>
         <p:spPr>
           <a:xfrm>
-            <a:off x="6094412" y="1880759"/>
-            <a:ext cx="5943874" cy="6738552"/>
+            <a:off x="5234940" y="1771650"/>
+            <a:ext cx="6803346" cy="5016758"/>
           </a:xfrm>
           <a:prstGeom prst="rect">
             <a:avLst/>
@@ -22971,10 +22971,16 @@
           <a:p>
             <a:r>
               <a:rPr lang="en-US" sz="1600" b="1" dirty="0"/>
-              <a:t>For all spatial points at once                 For one spatial point at a time </a:t>
-            </a:r>
-          </a:p>
-          <a:p>
+              <a:t>For all spatial points at once                 For one spatial point at a time.                                                   </a:t>
+            </a:r>
+            <a:r>
+              <a:rPr lang="en-US" sz="1600" dirty="0">
+                <a:solidFill>
+                  <a:srgbClr val="C00000"/>
+                </a:solidFill>
+              </a:rPr>
+              <a:t>indices</a:t>
+            </a:r>
             <a:r>
               <a:rPr lang="en-US" sz="1600" dirty="0">
                 <a:solidFill>
@@ -22983,25 +22989,7 @@
                   </a:schemeClr>
                 </a:solidFill>
               </a:rPr>
-              <a:t>[</a:t>
-            </a:r>
-            <a:r>
-              <a:rPr lang="en-US" sz="1600" dirty="0">
-                <a:solidFill>
-                  <a:srgbClr val="C00000"/>
-                </a:solidFill>
-              </a:rPr>
-              <a:t>indices</a:t>
-            </a:r>
-            <a:r>
-              <a:rPr lang="en-US" sz="1600" dirty="0">
-                <a:solidFill>
-                  <a:schemeClr val="accent1">
-                    <a:lumMod val="50000"/>
-                  </a:schemeClr>
-                </a:solidFill>
-              </a:rPr>
-              <a:t>]                                                                               [</a:t>
+              <a:t>]                                                                            [</a:t>
             </a:r>
             <a:r>
               <a:rPr lang="en-US" sz="1600" dirty="0">
@@ -23452,7 +23440,7 @@
         </p:nvSpPr>
         <p:spPr>
           <a:xfrm>
-            <a:off x="837981" y="5886477"/>
+            <a:off x="837981" y="6095929"/>
             <a:ext cx="10512862" cy="506358"/>
           </a:xfrm>
         </p:spPr>
@@ -23484,8 +23472,8 @@
         </p:nvSpPr>
         <p:spPr>
           <a:xfrm>
-            <a:off x="380900" y="761335"/>
-            <a:ext cx="5389746" cy="2600186"/>
+            <a:off x="0" y="762071"/>
+            <a:ext cx="4263390" cy="2600186"/>
           </a:xfrm>
           <a:prstGeom prst="roundRect">
             <a:avLst/>
@@ -24003,8 +23991,8 @@
         </p:nvSpPr>
         <p:spPr>
           <a:xfrm>
-            <a:off x="6094412" y="838036"/>
-            <a:ext cx="5943874" cy="6738552"/>
+            <a:off x="4652010" y="845440"/>
+            <a:ext cx="7386276" cy="4770537"/>
           </a:xfrm>
           <a:prstGeom prst="rect">
             <a:avLst/>
@@ -30241,6 +30229,12 @@
 </file>
 
 <file path=customXml/item1.xml><?xml version="1.0" encoding="utf-8"?>
+<p:properties xmlns:p="http://schemas.microsoft.com/office/2006/metadata/properties" xmlns:xsi="http://www.w3.org/2001/XMLSchema-instance" xmlns:pc="http://schemas.microsoft.com/office/infopath/2007/PartnerControls">
+  <documentManagement/>
+</p:properties>
+</file>
+
+<file path=customXml/item2.xml><?xml version="1.0" encoding="utf-8"?>
 <ct:contentTypeSchema xmlns:ct="http://schemas.microsoft.com/office/2006/metadata/contentType" xmlns:ma="http://schemas.microsoft.com/office/2006/metadata/properties/metaAttributes" ct:_="" ma:_="" ma:contentTypeName="Document" ma:contentTypeID="0x010100565464437F680748A68B85EB6594EA7D" ma:contentTypeVersion="0" ma:contentTypeDescription="Create a new document." ma:contentTypeScope="" ma:versionID="fe3f4dd58d5914c51cfc6deaa8ad845c">
   <xsd:schema xmlns:xsd="http://www.w3.org/2001/XMLSchema" xmlns:p="http://schemas.microsoft.com/office/2006/metadata/properties" targetNamespace="http://schemas.microsoft.com/office/2006/metadata/properties" ma:root="true" ma:fieldsID="4aeb20c0e3442673af7ee10786458764">
     <xsd:element name="properties">
@@ -30289,12 +30283,6 @@
 </ct:contentTypeSchema>
 </file>
 
-<file path=customXml/item2.xml><?xml version="1.0" encoding="utf-8"?>
-<p:properties xmlns:p="http://schemas.microsoft.com/office/2006/metadata/properties" xmlns:xsi="http://www.w3.org/2001/XMLSchema-instance" xmlns:pc="http://schemas.microsoft.com/office/infopath/2007/PartnerControls">
-  <documentManagement/>
-</p:properties>
-</file>
-
 <file path=customXml/item3.xml><?xml version="1.0" encoding="utf-8"?>
 <?mso-contentType ?>
 <FormTemplates xmlns="http://schemas.microsoft.com/sharepoint/v3/contenttype/forms">
@@ -30305,6 +30293,21 @@
 </file>
 
 <file path=customXml/itemProps1.xml><?xml version="1.0" encoding="utf-8"?>
+<ds:datastoreItem xmlns:ds="http://schemas.openxmlformats.org/officeDocument/2006/customXml" ds:itemID="{A50EC660-24D0-43A0-AE5E-E274115E726B}">
+  <ds:schemaRefs>
+    <ds:schemaRef ds:uri="http://purl.org/dc/elements/1.1/"/>
+    <ds:schemaRef ds:uri="http://schemas.microsoft.com/office/2006/metadata/properties"/>
+    <ds:schemaRef ds:uri="http://purl.org/dc/terms/"/>
+    <ds:schemaRef ds:uri="http://schemas.openxmlformats.org/package/2006/metadata/core-properties"/>
+    <ds:schemaRef ds:uri="http://schemas.microsoft.com/office/2006/documentManagement/types"/>
+    <ds:schemaRef ds:uri="http://www.w3.org/XML/1998/namespace"/>
+    <ds:schemaRef ds:uri="http://purl.org/dc/dcmitype/"/>
+    <ds:schemaRef ds:uri="http://schemas.microsoft.com/office/infopath/2007/PartnerControls"/>
+  </ds:schemaRefs>
+</ds:datastoreItem>
+</file>
+
+<file path=customXml/itemProps2.xml><?xml version="1.0" encoding="utf-8"?>
 <ds:datastoreItem xmlns:ds="http://schemas.openxmlformats.org/officeDocument/2006/customXml" ds:itemID="{E8DB7DEB-074E-4EE8-9B6E-FD277323109C}">
   <ds:schemaRefs>
     <ds:schemaRef ds:uri="http://schemas.microsoft.com/office/2006/metadata/contentType"/>
@@ -30319,21 +30322,6 @@
 </ds:datastoreItem>
 </file>
 
-<file path=customXml/itemProps2.xml><?xml version="1.0" encoding="utf-8"?>
-<ds:datastoreItem xmlns:ds="http://schemas.openxmlformats.org/officeDocument/2006/customXml" ds:itemID="{A50EC660-24D0-43A0-AE5E-E274115E726B}">
-  <ds:schemaRefs>
-    <ds:schemaRef ds:uri="http://purl.org/dc/elements/1.1/"/>
-    <ds:schemaRef ds:uri="http://schemas.microsoft.com/office/2006/metadata/properties"/>
-    <ds:schemaRef ds:uri="http://purl.org/dc/terms/"/>
-    <ds:schemaRef ds:uri="http://schemas.openxmlformats.org/package/2006/metadata/core-properties"/>
-    <ds:schemaRef ds:uri="http://schemas.microsoft.com/office/2006/documentManagement/types"/>
-    <ds:schemaRef ds:uri="http://www.w3.org/XML/1998/namespace"/>
-    <ds:schemaRef ds:uri="http://purl.org/dc/dcmitype/"/>
-    <ds:schemaRef ds:uri="http://schemas.microsoft.com/office/infopath/2007/PartnerControls"/>
-  </ds:schemaRefs>
-</ds:datastoreItem>
-</file>
-
 <file path=customXml/itemProps3.xml><?xml version="1.0" encoding="utf-8"?>
 <ds:datastoreItem xmlns:ds="http://schemas.openxmlformats.org/officeDocument/2006/customXml" ds:itemID="{19E20559-B232-4371-8690-E3D8007EDB82}">
   <ds:schemaRefs>

--- a/design.pptx
+++ b/design.pptx
@@ -26104,7 +26104,27 @@
             </a:r>
             <a:r>
               <a:rPr lang="en-US" dirty="0"/>
-              <a:t> </a:t>
+              <a:t>  -- </a:t>
+            </a:r>
+            <a:r>
+              <a:rPr lang="en-US" sz="1600" i="1" dirty="0"/>
+              <a:t>this link will work only if you have access to the Flash-X code repository. Please email </a:t>
+            </a:r>
+            <a:r>
+              <a:rPr lang="en-US" sz="1600" i="1" dirty="0" err="1"/>
+              <a:t>flash-x@lists.cels.anl.gov</a:t>
+            </a:r>
+            <a:r>
+              <a:rPr lang="en-US" sz="1600" i="1" dirty="0"/>
+              <a:t> with your </a:t>
+            </a:r>
+            <a:r>
+              <a:rPr lang="en-US" sz="1600" i="1" dirty="0" err="1"/>
+              <a:t>github</a:t>
+            </a:r>
+            <a:r>
+              <a:rPr lang="en-US" sz="1600" i="1" dirty="0"/>
+              <a:t> username to get access.</a:t>
             </a:r>
           </a:p>
         </p:txBody>

--- a/design.pptx
+++ b/design.pptx
@@ -290,7 +290,7 @@
           <a:p>
             <a:fld id="{0B842F42-2CE9-4E35-95C1-410DC08A50B1}" type="datetimeFigureOut">
               <a:rPr lang="en-US" smtClean="0"/>
-              <a:t>7/31/24</a:t>
+              <a:t>7/31/2024</a:t>
             </a:fld>
             <a:endParaRPr lang="en-US"/>
           </a:p>
@@ -455,7 +455,7 @@
           <a:p>
             <a:fld id="{6F282904-F315-4730-8D91-37D99E141A6F}" type="datetimeFigureOut">
               <a:rPr lang="en-US" smtClean="0"/>
-              <a:t>7/31/24</a:t>
+              <a:t>7/31/2024</a:t>
             </a:fld>
             <a:endParaRPr lang="en-US"/>
           </a:p>
@@ -4542,7 +4542,7 @@
           <a:p>
             <a:fld id="{68F49DD1-DDB5-AB43-B311-7649AD474C82}" type="datetimeFigureOut">
               <a:rPr lang="en-US" smtClean="0"/>
-              <a:t>7/31/24</a:t>
+              <a:t>7/31/2024</a:t>
             </a:fld>
             <a:endParaRPr lang="en-US"/>
           </a:p>
@@ -7368,7 +7368,7 @@
           <a:noFill/>
           <a:extLst>
             <a:ext uri="{909E8E84-426E-40dd-AFC4-6F175D3DCCD1}">
-              <a14:hiddenFill xmlns:a14="http://schemas.microsoft.com/office/drawing/2010/main" xmlns="">
+              <a14:hiddenFill xmlns="" xmlns:a14="http://schemas.microsoft.com/office/drawing/2010/main">
                 <a:solidFill>
                   <a:srgbClr val="FFFFFF"/>
                 </a:solidFill>
@@ -22205,6 +22205,434 @@
       </p:grpSpPr>
       <p:sp>
         <p:nvSpPr>
+          <p:cNvPr id="9" name="TextBox 8">
+            <a:extLst>
+              <a:ext uri="{FF2B5EF4-FFF2-40B4-BE49-F238E27FC236}">
+                <a16:creationId xmlns:a16="http://schemas.microsoft.com/office/drawing/2014/main" id="{74BC88B2-EC34-6EB8-EEB3-8F4628A6C912}"/>
+              </a:ext>
+            </a:extLst>
+          </p:cNvPr>
+          <p:cNvSpPr txBox="1"/>
+          <p:nvPr/>
+        </p:nvSpPr>
+        <p:spPr>
+          <a:xfrm>
+            <a:off x="5234940" y="1771650"/>
+            <a:ext cx="6803346" cy="5016758"/>
+          </a:xfrm>
+          <a:prstGeom prst="rect">
+            <a:avLst/>
+          </a:prstGeom>
+          <a:noFill/>
+        </p:spPr>
+        <p:txBody>
+          <a:bodyPr wrap="square" rtlCol="0">
+            <a:spAutoFit/>
+          </a:bodyPr>
+          <a:lstStyle/>
+          <a:p>
+            <a:pPr algn="ctr"/>
+            <a:r>
+              <a:rPr lang="en-US" sz="1600" b="1" dirty="0"/>
+              <a:t>Alternative Definitions</a:t>
+            </a:r>
+          </a:p>
+          <a:p>
+            <a:endParaRPr lang="en-US" sz="1600" b="1" dirty="0"/>
+          </a:p>
+          <a:p>
+            <a:r>
+              <a:rPr lang="en-US" sz="1600" b="1" dirty="0"/>
+              <a:t>For all spatial points at once                 For one spatial point at a time.                                                   </a:t>
+            </a:r>
+            <a:r>
+              <a:rPr lang="en-US" sz="1600" dirty="0">
+                <a:solidFill>
+                  <a:srgbClr val="C00000"/>
+                </a:solidFill>
+              </a:rPr>
+              <a:t>indices</a:t>
+            </a:r>
+            <a:r>
+              <a:rPr lang="en-US" sz="1600" dirty="0">
+                <a:solidFill>
+                  <a:schemeClr val="accent1">
+                    <a:lumMod val="50000"/>
+                  </a:schemeClr>
+                </a:solidFill>
+              </a:rPr>
+              <a:t>]                                                                            [</a:t>
+            </a:r>
+            <a:r>
+              <a:rPr lang="en-US" sz="1600" dirty="0">
+                <a:solidFill>
+                  <a:srgbClr val="C00000"/>
+                </a:solidFill>
+              </a:rPr>
+              <a:t>indices</a:t>
+            </a:r>
+            <a:r>
+              <a:rPr lang="en-US" sz="1600" dirty="0">
+                <a:solidFill>
+                  <a:schemeClr val="accent1">
+                    <a:lumMod val="50000"/>
+                  </a:schemeClr>
+                </a:solidFill>
+              </a:rPr>
+              <a:t>]            </a:t>
+            </a:r>
+          </a:p>
+          <a:p>
+            <a:r>
+              <a:rPr lang="en-US" sz="1600" dirty="0">
+                <a:solidFill>
+                  <a:schemeClr val="accent1">
+                    <a:lumMod val="50000"/>
+                  </a:schemeClr>
+                </a:solidFill>
+              </a:rPr>
+              <a:t>definition =                                                                          definition =                                            </a:t>
+            </a:r>
+          </a:p>
+          <a:p>
+            <a:r>
+              <a:rPr lang="en-US" sz="1600" dirty="0">
+                <a:solidFill>
+                  <a:schemeClr val="accent1">
+                    <a:lumMod val="50000"/>
+                  </a:schemeClr>
+                </a:solidFill>
+              </a:rPr>
+              <a:t>   ,</a:t>
+            </a:r>
+            <a:r>
+              <a:rPr lang="en-US" sz="1600" dirty="0" err="1">
+                <a:solidFill>
+                  <a:schemeClr val="accent1">
+                    <a:lumMod val="50000"/>
+                  </a:schemeClr>
+                </a:solidFill>
+              </a:rPr>
+              <a:t>i,j,k</a:t>
+            </a:r>
+            <a:r>
+              <a:rPr lang="en-US" sz="1600" dirty="0">
+                <a:solidFill>
+                  <a:schemeClr val="accent1">
+                    <a:lumMod val="50000"/>
+                  </a:schemeClr>
+                </a:solidFill>
+              </a:rPr>
+              <a:t> </a:t>
+            </a:r>
+          </a:p>
+          <a:p>
+            <a:endParaRPr lang="en-US" sz="1600" dirty="0">
+              <a:solidFill>
+                <a:schemeClr val="accent1">
+                  <a:lumMod val="50000"/>
+                </a:schemeClr>
+              </a:solidFill>
+            </a:endParaRPr>
+          </a:p>
+          <a:p>
+            <a:r>
+              <a:rPr lang="en-US" sz="1600" dirty="0">
+                <a:solidFill>
+                  <a:schemeClr val="accent1">
+                    <a:lumMod val="50000"/>
+                  </a:schemeClr>
+                </a:solidFill>
+              </a:rPr>
+              <a:t>[</a:t>
+            </a:r>
+            <a:r>
+              <a:rPr lang="en-US" sz="1600" dirty="0" err="1">
+                <a:solidFill>
+                  <a:srgbClr val="C00000"/>
+                </a:solidFill>
+              </a:rPr>
+              <a:t>loop_begin</a:t>
+            </a:r>
+            <a:r>
+              <a:rPr lang="en-US" sz="1600" dirty="0">
+                <a:solidFill>
+                  <a:schemeClr val="accent1">
+                    <a:lumMod val="50000"/>
+                  </a:schemeClr>
+                </a:solidFill>
+              </a:rPr>
+              <a:t>]                                                                       [</a:t>
+            </a:r>
+            <a:r>
+              <a:rPr lang="en-US" sz="1600" dirty="0" err="1">
+                <a:solidFill>
+                  <a:srgbClr val="C00000"/>
+                </a:solidFill>
+              </a:rPr>
+              <a:t>loop_begin</a:t>
+            </a:r>
+            <a:r>
+              <a:rPr lang="en-US" sz="1600" dirty="0">
+                <a:solidFill>
+                  <a:schemeClr val="accent1">
+                    <a:lumMod val="50000"/>
+                  </a:schemeClr>
+                </a:solidFill>
+              </a:rPr>
+              <a:t>]</a:t>
+            </a:r>
+          </a:p>
+          <a:p>
+            <a:r>
+              <a:rPr lang="en-US" sz="1600" dirty="0" err="1">
+                <a:solidFill>
+                  <a:schemeClr val="accent1">
+                    <a:lumMod val="50000"/>
+                  </a:schemeClr>
+                </a:solidFill>
+              </a:rPr>
+              <a:t>args</a:t>
+            </a:r>
+            <a:r>
+              <a:rPr lang="en-US" sz="1600" dirty="0">
+                <a:solidFill>
+                  <a:schemeClr val="accent1">
+                    <a:lumMod val="50000"/>
+                  </a:schemeClr>
+                </a:solidFill>
+              </a:rPr>
+              <a:t> = limits                                                                          </a:t>
+            </a:r>
+            <a:r>
+              <a:rPr lang="en-US" sz="1600" dirty="0" err="1">
+                <a:solidFill>
+                  <a:schemeClr val="accent1">
+                    <a:lumMod val="50000"/>
+                  </a:schemeClr>
+                </a:solidFill>
+              </a:rPr>
+              <a:t>args</a:t>
+            </a:r>
+            <a:r>
+              <a:rPr lang="en-US" sz="1600" dirty="0">
+                <a:solidFill>
+                  <a:schemeClr val="accent1">
+                    <a:lumMod val="50000"/>
+                  </a:schemeClr>
+                </a:solidFill>
+              </a:rPr>
+              <a:t> = limits</a:t>
+            </a:r>
+          </a:p>
+          <a:p>
+            <a:r>
+              <a:rPr lang="en-US" sz="1600" dirty="0">
+                <a:solidFill>
+                  <a:schemeClr val="accent1">
+                    <a:lumMod val="50000"/>
+                  </a:schemeClr>
+                </a:solidFill>
+              </a:rPr>
+              <a:t>definition=                                                                            definition=</a:t>
+            </a:r>
+          </a:p>
+          <a:p>
+            <a:r>
+              <a:rPr lang="en-US" sz="1600" dirty="0">
+                <a:solidFill>
+                  <a:schemeClr val="accent1">
+                    <a:lumMod val="50000"/>
+                  </a:schemeClr>
+                </a:solidFill>
+              </a:rPr>
+              <a:t>   do k = limits(LOW,KAXIS),limits(LOW,KAXIS)</a:t>
+            </a:r>
+          </a:p>
+          <a:p>
+            <a:r>
+              <a:rPr lang="en-US" sz="1600" dirty="0">
+                <a:solidFill>
+                  <a:schemeClr val="accent1">
+                    <a:lumMod val="50000"/>
+                  </a:schemeClr>
+                </a:solidFill>
+              </a:rPr>
+              <a:t>        do j = limits(LOW,JAXIS),limits(LOW,JAXIS)</a:t>
+            </a:r>
+          </a:p>
+          <a:p>
+            <a:r>
+              <a:rPr lang="en-US" sz="1600" dirty="0">
+                <a:solidFill>
+                  <a:schemeClr val="accent1">
+                    <a:lumMod val="50000"/>
+                  </a:schemeClr>
+                </a:solidFill>
+              </a:rPr>
+              <a:t>            do I = limits(LOW,IAXIS),limits(LOW,IAXIS)  </a:t>
+            </a:r>
+          </a:p>
+          <a:p>
+            <a:endParaRPr lang="en-US" sz="1600" dirty="0">
+              <a:solidFill>
+                <a:schemeClr val="accent1">
+                  <a:lumMod val="50000"/>
+                </a:schemeClr>
+              </a:solidFill>
+            </a:endParaRPr>
+          </a:p>
+          <a:p>
+            <a:r>
+              <a:rPr lang="en-US" sz="1600" dirty="0">
+                <a:solidFill>
+                  <a:schemeClr val="accent1">
+                    <a:lumMod val="50000"/>
+                  </a:schemeClr>
+                </a:solidFill>
+              </a:rPr>
+              <a:t>[</a:t>
+            </a:r>
+            <a:r>
+              <a:rPr lang="en-US" sz="1600" dirty="0" err="1">
+                <a:solidFill>
+                  <a:srgbClr val="C00000"/>
+                </a:solidFill>
+              </a:rPr>
+              <a:t>loop_end</a:t>
+            </a:r>
+            <a:r>
+              <a:rPr lang="en-US" sz="1600" dirty="0">
+                <a:solidFill>
+                  <a:schemeClr val="accent1">
+                    <a:lumMod val="50000"/>
+                  </a:schemeClr>
+                </a:solidFill>
+              </a:rPr>
+              <a:t>]                                                                           [</a:t>
+            </a:r>
+            <a:r>
+              <a:rPr lang="en-US" sz="1600" dirty="0" err="1">
+                <a:solidFill>
+                  <a:srgbClr val="C00000"/>
+                </a:solidFill>
+              </a:rPr>
+              <a:t>loop_end</a:t>
+            </a:r>
+            <a:r>
+              <a:rPr lang="en-US" sz="1600" dirty="0">
+                <a:solidFill>
+                  <a:schemeClr val="accent1">
+                    <a:lumMod val="50000"/>
+                  </a:schemeClr>
+                </a:solidFill>
+              </a:rPr>
+              <a:t>]</a:t>
+            </a:r>
+          </a:p>
+          <a:p>
+            <a:r>
+              <a:rPr lang="en-US" sz="1600" dirty="0">
+                <a:solidFill>
+                  <a:schemeClr val="accent1">
+                    <a:lumMod val="50000"/>
+                  </a:schemeClr>
+                </a:solidFill>
+              </a:rPr>
+              <a:t>definition =                                                                           definition =</a:t>
+            </a:r>
+          </a:p>
+          <a:p>
+            <a:r>
+              <a:rPr lang="en-US" sz="1600" dirty="0">
+                <a:solidFill>
+                  <a:schemeClr val="accent1">
+                    <a:lumMod val="50000"/>
+                  </a:schemeClr>
+                </a:solidFill>
+              </a:rPr>
+              <a:t>          </a:t>
+            </a:r>
+            <a:r>
+              <a:rPr lang="en-US" sz="1600" dirty="0" err="1">
+                <a:solidFill>
+                  <a:schemeClr val="accent1">
+                    <a:lumMod val="50000"/>
+                  </a:schemeClr>
+                </a:solidFill>
+              </a:rPr>
+              <a:t>enddo</a:t>
+            </a:r>
+            <a:endParaRPr lang="en-US" sz="1600" dirty="0">
+              <a:solidFill>
+                <a:schemeClr val="accent1">
+                  <a:lumMod val="50000"/>
+                </a:schemeClr>
+              </a:solidFill>
+            </a:endParaRPr>
+          </a:p>
+          <a:p>
+            <a:r>
+              <a:rPr lang="en-US" sz="1600" dirty="0">
+                <a:solidFill>
+                  <a:schemeClr val="accent1">
+                    <a:lumMod val="50000"/>
+                  </a:schemeClr>
+                </a:solidFill>
+              </a:rPr>
+              <a:t>       </a:t>
+            </a:r>
+            <a:r>
+              <a:rPr lang="en-US" sz="1600" dirty="0" err="1">
+                <a:solidFill>
+                  <a:schemeClr val="accent1">
+                    <a:lumMod val="50000"/>
+                  </a:schemeClr>
+                </a:solidFill>
+              </a:rPr>
+              <a:t>enddo</a:t>
+            </a:r>
+            <a:endParaRPr lang="en-US" sz="1600" dirty="0">
+              <a:solidFill>
+                <a:schemeClr val="accent1">
+                  <a:lumMod val="50000"/>
+                </a:schemeClr>
+              </a:solidFill>
+            </a:endParaRPr>
+          </a:p>
+          <a:p>
+            <a:r>
+              <a:rPr lang="en-US" sz="1600" dirty="0">
+                <a:solidFill>
+                  <a:schemeClr val="accent1">
+                    <a:lumMod val="50000"/>
+                  </a:schemeClr>
+                </a:solidFill>
+              </a:rPr>
+              <a:t>    </a:t>
+            </a:r>
+            <a:r>
+              <a:rPr lang="en-US" sz="1600" dirty="0" err="1">
+                <a:solidFill>
+                  <a:schemeClr val="accent1">
+                    <a:lumMod val="50000"/>
+                  </a:schemeClr>
+                </a:solidFill>
+              </a:rPr>
+              <a:t>enddo</a:t>
+            </a:r>
+            <a:endParaRPr lang="en-US" sz="1600" dirty="0">
+              <a:solidFill>
+                <a:schemeClr val="accent1">
+                  <a:lumMod val="50000"/>
+                </a:schemeClr>
+              </a:solidFill>
+            </a:endParaRPr>
+          </a:p>
+        </p:txBody>
+      </p:sp>
+      <p:sp>
+        <p:nvSpPr>
           <p:cNvPr id="2" name="Title 1">
             <a:extLst>
               <a:ext uri="{FF2B5EF4-FFF2-40B4-BE49-F238E27FC236}">
@@ -22281,140 +22709,6 @@
               <a:rPr lang="en-US" dirty="0"/>
               <a:t>Turn separate pieces into building blocks using macros</a:t>
             </a:r>
-          </a:p>
-        </p:txBody>
-      </p:sp>
-      <p:sp>
-        <p:nvSpPr>
-          <p:cNvPr id="4" name="Slide Number Placeholder 3">
-            <a:extLst>
-              <a:ext uri="{FF2B5EF4-FFF2-40B4-BE49-F238E27FC236}">
-                <a16:creationId xmlns:a16="http://schemas.microsoft.com/office/drawing/2014/main" id="{A6739ACC-3458-1355-7F5A-14726576C99D}"/>
-              </a:ext>
-            </a:extLst>
-          </p:cNvPr>
-          <p:cNvSpPr>
-            <a:spLocks noGrp="1"/>
-          </p:cNvSpPr>
-          <p:nvPr>
-            <p:ph type="sldNum" sz="quarter" idx="12"/>
-          </p:nvPr>
-        </p:nvSpPr>
-        <p:spPr>
-          <a:xfrm>
-            <a:off x="7239000" y="6392358"/>
-            <a:ext cx="2743200" cy="365125"/>
-          </a:xfrm>
-          <a:prstGeom prst="rect">
-            <a:avLst/>
-          </a:prstGeom>
-        </p:spPr>
-        <p:txBody>
-          <a:bodyPr vert="horz" lIns="91440" tIns="45720" rIns="91440" bIns="45720" rtlCol="0" anchor="ctr"/>
-          <a:lstStyle>
-            <a:defPPr>
-              <a:defRPr lang="en-US"/>
-            </a:defPPr>
-            <a:lvl1pPr marL="0" algn="r" defTabSz="914400" rtl="0" eaLnBrk="1" latinLnBrk="0" hangingPunct="1">
-              <a:defRPr sz="1600" kern="1200">
-                <a:solidFill>
-                  <a:schemeClr val="tx1">
-                    <a:tint val="75000"/>
-                  </a:schemeClr>
-                </a:solidFill>
-                <a:latin typeface="+mn-lt"/>
-                <a:ea typeface="+mn-ea"/>
-                <a:cs typeface="+mn-cs"/>
-              </a:defRPr>
-            </a:lvl1pPr>
-            <a:lvl2pPr marL="457200" algn="l" defTabSz="914400" rtl="0" eaLnBrk="1" latinLnBrk="0" hangingPunct="1">
-              <a:defRPr sz="1800" kern="1200">
-                <a:solidFill>
-                  <a:schemeClr val="tx1"/>
-                </a:solidFill>
-                <a:latin typeface="+mn-lt"/>
-                <a:ea typeface="+mn-ea"/>
-                <a:cs typeface="+mn-cs"/>
-              </a:defRPr>
-            </a:lvl2pPr>
-            <a:lvl3pPr marL="914400" algn="l" defTabSz="914400" rtl="0" eaLnBrk="1" latinLnBrk="0" hangingPunct="1">
-              <a:defRPr sz="1800" kern="1200">
-                <a:solidFill>
-                  <a:schemeClr val="tx1"/>
-                </a:solidFill>
-                <a:latin typeface="+mn-lt"/>
-                <a:ea typeface="+mn-ea"/>
-                <a:cs typeface="+mn-cs"/>
-              </a:defRPr>
-            </a:lvl3pPr>
-            <a:lvl4pPr marL="1371600" algn="l" defTabSz="914400" rtl="0" eaLnBrk="1" latinLnBrk="0" hangingPunct="1">
-              <a:defRPr sz="1800" kern="1200">
-                <a:solidFill>
-                  <a:schemeClr val="tx1"/>
-                </a:solidFill>
-                <a:latin typeface="+mn-lt"/>
-                <a:ea typeface="+mn-ea"/>
-                <a:cs typeface="+mn-cs"/>
-              </a:defRPr>
-            </a:lvl4pPr>
-            <a:lvl5pPr marL="1828800" algn="l" defTabSz="914400" rtl="0" eaLnBrk="1" latinLnBrk="0" hangingPunct="1">
-              <a:defRPr sz="1800" kern="1200">
-                <a:solidFill>
-                  <a:schemeClr val="tx1"/>
-                </a:solidFill>
-                <a:latin typeface="+mn-lt"/>
-                <a:ea typeface="+mn-ea"/>
-                <a:cs typeface="+mn-cs"/>
-              </a:defRPr>
-            </a:lvl5pPr>
-            <a:lvl6pPr marL="2286000" algn="l" defTabSz="914400" rtl="0" eaLnBrk="1" latinLnBrk="0" hangingPunct="1">
-              <a:defRPr sz="1800" kern="1200">
-                <a:solidFill>
-                  <a:schemeClr val="tx1"/>
-                </a:solidFill>
-                <a:latin typeface="+mn-lt"/>
-                <a:ea typeface="+mn-ea"/>
-                <a:cs typeface="+mn-cs"/>
-              </a:defRPr>
-            </a:lvl6pPr>
-            <a:lvl7pPr marL="2743200" algn="l" defTabSz="914400" rtl="0" eaLnBrk="1" latinLnBrk="0" hangingPunct="1">
-              <a:defRPr sz="1800" kern="1200">
-                <a:solidFill>
-                  <a:schemeClr val="tx1"/>
-                </a:solidFill>
-                <a:latin typeface="+mn-lt"/>
-                <a:ea typeface="+mn-ea"/>
-                <a:cs typeface="+mn-cs"/>
-              </a:defRPr>
-            </a:lvl7pPr>
-            <a:lvl8pPr marL="3200400" algn="l" defTabSz="914400" rtl="0" eaLnBrk="1" latinLnBrk="0" hangingPunct="1">
-              <a:defRPr sz="1800" kern="1200">
-                <a:solidFill>
-                  <a:schemeClr val="tx1"/>
-                </a:solidFill>
-                <a:latin typeface="+mn-lt"/>
-                <a:ea typeface="+mn-ea"/>
-                <a:cs typeface="+mn-cs"/>
-              </a:defRPr>
-            </a:lvl8pPr>
-            <a:lvl9pPr marL="3657600" algn="l" defTabSz="914400" rtl="0" eaLnBrk="1" latinLnBrk="0" hangingPunct="1">
-              <a:defRPr sz="1800" kern="1200">
-                <a:solidFill>
-                  <a:schemeClr val="tx1"/>
-                </a:solidFill>
-                <a:latin typeface="+mn-lt"/>
-                <a:ea typeface="+mn-ea"/>
-                <a:cs typeface="+mn-cs"/>
-              </a:defRPr>
-            </a:lvl9pPr>
-          </a:lstStyle>
-          <a:p>
-            <a:fld id="{9CF5EF28-261C-FD41-A360-1A380056DD17}" type="slidenum">
-              <a:rPr lang="en-US" smtClean="0"/>
-              <a:pPr/>
-              <a:t>31</a:t>
-            </a:fld>
-            <a:endParaRPr lang="en-US" sz="1400"/>
           </a:p>
         </p:txBody>
       </p:sp>
@@ -22928,434 +23222,6 @@
           </a:p>
           <a:p>
             <a:endParaRPr lang="en-US" sz="2799" dirty="0"/>
-          </a:p>
-        </p:txBody>
-      </p:sp>
-      <p:sp>
-        <p:nvSpPr>
-          <p:cNvPr id="9" name="TextBox 8">
-            <a:extLst>
-              <a:ext uri="{FF2B5EF4-FFF2-40B4-BE49-F238E27FC236}">
-                <a16:creationId xmlns:a16="http://schemas.microsoft.com/office/drawing/2014/main" id="{74BC88B2-EC34-6EB8-EEB3-8F4628A6C912}"/>
-              </a:ext>
-            </a:extLst>
-          </p:cNvPr>
-          <p:cNvSpPr txBox="1"/>
-          <p:nvPr/>
-        </p:nvSpPr>
-        <p:spPr>
-          <a:xfrm>
-            <a:off x="5234940" y="1771650"/>
-            <a:ext cx="6803346" cy="5016758"/>
-          </a:xfrm>
-          <a:prstGeom prst="rect">
-            <a:avLst/>
-          </a:prstGeom>
-          <a:noFill/>
-        </p:spPr>
-        <p:txBody>
-          <a:bodyPr wrap="square" rtlCol="0">
-            <a:spAutoFit/>
-          </a:bodyPr>
-          <a:lstStyle/>
-          <a:p>
-            <a:pPr algn="ctr"/>
-            <a:r>
-              <a:rPr lang="en-US" sz="1600" b="1" dirty="0"/>
-              <a:t>Alternative Definitions</a:t>
-            </a:r>
-          </a:p>
-          <a:p>
-            <a:endParaRPr lang="en-US" sz="1600" b="1" dirty="0"/>
-          </a:p>
-          <a:p>
-            <a:r>
-              <a:rPr lang="en-US" sz="1600" b="1" dirty="0"/>
-              <a:t>For all spatial points at once                 For one spatial point at a time.                                                   </a:t>
-            </a:r>
-            <a:r>
-              <a:rPr lang="en-US" sz="1600" dirty="0">
-                <a:solidFill>
-                  <a:srgbClr val="C00000"/>
-                </a:solidFill>
-              </a:rPr>
-              <a:t>indices</a:t>
-            </a:r>
-            <a:r>
-              <a:rPr lang="en-US" sz="1600" dirty="0">
-                <a:solidFill>
-                  <a:schemeClr val="accent1">
-                    <a:lumMod val="50000"/>
-                  </a:schemeClr>
-                </a:solidFill>
-              </a:rPr>
-              <a:t>]                                                                            [</a:t>
-            </a:r>
-            <a:r>
-              <a:rPr lang="en-US" sz="1600" dirty="0">
-                <a:solidFill>
-                  <a:srgbClr val="C00000"/>
-                </a:solidFill>
-              </a:rPr>
-              <a:t>indices</a:t>
-            </a:r>
-            <a:r>
-              <a:rPr lang="en-US" sz="1600" dirty="0">
-                <a:solidFill>
-                  <a:schemeClr val="accent1">
-                    <a:lumMod val="50000"/>
-                  </a:schemeClr>
-                </a:solidFill>
-              </a:rPr>
-              <a:t>]            </a:t>
-            </a:r>
-          </a:p>
-          <a:p>
-            <a:r>
-              <a:rPr lang="en-US" sz="1600" dirty="0">
-                <a:solidFill>
-                  <a:schemeClr val="accent1">
-                    <a:lumMod val="50000"/>
-                  </a:schemeClr>
-                </a:solidFill>
-              </a:rPr>
-              <a:t>definition =                                                                          definition =                                            </a:t>
-            </a:r>
-          </a:p>
-          <a:p>
-            <a:r>
-              <a:rPr lang="en-US" sz="1600" dirty="0">
-                <a:solidFill>
-                  <a:schemeClr val="accent1">
-                    <a:lumMod val="50000"/>
-                  </a:schemeClr>
-                </a:solidFill>
-              </a:rPr>
-              <a:t>   ,</a:t>
-            </a:r>
-            <a:r>
-              <a:rPr lang="en-US" sz="1600" dirty="0" err="1">
-                <a:solidFill>
-                  <a:schemeClr val="accent1">
-                    <a:lumMod val="50000"/>
-                  </a:schemeClr>
-                </a:solidFill>
-              </a:rPr>
-              <a:t>i,j,k</a:t>
-            </a:r>
-            <a:r>
-              <a:rPr lang="en-US" sz="1600" dirty="0">
-                <a:solidFill>
-                  <a:schemeClr val="accent1">
-                    <a:lumMod val="50000"/>
-                  </a:schemeClr>
-                </a:solidFill>
-              </a:rPr>
-              <a:t> </a:t>
-            </a:r>
-          </a:p>
-          <a:p>
-            <a:endParaRPr lang="en-US" sz="1600" dirty="0">
-              <a:solidFill>
-                <a:schemeClr val="accent1">
-                  <a:lumMod val="50000"/>
-                </a:schemeClr>
-              </a:solidFill>
-            </a:endParaRPr>
-          </a:p>
-          <a:p>
-            <a:r>
-              <a:rPr lang="en-US" sz="1600" dirty="0">
-                <a:solidFill>
-                  <a:schemeClr val="accent1">
-                    <a:lumMod val="50000"/>
-                  </a:schemeClr>
-                </a:solidFill>
-              </a:rPr>
-              <a:t>[</a:t>
-            </a:r>
-            <a:r>
-              <a:rPr lang="en-US" sz="1600" dirty="0" err="1">
-                <a:solidFill>
-                  <a:srgbClr val="C00000"/>
-                </a:solidFill>
-              </a:rPr>
-              <a:t>loop_begin</a:t>
-            </a:r>
-            <a:r>
-              <a:rPr lang="en-US" sz="1600" dirty="0">
-                <a:solidFill>
-                  <a:schemeClr val="accent1">
-                    <a:lumMod val="50000"/>
-                  </a:schemeClr>
-                </a:solidFill>
-              </a:rPr>
-              <a:t>]                                                                       [</a:t>
-            </a:r>
-            <a:r>
-              <a:rPr lang="en-US" sz="1600" dirty="0" err="1">
-                <a:solidFill>
-                  <a:srgbClr val="C00000"/>
-                </a:solidFill>
-              </a:rPr>
-              <a:t>loop_begin</a:t>
-            </a:r>
-            <a:r>
-              <a:rPr lang="en-US" sz="1600" dirty="0">
-                <a:solidFill>
-                  <a:schemeClr val="accent1">
-                    <a:lumMod val="50000"/>
-                  </a:schemeClr>
-                </a:solidFill>
-              </a:rPr>
-              <a:t>]</a:t>
-            </a:r>
-          </a:p>
-          <a:p>
-            <a:r>
-              <a:rPr lang="en-US" sz="1600" dirty="0" err="1">
-                <a:solidFill>
-                  <a:schemeClr val="accent1">
-                    <a:lumMod val="50000"/>
-                  </a:schemeClr>
-                </a:solidFill>
-              </a:rPr>
-              <a:t>args</a:t>
-            </a:r>
-            <a:r>
-              <a:rPr lang="en-US" sz="1600" dirty="0">
-                <a:solidFill>
-                  <a:schemeClr val="accent1">
-                    <a:lumMod val="50000"/>
-                  </a:schemeClr>
-                </a:solidFill>
-              </a:rPr>
-              <a:t> = limits                                                                          </a:t>
-            </a:r>
-            <a:r>
-              <a:rPr lang="en-US" sz="1600" dirty="0" err="1">
-                <a:solidFill>
-                  <a:schemeClr val="accent1">
-                    <a:lumMod val="50000"/>
-                  </a:schemeClr>
-                </a:solidFill>
-              </a:rPr>
-              <a:t>args</a:t>
-            </a:r>
-            <a:r>
-              <a:rPr lang="en-US" sz="1600" dirty="0">
-                <a:solidFill>
-                  <a:schemeClr val="accent1">
-                    <a:lumMod val="50000"/>
-                  </a:schemeClr>
-                </a:solidFill>
-              </a:rPr>
-              <a:t> = limits</a:t>
-            </a:r>
-          </a:p>
-          <a:p>
-            <a:r>
-              <a:rPr lang="en-US" sz="1600" dirty="0">
-                <a:solidFill>
-                  <a:schemeClr val="accent1">
-                    <a:lumMod val="50000"/>
-                  </a:schemeClr>
-                </a:solidFill>
-              </a:rPr>
-              <a:t>definition=                                                                            definition=</a:t>
-            </a:r>
-          </a:p>
-          <a:p>
-            <a:r>
-              <a:rPr lang="en-US" sz="1600" dirty="0">
-                <a:solidFill>
-                  <a:schemeClr val="accent1">
-                    <a:lumMod val="50000"/>
-                  </a:schemeClr>
-                </a:solidFill>
-              </a:rPr>
-              <a:t>   do k = limits(LOW,KAXIS),limits(LOW,KAXIS)</a:t>
-            </a:r>
-          </a:p>
-          <a:p>
-            <a:r>
-              <a:rPr lang="en-US" sz="1600" dirty="0">
-                <a:solidFill>
-                  <a:schemeClr val="accent1">
-                    <a:lumMod val="50000"/>
-                  </a:schemeClr>
-                </a:solidFill>
-              </a:rPr>
-              <a:t>        do j = limits(LOW,JAXIS),limits(LOW,JAXIS)</a:t>
-            </a:r>
-          </a:p>
-          <a:p>
-            <a:r>
-              <a:rPr lang="en-US" sz="1600" dirty="0">
-                <a:solidFill>
-                  <a:schemeClr val="accent1">
-                    <a:lumMod val="50000"/>
-                  </a:schemeClr>
-                </a:solidFill>
-              </a:rPr>
-              <a:t>            do I = limits(LOW,IAXIS),limits(LOW,IAXIS)  </a:t>
-            </a:r>
-          </a:p>
-          <a:p>
-            <a:endParaRPr lang="en-US" sz="1600" dirty="0">
-              <a:solidFill>
-                <a:schemeClr val="accent1">
-                  <a:lumMod val="50000"/>
-                </a:schemeClr>
-              </a:solidFill>
-            </a:endParaRPr>
-          </a:p>
-          <a:p>
-            <a:r>
-              <a:rPr lang="en-US" sz="1600" dirty="0">
-                <a:solidFill>
-                  <a:schemeClr val="accent1">
-                    <a:lumMod val="50000"/>
-                  </a:schemeClr>
-                </a:solidFill>
-              </a:rPr>
-              <a:t>[</a:t>
-            </a:r>
-            <a:r>
-              <a:rPr lang="en-US" sz="1600" dirty="0" err="1">
-                <a:solidFill>
-                  <a:srgbClr val="C00000"/>
-                </a:solidFill>
-              </a:rPr>
-              <a:t>loop_end</a:t>
-            </a:r>
-            <a:r>
-              <a:rPr lang="en-US" sz="1600" dirty="0">
-                <a:solidFill>
-                  <a:schemeClr val="accent1">
-                    <a:lumMod val="50000"/>
-                  </a:schemeClr>
-                </a:solidFill>
-              </a:rPr>
-              <a:t>]                                                                           [</a:t>
-            </a:r>
-            <a:r>
-              <a:rPr lang="en-US" sz="1600" dirty="0" err="1">
-                <a:solidFill>
-                  <a:srgbClr val="C00000"/>
-                </a:solidFill>
-              </a:rPr>
-              <a:t>loop_end</a:t>
-            </a:r>
-            <a:r>
-              <a:rPr lang="en-US" sz="1600" dirty="0">
-                <a:solidFill>
-                  <a:schemeClr val="accent1">
-                    <a:lumMod val="50000"/>
-                  </a:schemeClr>
-                </a:solidFill>
-              </a:rPr>
-              <a:t>]</a:t>
-            </a:r>
-          </a:p>
-          <a:p>
-            <a:r>
-              <a:rPr lang="en-US" sz="1600" dirty="0">
-                <a:solidFill>
-                  <a:schemeClr val="accent1">
-                    <a:lumMod val="50000"/>
-                  </a:schemeClr>
-                </a:solidFill>
-              </a:rPr>
-              <a:t>definition =                                                                           definition =</a:t>
-            </a:r>
-          </a:p>
-          <a:p>
-            <a:r>
-              <a:rPr lang="en-US" sz="1600" dirty="0">
-                <a:solidFill>
-                  <a:schemeClr val="accent1">
-                    <a:lumMod val="50000"/>
-                  </a:schemeClr>
-                </a:solidFill>
-              </a:rPr>
-              <a:t>          </a:t>
-            </a:r>
-            <a:r>
-              <a:rPr lang="en-US" sz="1600" dirty="0" err="1">
-                <a:solidFill>
-                  <a:schemeClr val="accent1">
-                    <a:lumMod val="50000"/>
-                  </a:schemeClr>
-                </a:solidFill>
-              </a:rPr>
-              <a:t>enddo</a:t>
-            </a:r>
-            <a:endParaRPr lang="en-US" sz="1600" dirty="0">
-              <a:solidFill>
-                <a:schemeClr val="accent1">
-                  <a:lumMod val="50000"/>
-                </a:schemeClr>
-              </a:solidFill>
-            </a:endParaRPr>
-          </a:p>
-          <a:p>
-            <a:r>
-              <a:rPr lang="en-US" sz="1600" dirty="0">
-                <a:solidFill>
-                  <a:schemeClr val="accent1">
-                    <a:lumMod val="50000"/>
-                  </a:schemeClr>
-                </a:solidFill>
-              </a:rPr>
-              <a:t>       </a:t>
-            </a:r>
-            <a:r>
-              <a:rPr lang="en-US" sz="1600" dirty="0" err="1">
-                <a:solidFill>
-                  <a:schemeClr val="accent1">
-                    <a:lumMod val="50000"/>
-                  </a:schemeClr>
-                </a:solidFill>
-              </a:rPr>
-              <a:t>enddo</a:t>
-            </a:r>
-            <a:endParaRPr lang="en-US" sz="1600" dirty="0">
-              <a:solidFill>
-                <a:schemeClr val="accent1">
-                  <a:lumMod val="50000"/>
-                </a:schemeClr>
-              </a:solidFill>
-            </a:endParaRPr>
-          </a:p>
-          <a:p>
-            <a:r>
-              <a:rPr lang="en-US" sz="1600" dirty="0">
-                <a:solidFill>
-                  <a:schemeClr val="accent1">
-                    <a:lumMod val="50000"/>
-                  </a:schemeClr>
-                </a:solidFill>
-              </a:rPr>
-              <a:t>    </a:t>
-            </a:r>
-            <a:r>
-              <a:rPr lang="en-US" sz="1600" dirty="0" err="1">
-                <a:solidFill>
-                  <a:schemeClr val="accent1">
-                    <a:lumMod val="50000"/>
-                  </a:schemeClr>
-                </a:solidFill>
-              </a:rPr>
-              <a:t>enddo</a:t>
-            </a:r>
-            <a:endParaRPr lang="en-US" sz="1600" dirty="0">
-              <a:solidFill>
-                <a:schemeClr val="accent1">
-                  <a:lumMod val="50000"/>
-                </a:schemeClr>
-              </a:solidFill>
-            </a:endParaRPr>
           </a:p>
         </p:txBody>
       </p:sp>
@@ -26108,15 +25974,7 @@
             </a:r>
             <a:r>
               <a:rPr lang="en-US" sz="1600" i="1" dirty="0"/>
-              <a:t>this link will work only if you have access to the Flash-X code repository. Please email </a:t>
-            </a:r>
-            <a:r>
-              <a:rPr lang="en-US" sz="1600" i="1" dirty="0" err="1"/>
-              <a:t>flash-x@lists.cels.anl.gov</a:t>
-            </a:r>
-            <a:r>
-              <a:rPr lang="en-US" sz="1600" i="1" dirty="0"/>
-              <a:t> with your </a:t>
+              <a:t>this link will work only if you have access to the Flash-X code repository. Please email flash-x@lists.cels.anl.gov with your </a:t>
             </a:r>
             <a:r>
               <a:rPr lang="en-US" sz="1600" i="1" dirty="0" err="1"/>
@@ -26124,7 +25982,7 @@
             </a:r>
             <a:r>
               <a:rPr lang="en-US" sz="1600" i="1" dirty="0"/>
-              <a:t> username to get access.</a:t>
+              <a:t> username to get access</a:t>
             </a:r>
           </a:p>
         </p:txBody>
@@ -30249,12 +30107,6 @@
 </file>
 
 <file path=customXml/item1.xml><?xml version="1.0" encoding="utf-8"?>
-<p:properties xmlns:p="http://schemas.microsoft.com/office/2006/metadata/properties" xmlns:xsi="http://www.w3.org/2001/XMLSchema-instance" xmlns:pc="http://schemas.microsoft.com/office/infopath/2007/PartnerControls">
-  <documentManagement/>
-</p:properties>
-</file>
-
-<file path=customXml/item2.xml><?xml version="1.0" encoding="utf-8"?>
 <ct:contentTypeSchema xmlns:ct="http://schemas.microsoft.com/office/2006/metadata/contentType" xmlns:ma="http://schemas.microsoft.com/office/2006/metadata/properties/metaAttributes" ct:_="" ma:_="" ma:contentTypeName="Document" ma:contentTypeID="0x010100565464437F680748A68B85EB6594EA7D" ma:contentTypeVersion="0" ma:contentTypeDescription="Create a new document." ma:contentTypeScope="" ma:versionID="fe3f4dd58d5914c51cfc6deaa8ad845c">
   <xsd:schema xmlns:xsd="http://www.w3.org/2001/XMLSchema" xmlns:p="http://schemas.microsoft.com/office/2006/metadata/properties" targetNamespace="http://schemas.microsoft.com/office/2006/metadata/properties" ma:root="true" ma:fieldsID="4aeb20c0e3442673af7ee10786458764">
     <xsd:element name="properties">
@@ -30303,6 +30155,12 @@
 </ct:contentTypeSchema>
 </file>
 
+<file path=customXml/item2.xml><?xml version="1.0" encoding="utf-8"?>
+<p:properties xmlns:p="http://schemas.microsoft.com/office/2006/metadata/properties" xmlns:xsi="http://www.w3.org/2001/XMLSchema-instance" xmlns:pc="http://schemas.microsoft.com/office/infopath/2007/PartnerControls">
+  <documentManagement/>
+</p:properties>
+</file>
+
 <file path=customXml/item3.xml><?xml version="1.0" encoding="utf-8"?>
 <?mso-contentType ?>
 <FormTemplates xmlns="http://schemas.microsoft.com/sharepoint/v3/contenttype/forms">
@@ -30313,6 +30171,21 @@
 </file>
 
 <file path=customXml/itemProps1.xml><?xml version="1.0" encoding="utf-8"?>
+<ds:datastoreItem xmlns:ds="http://schemas.openxmlformats.org/officeDocument/2006/customXml" ds:itemID="{E8DB7DEB-074E-4EE8-9B6E-FD277323109C}">
+  <ds:schemaRefs>
+    <ds:schemaRef ds:uri="http://schemas.microsoft.com/office/2006/metadata/contentType"/>
+    <ds:schemaRef ds:uri="http://schemas.microsoft.com/office/2006/metadata/properties/metaAttributes"/>
+    <ds:schemaRef ds:uri="http://www.w3.org/2001/XMLSchema"/>
+    <ds:schemaRef ds:uri="http://schemas.microsoft.com/office/2006/metadata/properties"/>
+    <ds:schemaRef ds:uri="http://schemas.openxmlformats.org/package/2006/metadata/core-properties"/>
+    <ds:schemaRef ds:uri="http://purl.org/dc/elements/1.1/"/>
+    <ds:schemaRef ds:uri="http://purl.org/dc/terms/"/>
+    <ds:schemaRef ds:uri="http://schemas.microsoft.com/office/internal/2005/internalDocumentation"/>
+  </ds:schemaRefs>
+</ds:datastoreItem>
+</file>
+
+<file path=customXml/itemProps2.xml><?xml version="1.0" encoding="utf-8"?>
 <ds:datastoreItem xmlns:ds="http://schemas.openxmlformats.org/officeDocument/2006/customXml" ds:itemID="{A50EC660-24D0-43A0-AE5E-E274115E726B}">
   <ds:schemaRefs>
     <ds:schemaRef ds:uri="http://purl.org/dc/elements/1.1/"/>
@@ -30327,21 +30200,6 @@
 </ds:datastoreItem>
 </file>
 
-<file path=customXml/itemProps2.xml><?xml version="1.0" encoding="utf-8"?>
-<ds:datastoreItem xmlns:ds="http://schemas.openxmlformats.org/officeDocument/2006/customXml" ds:itemID="{E8DB7DEB-074E-4EE8-9B6E-FD277323109C}">
-  <ds:schemaRefs>
-    <ds:schemaRef ds:uri="http://schemas.microsoft.com/office/2006/metadata/contentType"/>
-    <ds:schemaRef ds:uri="http://schemas.microsoft.com/office/2006/metadata/properties/metaAttributes"/>
-    <ds:schemaRef ds:uri="http://www.w3.org/2001/XMLSchema"/>
-    <ds:schemaRef ds:uri="http://schemas.microsoft.com/office/2006/metadata/properties"/>
-    <ds:schemaRef ds:uri="http://schemas.openxmlformats.org/package/2006/metadata/core-properties"/>
-    <ds:schemaRef ds:uri="http://purl.org/dc/elements/1.1/"/>
-    <ds:schemaRef ds:uri="http://purl.org/dc/terms/"/>
-    <ds:schemaRef ds:uri="http://schemas.microsoft.com/office/internal/2005/internalDocumentation"/>
-  </ds:schemaRefs>
-</ds:datastoreItem>
-</file>
-
 <file path=customXml/itemProps3.xml><?xml version="1.0" encoding="utf-8"?>
 <ds:datastoreItem xmlns:ds="http://schemas.openxmlformats.org/officeDocument/2006/customXml" ds:itemID="{19E20559-B232-4371-8690-E3D8007EDB82}">
   <ds:schemaRefs>
